--- a/Diagrams.pptx
+++ b/Diagrams.pptx
@@ -6,6 +6,11 @@
   </p:sldMasterIdLst>
   <p:sldIdLst>
     <p:sldId id="256" r:id="rId2"/>
+    <p:sldId id="257" r:id="rId3"/>
+    <p:sldId id="258" r:id="rId4"/>
+    <p:sldId id="259" r:id="rId5"/>
+    <p:sldId id="260" r:id="rId6"/>
+    <p:sldId id="261" r:id="rId7"/>
   </p:sldIdLst>
   <p:sldSz cx="12192000" cy="6858000"/>
   <p:notesSz cx="6858000" cy="9144000"/>
@@ -104,6 +109,11 @@
       </a:defRPr>
     </a:lvl9pPr>
   </p:defaultTextStyle>
+  <p:extLst>
+    <p:ext uri="{EFAFB233-063F-42B5-8137-9DF3F51BA10A}">
+      <p15:sldGuideLst xmlns:p15="http://schemas.microsoft.com/office/powerpoint/2012/main"/>
+    </p:ext>
+  </p:extLst>
 </p:presentation>
 </file>
 
@@ -152,7 +162,6 @@
               <a:rPr lang="en-US"/>
               <a:t>Click to edit Master title style</a:t>
             </a:r>
-            <a:endParaRPr lang="en-US"/>
           </a:p>
         </p:txBody>
       </p:sp>
@@ -217,7 +226,6 @@
               <a:rPr lang="en-US"/>
               <a:t>Click to edit Master subtitle style</a:t>
             </a:r>
-            <a:endParaRPr lang="en-US"/>
           </a:p>
         </p:txBody>
       </p:sp>
@@ -238,7 +246,7 @@
           <a:p>
             <a:fld id="{BD486CA0-37E7-4D8F-8D7A-4FE39C460119}" type="datetimeFigureOut">
               <a:rPr lang="en-US" smtClean="0"/>
-              <a:t>16/12/06</a:t>
+              <a:t>16/12/17</a:t>
             </a:fld>
             <a:endParaRPr lang="en-US"/>
           </a:p>
@@ -335,7 +343,6 @@
               <a:rPr lang="en-US"/>
               <a:t>Click to edit Master title style</a:t>
             </a:r>
-            <a:endParaRPr lang="en-US"/>
           </a:p>
         </p:txBody>
       </p:sp>
@@ -387,7 +394,6 @@
               <a:rPr lang="en-US"/>
               <a:t>Fifth level</a:t>
             </a:r>
-            <a:endParaRPr lang="en-US"/>
           </a:p>
         </p:txBody>
       </p:sp>
@@ -408,7 +414,7 @@
           <a:p>
             <a:fld id="{BD486CA0-37E7-4D8F-8D7A-4FE39C460119}" type="datetimeFigureOut">
               <a:rPr lang="en-US" smtClean="0"/>
-              <a:t>16/12/06</a:t>
+              <a:t>16/12/17</a:t>
             </a:fld>
             <a:endParaRPr lang="en-US"/>
           </a:p>
@@ -510,7 +516,6 @@
               <a:rPr lang="en-US"/>
               <a:t>Click to edit Master title style</a:t>
             </a:r>
-            <a:endParaRPr lang="en-US"/>
           </a:p>
         </p:txBody>
       </p:sp>
@@ -567,7 +572,6 @@
               <a:rPr lang="en-US"/>
               <a:t>Fifth level</a:t>
             </a:r>
-            <a:endParaRPr lang="en-US"/>
           </a:p>
         </p:txBody>
       </p:sp>
@@ -588,7 +592,7 @@
           <a:p>
             <a:fld id="{BD486CA0-37E7-4D8F-8D7A-4FE39C460119}" type="datetimeFigureOut">
               <a:rPr lang="en-US" smtClean="0"/>
-              <a:t>16/12/06</a:t>
+              <a:t>16/12/17</a:t>
             </a:fld>
             <a:endParaRPr lang="en-US"/>
           </a:p>
@@ -685,7 +689,6 @@
               <a:rPr lang="en-US"/>
               <a:t>Click to edit Master title style</a:t>
             </a:r>
-            <a:endParaRPr lang="en-US"/>
           </a:p>
         </p:txBody>
       </p:sp>
@@ -737,7 +740,6 @@
               <a:rPr lang="en-US"/>
               <a:t>Fifth level</a:t>
             </a:r>
-            <a:endParaRPr lang="en-US"/>
           </a:p>
         </p:txBody>
       </p:sp>
@@ -758,7 +760,7 @@
           <a:p>
             <a:fld id="{BD486CA0-37E7-4D8F-8D7A-4FE39C460119}" type="datetimeFigureOut">
               <a:rPr lang="en-US" smtClean="0"/>
-              <a:t>16/12/06</a:t>
+              <a:t>16/12/17</a:t>
             </a:fld>
             <a:endParaRPr lang="en-US"/>
           </a:p>
@@ -864,7 +866,6 @@
               <a:rPr lang="en-US"/>
               <a:t>Click to edit Master title style</a:t>
             </a:r>
-            <a:endParaRPr lang="en-US"/>
           </a:p>
         </p:txBody>
       </p:sp>
@@ -1004,7 +1005,7 @@
           <a:p>
             <a:fld id="{BD486CA0-37E7-4D8F-8D7A-4FE39C460119}" type="datetimeFigureOut">
               <a:rPr lang="en-US" smtClean="0"/>
-              <a:t>16/12/06</a:t>
+              <a:t>16/12/17</a:t>
             </a:fld>
             <a:endParaRPr lang="en-US"/>
           </a:p>
@@ -1101,7 +1102,6 @@
               <a:rPr lang="en-US"/>
               <a:t>Click to edit Master title style</a:t>
             </a:r>
-            <a:endParaRPr lang="en-US"/>
           </a:p>
         </p:txBody>
       </p:sp>
@@ -1158,7 +1158,6 @@
               <a:rPr lang="en-US"/>
               <a:t>Fifth level</a:t>
             </a:r>
-            <a:endParaRPr lang="en-US"/>
           </a:p>
         </p:txBody>
       </p:sp>
@@ -1215,7 +1214,6 @@
               <a:rPr lang="en-US"/>
               <a:t>Fifth level</a:t>
             </a:r>
-            <a:endParaRPr lang="en-US"/>
           </a:p>
         </p:txBody>
       </p:sp>
@@ -1236,7 +1234,7 @@
           <a:p>
             <a:fld id="{BD486CA0-37E7-4D8F-8D7A-4FE39C460119}" type="datetimeFigureOut">
               <a:rPr lang="en-US" smtClean="0"/>
-              <a:t>16/12/06</a:t>
+              <a:t>16/12/17</a:t>
             </a:fld>
             <a:endParaRPr lang="en-US"/>
           </a:p>
@@ -1338,7 +1336,6 @@
               <a:rPr lang="en-US"/>
               <a:t>Click to edit Master title style</a:t>
             </a:r>
-            <a:endParaRPr lang="en-US"/>
           </a:p>
         </p:txBody>
       </p:sp>
@@ -1460,7 +1457,6 @@
               <a:rPr lang="en-US"/>
               <a:t>Fifth level</a:t>
             </a:r>
-            <a:endParaRPr lang="en-US"/>
           </a:p>
         </p:txBody>
       </p:sp>
@@ -1582,7 +1578,6 @@
               <a:rPr lang="en-US"/>
               <a:t>Fifth level</a:t>
             </a:r>
-            <a:endParaRPr lang="en-US"/>
           </a:p>
         </p:txBody>
       </p:sp>
@@ -1603,7 +1598,7 @@
           <a:p>
             <a:fld id="{BD486CA0-37E7-4D8F-8D7A-4FE39C460119}" type="datetimeFigureOut">
               <a:rPr lang="en-US" smtClean="0"/>
-              <a:t>16/12/06</a:t>
+              <a:t>16/12/17</a:t>
             </a:fld>
             <a:endParaRPr lang="en-US"/>
           </a:p>
@@ -1700,7 +1695,6 @@
               <a:rPr lang="en-US"/>
               <a:t>Click to edit Master title style</a:t>
             </a:r>
-            <a:endParaRPr lang="en-US"/>
           </a:p>
         </p:txBody>
       </p:sp>
@@ -1721,7 +1715,7 @@
           <a:p>
             <a:fld id="{BD486CA0-37E7-4D8F-8D7A-4FE39C460119}" type="datetimeFigureOut">
               <a:rPr lang="en-US" smtClean="0"/>
-              <a:t>16/12/06</a:t>
+              <a:t>16/12/17</a:t>
             </a:fld>
             <a:endParaRPr lang="en-US"/>
           </a:p>
@@ -1816,7 +1810,7 @@
           <a:p>
             <a:fld id="{BD486CA0-37E7-4D8F-8D7A-4FE39C460119}" type="datetimeFigureOut">
               <a:rPr lang="en-US" smtClean="0"/>
-              <a:t>16/12/06</a:t>
+              <a:t>16/12/17</a:t>
             </a:fld>
             <a:endParaRPr lang="en-US"/>
           </a:p>
@@ -1922,7 +1916,6 @@
               <a:rPr lang="en-US"/>
               <a:t>Click to edit Master title style</a:t>
             </a:r>
-            <a:endParaRPr lang="en-US"/>
           </a:p>
         </p:txBody>
       </p:sp>
@@ -2007,7 +2000,6 @@
               <a:rPr lang="en-US"/>
               <a:t>Fifth level</a:t>
             </a:r>
-            <a:endParaRPr lang="en-US"/>
           </a:p>
         </p:txBody>
       </p:sp>
@@ -2093,7 +2085,7 @@
           <a:p>
             <a:fld id="{BD486CA0-37E7-4D8F-8D7A-4FE39C460119}" type="datetimeFigureOut">
               <a:rPr lang="en-US" smtClean="0"/>
-              <a:t>16/12/06</a:t>
+              <a:t>16/12/17</a:t>
             </a:fld>
             <a:endParaRPr lang="en-US"/>
           </a:p>
@@ -2199,7 +2191,6 @@
               <a:rPr lang="en-US"/>
               <a:t>Click to edit Master title style</a:t>
             </a:r>
-            <a:endParaRPr lang="en-US"/>
           </a:p>
         </p:txBody>
       </p:sp>
@@ -2346,7 +2337,7 @@
           <a:p>
             <a:fld id="{BD486CA0-37E7-4D8F-8D7A-4FE39C460119}" type="datetimeFigureOut">
               <a:rPr lang="en-US" smtClean="0"/>
-              <a:t>16/12/06</a:t>
+              <a:t>16/12/17</a:t>
             </a:fld>
             <a:endParaRPr lang="en-US"/>
           </a:p>
@@ -2458,7 +2449,6 @@
               <a:rPr lang="en-US"/>
               <a:t>Click to edit Master title style</a:t>
             </a:r>
-            <a:endParaRPr lang="en-US"/>
           </a:p>
         </p:txBody>
       </p:sp>
@@ -2520,7 +2510,6 @@
               <a:rPr lang="en-US"/>
               <a:t>Fifth level</a:t>
             </a:r>
-            <a:endParaRPr lang="en-US"/>
           </a:p>
         </p:txBody>
       </p:sp>
@@ -2559,7 +2548,7 @@
           <a:p>
             <a:fld id="{BD486CA0-37E7-4D8F-8D7A-4FE39C460119}" type="datetimeFigureOut">
               <a:rPr lang="en-US" smtClean="0"/>
-              <a:t>16/12/06</a:t>
+              <a:t>16/12/17</a:t>
             </a:fld>
             <a:endParaRPr lang="en-US"/>
           </a:p>
@@ -4151,6 +4140,5001 @@
 </p:sld>
 </file>
 
+<file path=ppt/slides/slide2.xml><?xml version="1.0" encoding="utf-8"?>
+<p:sld xmlns:a="http://schemas.openxmlformats.org/drawingml/2006/main" xmlns:r="http://schemas.openxmlformats.org/officeDocument/2006/relationships" xmlns:p="http://schemas.openxmlformats.org/presentationml/2006/main">
+  <p:cSld>
+    <p:spTree>
+      <p:nvGrpSpPr>
+        <p:cNvPr id="1" name=""/>
+        <p:cNvGrpSpPr/>
+        <p:nvPr/>
+      </p:nvGrpSpPr>
+      <p:grpSpPr>
+        <a:xfrm>
+          <a:off x="0" y="0"/>
+          <a:ext cx="0" cy="0"/>
+          <a:chOff x="0" y="0"/>
+          <a:chExt cx="0" cy="0"/>
+        </a:xfrm>
+      </p:grpSpPr>
+      <p:sp>
+        <p:nvSpPr>
+          <p:cNvPr id="4" name="Rectangle 3"/>
+          <p:cNvSpPr/>
+          <p:nvPr/>
+        </p:nvSpPr>
+        <p:spPr>
+          <a:xfrm>
+            <a:off x="4849500" y="232012"/>
+            <a:ext cx="1514901" cy="586854"/>
+          </a:xfrm>
+          <a:prstGeom prst="rect">
+            <a:avLst/>
+          </a:prstGeom>
+        </p:spPr>
+        <p:style>
+          <a:lnRef idx="2">
+            <a:schemeClr val="accent1">
+              <a:shade val="50000"/>
+            </a:schemeClr>
+          </a:lnRef>
+          <a:fillRef idx="1">
+            <a:schemeClr val="accent1"/>
+          </a:fillRef>
+          <a:effectRef idx="0">
+            <a:schemeClr val="accent1"/>
+          </a:effectRef>
+          <a:fontRef idx="minor">
+            <a:schemeClr val="lt1"/>
+          </a:fontRef>
+        </p:style>
+        <p:txBody>
+          <a:bodyPr rtlCol="0" anchor="ctr"/>
+          <a:lstStyle/>
+          <a:p>
+            <a:pPr algn="ctr"/>
+            <a:r>
+              <a:rPr lang="fa-IR" sz="2400" b="1" dirty="0">
+                <a:cs typeface="0 Nazanin" panose="00000400000000000000" pitchFamily="2" charset="-78"/>
+              </a:rPr>
+              <a:t>کاربر سیستم</a:t>
+            </a:r>
+            <a:endParaRPr lang="en-US" sz="2400" b="1" dirty="0">
+              <a:cs typeface="0 Nazanin" panose="00000400000000000000" pitchFamily="2" charset="-78"/>
+            </a:endParaRPr>
+          </a:p>
+        </p:txBody>
+      </p:sp>
+      <p:sp>
+        <p:nvSpPr>
+          <p:cNvPr id="5" name="Rectangle 4"/>
+          <p:cNvSpPr/>
+          <p:nvPr/>
+        </p:nvSpPr>
+        <p:spPr>
+          <a:xfrm>
+            <a:off x="2288271" y="2063088"/>
+            <a:ext cx="1514901" cy="586854"/>
+          </a:xfrm>
+          <a:prstGeom prst="rect">
+            <a:avLst/>
+          </a:prstGeom>
+        </p:spPr>
+        <p:style>
+          <a:lnRef idx="2">
+            <a:schemeClr val="accent1">
+              <a:shade val="50000"/>
+            </a:schemeClr>
+          </a:lnRef>
+          <a:fillRef idx="1">
+            <a:schemeClr val="accent1"/>
+          </a:fillRef>
+          <a:effectRef idx="0">
+            <a:schemeClr val="accent1"/>
+          </a:effectRef>
+          <a:fontRef idx="minor">
+            <a:schemeClr val="lt1"/>
+          </a:fontRef>
+        </p:style>
+        <p:txBody>
+          <a:bodyPr rtlCol="0" anchor="ctr"/>
+          <a:lstStyle/>
+          <a:p>
+            <a:pPr algn="ctr"/>
+            <a:r>
+              <a:rPr lang="fa-IR" sz="2400" b="1" dirty="0">
+                <a:cs typeface="0 Nazanin" panose="00000400000000000000" pitchFamily="2" charset="-78"/>
+              </a:rPr>
+              <a:t>کاربر</a:t>
+            </a:r>
+            <a:endParaRPr lang="en-US" sz="2400" b="1" dirty="0">
+              <a:cs typeface="0 Nazanin" panose="00000400000000000000" pitchFamily="2" charset="-78"/>
+            </a:endParaRPr>
+          </a:p>
+        </p:txBody>
+      </p:sp>
+      <p:sp>
+        <p:nvSpPr>
+          <p:cNvPr id="6" name="Rectangle 5"/>
+          <p:cNvSpPr/>
+          <p:nvPr/>
+        </p:nvSpPr>
+        <p:spPr>
+          <a:xfrm>
+            <a:off x="4092050" y="2063088"/>
+            <a:ext cx="1514901" cy="586854"/>
+          </a:xfrm>
+          <a:prstGeom prst="rect">
+            <a:avLst/>
+          </a:prstGeom>
+        </p:spPr>
+        <p:style>
+          <a:lnRef idx="2">
+            <a:schemeClr val="accent1">
+              <a:shade val="50000"/>
+            </a:schemeClr>
+          </a:lnRef>
+          <a:fillRef idx="1">
+            <a:schemeClr val="accent1"/>
+          </a:fillRef>
+          <a:effectRef idx="0">
+            <a:schemeClr val="accent1"/>
+          </a:effectRef>
+          <a:fontRef idx="minor">
+            <a:schemeClr val="lt1"/>
+          </a:fontRef>
+        </p:style>
+        <p:txBody>
+          <a:bodyPr rtlCol="0" anchor="ctr"/>
+          <a:lstStyle/>
+          <a:p>
+            <a:pPr algn="ctr"/>
+            <a:r>
+              <a:rPr lang="fa-IR" sz="2400" b="1" dirty="0">
+                <a:cs typeface="0 Nazanin" panose="00000400000000000000" pitchFamily="2" charset="-78"/>
+              </a:rPr>
+              <a:t>صاحب شغل</a:t>
+            </a:r>
+            <a:endParaRPr lang="en-US" sz="2400" b="1" dirty="0">
+              <a:cs typeface="0 Nazanin" panose="00000400000000000000" pitchFamily="2" charset="-78"/>
+            </a:endParaRPr>
+          </a:p>
+        </p:txBody>
+      </p:sp>
+      <p:sp>
+        <p:nvSpPr>
+          <p:cNvPr id="7" name="Rectangle 6"/>
+          <p:cNvSpPr/>
+          <p:nvPr/>
+        </p:nvSpPr>
+        <p:spPr>
+          <a:xfrm>
+            <a:off x="5841242" y="2079008"/>
+            <a:ext cx="1514901" cy="586854"/>
+          </a:xfrm>
+          <a:prstGeom prst="rect">
+            <a:avLst/>
+          </a:prstGeom>
+        </p:spPr>
+        <p:style>
+          <a:lnRef idx="2">
+            <a:schemeClr val="accent1">
+              <a:shade val="50000"/>
+            </a:schemeClr>
+          </a:lnRef>
+          <a:fillRef idx="1">
+            <a:schemeClr val="accent1"/>
+          </a:fillRef>
+          <a:effectRef idx="0">
+            <a:schemeClr val="accent1"/>
+          </a:effectRef>
+          <a:fontRef idx="minor">
+            <a:schemeClr val="lt1"/>
+          </a:fontRef>
+        </p:style>
+        <p:txBody>
+          <a:bodyPr rtlCol="0" anchor="ctr"/>
+          <a:lstStyle/>
+          <a:p>
+            <a:pPr algn="ctr"/>
+            <a:r>
+              <a:rPr lang="fa-IR" sz="2400" b="1" dirty="0">
+                <a:cs typeface="0 Nazanin" panose="00000400000000000000" pitchFamily="2" charset="-78"/>
+              </a:rPr>
+              <a:t>همکار</a:t>
+            </a:r>
+            <a:endParaRPr lang="en-US" sz="2400" b="1" dirty="0">
+              <a:cs typeface="0 Nazanin" panose="00000400000000000000" pitchFamily="2" charset="-78"/>
+            </a:endParaRPr>
+          </a:p>
+        </p:txBody>
+      </p:sp>
+      <p:sp>
+        <p:nvSpPr>
+          <p:cNvPr id="8" name="Rectangle 7"/>
+          <p:cNvSpPr/>
+          <p:nvPr/>
+        </p:nvSpPr>
+        <p:spPr>
+          <a:xfrm>
+            <a:off x="7781498" y="2079008"/>
+            <a:ext cx="1514901" cy="586854"/>
+          </a:xfrm>
+          <a:prstGeom prst="rect">
+            <a:avLst/>
+          </a:prstGeom>
+        </p:spPr>
+        <p:style>
+          <a:lnRef idx="2">
+            <a:schemeClr val="accent1">
+              <a:shade val="50000"/>
+            </a:schemeClr>
+          </a:lnRef>
+          <a:fillRef idx="1">
+            <a:schemeClr val="accent1"/>
+          </a:fillRef>
+          <a:effectRef idx="0">
+            <a:schemeClr val="accent1"/>
+          </a:effectRef>
+          <a:fontRef idx="minor">
+            <a:schemeClr val="lt1"/>
+          </a:fontRef>
+        </p:style>
+        <p:txBody>
+          <a:bodyPr rtlCol="0" anchor="ctr"/>
+          <a:lstStyle/>
+          <a:p>
+            <a:pPr algn="ctr"/>
+            <a:r>
+              <a:rPr lang="fa-IR" sz="2400" b="1" dirty="0">
+                <a:cs typeface="0 Nazanin" panose="00000400000000000000" pitchFamily="2" charset="-78"/>
+              </a:rPr>
+              <a:t>مدیر</a:t>
+            </a:r>
+            <a:endParaRPr lang="en-US" sz="2400" b="1" dirty="0">
+              <a:cs typeface="0 Nazanin" panose="00000400000000000000" pitchFamily="2" charset="-78"/>
+            </a:endParaRPr>
+          </a:p>
+        </p:txBody>
+      </p:sp>
+      <p:cxnSp>
+        <p:nvCxnSpPr>
+          <p:cNvPr id="9" name="Straight Connector 8"/>
+          <p:cNvCxnSpPr>
+            <a:stCxn id="5" idx="0"/>
+          </p:cNvCxnSpPr>
+          <p:nvPr/>
+        </p:nvCxnSpPr>
+        <p:spPr>
+          <a:xfrm flipV="1">
+            <a:off x="3045722" y="1119116"/>
+            <a:ext cx="1803778" cy="943972"/>
+          </a:xfrm>
+          <a:prstGeom prst="line">
+            <a:avLst/>
+          </a:prstGeom>
+        </p:spPr>
+        <p:style>
+          <a:lnRef idx="1">
+            <a:schemeClr val="dk1"/>
+          </a:lnRef>
+          <a:fillRef idx="0">
+            <a:schemeClr val="dk1"/>
+          </a:fillRef>
+          <a:effectRef idx="0">
+            <a:schemeClr val="dk1"/>
+          </a:effectRef>
+          <a:fontRef idx="minor">
+            <a:schemeClr val="tx1"/>
+          </a:fontRef>
+        </p:style>
+      </p:cxnSp>
+      <p:cxnSp>
+        <p:nvCxnSpPr>
+          <p:cNvPr id="10" name="Straight Connector 9"/>
+          <p:cNvCxnSpPr/>
+          <p:nvPr/>
+        </p:nvCxnSpPr>
+        <p:spPr>
+          <a:xfrm flipV="1">
+            <a:off x="4917740" y="1310185"/>
+            <a:ext cx="391239" cy="752903"/>
+          </a:xfrm>
+          <a:prstGeom prst="line">
+            <a:avLst/>
+          </a:prstGeom>
+        </p:spPr>
+        <p:style>
+          <a:lnRef idx="1">
+            <a:schemeClr val="dk1"/>
+          </a:lnRef>
+          <a:fillRef idx="0">
+            <a:schemeClr val="dk1"/>
+          </a:fillRef>
+          <a:effectRef idx="0">
+            <a:schemeClr val="dk1"/>
+          </a:effectRef>
+          <a:fontRef idx="minor">
+            <a:schemeClr val="tx1"/>
+          </a:fontRef>
+        </p:style>
+      </p:cxnSp>
+      <p:cxnSp>
+        <p:nvCxnSpPr>
+          <p:cNvPr id="11" name="Straight Connector 10"/>
+          <p:cNvCxnSpPr/>
+          <p:nvPr/>
+        </p:nvCxnSpPr>
+        <p:spPr>
+          <a:xfrm>
+            <a:off x="6666932" y="1310185"/>
+            <a:ext cx="1879978" cy="752903"/>
+          </a:xfrm>
+          <a:prstGeom prst="line">
+            <a:avLst/>
+          </a:prstGeom>
+        </p:spPr>
+        <p:style>
+          <a:lnRef idx="1">
+            <a:schemeClr val="dk1"/>
+          </a:lnRef>
+          <a:fillRef idx="0">
+            <a:schemeClr val="dk1"/>
+          </a:fillRef>
+          <a:effectRef idx="0">
+            <a:schemeClr val="dk1"/>
+          </a:effectRef>
+          <a:fontRef idx="minor">
+            <a:schemeClr val="tx1"/>
+          </a:fontRef>
+        </p:style>
+      </p:cxnSp>
+      <p:cxnSp>
+        <p:nvCxnSpPr>
+          <p:cNvPr id="12" name="Straight Connector 11"/>
+          <p:cNvCxnSpPr/>
+          <p:nvPr/>
+        </p:nvCxnSpPr>
+        <p:spPr>
+          <a:xfrm flipH="1" flipV="1">
+            <a:off x="6090308" y="1310185"/>
+            <a:ext cx="508384" cy="768824"/>
+          </a:xfrm>
+          <a:prstGeom prst="line">
+            <a:avLst/>
+          </a:prstGeom>
+        </p:spPr>
+        <p:style>
+          <a:lnRef idx="1">
+            <a:schemeClr val="dk1"/>
+          </a:lnRef>
+          <a:fillRef idx="0">
+            <a:schemeClr val="dk1"/>
+          </a:fillRef>
+          <a:effectRef idx="0">
+            <a:schemeClr val="dk1"/>
+          </a:effectRef>
+          <a:fontRef idx="minor">
+            <a:schemeClr val="tx1"/>
+          </a:fontRef>
+        </p:style>
+      </p:cxnSp>
+      <p:sp>
+        <p:nvSpPr>
+          <p:cNvPr id="13" name="Isosceles Triangle 12"/>
+          <p:cNvSpPr/>
+          <p:nvPr/>
+        </p:nvSpPr>
+        <p:spPr>
+          <a:xfrm rot="10800000">
+            <a:off x="4770171" y="990602"/>
+            <a:ext cx="354273" cy="300250"/>
+          </a:xfrm>
+          <a:prstGeom prst="triangle">
+            <a:avLst/>
+          </a:prstGeom>
+        </p:spPr>
+        <p:style>
+          <a:lnRef idx="2">
+            <a:schemeClr val="dk1"/>
+          </a:lnRef>
+          <a:fillRef idx="1">
+            <a:schemeClr val="lt1"/>
+          </a:fillRef>
+          <a:effectRef idx="0">
+            <a:schemeClr val="dk1"/>
+          </a:effectRef>
+          <a:fontRef idx="minor">
+            <a:schemeClr val="dk1"/>
+          </a:fontRef>
+        </p:style>
+        <p:txBody>
+          <a:bodyPr rtlCol="0" anchor="ctr"/>
+          <a:lstStyle/>
+          <a:p>
+            <a:pPr algn="ctr"/>
+            <a:endParaRPr lang="en-US" dirty="0"/>
+          </a:p>
+        </p:txBody>
+      </p:sp>
+      <p:sp>
+        <p:nvSpPr>
+          <p:cNvPr id="14" name="Isosceles Triangle 13"/>
+          <p:cNvSpPr/>
+          <p:nvPr/>
+        </p:nvSpPr>
+        <p:spPr>
+          <a:xfrm rot="9019614">
+            <a:off x="5195803" y="1119116"/>
+            <a:ext cx="354273" cy="300250"/>
+          </a:xfrm>
+          <a:prstGeom prst="triangle">
+            <a:avLst/>
+          </a:prstGeom>
+        </p:spPr>
+        <p:style>
+          <a:lnRef idx="2">
+            <a:schemeClr val="dk1"/>
+          </a:lnRef>
+          <a:fillRef idx="1">
+            <a:schemeClr val="lt1"/>
+          </a:fillRef>
+          <a:effectRef idx="0">
+            <a:schemeClr val="dk1"/>
+          </a:effectRef>
+          <a:fontRef idx="minor">
+            <a:schemeClr val="dk1"/>
+          </a:fontRef>
+        </p:style>
+        <p:txBody>
+          <a:bodyPr rtlCol="0" anchor="ctr"/>
+          <a:lstStyle/>
+          <a:p>
+            <a:pPr algn="ctr"/>
+            <a:endParaRPr lang="en-US" dirty="0"/>
+          </a:p>
+        </p:txBody>
+      </p:sp>
+      <p:sp>
+        <p:nvSpPr>
+          <p:cNvPr id="15" name="Isosceles Triangle 14"/>
+          <p:cNvSpPr/>
+          <p:nvPr/>
+        </p:nvSpPr>
+        <p:spPr>
+          <a:xfrm rot="12063450">
+            <a:off x="5844932" y="1140728"/>
+            <a:ext cx="354273" cy="300250"/>
+          </a:xfrm>
+          <a:prstGeom prst="triangle">
+            <a:avLst/>
+          </a:prstGeom>
+        </p:spPr>
+        <p:style>
+          <a:lnRef idx="2">
+            <a:schemeClr val="dk1"/>
+          </a:lnRef>
+          <a:fillRef idx="1">
+            <a:schemeClr val="lt1"/>
+          </a:fillRef>
+          <a:effectRef idx="0">
+            <a:schemeClr val="dk1"/>
+          </a:effectRef>
+          <a:fontRef idx="minor">
+            <a:schemeClr val="dk1"/>
+          </a:fontRef>
+        </p:style>
+        <p:txBody>
+          <a:bodyPr rtlCol="0" anchor="ctr"/>
+          <a:lstStyle/>
+          <a:p>
+            <a:pPr algn="ctr"/>
+            <a:endParaRPr lang="en-US" dirty="0"/>
+          </a:p>
+        </p:txBody>
+      </p:sp>
+      <p:sp>
+        <p:nvSpPr>
+          <p:cNvPr id="16" name="Isosceles Triangle 15"/>
+          <p:cNvSpPr/>
+          <p:nvPr/>
+        </p:nvSpPr>
+        <p:spPr>
+          <a:xfrm rot="17739085">
+            <a:off x="6369435" y="1106158"/>
+            <a:ext cx="354273" cy="300250"/>
+          </a:xfrm>
+          <a:prstGeom prst="triangle">
+            <a:avLst/>
+          </a:prstGeom>
+        </p:spPr>
+        <p:style>
+          <a:lnRef idx="2">
+            <a:schemeClr val="dk1"/>
+          </a:lnRef>
+          <a:fillRef idx="1">
+            <a:schemeClr val="lt1"/>
+          </a:fillRef>
+          <a:effectRef idx="0">
+            <a:schemeClr val="dk1"/>
+          </a:effectRef>
+          <a:fontRef idx="minor">
+            <a:schemeClr val="dk1"/>
+          </a:fontRef>
+        </p:style>
+        <p:txBody>
+          <a:bodyPr rtlCol="0" anchor="ctr"/>
+          <a:lstStyle/>
+          <a:p>
+            <a:pPr algn="ctr"/>
+            <a:endParaRPr lang="en-US" dirty="0"/>
+          </a:p>
+        </p:txBody>
+      </p:sp>
+      <p:sp>
+        <p:nvSpPr>
+          <p:cNvPr id="17" name="Oval 16"/>
+          <p:cNvSpPr/>
+          <p:nvPr/>
+        </p:nvSpPr>
+        <p:spPr>
+          <a:xfrm>
+            <a:off x="5662378" y="3002175"/>
+            <a:ext cx="219808" cy="228600"/>
+          </a:xfrm>
+          <a:prstGeom prst="ellipse">
+            <a:avLst/>
+          </a:prstGeom>
+        </p:spPr>
+        <p:style>
+          <a:lnRef idx="2">
+            <a:schemeClr val="accent6"/>
+          </a:lnRef>
+          <a:fillRef idx="1">
+            <a:schemeClr val="lt1"/>
+          </a:fillRef>
+          <a:effectRef idx="0">
+            <a:schemeClr val="accent6"/>
+          </a:effectRef>
+          <a:fontRef idx="minor">
+            <a:schemeClr val="dk1"/>
+          </a:fontRef>
+        </p:style>
+        <p:txBody>
+          <a:bodyPr rtlCol="0" anchor="ctr"/>
+          <a:lstStyle/>
+          <a:p>
+            <a:pPr algn="ctr"/>
+            <a:endParaRPr lang="en-US"/>
+          </a:p>
+        </p:txBody>
+      </p:sp>
+      <p:cxnSp>
+        <p:nvCxnSpPr>
+          <p:cNvPr id="18" name="Straight Connector 17"/>
+          <p:cNvCxnSpPr>
+            <a:stCxn id="17" idx="4"/>
+          </p:cNvCxnSpPr>
+          <p:nvPr/>
+        </p:nvCxnSpPr>
+        <p:spPr>
+          <a:xfrm>
+            <a:off x="5772282" y="3230775"/>
+            <a:ext cx="13187" cy="211015"/>
+          </a:xfrm>
+          <a:prstGeom prst="line">
+            <a:avLst/>
+          </a:prstGeom>
+        </p:spPr>
+        <p:style>
+          <a:lnRef idx="2">
+            <a:schemeClr val="accent6"/>
+          </a:lnRef>
+          <a:fillRef idx="1">
+            <a:schemeClr val="lt1"/>
+          </a:fillRef>
+          <a:effectRef idx="0">
+            <a:schemeClr val="accent6"/>
+          </a:effectRef>
+          <a:fontRef idx="minor">
+            <a:schemeClr val="dk1"/>
+          </a:fontRef>
+        </p:style>
+      </p:cxnSp>
+      <p:cxnSp>
+        <p:nvCxnSpPr>
+          <p:cNvPr id="19" name="Straight Connector 18"/>
+          <p:cNvCxnSpPr/>
+          <p:nvPr/>
+        </p:nvCxnSpPr>
+        <p:spPr>
+          <a:xfrm>
+            <a:off x="5798656" y="3441790"/>
+            <a:ext cx="96717" cy="140677"/>
+          </a:xfrm>
+          <a:prstGeom prst="line">
+            <a:avLst/>
+          </a:prstGeom>
+        </p:spPr>
+        <p:style>
+          <a:lnRef idx="2">
+            <a:schemeClr val="accent6"/>
+          </a:lnRef>
+          <a:fillRef idx="1">
+            <a:schemeClr val="lt1"/>
+          </a:fillRef>
+          <a:effectRef idx="0">
+            <a:schemeClr val="accent6"/>
+          </a:effectRef>
+          <a:fontRef idx="minor">
+            <a:schemeClr val="dk1"/>
+          </a:fontRef>
+        </p:style>
+      </p:cxnSp>
+      <p:cxnSp>
+        <p:nvCxnSpPr>
+          <p:cNvPr id="20" name="Straight Connector 19"/>
+          <p:cNvCxnSpPr/>
+          <p:nvPr/>
+        </p:nvCxnSpPr>
+        <p:spPr>
+          <a:xfrm flipH="1">
+            <a:off x="5662378" y="3441790"/>
+            <a:ext cx="123091" cy="131885"/>
+          </a:xfrm>
+          <a:prstGeom prst="line">
+            <a:avLst/>
+          </a:prstGeom>
+        </p:spPr>
+        <p:style>
+          <a:lnRef idx="2">
+            <a:schemeClr val="accent6"/>
+          </a:lnRef>
+          <a:fillRef idx="1">
+            <a:schemeClr val="lt1"/>
+          </a:fillRef>
+          <a:effectRef idx="0">
+            <a:schemeClr val="accent6"/>
+          </a:effectRef>
+          <a:fontRef idx="minor">
+            <a:schemeClr val="dk1"/>
+          </a:fontRef>
+        </p:style>
+      </p:cxnSp>
+      <p:cxnSp>
+        <p:nvCxnSpPr>
+          <p:cNvPr id="21" name="Straight Connector 20"/>
+          <p:cNvCxnSpPr/>
+          <p:nvPr/>
+        </p:nvCxnSpPr>
+        <p:spPr>
+          <a:xfrm flipH="1">
+            <a:off x="5662378" y="3287924"/>
+            <a:ext cx="116499" cy="48358"/>
+          </a:xfrm>
+          <a:prstGeom prst="line">
+            <a:avLst/>
+          </a:prstGeom>
+        </p:spPr>
+        <p:style>
+          <a:lnRef idx="2">
+            <a:schemeClr val="accent6"/>
+          </a:lnRef>
+          <a:fillRef idx="1">
+            <a:schemeClr val="lt1"/>
+          </a:fillRef>
+          <a:effectRef idx="0">
+            <a:schemeClr val="accent6"/>
+          </a:effectRef>
+          <a:fontRef idx="minor">
+            <a:schemeClr val="dk1"/>
+          </a:fontRef>
+        </p:style>
+      </p:cxnSp>
+      <p:cxnSp>
+        <p:nvCxnSpPr>
+          <p:cNvPr id="22" name="Straight Connector 21"/>
+          <p:cNvCxnSpPr/>
+          <p:nvPr/>
+        </p:nvCxnSpPr>
+        <p:spPr>
+          <a:xfrm>
+            <a:off x="5785469" y="3296717"/>
+            <a:ext cx="96717" cy="39565"/>
+          </a:xfrm>
+          <a:prstGeom prst="line">
+            <a:avLst/>
+          </a:prstGeom>
+        </p:spPr>
+        <p:style>
+          <a:lnRef idx="2">
+            <a:schemeClr val="accent6"/>
+          </a:lnRef>
+          <a:fillRef idx="1">
+            <a:schemeClr val="lt1"/>
+          </a:fillRef>
+          <a:effectRef idx="0">
+            <a:schemeClr val="accent6"/>
+          </a:effectRef>
+          <a:fontRef idx="minor">
+            <a:schemeClr val="dk1"/>
+          </a:fontRef>
+        </p:style>
+      </p:cxnSp>
+      <p:sp>
+        <p:nvSpPr>
+          <p:cNvPr id="23" name="Oval 22"/>
+          <p:cNvSpPr/>
+          <p:nvPr/>
+        </p:nvSpPr>
+        <p:spPr>
+          <a:xfrm>
+            <a:off x="3803172" y="4737718"/>
+            <a:ext cx="219808" cy="228600"/>
+          </a:xfrm>
+          <a:prstGeom prst="ellipse">
+            <a:avLst/>
+          </a:prstGeom>
+        </p:spPr>
+        <p:style>
+          <a:lnRef idx="2">
+            <a:schemeClr val="accent6"/>
+          </a:lnRef>
+          <a:fillRef idx="1">
+            <a:schemeClr val="lt1"/>
+          </a:fillRef>
+          <a:effectRef idx="0">
+            <a:schemeClr val="accent6"/>
+          </a:effectRef>
+          <a:fontRef idx="minor">
+            <a:schemeClr val="dk1"/>
+          </a:fontRef>
+        </p:style>
+        <p:txBody>
+          <a:bodyPr rtlCol="0" anchor="ctr"/>
+          <a:lstStyle/>
+          <a:p>
+            <a:pPr algn="ctr"/>
+            <a:endParaRPr lang="en-US"/>
+          </a:p>
+        </p:txBody>
+      </p:sp>
+      <p:cxnSp>
+        <p:nvCxnSpPr>
+          <p:cNvPr id="24" name="Straight Connector 23"/>
+          <p:cNvCxnSpPr>
+            <a:stCxn id="23" idx="4"/>
+          </p:cNvCxnSpPr>
+          <p:nvPr/>
+        </p:nvCxnSpPr>
+        <p:spPr>
+          <a:xfrm>
+            <a:off x="3913076" y="4966318"/>
+            <a:ext cx="13187" cy="211015"/>
+          </a:xfrm>
+          <a:prstGeom prst="line">
+            <a:avLst/>
+          </a:prstGeom>
+        </p:spPr>
+        <p:style>
+          <a:lnRef idx="2">
+            <a:schemeClr val="accent6"/>
+          </a:lnRef>
+          <a:fillRef idx="1">
+            <a:schemeClr val="lt1"/>
+          </a:fillRef>
+          <a:effectRef idx="0">
+            <a:schemeClr val="accent6"/>
+          </a:effectRef>
+          <a:fontRef idx="minor">
+            <a:schemeClr val="dk1"/>
+          </a:fontRef>
+        </p:style>
+      </p:cxnSp>
+      <p:cxnSp>
+        <p:nvCxnSpPr>
+          <p:cNvPr id="25" name="Straight Connector 24"/>
+          <p:cNvCxnSpPr/>
+          <p:nvPr/>
+        </p:nvCxnSpPr>
+        <p:spPr>
+          <a:xfrm>
+            <a:off x="3939450" y="5177333"/>
+            <a:ext cx="96717" cy="140677"/>
+          </a:xfrm>
+          <a:prstGeom prst="line">
+            <a:avLst/>
+          </a:prstGeom>
+        </p:spPr>
+        <p:style>
+          <a:lnRef idx="2">
+            <a:schemeClr val="accent6"/>
+          </a:lnRef>
+          <a:fillRef idx="1">
+            <a:schemeClr val="lt1"/>
+          </a:fillRef>
+          <a:effectRef idx="0">
+            <a:schemeClr val="accent6"/>
+          </a:effectRef>
+          <a:fontRef idx="minor">
+            <a:schemeClr val="dk1"/>
+          </a:fontRef>
+        </p:style>
+      </p:cxnSp>
+      <p:cxnSp>
+        <p:nvCxnSpPr>
+          <p:cNvPr id="26" name="Straight Connector 25"/>
+          <p:cNvCxnSpPr/>
+          <p:nvPr/>
+        </p:nvCxnSpPr>
+        <p:spPr>
+          <a:xfrm flipH="1">
+            <a:off x="3803172" y="5177333"/>
+            <a:ext cx="123091" cy="131885"/>
+          </a:xfrm>
+          <a:prstGeom prst="line">
+            <a:avLst/>
+          </a:prstGeom>
+        </p:spPr>
+        <p:style>
+          <a:lnRef idx="2">
+            <a:schemeClr val="accent6"/>
+          </a:lnRef>
+          <a:fillRef idx="1">
+            <a:schemeClr val="lt1"/>
+          </a:fillRef>
+          <a:effectRef idx="0">
+            <a:schemeClr val="accent6"/>
+          </a:effectRef>
+          <a:fontRef idx="minor">
+            <a:schemeClr val="dk1"/>
+          </a:fontRef>
+        </p:style>
+      </p:cxnSp>
+      <p:cxnSp>
+        <p:nvCxnSpPr>
+          <p:cNvPr id="27" name="Straight Connector 26"/>
+          <p:cNvCxnSpPr/>
+          <p:nvPr/>
+        </p:nvCxnSpPr>
+        <p:spPr>
+          <a:xfrm flipH="1">
+            <a:off x="3803172" y="5023467"/>
+            <a:ext cx="116499" cy="48358"/>
+          </a:xfrm>
+          <a:prstGeom prst="line">
+            <a:avLst/>
+          </a:prstGeom>
+        </p:spPr>
+        <p:style>
+          <a:lnRef idx="2">
+            <a:schemeClr val="accent6"/>
+          </a:lnRef>
+          <a:fillRef idx="1">
+            <a:schemeClr val="lt1"/>
+          </a:fillRef>
+          <a:effectRef idx="0">
+            <a:schemeClr val="accent6"/>
+          </a:effectRef>
+          <a:fontRef idx="minor">
+            <a:schemeClr val="dk1"/>
+          </a:fontRef>
+        </p:style>
+      </p:cxnSp>
+      <p:cxnSp>
+        <p:nvCxnSpPr>
+          <p:cNvPr id="28" name="Straight Connector 27"/>
+          <p:cNvCxnSpPr/>
+          <p:nvPr/>
+        </p:nvCxnSpPr>
+        <p:spPr>
+          <a:xfrm>
+            <a:off x="3926263" y="5032260"/>
+            <a:ext cx="96717" cy="39565"/>
+          </a:xfrm>
+          <a:prstGeom prst="line">
+            <a:avLst/>
+          </a:prstGeom>
+        </p:spPr>
+        <p:style>
+          <a:lnRef idx="2">
+            <a:schemeClr val="accent6"/>
+          </a:lnRef>
+          <a:fillRef idx="1">
+            <a:schemeClr val="lt1"/>
+          </a:fillRef>
+          <a:effectRef idx="0">
+            <a:schemeClr val="accent6"/>
+          </a:effectRef>
+          <a:fontRef idx="minor">
+            <a:schemeClr val="dk1"/>
+          </a:fontRef>
+        </p:style>
+      </p:cxnSp>
+      <p:sp>
+        <p:nvSpPr>
+          <p:cNvPr id="29" name="Oval 28"/>
+          <p:cNvSpPr/>
+          <p:nvPr/>
+        </p:nvSpPr>
+        <p:spPr>
+          <a:xfrm>
+            <a:off x="5142434" y="4794867"/>
+            <a:ext cx="219808" cy="228600"/>
+          </a:xfrm>
+          <a:prstGeom prst="ellipse">
+            <a:avLst/>
+          </a:prstGeom>
+        </p:spPr>
+        <p:style>
+          <a:lnRef idx="2">
+            <a:schemeClr val="accent6"/>
+          </a:lnRef>
+          <a:fillRef idx="1">
+            <a:schemeClr val="lt1"/>
+          </a:fillRef>
+          <a:effectRef idx="0">
+            <a:schemeClr val="accent6"/>
+          </a:effectRef>
+          <a:fontRef idx="minor">
+            <a:schemeClr val="dk1"/>
+          </a:fontRef>
+        </p:style>
+        <p:txBody>
+          <a:bodyPr rtlCol="0" anchor="ctr"/>
+          <a:lstStyle/>
+          <a:p>
+            <a:pPr algn="ctr"/>
+            <a:endParaRPr lang="en-US"/>
+          </a:p>
+        </p:txBody>
+      </p:sp>
+      <p:cxnSp>
+        <p:nvCxnSpPr>
+          <p:cNvPr id="30" name="Straight Connector 29"/>
+          <p:cNvCxnSpPr>
+            <a:stCxn id="29" idx="4"/>
+          </p:cNvCxnSpPr>
+          <p:nvPr/>
+        </p:nvCxnSpPr>
+        <p:spPr>
+          <a:xfrm>
+            <a:off x="5252338" y="5023467"/>
+            <a:ext cx="13187" cy="211015"/>
+          </a:xfrm>
+          <a:prstGeom prst="line">
+            <a:avLst/>
+          </a:prstGeom>
+        </p:spPr>
+        <p:style>
+          <a:lnRef idx="2">
+            <a:schemeClr val="accent6"/>
+          </a:lnRef>
+          <a:fillRef idx="1">
+            <a:schemeClr val="lt1"/>
+          </a:fillRef>
+          <a:effectRef idx="0">
+            <a:schemeClr val="accent6"/>
+          </a:effectRef>
+          <a:fontRef idx="minor">
+            <a:schemeClr val="dk1"/>
+          </a:fontRef>
+        </p:style>
+      </p:cxnSp>
+      <p:cxnSp>
+        <p:nvCxnSpPr>
+          <p:cNvPr id="31" name="Straight Connector 30"/>
+          <p:cNvCxnSpPr/>
+          <p:nvPr/>
+        </p:nvCxnSpPr>
+        <p:spPr>
+          <a:xfrm>
+            <a:off x="5278712" y="5234482"/>
+            <a:ext cx="96717" cy="140677"/>
+          </a:xfrm>
+          <a:prstGeom prst="line">
+            <a:avLst/>
+          </a:prstGeom>
+        </p:spPr>
+        <p:style>
+          <a:lnRef idx="2">
+            <a:schemeClr val="accent6"/>
+          </a:lnRef>
+          <a:fillRef idx="1">
+            <a:schemeClr val="lt1"/>
+          </a:fillRef>
+          <a:effectRef idx="0">
+            <a:schemeClr val="accent6"/>
+          </a:effectRef>
+          <a:fontRef idx="minor">
+            <a:schemeClr val="dk1"/>
+          </a:fontRef>
+        </p:style>
+      </p:cxnSp>
+      <p:cxnSp>
+        <p:nvCxnSpPr>
+          <p:cNvPr id="32" name="Straight Connector 31"/>
+          <p:cNvCxnSpPr/>
+          <p:nvPr/>
+        </p:nvCxnSpPr>
+        <p:spPr>
+          <a:xfrm flipH="1">
+            <a:off x="5142434" y="5234482"/>
+            <a:ext cx="123091" cy="131885"/>
+          </a:xfrm>
+          <a:prstGeom prst="line">
+            <a:avLst/>
+          </a:prstGeom>
+        </p:spPr>
+        <p:style>
+          <a:lnRef idx="2">
+            <a:schemeClr val="accent6"/>
+          </a:lnRef>
+          <a:fillRef idx="1">
+            <a:schemeClr val="lt1"/>
+          </a:fillRef>
+          <a:effectRef idx="0">
+            <a:schemeClr val="accent6"/>
+          </a:effectRef>
+          <a:fontRef idx="minor">
+            <a:schemeClr val="dk1"/>
+          </a:fontRef>
+        </p:style>
+      </p:cxnSp>
+      <p:cxnSp>
+        <p:nvCxnSpPr>
+          <p:cNvPr id="33" name="Straight Connector 32"/>
+          <p:cNvCxnSpPr/>
+          <p:nvPr/>
+        </p:nvCxnSpPr>
+        <p:spPr>
+          <a:xfrm flipH="1">
+            <a:off x="5142434" y="5080616"/>
+            <a:ext cx="116499" cy="48358"/>
+          </a:xfrm>
+          <a:prstGeom prst="line">
+            <a:avLst/>
+          </a:prstGeom>
+        </p:spPr>
+        <p:style>
+          <a:lnRef idx="2">
+            <a:schemeClr val="accent6"/>
+          </a:lnRef>
+          <a:fillRef idx="1">
+            <a:schemeClr val="lt1"/>
+          </a:fillRef>
+          <a:effectRef idx="0">
+            <a:schemeClr val="accent6"/>
+          </a:effectRef>
+          <a:fontRef idx="minor">
+            <a:schemeClr val="dk1"/>
+          </a:fontRef>
+        </p:style>
+      </p:cxnSp>
+      <p:cxnSp>
+        <p:nvCxnSpPr>
+          <p:cNvPr id="34" name="Straight Connector 33"/>
+          <p:cNvCxnSpPr/>
+          <p:nvPr/>
+        </p:nvCxnSpPr>
+        <p:spPr>
+          <a:xfrm>
+            <a:off x="5265525" y="5089409"/>
+            <a:ext cx="96717" cy="39565"/>
+          </a:xfrm>
+          <a:prstGeom prst="line">
+            <a:avLst/>
+          </a:prstGeom>
+        </p:spPr>
+        <p:style>
+          <a:lnRef idx="2">
+            <a:schemeClr val="accent6"/>
+          </a:lnRef>
+          <a:fillRef idx="1">
+            <a:schemeClr val="lt1"/>
+          </a:fillRef>
+          <a:effectRef idx="0">
+            <a:schemeClr val="accent6"/>
+          </a:effectRef>
+          <a:fontRef idx="minor">
+            <a:schemeClr val="dk1"/>
+          </a:fontRef>
+        </p:style>
+      </p:cxnSp>
+      <p:sp>
+        <p:nvSpPr>
+          <p:cNvPr id="35" name="Oval 34"/>
+          <p:cNvSpPr/>
+          <p:nvPr/>
+        </p:nvSpPr>
+        <p:spPr>
+          <a:xfrm>
+            <a:off x="6523338" y="4794867"/>
+            <a:ext cx="219808" cy="228600"/>
+          </a:xfrm>
+          <a:prstGeom prst="ellipse">
+            <a:avLst/>
+          </a:prstGeom>
+        </p:spPr>
+        <p:style>
+          <a:lnRef idx="2">
+            <a:schemeClr val="accent6"/>
+          </a:lnRef>
+          <a:fillRef idx="1">
+            <a:schemeClr val="lt1"/>
+          </a:fillRef>
+          <a:effectRef idx="0">
+            <a:schemeClr val="accent6"/>
+          </a:effectRef>
+          <a:fontRef idx="minor">
+            <a:schemeClr val="dk1"/>
+          </a:fontRef>
+        </p:style>
+        <p:txBody>
+          <a:bodyPr rtlCol="0" anchor="ctr"/>
+          <a:lstStyle/>
+          <a:p>
+            <a:pPr algn="ctr"/>
+            <a:endParaRPr lang="en-US"/>
+          </a:p>
+        </p:txBody>
+      </p:sp>
+      <p:cxnSp>
+        <p:nvCxnSpPr>
+          <p:cNvPr id="36" name="Straight Connector 35"/>
+          <p:cNvCxnSpPr>
+            <a:stCxn id="35" idx="4"/>
+          </p:cNvCxnSpPr>
+          <p:nvPr/>
+        </p:nvCxnSpPr>
+        <p:spPr>
+          <a:xfrm>
+            <a:off x="6633242" y="5023467"/>
+            <a:ext cx="13187" cy="211015"/>
+          </a:xfrm>
+          <a:prstGeom prst="line">
+            <a:avLst/>
+          </a:prstGeom>
+        </p:spPr>
+        <p:style>
+          <a:lnRef idx="2">
+            <a:schemeClr val="accent6"/>
+          </a:lnRef>
+          <a:fillRef idx="1">
+            <a:schemeClr val="lt1"/>
+          </a:fillRef>
+          <a:effectRef idx="0">
+            <a:schemeClr val="accent6"/>
+          </a:effectRef>
+          <a:fontRef idx="minor">
+            <a:schemeClr val="dk1"/>
+          </a:fontRef>
+        </p:style>
+      </p:cxnSp>
+      <p:cxnSp>
+        <p:nvCxnSpPr>
+          <p:cNvPr id="37" name="Straight Connector 36"/>
+          <p:cNvCxnSpPr/>
+          <p:nvPr/>
+        </p:nvCxnSpPr>
+        <p:spPr>
+          <a:xfrm>
+            <a:off x="6659616" y="5234482"/>
+            <a:ext cx="96717" cy="140677"/>
+          </a:xfrm>
+          <a:prstGeom prst="line">
+            <a:avLst/>
+          </a:prstGeom>
+        </p:spPr>
+        <p:style>
+          <a:lnRef idx="2">
+            <a:schemeClr val="accent6"/>
+          </a:lnRef>
+          <a:fillRef idx="1">
+            <a:schemeClr val="lt1"/>
+          </a:fillRef>
+          <a:effectRef idx="0">
+            <a:schemeClr val="accent6"/>
+          </a:effectRef>
+          <a:fontRef idx="minor">
+            <a:schemeClr val="dk1"/>
+          </a:fontRef>
+        </p:style>
+      </p:cxnSp>
+      <p:cxnSp>
+        <p:nvCxnSpPr>
+          <p:cNvPr id="38" name="Straight Connector 37"/>
+          <p:cNvCxnSpPr/>
+          <p:nvPr/>
+        </p:nvCxnSpPr>
+        <p:spPr>
+          <a:xfrm flipH="1">
+            <a:off x="6523338" y="5234482"/>
+            <a:ext cx="123091" cy="131885"/>
+          </a:xfrm>
+          <a:prstGeom prst="line">
+            <a:avLst/>
+          </a:prstGeom>
+        </p:spPr>
+        <p:style>
+          <a:lnRef idx="2">
+            <a:schemeClr val="accent6"/>
+          </a:lnRef>
+          <a:fillRef idx="1">
+            <a:schemeClr val="lt1"/>
+          </a:fillRef>
+          <a:effectRef idx="0">
+            <a:schemeClr val="accent6"/>
+          </a:effectRef>
+          <a:fontRef idx="minor">
+            <a:schemeClr val="dk1"/>
+          </a:fontRef>
+        </p:style>
+      </p:cxnSp>
+      <p:cxnSp>
+        <p:nvCxnSpPr>
+          <p:cNvPr id="39" name="Straight Connector 38"/>
+          <p:cNvCxnSpPr/>
+          <p:nvPr/>
+        </p:nvCxnSpPr>
+        <p:spPr>
+          <a:xfrm flipH="1">
+            <a:off x="6523338" y="5080616"/>
+            <a:ext cx="116499" cy="48358"/>
+          </a:xfrm>
+          <a:prstGeom prst="line">
+            <a:avLst/>
+          </a:prstGeom>
+        </p:spPr>
+        <p:style>
+          <a:lnRef idx="2">
+            <a:schemeClr val="accent6"/>
+          </a:lnRef>
+          <a:fillRef idx="1">
+            <a:schemeClr val="lt1"/>
+          </a:fillRef>
+          <a:effectRef idx="0">
+            <a:schemeClr val="accent6"/>
+          </a:effectRef>
+          <a:fontRef idx="minor">
+            <a:schemeClr val="dk1"/>
+          </a:fontRef>
+        </p:style>
+      </p:cxnSp>
+      <p:cxnSp>
+        <p:nvCxnSpPr>
+          <p:cNvPr id="40" name="Straight Connector 39"/>
+          <p:cNvCxnSpPr/>
+          <p:nvPr/>
+        </p:nvCxnSpPr>
+        <p:spPr>
+          <a:xfrm>
+            <a:off x="6646429" y="5089409"/>
+            <a:ext cx="96717" cy="39565"/>
+          </a:xfrm>
+          <a:prstGeom prst="line">
+            <a:avLst/>
+          </a:prstGeom>
+        </p:spPr>
+        <p:style>
+          <a:lnRef idx="2">
+            <a:schemeClr val="accent6"/>
+          </a:lnRef>
+          <a:fillRef idx="1">
+            <a:schemeClr val="lt1"/>
+          </a:fillRef>
+          <a:effectRef idx="0">
+            <a:schemeClr val="accent6"/>
+          </a:effectRef>
+          <a:fontRef idx="minor">
+            <a:schemeClr val="dk1"/>
+          </a:fontRef>
+        </p:style>
+      </p:cxnSp>
+      <p:sp>
+        <p:nvSpPr>
+          <p:cNvPr id="41" name="Oval 40"/>
+          <p:cNvSpPr/>
+          <p:nvPr/>
+        </p:nvSpPr>
+        <p:spPr>
+          <a:xfrm>
+            <a:off x="7904242" y="4737718"/>
+            <a:ext cx="219808" cy="228600"/>
+          </a:xfrm>
+          <a:prstGeom prst="ellipse">
+            <a:avLst/>
+          </a:prstGeom>
+        </p:spPr>
+        <p:style>
+          <a:lnRef idx="2">
+            <a:schemeClr val="accent6"/>
+          </a:lnRef>
+          <a:fillRef idx="1">
+            <a:schemeClr val="lt1"/>
+          </a:fillRef>
+          <a:effectRef idx="0">
+            <a:schemeClr val="accent6"/>
+          </a:effectRef>
+          <a:fontRef idx="minor">
+            <a:schemeClr val="dk1"/>
+          </a:fontRef>
+        </p:style>
+        <p:txBody>
+          <a:bodyPr rtlCol="0" anchor="ctr"/>
+          <a:lstStyle/>
+          <a:p>
+            <a:pPr algn="ctr"/>
+            <a:endParaRPr lang="en-US"/>
+          </a:p>
+        </p:txBody>
+      </p:sp>
+      <p:cxnSp>
+        <p:nvCxnSpPr>
+          <p:cNvPr id="42" name="Straight Connector 41"/>
+          <p:cNvCxnSpPr>
+            <a:stCxn id="41" idx="4"/>
+          </p:cNvCxnSpPr>
+          <p:nvPr/>
+        </p:nvCxnSpPr>
+        <p:spPr>
+          <a:xfrm>
+            <a:off x="8014146" y="4966318"/>
+            <a:ext cx="13187" cy="211015"/>
+          </a:xfrm>
+          <a:prstGeom prst="line">
+            <a:avLst/>
+          </a:prstGeom>
+        </p:spPr>
+        <p:style>
+          <a:lnRef idx="2">
+            <a:schemeClr val="accent6"/>
+          </a:lnRef>
+          <a:fillRef idx="1">
+            <a:schemeClr val="lt1"/>
+          </a:fillRef>
+          <a:effectRef idx="0">
+            <a:schemeClr val="accent6"/>
+          </a:effectRef>
+          <a:fontRef idx="minor">
+            <a:schemeClr val="dk1"/>
+          </a:fontRef>
+        </p:style>
+      </p:cxnSp>
+      <p:cxnSp>
+        <p:nvCxnSpPr>
+          <p:cNvPr id="43" name="Straight Connector 42"/>
+          <p:cNvCxnSpPr/>
+          <p:nvPr/>
+        </p:nvCxnSpPr>
+        <p:spPr>
+          <a:xfrm>
+            <a:off x="8040520" y="5177333"/>
+            <a:ext cx="96717" cy="140677"/>
+          </a:xfrm>
+          <a:prstGeom prst="line">
+            <a:avLst/>
+          </a:prstGeom>
+        </p:spPr>
+        <p:style>
+          <a:lnRef idx="2">
+            <a:schemeClr val="accent6"/>
+          </a:lnRef>
+          <a:fillRef idx="1">
+            <a:schemeClr val="lt1"/>
+          </a:fillRef>
+          <a:effectRef idx="0">
+            <a:schemeClr val="accent6"/>
+          </a:effectRef>
+          <a:fontRef idx="minor">
+            <a:schemeClr val="dk1"/>
+          </a:fontRef>
+        </p:style>
+      </p:cxnSp>
+      <p:cxnSp>
+        <p:nvCxnSpPr>
+          <p:cNvPr id="44" name="Straight Connector 43"/>
+          <p:cNvCxnSpPr/>
+          <p:nvPr/>
+        </p:nvCxnSpPr>
+        <p:spPr>
+          <a:xfrm flipH="1">
+            <a:off x="7904242" y="5177333"/>
+            <a:ext cx="123091" cy="131885"/>
+          </a:xfrm>
+          <a:prstGeom prst="line">
+            <a:avLst/>
+          </a:prstGeom>
+        </p:spPr>
+        <p:style>
+          <a:lnRef idx="2">
+            <a:schemeClr val="accent6"/>
+          </a:lnRef>
+          <a:fillRef idx="1">
+            <a:schemeClr val="lt1"/>
+          </a:fillRef>
+          <a:effectRef idx="0">
+            <a:schemeClr val="accent6"/>
+          </a:effectRef>
+          <a:fontRef idx="minor">
+            <a:schemeClr val="dk1"/>
+          </a:fontRef>
+        </p:style>
+      </p:cxnSp>
+      <p:cxnSp>
+        <p:nvCxnSpPr>
+          <p:cNvPr id="45" name="Straight Connector 44"/>
+          <p:cNvCxnSpPr/>
+          <p:nvPr/>
+        </p:nvCxnSpPr>
+        <p:spPr>
+          <a:xfrm flipH="1">
+            <a:off x="7904242" y="5023467"/>
+            <a:ext cx="116499" cy="48358"/>
+          </a:xfrm>
+          <a:prstGeom prst="line">
+            <a:avLst/>
+          </a:prstGeom>
+        </p:spPr>
+        <p:style>
+          <a:lnRef idx="2">
+            <a:schemeClr val="accent6"/>
+          </a:lnRef>
+          <a:fillRef idx="1">
+            <a:schemeClr val="lt1"/>
+          </a:fillRef>
+          <a:effectRef idx="0">
+            <a:schemeClr val="accent6"/>
+          </a:effectRef>
+          <a:fontRef idx="minor">
+            <a:schemeClr val="dk1"/>
+          </a:fontRef>
+        </p:style>
+      </p:cxnSp>
+      <p:cxnSp>
+        <p:nvCxnSpPr>
+          <p:cNvPr id="46" name="Straight Connector 45"/>
+          <p:cNvCxnSpPr/>
+          <p:nvPr/>
+        </p:nvCxnSpPr>
+        <p:spPr>
+          <a:xfrm>
+            <a:off x="8027333" y="5032260"/>
+            <a:ext cx="96717" cy="39565"/>
+          </a:xfrm>
+          <a:prstGeom prst="line">
+            <a:avLst/>
+          </a:prstGeom>
+        </p:spPr>
+        <p:style>
+          <a:lnRef idx="2">
+            <a:schemeClr val="accent6"/>
+          </a:lnRef>
+          <a:fillRef idx="1">
+            <a:schemeClr val="lt1"/>
+          </a:fillRef>
+          <a:effectRef idx="0">
+            <a:schemeClr val="accent6"/>
+          </a:effectRef>
+          <a:fontRef idx="minor">
+            <a:schemeClr val="dk1"/>
+          </a:fontRef>
+        </p:style>
+      </p:cxnSp>
+      <p:cxnSp>
+        <p:nvCxnSpPr>
+          <p:cNvPr id="47" name="Straight Connector 46"/>
+          <p:cNvCxnSpPr>
+            <a:endCxn id="51" idx="5"/>
+          </p:cNvCxnSpPr>
+          <p:nvPr/>
+        </p:nvCxnSpPr>
+        <p:spPr>
+          <a:xfrm flipV="1">
+            <a:off x="4170967" y="3894283"/>
+            <a:ext cx="1051620" cy="737927"/>
+          </a:xfrm>
+          <a:prstGeom prst="line">
+            <a:avLst/>
+          </a:prstGeom>
+        </p:spPr>
+        <p:style>
+          <a:lnRef idx="1">
+            <a:schemeClr val="dk1"/>
+          </a:lnRef>
+          <a:fillRef idx="0">
+            <a:schemeClr val="dk1"/>
+          </a:fillRef>
+          <a:effectRef idx="0">
+            <a:schemeClr val="dk1"/>
+          </a:effectRef>
+          <a:fontRef idx="minor">
+            <a:schemeClr val="tx1"/>
+          </a:fontRef>
+        </p:style>
+      </p:cxnSp>
+      <p:cxnSp>
+        <p:nvCxnSpPr>
+          <p:cNvPr id="48" name="Straight Connector 47"/>
+          <p:cNvCxnSpPr/>
+          <p:nvPr/>
+        </p:nvCxnSpPr>
+        <p:spPr>
+          <a:xfrm flipV="1">
+            <a:off x="5305140" y="3957496"/>
+            <a:ext cx="262330" cy="680405"/>
+          </a:xfrm>
+          <a:prstGeom prst="line">
+            <a:avLst/>
+          </a:prstGeom>
+        </p:spPr>
+        <p:style>
+          <a:lnRef idx="1">
+            <a:schemeClr val="dk1"/>
+          </a:lnRef>
+          <a:fillRef idx="0">
+            <a:schemeClr val="dk1"/>
+          </a:fillRef>
+          <a:effectRef idx="0">
+            <a:schemeClr val="dk1"/>
+          </a:effectRef>
+          <a:fontRef idx="minor">
+            <a:schemeClr val="tx1"/>
+          </a:fontRef>
+        </p:style>
+      </p:cxnSp>
+      <p:cxnSp>
+        <p:nvCxnSpPr>
+          <p:cNvPr id="49" name="Straight Connector 48"/>
+          <p:cNvCxnSpPr/>
+          <p:nvPr/>
+        </p:nvCxnSpPr>
+        <p:spPr>
+          <a:xfrm>
+            <a:off x="6373239" y="3901052"/>
+            <a:ext cx="1512237" cy="847437"/>
+          </a:xfrm>
+          <a:prstGeom prst="line">
+            <a:avLst/>
+          </a:prstGeom>
+        </p:spPr>
+        <p:style>
+          <a:lnRef idx="1">
+            <a:schemeClr val="dk1"/>
+          </a:lnRef>
+          <a:fillRef idx="0">
+            <a:schemeClr val="dk1"/>
+          </a:fillRef>
+          <a:effectRef idx="0">
+            <a:schemeClr val="dk1"/>
+          </a:effectRef>
+          <a:fontRef idx="minor">
+            <a:schemeClr val="tx1"/>
+          </a:fontRef>
+        </p:style>
+      </p:cxnSp>
+      <p:cxnSp>
+        <p:nvCxnSpPr>
+          <p:cNvPr id="50" name="Straight Connector 49"/>
+          <p:cNvCxnSpPr/>
+          <p:nvPr/>
+        </p:nvCxnSpPr>
+        <p:spPr>
+          <a:xfrm flipH="1" flipV="1">
+            <a:off x="5996254" y="3938900"/>
+            <a:ext cx="527084" cy="699001"/>
+          </a:xfrm>
+          <a:prstGeom prst="line">
+            <a:avLst/>
+          </a:prstGeom>
+        </p:spPr>
+        <p:style>
+          <a:lnRef idx="1">
+            <a:schemeClr val="dk1"/>
+          </a:lnRef>
+          <a:fillRef idx="0">
+            <a:schemeClr val="dk1"/>
+          </a:fillRef>
+          <a:effectRef idx="0">
+            <a:schemeClr val="dk1"/>
+          </a:effectRef>
+          <a:fontRef idx="minor">
+            <a:schemeClr val="tx1"/>
+          </a:fontRef>
+        </p:style>
+      </p:cxnSp>
+      <p:sp>
+        <p:nvSpPr>
+          <p:cNvPr id="51" name="Isosceles Triangle 50"/>
+          <p:cNvSpPr/>
+          <p:nvPr/>
+        </p:nvSpPr>
+        <p:spPr>
+          <a:xfrm rot="10800000">
+            <a:off x="5142433" y="3763337"/>
+            <a:ext cx="320615" cy="261892"/>
+          </a:xfrm>
+          <a:prstGeom prst="triangle">
+            <a:avLst/>
+          </a:prstGeom>
+        </p:spPr>
+        <p:style>
+          <a:lnRef idx="2">
+            <a:schemeClr val="dk1"/>
+          </a:lnRef>
+          <a:fillRef idx="1">
+            <a:schemeClr val="lt1"/>
+          </a:fillRef>
+          <a:effectRef idx="0">
+            <a:schemeClr val="dk1"/>
+          </a:effectRef>
+          <a:fontRef idx="minor">
+            <a:schemeClr val="dk1"/>
+          </a:fontRef>
+        </p:style>
+        <p:txBody>
+          <a:bodyPr rtlCol="0" anchor="ctr"/>
+          <a:lstStyle/>
+          <a:p>
+            <a:pPr algn="ctr"/>
+            <a:endParaRPr lang="en-US" dirty="0"/>
+          </a:p>
+        </p:txBody>
+      </p:sp>
+      <p:sp>
+        <p:nvSpPr>
+          <p:cNvPr id="52" name="Isosceles Triangle 51"/>
+          <p:cNvSpPr/>
+          <p:nvPr/>
+        </p:nvSpPr>
+        <p:spPr>
+          <a:xfrm rot="9019614">
+            <a:off x="5489747" y="3842011"/>
+            <a:ext cx="313429" cy="230969"/>
+          </a:xfrm>
+          <a:prstGeom prst="triangle">
+            <a:avLst/>
+          </a:prstGeom>
+        </p:spPr>
+        <p:style>
+          <a:lnRef idx="2">
+            <a:schemeClr val="dk1"/>
+          </a:lnRef>
+          <a:fillRef idx="1">
+            <a:schemeClr val="lt1"/>
+          </a:fillRef>
+          <a:effectRef idx="0">
+            <a:schemeClr val="dk1"/>
+          </a:effectRef>
+          <a:fontRef idx="minor">
+            <a:schemeClr val="dk1"/>
+          </a:fontRef>
+        </p:style>
+        <p:txBody>
+          <a:bodyPr rtlCol="0" anchor="ctr"/>
+          <a:lstStyle/>
+          <a:p>
+            <a:pPr algn="ctr"/>
+            <a:endParaRPr lang="en-US" dirty="0"/>
+          </a:p>
+        </p:txBody>
+      </p:sp>
+      <p:sp>
+        <p:nvSpPr>
+          <p:cNvPr id="53" name="Isosceles Triangle 52"/>
+          <p:cNvSpPr/>
+          <p:nvPr/>
+        </p:nvSpPr>
+        <p:spPr>
+          <a:xfrm rot="19229063">
+            <a:off x="5808457" y="3748531"/>
+            <a:ext cx="250620" cy="265683"/>
+          </a:xfrm>
+          <a:prstGeom prst="triangle">
+            <a:avLst/>
+          </a:prstGeom>
+        </p:spPr>
+        <p:style>
+          <a:lnRef idx="2">
+            <a:schemeClr val="dk1"/>
+          </a:lnRef>
+          <a:fillRef idx="1">
+            <a:schemeClr val="lt1"/>
+          </a:fillRef>
+          <a:effectRef idx="0">
+            <a:schemeClr val="dk1"/>
+          </a:effectRef>
+          <a:fontRef idx="minor">
+            <a:schemeClr val="dk1"/>
+          </a:fontRef>
+        </p:style>
+        <p:txBody>
+          <a:bodyPr rtlCol="0" anchor="ctr"/>
+          <a:lstStyle/>
+          <a:p>
+            <a:pPr algn="ctr"/>
+            <a:endParaRPr lang="en-US" dirty="0"/>
+          </a:p>
+        </p:txBody>
+      </p:sp>
+      <p:sp>
+        <p:nvSpPr>
+          <p:cNvPr id="54" name="Isosceles Triangle 53"/>
+          <p:cNvSpPr/>
+          <p:nvPr/>
+        </p:nvSpPr>
+        <p:spPr>
+          <a:xfrm rot="18329232">
+            <a:off x="6132929" y="3723637"/>
+            <a:ext cx="260905" cy="247224"/>
+          </a:xfrm>
+          <a:prstGeom prst="triangle">
+            <a:avLst/>
+          </a:prstGeom>
+        </p:spPr>
+        <p:style>
+          <a:lnRef idx="2">
+            <a:schemeClr val="dk1"/>
+          </a:lnRef>
+          <a:fillRef idx="1">
+            <a:schemeClr val="lt1"/>
+          </a:fillRef>
+          <a:effectRef idx="0">
+            <a:schemeClr val="dk1"/>
+          </a:effectRef>
+          <a:fontRef idx="minor">
+            <a:schemeClr val="dk1"/>
+          </a:fontRef>
+        </p:style>
+        <p:txBody>
+          <a:bodyPr rtlCol="0" anchor="ctr"/>
+          <a:lstStyle/>
+          <a:p>
+            <a:pPr algn="ctr"/>
+            <a:endParaRPr lang="en-US" dirty="0"/>
+          </a:p>
+        </p:txBody>
+      </p:sp>
+      <p:sp>
+        <p:nvSpPr>
+          <p:cNvPr id="73" name="TextBox 72"/>
+          <p:cNvSpPr txBox="1"/>
+          <p:nvPr/>
+        </p:nvSpPr>
+        <p:spPr>
+          <a:xfrm>
+            <a:off x="5852069" y="3267614"/>
+            <a:ext cx="1269143" cy="400110"/>
+          </a:xfrm>
+          <a:prstGeom prst="rect">
+            <a:avLst/>
+          </a:prstGeom>
+          <a:noFill/>
+        </p:spPr>
+        <p:txBody>
+          <a:bodyPr wrap="square" rtlCol="0">
+            <a:spAutoFit/>
+          </a:bodyPr>
+          <a:lstStyle/>
+          <a:p>
+            <a:r>
+              <a:rPr lang="fa-IR" sz="2000" dirty="0">
+                <a:cs typeface="0 Nazanin" panose="00000400000000000000" pitchFamily="2" charset="-78"/>
+              </a:rPr>
+              <a:t>کاربر سیستم</a:t>
+            </a:r>
+            <a:endParaRPr lang="en-US" sz="2000" dirty="0">
+              <a:cs typeface="0 Nazanin" panose="00000400000000000000" pitchFamily="2" charset="-78"/>
+            </a:endParaRPr>
+          </a:p>
+        </p:txBody>
+      </p:sp>
+      <p:sp>
+        <p:nvSpPr>
+          <p:cNvPr id="74" name="TextBox 73"/>
+          <p:cNvSpPr txBox="1"/>
+          <p:nvPr/>
+        </p:nvSpPr>
+        <p:spPr>
+          <a:xfrm>
+            <a:off x="3648597" y="5326517"/>
+            <a:ext cx="1269143" cy="400110"/>
+          </a:xfrm>
+          <a:prstGeom prst="rect">
+            <a:avLst/>
+          </a:prstGeom>
+          <a:noFill/>
+        </p:spPr>
+        <p:txBody>
+          <a:bodyPr wrap="square" rtlCol="0">
+            <a:spAutoFit/>
+          </a:bodyPr>
+          <a:lstStyle/>
+          <a:p>
+            <a:r>
+              <a:rPr lang="fa-IR" sz="2000" dirty="0">
+                <a:cs typeface="0 Nazanin" panose="00000400000000000000" pitchFamily="2" charset="-78"/>
+              </a:rPr>
+              <a:t>کاربر</a:t>
+            </a:r>
+            <a:endParaRPr lang="en-US" sz="2000" dirty="0">
+              <a:cs typeface="0 Nazanin" panose="00000400000000000000" pitchFamily="2" charset="-78"/>
+            </a:endParaRPr>
+          </a:p>
+        </p:txBody>
+      </p:sp>
+      <p:sp>
+        <p:nvSpPr>
+          <p:cNvPr id="75" name="TextBox 74"/>
+          <p:cNvSpPr txBox="1"/>
+          <p:nvPr/>
+        </p:nvSpPr>
+        <p:spPr>
+          <a:xfrm>
+            <a:off x="4727111" y="5337596"/>
+            <a:ext cx="1269143" cy="400110"/>
+          </a:xfrm>
+          <a:prstGeom prst="rect">
+            <a:avLst/>
+          </a:prstGeom>
+          <a:noFill/>
+        </p:spPr>
+        <p:txBody>
+          <a:bodyPr wrap="square" rtlCol="0">
+            <a:spAutoFit/>
+          </a:bodyPr>
+          <a:lstStyle/>
+          <a:p>
+            <a:r>
+              <a:rPr lang="fa-IR" sz="2000" dirty="0">
+                <a:cs typeface="0 Nazanin" panose="00000400000000000000" pitchFamily="2" charset="-78"/>
+              </a:rPr>
+              <a:t>صاحب شغل</a:t>
+            </a:r>
+            <a:endParaRPr lang="en-US" sz="2000" dirty="0">
+              <a:cs typeface="0 Nazanin" panose="00000400000000000000" pitchFamily="2" charset="-78"/>
+            </a:endParaRPr>
+          </a:p>
+        </p:txBody>
+      </p:sp>
+      <p:sp>
+        <p:nvSpPr>
+          <p:cNvPr id="76" name="TextBox 75"/>
+          <p:cNvSpPr txBox="1"/>
+          <p:nvPr/>
+        </p:nvSpPr>
+        <p:spPr>
+          <a:xfrm>
+            <a:off x="6296853" y="5386119"/>
+            <a:ext cx="1269143" cy="400110"/>
+          </a:xfrm>
+          <a:prstGeom prst="rect">
+            <a:avLst/>
+          </a:prstGeom>
+          <a:noFill/>
+        </p:spPr>
+        <p:txBody>
+          <a:bodyPr wrap="square" rtlCol="0">
+            <a:spAutoFit/>
+          </a:bodyPr>
+          <a:lstStyle/>
+          <a:p>
+            <a:r>
+              <a:rPr lang="fa-IR" sz="2000" dirty="0">
+                <a:cs typeface="0 Nazanin" panose="00000400000000000000" pitchFamily="2" charset="-78"/>
+              </a:rPr>
+              <a:t>همکار</a:t>
+            </a:r>
+            <a:endParaRPr lang="en-US" sz="2000" dirty="0">
+              <a:cs typeface="0 Nazanin" panose="00000400000000000000" pitchFamily="2" charset="-78"/>
+            </a:endParaRPr>
+          </a:p>
+        </p:txBody>
+      </p:sp>
+      <p:sp>
+        <p:nvSpPr>
+          <p:cNvPr id="77" name="TextBox 76"/>
+          <p:cNvSpPr txBox="1"/>
+          <p:nvPr/>
+        </p:nvSpPr>
+        <p:spPr>
+          <a:xfrm>
+            <a:off x="7794338" y="5337596"/>
+            <a:ext cx="1269143" cy="400110"/>
+          </a:xfrm>
+          <a:prstGeom prst="rect">
+            <a:avLst/>
+          </a:prstGeom>
+          <a:noFill/>
+        </p:spPr>
+        <p:txBody>
+          <a:bodyPr wrap="square" rtlCol="0">
+            <a:spAutoFit/>
+          </a:bodyPr>
+          <a:lstStyle/>
+          <a:p>
+            <a:r>
+              <a:rPr lang="fa-IR" sz="2000" dirty="0">
+                <a:cs typeface="0 Nazanin" panose="00000400000000000000" pitchFamily="2" charset="-78"/>
+              </a:rPr>
+              <a:t>مدیر</a:t>
+            </a:r>
+            <a:endParaRPr lang="en-US" sz="2000" dirty="0">
+              <a:cs typeface="0 Nazanin" panose="00000400000000000000" pitchFamily="2" charset="-78"/>
+            </a:endParaRPr>
+          </a:p>
+        </p:txBody>
+      </p:sp>
+    </p:spTree>
+    <p:extLst>
+      <p:ext uri="{BB962C8B-B14F-4D97-AF65-F5344CB8AC3E}">
+        <p14:creationId xmlns:p14="http://schemas.microsoft.com/office/powerpoint/2010/main" val="4022021512"/>
+      </p:ext>
+    </p:extLst>
+  </p:cSld>
+  <p:clrMapOvr>
+    <a:masterClrMapping/>
+  </p:clrMapOvr>
+</p:sld>
+</file>
+
+<file path=ppt/slides/slide3.xml><?xml version="1.0" encoding="utf-8"?>
+<p:sld xmlns:a="http://schemas.openxmlformats.org/drawingml/2006/main" xmlns:r="http://schemas.openxmlformats.org/officeDocument/2006/relationships" xmlns:p="http://schemas.openxmlformats.org/presentationml/2006/main">
+  <p:cSld>
+    <p:spTree>
+      <p:nvGrpSpPr>
+        <p:cNvPr id="1" name=""/>
+        <p:cNvGrpSpPr/>
+        <p:nvPr/>
+      </p:nvGrpSpPr>
+      <p:grpSpPr>
+        <a:xfrm>
+          <a:off x="0" y="0"/>
+          <a:ext cx="0" cy="0"/>
+          <a:chOff x="0" y="0"/>
+          <a:chExt cx="0" cy="0"/>
+        </a:xfrm>
+      </p:grpSpPr>
+      <p:sp>
+        <p:nvSpPr>
+          <p:cNvPr id="4" name="Oval 3"/>
+          <p:cNvSpPr/>
+          <p:nvPr/>
+        </p:nvSpPr>
+        <p:spPr>
+          <a:xfrm>
+            <a:off x="6259769" y="4792310"/>
+            <a:ext cx="219808" cy="228600"/>
+          </a:xfrm>
+          <a:prstGeom prst="ellipse">
+            <a:avLst/>
+          </a:prstGeom>
+        </p:spPr>
+        <p:style>
+          <a:lnRef idx="2">
+            <a:schemeClr val="accent6"/>
+          </a:lnRef>
+          <a:fillRef idx="1">
+            <a:schemeClr val="lt1"/>
+          </a:fillRef>
+          <a:effectRef idx="0">
+            <a:schemeClr val="accent6"/>
+          </a:effectRef>
+          <a:fontRef idx="minor">
+            <a:schemeClr val="dk1"/>
+          </a:fontRef>
+        </p:style>
+        <p:txBody>
+          <a:bodyPr rtlCol="0" anchor="ctr"/>
+          <a:lstStyle/>
+          <a:p>
+            <a:pPr algn="ctr"/>
+            <a:endParaRPr lang="en-US"/>
+          </a:p>
+        </p:txBody>
+      </p:sp>
+      <p:cxnSp>
+        <p:nvCxnSpPr>
+          <p:cNvPr id="5" name="Straight Connector 4"/>
+          <p:cNvCxnSpPr>
+            <a:stCxn id="4" idx="4"/>
+          </p:cNvCxnSpPr>
+          <p:nvPr/>
+        </p:nvCxnSpPr>
+        <p:spPr>
+          <a:xfrm>
+            <a:off x="6369673" y="5020910"/>
+            <a:ext cx="13187" cy="211015"/>
+          </a:xfrm>
+          <a:prstGeom prst="line">
+            <a:avLst/>
+          </a:prstGeom>
+        </p:spPr>
+        <p:style>
+          <a:lnRef idx="2">
+            <a:schemeClr val="accent6"/>
+          </a:lnRef>
+          <a:fillRef idx="1">
+            <a:schemeClr val="lt1"/>
+          </a:fillRef>
+          <a:effectRef idx="0">
+            <a:schemeClr val="accent6"/>
+          </a:effectRef>
+          <a:fontRef idx="minor">
+            <a:schemeClr val="dk1"/>
+          </a:fontRef>
+        </p:style>
+      </p:cxnSp>
+      <p:cxnSp>
+        <p:nvCxnSpPr>
+          <p:cNvPr id="6" name="Straight Connector 5"/>
+          <p:cNvCxnSpPr/>
+          <p:nvPr/>
+        </p:nvCxnSpPr>
+        <p:spPr>
+          <a:xfrm>
+            <a:off x="6396047" y="5231925"/>
+            <a:ext cx="96717" cy="140677"/>
+          </a:xfrm>
+          <a:prstGeom prst="line">
+            <a:avLst/>
+          </a:prstGeom>
+        </p:spPr>
+        <p:style>
+          <a:lnRef idx="2">
+            <a:schemeClr val="accent6"/>
+          </a:lnRef>
+          <a:fillRef idx="1">
+            <a:schemeClr val="lt1"/>
+          </a:fillRef>
+          <a:effectRef idx="0">
+            <a:schemeClr val="accent6"/>
+          </a:effectRef>
+          <a:fontRef idx="minor">
+            <a:schemeClr val="dk1"/>
+          </a:fontRef>
+        </p:style>
+      </p:cxnSp>
+      <p:cxnSp>
+        <p:nvCxnSpPr>
+          <p:cNvPr id="7" name="Straight Connector 6"/>
+          <p:cNvCxnSpPr/>
+          <p:nvPr/>
+        </p:nvCxnSpPr>
+        <p:spPr>
+          <a:xfrm flipH="1">
+            <a:off x="6259769" y="5231925"/>
+            <a:ext cx="123091" cy="131885"/>
+          </a:xfrm>
+          <a:prstGeom prst="line">
+            <a:avLst/>
+          </a:prstGeom>
+        </p:spPr>
+        <p:style>
+          <a:lnRef idx="2">
+            <a:schemeClr val="accent6"/>
+          </a:lnRef>
+          <a:fillRef idx="1">
+            <a:schemeClr val="lt1"/>
+          </a:fillRef>
+          <a:effectRef idx="0">
+            <a:schemeClr val="accent6"/>
+          </a:effectRef>
+          <a:fontRef idx="minor">
+            <a:schemeClr val="dk1"/>
+          </a:fontRef>
+        </p:style>
+      </p:cxnSp>
+      <p:cxnSp>
+        <p:nvCxnSpPr>
+          <p:cNvPr id="8" name="Straight Connector 7"/>
+          <p:cNvCxnSpPr/>
+          <p:nvPr/>
+        </p:nvCxnSpPr>
+        <p:spPr>
+          <a:xfrm flipH="1">
+            <a:off x="6259769" y="5078059"/>
+            <a:ext cx="116499" cy="48358"/>
+          </a:xfrm>
+          <a:prstGeom prst="line">
+            <a:avLst/>
+          </a:prstGeom>
+        </p:spPr>
+        <p:style>
+          <a:lnRef idx="2">
+            <a:schemeClr val="accent6"/>
+          </a:lnRef>
+          <a:fillRef idx="1">
+            <a:schemeClr val="lt1"/>
+          </a:fillRef>
+          <a:effectRef idx="0">
+            <a:schemeClr val="accent6"/>
+          </a:effectRef>
+          <a:fontRef idx="minor">
+            <a:schemeClr val="dk1"/>
+          </a:fontRef>
+        </p:style>
+      </p:cxnSp>
+      <p:cxnSp>
+        <p:nvCxnSpPr>
+          <p:cNvPr id="9" name="Straight Connector 8"/>
+          <p:cNvCxnSpPr/>
+          <p:nvPr/>
+        </p:nvCxnSpPr>
+        <p:spPr>
+          <a:xfrm>
+            <a:off x="6382860" y="5086852"/>
+            <a:ext cx="96717" cy="39565"/>
+          </a:xfrm>
+          <a:prstGeom prst="line">
+            <a:avLst/>
+          </a:prstGeom>
+        </p:spPr>
+        <p:style>
+          <a:lnRef idx="2">
+            <a:schemeClr val="accent6"/>
+          </a:lnRef>
+          <a:fillRef idx="1">
+            <a:schemeClr val="lt1"/>
+          </a:fillRef>
+          <a:effectRef idx="0">
+            <a:schemeClr val="accent6"/>
+          </a:effectRef>
+          <a:fontRef idx="minor">
+            <a:schemeClr val="dk1"/>
+          </a:fontRef>
+        </p:style>
+      </p:cxnSp>
+      <p:sp>
+        <p:nvSpPr>
+          <p:cNvPr id="10" name="TextBox 9"/>
+          <p:cNvSpPr txBox="1"/>
+          <p:nvPr/>
+        </p:nvSpPr>
+        <p:spPr>
+          <a:xfrm>
+            <a:off x="5858192" y="5364050"/>
+            <a:ext cx="1269143" cy="400110"/>
+          </a:xfrm>
+          <a:prstGeom prst="rect">
+            <a:avLst/>
+          </a:prstGeom>
+          <a:noFill/>
+        </p:spPr>
+        <p:txBody>
+          <a:bodyPr wrap="square" rtlCol="0">
+            <a:spAutoFit/>
+          </a:bodyPr>
+          <a:lstStyle/>
+          <a:p>
+            <a:r>
+              <a:rPr lang="en-US" sz="2000" dirty="0">
+                <a:cs typeface="0 Nazanin" panose="00000400000000000000" pitchFamily="2" charset="-78"/>
+              </a:rPr>
+              <a:t>JobOwner</a:t>
+            </a:r>
+          </a:p>
+        </p:txBody>
+      </p:sp>
+      <p:sp>
+        <p:nvSpPr>
+          <p:cNvPr id="11" name="Oval 10"/>
+          <p:cNvSpPr/>
+          <p:nvPr/>
+        </p:nvSpPr>
+        <p:spPr>
+          <a:xfrm>
+            <a:off x="6259769" y="3181601"/>
+            <a:ext cx="219808" cy="228600"/>
+          </a:xfrm>
+          <a:prstGeom prst="ellipse">
+            <a:avLst/>
+          </a:prstGeom>
+        </p:spPr>
+        <p:style>
+          <a:lnRef idx="2">
+            <a:schemeClr val="accent6"/>
+          </a:lnRef>
+          <a:fillRef idx="1">
+            <a:schemeClr val="lt1"/>
+          </a:fillRef>
+          <a:effectRef idx="0">
+            <a:schemeClr val="accent6"/>
+          </a:effectRef>
+          <a:fontRef idx="minor">
+            <a:schemeClr val="dk1"/>
+          </a:fontRef>
+        </p:style>
+        <p:txBody>
+          <a:bodyPr rtlCol="0" anchor="ctr"/>
+          <a:lstStyle/>
+          <a:p>
+            <a:pPr algn="ctr"/>
+            <a:endParaRPr lang="en-US"/>
+          </a:p>
+        </p:txBody>
+      </p:sp>
+      <p:cxnSp>
+        <p:nvCxnSpPr>
+          <p:cNvPr id="12" name="Straight Connector 11"/>
+          <p:cNvCxnSpPr>
+            <a:stCxn id="11" idx="4"/>
+          </p:cNvCxnSpPr>
+          <p:nvPr/>
+        </p:nvCxnSpPr>
+        <p:spPr>
+          <a:xfrm>
+            <a:off x="6369673" y="3410201"/>
+            <a:ext cx="13187" cy="211015"/>
+          </a:xfrm>
+          <a:prstGeom prst="line">
+            <a:avLst/>
+          </a:prstGeom>
+        </p:spPr>
+        <p:style>
+          <a:lnRef idx="2">
+            <a:schemeClr val="accent6"/>
+          </a:lnRef>
+          <a:fillRef idx="1">
+            <a:schemeClr val="lt1"/>
+          </a:fillRef>
+          <a:effectRef idx="0">
+            <a:schemeClr val="accent6"/>
+          </a:effectRef>
+          <a:fontRef idx="minor">
+            <a:schemeClr val="dk1"/>
+          </a:fontRef>
+        </p:style>
+      </p:cxnSp>
+      <p:cxnSp>
+        <p:nvCxnSpPr>
+          <p:cNvPr id="13" name="Straight Connector 12"/>
+          <p:cNvCxnSpPr/>
+          <p:nvPr/>
+        </p:nvCxnSpPr>
+        <p:spPr>
+          <a:xfrm>
+            <a:off x="6396047" y="3621216"/>
+            <a:ext cx="96717" cy="140677"/>
+          </a:xfrm>
+          <a:prstGeom prst="line">
+            <a:avLst/>
+          </a:prstGeom>
+        </p:spPr>
+        <p:style>
+          <a:lnRef idx="2">
+            <a:schemeClr val="accent6"/>
+          </a:lnRef>
+          <a:fillRef idx="1">
+            <a:schemeClr val="lt1"/>
+          </a:fillRef>
+          <a:effectRef idx="0">
+            <a:schemeClr val="accent6"/>
+          </a:effectRef>
+          <a:fontRef idx="minor">
+            <a:schemeClr val="dk1"/>
+          </a:fontRef>
+        </p:style>
+      </p:cxnSp>
+      <p:cxnSp>
+        <p:nvCxnSpPr>
+          <p:cNvPr id="14" name="Straight Connector 13"/>
+          <p:cNvCxnSpPr/>
+          <p:nvPr/>
+        </p:nvCxnSpPr>
+        <p:spPr>
+          <a:xfrm flipH="1">
+            <a:off x="6259769" y="3621216"/>
+            <a:ext cx="123091" cy="131885"/>
+          </a:xfrm>
+          <a:prstGeom prst="line">
+            <a:avLst/>
+          </a:prstGeom>
+        </p:spPr>
+        <p:style>
+          <a:lnRef idx="2">
+            <a:schemeClr val="accent6"/>
+          </a:lnRef>
+          <a:fillRef idx="1">
+            <a:schemeClr val="lt1"/>
+          </a:fillRef>
+          <a:effectRef idx="0">
+            <a:schemeClr val="accent6"/>
+          </a:effectRef>
+          <a:fontRef idx="minor">
+            <a:schemeClr val="dk1"/>
+          </a:fontRef>
+        </p:style>
+      </p:cxnSp>
+      <p:cxnSp>
+        <p:nvCxnSpPr>
+          <p:cNvPr id="15" name="Straight Connector 14"/>
+          <p:cNvCxnSpPr/>
+          <p:nvPr/>
+        </p:nvCxnSpPr>
+        <p:spPr>
+          <a:xfrm flipH="1">
+            <a:off x="6259769" y="3467350"/>
+            <a:ext cx="116499" cy="48358"/>
+          </a:xfrm>
+          <a:prstGeom prst="line">
+            <a:avLst/>
+          </a:prstGeom>
+        </p:spPr>
+        <p:style>
+          <a:lnRef idx="2">
+            <a:schemeClr val="accent6"/>
+          </a:lnRef>
+          <a:fillRef idx="1">
+            <a:schemeClr val="lt1"/>
+          </a:fillRef>
+          <a:effectRef idx="0">
+            <a:schemeClr val="accent6"/>
+          </a:effectRef>
+          <a:fontRef idx="minor">
+            <a:schemeClr val="dk1"/>
+          </a:fontRef>
+        </p:style>
+      </p:cxnSp>
+      <p:cxnSp>
+        <p:nvCxnSpPr>
+          <p:cNvPr id="16" name="Straight Connector 15"/>
+          <p:cNvCxnSpPr/>
+          <p:nvPr/>
+        </p:nvCxnSpPr>
+        <p:spPr>
+          <a:xfrm>
+            <a:off x="6382860" y="3476143"/>
+            <a:ext cx="96717" cy="39565"/>
+          </a:xfrm>
+          <a:prstGeom prst="line">
+            <a:avLst/>
+          </a:prstGeom>
+        </p:spPr>
+        <p:style>
+          <a:lnRef idx="2">
+            <a:schemeClr val="accent6"/>
+          </a:lnRef>
+          <a:fillRef idx="1">
+            <a:schemeClr val="lt1"/>
+          </a:fillRef>
+          <a:effectRef idx="0">
+            <a:schemeClr val="accent6"/>
+          </a:effectRef>
+          <a:fontRef idx="minor">
+            <a:schemeClr val="dk1"/>
+          </a:fontRef>
+        </p:style>
+      </p:cxnSp>
+      <p:sp>
+        <p:nvSpPr>
+          <p:cNvPr id="17" name="TextBox 16"/>
+          <p:cNvSpPr txBox="1"/>
+          <p:nvPr/>
+        </p:nvSpPr>
+        <p:spPr>
+          <a:xfrm>
+            <a:off x="5865553" y="3676816"/>
+            <a:ext cx="1269143" cy="400110"/>
+          </a:xfrm>
+          <a:prstGeom prst="rect">
+            <a:avLst/>
+          </a:prstGeom>
+          <a:noFill/>
+        </p:spPr>
+        <p:txBody>
+          <a:bodyPr wrap="square" rtlCol="0">
+            <a:spAutoFit/>
+          </a:bodyPr>
+          <a:lstStyle/>
+          <a:p>
+            <a:r>
+              <a:rPr lang="en-US" sz="2000" dirty="0">
+                <a:cs typeface="0 Nazanin" panose="00000400000000000000" pitchFamily="2" charset="-78"/>
+              </a:rPr>
+              <a:t>JobCorp</a:t>
+            </a:r>
+          </a:p>
+        </p:txBody>
+      </p:sp>
+      <p:sp>
+        <p:nvSpPr>
+          <p:cNvPr id="18" name="Oval 17"/>
+          <p:cNvSpPr/>
+          <p:nvPr/>
+        </p:nvSpPr>
+        <p:spPr>
+          <a:xfrm>
+            <a:off x="6259769" y="1359877"/>
+            <a:ext cx="219808" cy="228600"/>
+          </a:xfrm>
+          <a:prstGeom prst="ellipse">
+            <a:avLst/>
+          </a:prstGeom>
+        </p:spPr>
+        <p:style>
+          <a:lnRef idx="2">
+            <a:schemeClr val="accent6"/>
+          </a:lnRef>
+          <a:fillRef idx="1">
+            <a:schemeClr val="lt1"/>
+          </a:fillRef>
+          <a:effectRef idx="0">
+            <a:schemeClr val="accent6"/>
+          </a:effectRef>
+          <a:fontRef idx="minor">
+            <a:schemeClr val="dk1"/>
+          </a:fontRef>
+        </p:style>
+        <p:txBody>
+          <a:bodyPr rtlCol="0" anchor="ctr"/>
+          <a:lstStyle/>
+          <a:p>
+            <a:pPr algn="ctr"/>
+            <a:endParaRPr lang="en-US"/>
+          </a:p>
+        </p:txBody>
+      </p:sp>
+      <p:cxnSp>
+        <p:nvCxnSpPr>
+          <p:cNvPr id="19" name="Straight Connector 18"/>
+          <p:cNvCxnSpPr>
+            <a:stCxn id="18" idx="4"/>
+          </p:cNvCxnSpPr>
+          <p:nvPr/>
+        </p:nvCxnSpPr>
+        <p:spPr>
+          <a:xfrm>
+            <a:off x="6369673" y="1588477"/>
+            <a:ext cx="13187" cy="211015"/>
+          </a:xfrm>
+          <a:prstGeom prst="line">
+            <a:avLst/>
+          </a:prstGeom>
+        </p:spPr>
+        <p:style>
+          <a:lnRef idx="2">
+            <a:schemeClr val="accent6"/>
+          </a:lnRef>
+          <a:fillRef idx="1">
+            <a:schemeClr val="lt1"/>
+          </a:fillRef>
+          <a:effectRef idx="0">
+            <a:schemeClr val="accent6"/>
+          </a:effectRef>
+          <a:fontRef idx="minor">
+            <a:schemeClr val="dk1"/>
+          </a:fontRef>
+        </p:style>
+      </p:cxnSp>
+      <p:cxnSp>
+        <p:nvCxnSpPr>
+          <p:cNvPr id="20" name="Straight Connector 19"/>
+          <p:cNvCxnSpPr/>
+          <p:nvPr/>
+        </p:nvCxnSpPr>
+        <p:spPr>
+          <a:xfrm>
+            <a:off x="6396047" y="1799492"/>
+            <a:ext cx="96717" cy="140677"/>
+          </a:xfrm>
+          <a:prstGeom prst="line">
+            <a:avLst/>
+          </a:prstGeom>
+        </p:spPr>
+        <p:style>
+          <a:lnRef idx="2">
+            <a:schemeClr val="accent6"/>
+          </a:lnRef>
+          <a:fillRef idx="1">
+            <a:schemeClr val="lt1"/>
+          </a:fillRef>
+          <a:effectRef idx="0">
+            <a:schemeClr val="accent6"/>
+          </a:effectRef>
+          <a:fontRef idx="minor">
+            <a:schemeClr val="dk1"/>
+          </a:fontRef>
+        </p:style>
+      </p:cxnSp>
+      <p:cxnSp>
+        <p:nvCxnSpPr>
+          <p:cNvPr id="21" name="Straight Connector 20"/>
+          <p:cNvCxnSpPr/>
+          <p:nvPr/>
+        </p:nvCxnSpPr>
+        <p:spPr>
+          <a:xfrm flipH="1">
+            <a:off x="6259769" y="1799492"/>
+            <a:ext cx="123091" cy="131885"/>
+          </a:xfrm>
+          <a:prstGeom prst="line">
+            <a:avLst/>
+          </a:prstGeom>
+        </p:spPr>
+        <p:style>
+          <a:lnRef idx="2">
+            <a:schemeClr val="accent6"/>
+          </a:lnRef>
+          <a:fillRef idx="1">
+            <a:schemeClr val="lt1"/>
+          </a:fillRef>
+          <a:effectRef idx="0">
+            <a:schemeClr val="accent6"/>
+          </a:effectRef>
+          <a:fontRef idx="minor">
+            <a:schemeClr val="dk1"/>
+          </a:fontRef>
+        </p:style>
+      </p:cxnSp>
+      <p:cxnSp>
+        <p:nvCxnSpPr>
+          <p:cNvPr id="22" name="Straight Connector 21"/>
+          <p:cNvCxnSpPr/>
+          <p:nvPr/>
+        </p:nvCxnSpPr>
+        <p:spPr>
+          <a:xfrm flipH="1">
+            <a:off x="6259769" y="1645626"/>
+            <a:ext cx="116499" cy="48358"/>
+          </a:xfrm>
+          <a:prstGeom prst="line">
+            <a:avLst/>
+          </a:prstGeom>
+        </p:spPr>
+        <p:style>
+          <a:lnRef idx="2">
+            <a:schemeClr val="accent6"/>
+          </a:lnRef>
+          <a:fillRef idx="1">
+            <a:schemeClr val="lt1"/>
+          </a:fillRef>
+          <a:effectRef idx="0">
+            <a:schemeClr val="accent6"/>
+          </a:effectRef>
+          <a:fontRef idx="minor">
+            <a:schemeClr val="dk1"/>
+          </a:fontRef>
+        </p:style>
+      </p:cxnSp>
+      <p:cxnSp>
+        <p:nvCxnSpPr>
+          <p:cNvPr id="23" name="Straight Connector 22"/>
+          <p:cNvCxnSpPr/>
+          <p:nvPr/>
+        </p:nvCxnSpPr>
+        <p:spPr>
+          <a:xfrm>
+            <a:off x="6382860" y="1654419"/>
+            <a:ext cx="96717" cy="39565"/>
+          </a:xfrm>
+          <a:prstGeom prst="line">
+            <a:avLst/>
+          </a:prstGeom>
+        </p:spPr>
+        <p:style>
+          <a:lnRef idx="2">
+            <a:schemeClr val="accent6"/>
+          </a:lnRef>
+          <a:fillRef idx="1">
+            <a:schemeClr val="lt1"/>
+          </a:fillRef>
+          <a:effectRef idx="0">
+            <a:schemeClr val="accent6"/>
+          </a:effectRef>
+          <a:fontRef idx="minor">
+            <a:schemeClr val="dk1"/>
+          </a:fontRef>
+        </p:style>
+      </p:cxnSp>
+      <p:sp>
+        <p:nvSpPr>
+          <p:cNvPr id="24" name="TextBox 23"/>
+          <p:cNvSpPr txBox="1"/>
+          <p:nvPr/>
+        </p:nvSpPr>
+        <p:spPr>
+          <a:xfrm>
+            <a:off x="6050603" y="1934342"/>
+            <a:ext cx="1269143" cy="400110"/>
+          </a:xfrm>
+          <a:prstGeom prst="rect">
+            <a:avLst/>
+          </a:prstGeom>
+          <a:noFill/>
+        </p:spPr>
+        <p:txBody>
+          <a:bodyPr wrap="square" rtlCol="0">
+            <a:spAutoFit/>
+          </a:bodyPr>
+          <a:lstStyle/>
+          <a:p>
+            <a:r>
+              <a:rPr lang="en-US" sz="2000" dirty="0">
+                <a:cs typeface="0 Nazanin" panose="00000400000000000000" pitchFamily="2" charset="-78"/>
+              </a:rPr>
+              <a:t>User</a:t>
+            </a:r>
+          </a:p>
+        </p:txBody>
+      </p:sp>
+      <p:cxnSp>
+        <p:nvCxnSpPr>
+          <p:cNvPr id="25" name="Straight Connector 24"/>
+          <p:cNvCxnSpPr/>
+          <p:nvPr/>
+        </p:nvCxnSpPr>
+        <p:spPr>
+          <a:xfrm>
+            <a:off x="6369673" y="2598384"/>
+            <a:ext cx="0" cy="485627"/>
+          </a:xfrm>
+          <a:prstGeom prst="line">
+            <a:avLst/>
+          </a:prstGeom>
+        </p:spPr>
+        <p:style>
+          <a:lnRef idx="1">
+            <a:schemeClr val="dk1"/>
+          </a:lnRef>
+          <a:fillRef idx="0">
+            <a:schemeClr val="dk1"/>
+          </a:fillRef>
+          <a:effectRef idx="0">
+            <a:schemeClr val="dk1"/>
+          </a:effectRef>
+          <a:fontRef idx="minor">
+            <a:schemeClr val="tx1"/>
+          </a:fontRef>
+        </p:style>
+      </p:cxnSp>
+      <p:sp>
+        <p:nvSpPr>
+          <p:cNvPr id="26" name="Isosceles Triangle 25"/>
+          <p:cNvSpPr/>
+          <p:nvPr/>
+        </p:nvSpPr>
+        <p:spPr>
+          <a:xfrm>
+            <a:off x="6239220" y="2332467"/>
+            <a:ext cx="260905" cy="247224"/>
+          </a:xfrm>
+          <a:prstGeom prst="triangle">
+            <a:avLst/>
+          </a:prstGeom>
+        </p:spPr>
+        <p:style>
+          <a:lnRef idx="2">
+            <a:schemeClr val="dk1"/>
+          </a:lnRef>
+          <a:fillRef idx="1">
+            <a:schemeClr val="lt1"/>
+          </a:fillRef>
+          <a:effectRef idx="0">
+            <a:schemeClr val="dk1"/>
+          </a:effectRef>
+          <a:fontRef idx="minor">
+            <a:schemeClr val="dk1"/>
+          </a:fontRef>
+        </p:style>
+        <p:txBody>
+          <a:bodyPr rtlCol="0" anchor="ctr"/>
+          <a:lstStyle/>
+          <a:p>
+            <a:pPr algn="ctr"/>
+            <a:endParaRPr lang="en-US" dirty="0"/>
+          </a:p>
+        </p:txBody>
+      </p:sp>
+      <p:cxnSp>
+        <p:nvCxnSpPr>
+          <p:cNvPr id="29" name="Straight Connector 28"/>
+          <p:cNvCxnSpPr>
+            <a:stCxn id="30" idx="3"/>
+          </p:cNvCxnSpPr>
+          <p:nvPr/>
+        </p:nvCxnSpPr>
+        <p:spPr>
+          <a:xfrm>
+            <a:off x="6369673" y="4233692"/>
+            <a:ext cx="0" cy="426733"/>
+          </a:xfrm>
+          <a:prstGeom prst="line">
+            <a:avLst/>
+          </a:prstGeom>
+        </p:spPr>
+        <p:style>
+          <a:lnRef idx="1">
+            <a:schemeClr val="dk1"/>
+          </a:lnRef>
+          <a:fillRef idx="0">
+            <a:schemeClr val="dk1"/>
+          </a:fillRef>
+          <a:effectRef idx="0">
+            <a:schemeClr val="dk1"/>
+          </a:effectRef>
+          <a:fontRef idx="minor">
+            <a:schemeClr val="tx1"/>
+          </a:fontRef>
+        </p:style>
+      </p:cxnSp>
+      <p:sp>
+        <p:nvSpPr>
+          <p:cNvPr id="30" name="Isosceles Triangle 29"/>
+          <p:cNvSpPr/>
+          <p:nvPr/>
+        </p:nvSpPr>
+        <p:spPr>
+          <a:xfrm>
+            <a:off x="6239220" y="3986468"/>
+            <a:ext cx="260905" cy="247224"/>
+          </a:xfrm>
+          <a:prstGeom prst="triangle">
+            <a:avLst/>
+          </a:prstGeom>
+        </p:spPr>
+        <p:style>
+          <a:lnRef idx="2">
+            <a:schemeClr val="dk1"/>
+          </a:lnRef>
+          <a:fillRef idx="1">
+            <a:schemeClr val="lt1"/>
+          </a:fillRef>
+          <a:effectRef idx="0">
+            <a:schemeClr val="dk1"/>
+          </a:effectRef>
+          <a:fontRef idx="minor">
+            <a:schemeClr val="dk1"/>
+          </a:fontRef>
+        </p:style>
+        <p:txBody>
+          <a:bodyPr rtlCol="0" anchor="ctr"/>
+          <a:lstStyle/>
+          <a:p>
+            <a:pPr algn="ctr"/>
+            <a:endParaRPr lang="en-US" dirty="0"/>
+          </a:p>
+        </p:txBody>
+      </p:sp>
+    </p:spTree>
+    <p:extLst>
+      <p:ext uri="{BB962C8B-B14F-4D97-AF65-F5344CB8AC3E}">
+        <p14:creationId xmlns:p14="http://schemas.microsoft.com/office/powerpoint/2010/main" val="1088380266"/>
+      </p:ext>
+    </p:extLst>
+  </p:cSld>
+  <p:clrMapOvr>
+    <a:masterClrMapping/>
+  </p:clrMapOvr>
+</p:sld>
+</file>
+
+<file path=ppt/slides/slide4.xml><?xml version="1.0" encoding="utf-8"?>
+<p:sld xmlns:a="http://schemas.openxmlformats.org/drawingml/2006/main" xmlns:r="http://schemas.openxmlformats.org/officeDocument/2006/relationships" xmlns:p="http://schemas.openxmlformats.org/presentationml/2006/main">
+  <p:cSld>
+    <p:spTree>
+      <p:nvGrpSpPr>
+        <p:cNvPr id="1" name=""/>
+        <p:cNvGrpSpPr/>
+        <p:nvPr/>
+      </p:nvGrpSpPr>
+      <p:grpSpPr>
+        <a:xfrm>
+          <a:off x="0" y="0"/>
+          <a:ext cx="0" cy="0"/>
+          <a:chOff x="0" y="0"/>
+          <a:chExt cx="0" cy="0"/>
+        </a:xfrm>
+      </p:grpSpPr>
+      <p:sp>
+        <p:nvSpPr>
+          <p:cNvPr id="4" name="Rectangle 3"/>
+          <p:cNvSpPr/>
+          <p:nvPr/>
+        </p:nvSpPr>
+        <p:spPr>
+          <a:xfrm>
+            <a:off x="1460310" y="914400"/>
+            <a:ext cx="1965278" cy="900752"/>
+          </a:xfrm>
+          <a:prstGeom prst="rect">
+            <a:avLst/>
+          </a:prstGeom>
+        </p:spPr>
+        <p:style>
+          <a:lnRef idx="2">
+            <a:schemeClr val="dk1"/>
+          </a:lnRef>
+          <a:fillRef idx="1">
+            <a:schemeClr val="lt1"/>
+          </a:fillRef>
+          <a:effectRef idx="0">
+            <a:schemeClr val="dk1"/>
+          </a:effectRef>
+          <a:fontRef idx="minor">
+            <a:schemeClr val="dk1"/>
+          </a:fontRef>
+        </p:style>
+        <p:txBody>
+          <a:bodyPr rtlCol="0" anchor="ctr"/>
+          <a:lstStyle/>
+          <a:p>
+            <a:pPr algn="ctr"/>
+            <a:endParaRPr lang="en-US" b="1">
+              <a:ln/>
+              <a:pattFill prst="dkUpDiag">
+                <a:fgClr>
+                  <a:schemeClr val="bg1">
+                    <a:lumMod val="50000"/>
+                  </a:schemeClr>
+                </a:fgClr>
+                <a:bgClr>
+                  <a:schemeClr val="tx1">
+                    <a:lumMod val="75000"/>
+                    <a:lumOff val="25000"/>
+                  </a:schemeClr>
+                </a:bgClr>
+              </a:pattFill>
+              <a:effectLst>
+                <a:outerShdw blurRad="38100" dist="19050" dir="2700000" algn="tl" rotWithShape="0">
+                  <a:schemeClr val="dk1">
+                    <a:lumMod val="50000"/>
+                    <a:alpha val="40000"/>
+                  </a:schemeClr>
+                </a:outerShdw>
+              </a:effectLst>
+            </a:endParaRPr>
+          </a:p>
+        </p:txBody>
+      </p:sp>
+      <p:sp>
+        <p:nvSpPr>
+          <p:cNvPr id="5" name="Rectangle 4"/>
+          <p:cNvSpPr/>
+          <p:nvPr/>
+        </p:nvSpPr>
+        <p:spPr>
+          <a:xfrm>
+            <a:off x="4792638" y="1815152"/>
+            <a:ext cx="4351362" cy="2210938"/>
+          </a:xfrm>
+          <a:prstGeom prst="rect">
+            <a:avLst/>
+          </a:prstGeom>
+        </p:spPr>
+        <p:style>
+          <a:lnRef idx="2">
+            <a:schemeClr val="dk1"/>
+          </a:lnRef>
+          <a:fillRef idx="1">
+            <a:schemeClr val="lt1"/>
+          </a:fillRef>
+          <a:effectRef idx="0">
+            <a:schemeClr val="dk1"/>
+          </a:effectRef>
+          <a:fontRef idx="minor">
+            <a:schemeClr val="dk1"/>
+          </a:fontRef>
+        </p:style>
+        <p:txBody>
+          <a:bodyPr rtlCol="0" anchor="ctr"/>
+          <a:lstStyle/>
+          <a:p>
+            <a:pPr algn="ctr"/>
+            <a:endParaRPr lang="en-US"/>
+          </a:p>
+        </p:txBody>
+      </p:sp>
+      <p:sp>
+        <p:nvSpPr>
+          <p:cNvPr id="6" name="Rectangle 5"/>
+          <p:cNvSpPr/>
+          <p:nvPr/>
+        </p:nvSpPr>
+        <p:spPr>
+          <a:xfrm>
+            <a:off x="9405581" y="1815152"/>
+            <a:ext cx="2222312" cy="2210938"/>
+          </a:xfrm>
+          <a:prstGeom prst="rect">
+            <a:avLst/>
+          </a:prstGeom>
+        </p:spPr>
+        <p:style>
+          <a:lnRef idx="2">
+            <a:schemeClr val="dk1"/>
+          </a:lnRef>
+          <a:fillRef idx="1">
+            <a:schemeClr val="lt1"/>
+          </a:fillRef>
+          <a:effectRef idx="0">
+            <a:schemeClr val="dk1"/>
+          </a:effectRef>
+          <a:fontRef idx="minor">
+            <a:schemeClr val="dk1"/>
+          </a:fontRef>
+        </p:style>
+        <p:txBody>
+          <a:bodyPr rtlCol="0" anchor="ctr"/>
+          <a:lstStyle/>
+          <a:p>
+            <a:pPr algn="ctr"/>
+            <a:endParaRPr lang="en-US"/>
+          </a:p>
+        </p:txBody>
+      </p:sp>
+      <p:sp>
+        <p:nvSpPr>
+          <p:cNvPr id="7" name="Rectangle 6"/>
+          <p:cNvSpPr/>
+          <p:nvPr/>
+        </p:nvSpPr>
+        <p:spPr>
+          <a:xfrm>
+            <a:off x="9711519" y="2367886"/>
+            <a:ext cx="1599062" cy="1105469"/>
+          </a:xfrm>
+          <a:prstGeom prst="rect">
+            <a:avLst/>
+          </a:prstGeom>
+        </p:spPr>
+        <p:style>
+          <a:lnRef idx="2">
+            <a:schemeClr val="dk1"/>
+          </a:lnRef>
+          <a:fillRef idx="1">
+            <a:schemeClr val="lt1"/>
+          </a:fillRef>
+          <a:effectRef idx="0">
+            <a:schemeClr val="dk1"/>
+          </a:effectRef>
+          <a:fontRef idx="minor">
+            <a:schemeClr val="dk1"/>
+          </a:fontRef>
+        </p:style>
+        <p:txBody>
+          <a:bodyPr rtlCol="0" anchor="ctr"/>
+          <a:lstStyle/>
+          <a:p>
+            <a:pPr algn="ctr"/>
+            <a:endParaRPr lang="en-US"/>
+          </a:p>
+        </p:txBody>
+      </p:sp>
+      <p:sp>
+        <p:nvSpPr>
+          <p:cNvPr id="8" name="Rectangle 7"/>
+          <p:cNvSpPr/>
+          <p:nvPr/>
+        </p:nvSpPr>
+        <p:spPr>
+          <a:xfrm>
+            <a:off x="7519916" y="2367885"/>
+            <a:ext cx="1102626" cy="1105469"/>
+          </a:xfrm>
+          <a:prstGeom prst="rect">
+            <a:avLst/>
+          </a:prstGeom>
+        </p:spPr>
+        <p:style>
+          <a:lnRef idx="2">
+            <a:schemeClr val="dk1"/>
+          </a:lnRef>
+          <a:fillRef idx="1">
+            <a:schemeClr val="lt1"/>
+          </a:fillRef>
+          <a:effectRef idx="0">
+            <a:schemeClr val="dk1"/>
+          </a:effectRef>
+          <a:fontRef idx="minor">
+            <a:schemeClr val="dk1"/>
+          </a:fontRef>
+        </p:style>
+        <p:txBody>
+          <a:bodyPr rtlCol="0" anchor="ctr"/>
+          <a:lstStyle/>
+          <a:p>
+            <a:pPr algn="ctr"/>
+            <a:endParaRPr lang="en-US"/>
+          </a:p>
+        </p:txBody>
+      </p:sp>
+      <p:sp>
+        <p:nvSpPr>
+          <p:cNvPr id="9" name="Rectangle 8"/>
+          <p:cNvSpPr/>
+          <p:nvPr/>
+        </p:nvSpPr>
+        <p:spPr>
+          <a:xfrm>
+            <a:off x="5145206" y="2367884"/>
+            <a:ext cx="1853252" cy="1105469"/>
+          </a:xfrm>
+          <a:prstGeom prst="rect">
+            <a:avLst/>
+          </a:prstGeom>
+        </p:spPr>
+        <p:style>
+          <a:lnRef idx="2">
+            <a:schemeClr val="dk1"/>
+          </a:lnRef>
+          <a:fillRef idx="1">
+            <a:schemeClr val="lt1"/>
+          </a:fillRef>
+          <a:effectRef idx="0">
+            <a:schemeClr val="dk1"/>
+          </a:effectRef>
+          <a:fontRef idx="minor">
+            <a:schemeClr val="dk1"/>
+          </a:fontRef>
+        </p:style>
+        <p:txBody>
+          <a:bodyPr rtlCol="0" anchor="ctr"/>
+          <a:lstStyle/>
+          <a:p>
+            <a:pPr algn="ctr"/>
+            <a:endParaRPr lang="en-US"/>
+          </a:p>
+        </p:txBody>
+      </p:sp>
+      <p:cxnSp>
+        <p:nvCxnSpPr>
+          <p:cNvPr id="13" name="Connector: Elbow 12"/>
+          <p:cNvCxnSpPr>
+            <a:stCxn id="4" idx="2"/>
+          </p:cNvCxnSpPr>
+          <p:nvPr/>
+        </p:nvCxnSpPr>
+        <p:spPr>
+          <a:xfrm rot="16200000" flipH="1">
+            <a:off x="3220872" y="1037229"/>
+            <a:ext cx="1105469" cy="2661314"/>
+          </a:xfrm>
+          <a:prstGeom prst="bentConnector2">
+            <a:avLst/>
+          </a:prstGeom>
+          <a:ln>
+            <a:tailEnd type="triangle"/>
+          </a:ln>
+        </p:spPr>
+        <p:style>
+          <a:lnRef idx="1">
+            <a:schemeClr val="dk1"/>
+          </a:lnRef>
+          <a:fillRef idx="0">
+            <a:schemeClr val="dk1"/>
+          </a:fillRef>
+          <a:effectRef idx="0">
+            <a:schemeClr val="dk1"/>
+          </a:effectRef>
+          <a:fontRef idx="minor">
+            <a:schemeClr val="tx1"/>
+          </a:fontRef>
+        </p:style>
+      </p:cxnSp>
+      <p:cxnSp>
+        <p:nvCxnSpPr>
+          <p:cNvPr id="14" name="Connector: Elbow 13"/>
+          <p:cNvCxnSpPr>
+            <a:stCxn id="8" idx="2"/>
+          </p:cNvCxnSpPr>
+          <p:nvPr/>
+        </p:nvCxnSpPr>
+        <p:spPr>
+          <a:xfrm rot="5400000" flipH="1">
+            <a:off x="7071530" y="2473656"/>
+            <a:ext cx="1" cy="1999397"/>
+          </a:xfrm>
+          <a:prstGeom prst="bentConnector4">
+            <a:avLst>
+              <a:gd name="adj1" fmla="val -22860000000"/>
+              <a:gd name="adj2" fmla="val 100647"/>
+            </a:avLst>
+          </a:prstGeom>
+          <a:ln>
+            <a:tailEnd type="triangle"/>
+          </a:ln>
+        </p:spPr>
+        <p:style>
+          <a:lnRef idx="1">
+            <a:schemeClr val="dk1"/>
+          </a:lnRef>
+          <a:fillRef idx="0">
+            <a:schemeClr val="dk1"/>
+          </a:fillRef>
+          <a:effectRef idx="0">
+            <a:schemeClr val="dk1"/>
+          </a:effectRef>
+          <a:fontRef idx="minor">
+            <a:schemeClr val="tx1"/>
+          </a:fontRef>
+        </p:style>
+      </p:cxnSp>
+      <p:cxnSp>
+        <p:nvCxnSpPr>
+          <p:cNvPr id="20" name="Straight Arrow Connector 19"/>
+          <p:cNvCxnSpPr/>
+          <p:nvPr/>
+        </p:nvCxnSpPr>
+        <p:spPr>
+          <a:xfrm>
+            <a:off x="6998458" y="2920618"/>
+            <a:ext cx="521458" cy="0"/>
+          </a:xfrm>
+          <a:prstGeom prst="straightConnector1">
+            <a:avLst/>
+          </a:prstGeom>
+          <a:ln>
+            <a:tailEnd type="triangle"/>
+          </a:ln>
+        </p:spPr>
+        <p:style>
+          <a:lnRef idx="1">
+            <a:schemeClr val="dk1"/>
+          </a:lnRef>
+          <a:fillRef idx="0">
+            <a:schemeClr val="dk1"/>
+          </a:fillRef>
+          <a:effectRef idx="0">
+            <a:schemeClr val="dk1"/>
+          </a:effectRef>
+          <a:fontRef idx="minor">
+            <a:schemeClr val="tx1"/>
+          </a:fontRef>
+        </p:style>
+      </p:cxnSp>
+      <p:cxnSp>
+        <p:nvCxnSpPr>
+          <p:cNvPr id="21" name="Straight Arrow Connector 20"/>
+          <p:cNvCxnSpPr>
+            <a:endCxn id="7" idx="1"/>
+          </p:cNvCxnSpPr>
+          <p:nvPr/>
+        </p:nvCxnSpPr>
+        <p:spPr>
+          <a:xfrm>
+            <a:off x="8622542" y="2918966"/>
+            <a:ext cx="1088977" cy="1655"/>
+          </a:xfrm>
+          <a:prstGeom prst="straightConnector1">
+            <a:avLst/>
+          </a:prstGeom>
+          <a:ln>
+            <a:tailEnd type="triangle"/>
+          </a:ln>
+        </p:spPr>
+        <p:style>
+          <a:lnRef idx="1">
+            <a:schemeClr val="dk1"/>
+          </a:lnRef>
+          <a:fillRef idx="0">
+            <a:schemeClr val="dk1"/>
+          </a:fillRef>
+          <a:effectRef idx="0">
+            <a:schemeClr val="dk1"/>
+          </a:effectRef>
+          <a:fontRef idx="minor">
+            <a:schemeClr val="tx1"/>
+          </a:fontRef>
+        </p:style>
+      </p:cxnSp>
+      <p:sp>
+        <p:nvSpPr>
+          <p:cNvPr id="23" name="TextBox 22"/>
+          <p:cNvSpPr txBox="1"/>
+          <p:nvPr/>
+        </p:nvSpPr>
+        <p:spPr>
+          <a:xfrm>
+            <a:off x="9711519" y="1294305"/>
+            <a:ext cx="1599062" cy="461665"/>
+          </a:xfrm>
+          <a:prstGeom prst="rect">
+            <a:avLst/>
+          </a:prstGeom>
+          <a:noFill/>
+        </p:spPr>
+        <p:txBody>
+          <a:bodyPr wrap="square" rtlCol="0">
+            <a:spAutoFit/>
+          </a:bodyPr>
+          <a:lstStyle/>
+          <a:p>
+            <a:pPr algn="ctr"/>
+            <a:r>
+              <a:rPr lang="fa-IR" sz="2400" dirty="0">
+                <a:cs typeface="0 Nazanin" panose="00000400000000000000" pitchFamily="2" charset="-78"/>
+              </a:rPr>
+              <a:t>تولید مهندسی</a:t>
+            </a:r>
+            <a:endParaRPr lang="en-US" sz="2400" dirty="0">
+              <a:cs typeface="0 Nazanin" panose="00000400000000000000" pitchFamily="2" charset="-78"/>
+            </a:endParaRPr>
+          </a:p>
+        </p:txBody>
+      </p:sp>
+      <p:sp>
+        <p:nvSpPr>
+          <p:cNvPr id="24" name="TextBox 23"/>
+          <p:cNvSpPr txBox="1"/>
+          <p:nvPr/>
+        </p:nvSpPr>
+        <p:spPr>
+          <a:xfrm>
+            <a:off x="6168788" y="1294305"/>
+            <a:ext cx="1599062" cy="461665"/>
+          </a:xfrm>
+          <a:prstGeom prst="rect">
+            <a:avLst/>
+          </a:prstGeom>
+          <a:noFill/>
+        </p:spPr>
+        <p:txBody>
+          <a:bodyPr wrap="square" rtlCol="0">
+            <a:spAutoFit/>
+          </a:bodyPr>
+          <a:lstStyle/>
+          <a:p>
+            <a:pPr algn="ctr"/>
+            <a:r>
+              <a:rPr lang="fa-IR" sz="2400" dirty="0">
+                <a:cs typeface="0 Nazanin" panose="00000400000000000000" pitchFamily="2" charset="-78"/>
+              </a:rPr>
+              <a:t>نمونه سازی</a:t>
+            </a:r>
+            <a:endParaRPr lang="en-US" sz="2400" dirty="0">
+              <a:cs typeface="0 Nazanin" panose="00000400000000000000" pitchFamily="2" charset="-78"/>
+            </a:endParaRPr>
+          </a:p>
+        </p:txBody>
+      </p:sp>
+      <p:sp>
+        <p:nvSpPr>
+          <p:cNvPr id="25" name="TextBox 24"/>
+          <p:cNvSpPr txBox="1"/>
+          <p:nvPr/>
+        </p:nvSpPr>
+        <p:spPr>
+          <a:xfrm>
+            <a:off x="1551864" y="1063472"/>
+            <a:ext cx="1782170" cy="461665"/>
+          </a:xfrm>
+          <a:prstGeom prst="rect">
+            <a:avLst/>
+          </a:prstGeom>
+          <a:noFill/>
+        </p:spPr>
+        <p:txBody>
+          <a:bodyPr wrap="square" rtlCol="0">
+            <a:spAutoFit/>
+          </a:bodyPr>
+          <a:lstStyle/>
+          <a:p>
+            <a:pPr algn="ctr"/>
+            <a:r>
+              <a:rPr lang="fa-IR" sz="2400" dirty="0">
+                <a:cs typeface="0 Nazanin" panose="00000400000000000000" pitchFamily="2" charset="-78"/>
+              </a:rPr>
+              <a:t>جمع‌آوری نیازها</a:t>
+            </a:r>
+            <a:endParaRPr lang="en-US" sz="2400" dirty="0">
+              <a:cs typeface="0 Nazanin" panose="00000400000000000000" pitchFamily="2" charset="-78"/>
+            </a:endParaRPr>
+          </a:p>
+        </p:txBody>
+      </p:sp>
+      <p:sp>
+        <p:nvSpPr>
+          <p:cNvPr id="26" name="TextBox 25"/>
+          <p:cNvSpPr txBox="1"/>
+          <p:nvPr/>
+        </p:nvSpPr>
+        <p:spPr>
+          <a:xfrm>
+            <a:off x="5268606" y="2445940"/>
+            <a:ext cx="1599062" cy="830997"/>
+          </a:xfrm>
+          <a:prstGeom prst="rect">
+            <a:avLst/>
+          </a:prstGeom>
+          <a:noFill/>
+        </p:spPr>
+        <p:txBody>
+          <a:bodyPr wrap="square" rtlCol="0">
+            <a:spAutoFit/>
+          </a:bodyPr>
+          <a:lstStyle/>
+          <a:p>
+            <a:pPr algn="ctr"/>
+            <a:r>
+              <a:rPr lang="fa-IR" sz="2400" dirty="0">
+                <a:cs typeface="0 Nazanin" panose="00000400000000000000" pitchFamily="2" charset="-78"/>
+              </a:rPr>
+              <a:t>به‌کارگیری </a:t>
+            </a:r>
+            <a:endParaRPr lang="en-US" sz="2400" dirty="0">
+              <a:cs typeface="0 Nazanin" panose="00000400000000000000" pitchFamily="2" charset="-78"/>
+            </a:endParaRPr>
+          </a:p>
+          <a:p>
+            <a:pPr algn="ctr"/>
+            <a:r>
+              <a:rPr lang="en-US" sz="2400" dirty="0">
+                <a:cs typeface="0 Nazanin" panose="00000400000000000000" pitchFamily="2" charset="-78"/>
+              </a:rPr>
+              <a:t>4GT</a:t>
+            </a:r>
+          </a:p>
+        </p:txBody>
+      </p:sp>
+      <p:sp>
+        <p:nvSpPr>
+          <p:cNvPr id="27" name="TextBox 26"/>
+          <p:cNvSpPr txBox="1"/>
+          <p:nvPr/>
+        </p:nvSpPr>
+        <p:spPr>
+          <a:xfrm>
+            <a:off x="7260039" y="2689787"/>
+            <a:ext cx="1599062" cy="461665"/>
+          </a:xfrm>
+          <a:prstGeom prst="rect">
+            <a:avLst/>
+          </a:prstGeom>
+          <a:noFill/>
+        </p:spPr>
+        <p:txBody>
+          <a:bodyPr wrap="square" rtlCol="0">
+            <a:spAutoFit/>
+          </a:bodyPr>
+          <a:lstStyle/>
+          <a:p>
+            <a:pPr algn="ctr"/>
+            <a:r>
+              <a:rPr lang="fa-IR" sz="2400" dirty="0">
+                <a:cs typeface="0 Nazanin" panose="00000400000000000000" pitchFamily="2" charset="-78"/>
+              </a:rPr>
+              <a:t>نمونه</a:t>
+            </a:r>
+            <a:endParaRPr lang="en-US" sz="2400" dirty="0">
+              <a:cs typeface="0 Nazanin" panose="00000400000000000000" pitchFamily="2" charset="-78"/>
+            </a:endParaRPr>
+          </a:p>
+        </p:txBody>
+      </p:sp>
+      <p:sp>
+        <p:nvSpPr>
+          <p:cNvPr id="28" name="TextBox 27"/>
+          <p:cNvSpPr txBox="1"/>
+          <p:nvPr/>
+        </p:nvSpPr>
+        <p:spPr>
+          <a:xfrm>
+            <a:off x="9725168" y="2630605"/>
+            <a:ext cx="1599062" cy="461665"/>
+          </a:xfrm>
+          <a:prstGeom prst="rect">
+            <a:avLst/>
+          </a:prstGeom>
+          <a:noFill/>
+        </p:spPr>
+        <p:txBody>
+          <a:bodyPr wrap="square" rtlCol="0">
+            <a:spAutoFit/>
+          </a:bodyPr>
+          <a:lstStyle/>
+          <a:p>
+            <a:pPr algn="ctr"/>
+            <a:r>
+              <a:rPr lang="fa-IR" sz="2400" dirty="0">
+                <a:cs typeface="0 Nazanin" panose="00000400000000000000" pitchFamily="2" charset="-78"/>
+              </a:rPr>
+              <a:t>مدل آبشاری</a:t>
+            </a:r>
+            <a:endParaRPr lang="en-US" sz="2400" dirty="0">
+              <a:cs typeface="0 Nazanin" panose="00000400000000000000" pitchFamily="2" charset="-78"/>
+            </a:endParaRPr>
+          </a:p>
+        </p:txBody>
+      </p:sp>
+    </p:spTree>
+    <p:extLst>
+      <p:ext uri="{BB962C8B-B14F-4D97-AF65-F5344CB8AC3E}">
+        <p14:creationId xmlns:p14="http://schemas.microsoft.com/office/powerpoint/2010/main" val="3481137441"/>
+      </p:ext>
+    </p:extLst>
+  </p:cSld>
+  <p:clrMapOvr>
+    <a:masterClrMapping/>
+  </p:clrMapOvr>
+</p:sld>
+</file>
+
+<file path=ppt/slides/slide5.xml><?xml version="1.0" encoding="utf-8"?>
+<p:sld xmlns:a="http://schemas.openxmlformats.org/drawingml/2006/main" xmlns:r="http://schemas.openxmlformats.org/officeDocument/2006/relationships" xmlns:p="http://schemas.openxmlformats.org/presentationml/2006/main">
+  <p:cSld>
+    <p:spTree>
+      <p:nvGrpSpPr>
+        <p:cNvPr id="1" name=""/>
+        <p:cNvGrpSpPr/>
+        <p:nvPr/>
+      </p:nvGrpSpPr>
+      <p:grpSpPr>
+        <a:xfrm>
+          <a:off x="0" y="0"/>
+          <a:ext cx="0" cy="0"/>
+          <a:chOff x="0" y="0"/>
+          <a:chExt cx="0" cy="0"/>
+        </a:xfrm>
+      </p:grpSpPr>
+      <p:sp>
+        <p:nvSpPr>
+          <p:cNvPr id="4" name="Rectangle 3"/>
+          <p:cNvSpPr/>
+          <p:nvPr/>
+        </p:nvSpPr>
+        <p:spPr>
+          <a:xfrm>
+            <a:off x="136473" y="136478"/>
+            <a:ext cx="1965278" cy="491319"/>
+          </a:xfrm>
+          <a:prstGeom prst="rect">
+            <a:avLst/>
+          </a:prstGeom>
+        </p:spPr>
+        <p:style>
+          <a:lnRef idx="2">
+            <a:schemeClr val="dk1"/>
+          </a:lnRef>
+          <a:fillRef idx="1">
+            <a:schemeClr val="lt1"/>
+          </a:fillRef>
+          <a:effectRef idx="0">
+            <a:schemeClr val="dk1"/>
+          </a:effectRef>
+          <a:fontRef idx="minor">
+            <a:schemeClr val="dk1"/>
+          </a:fontRef>
+        </p:style>
+        <p:txBody>
+          <a:bodyPr rtlCol="0" anchor="ctr"/>
+          <a:lstStyle/>
+          <a:p>
+            <a:pPr algn="ctr"/>
+            <a:endParaRPr lang="en-US" b="1">
+              <a:ln/>
+              <a:pattFill prst="dkUpDiag">
+                <a:fgClr>
+                  <a:schemeClr val="bg1">
+                    <a:lumMod val="50000"/>
+                  </a:schemeClr>
+                </a:fgClr>
+                <a:bgClr>
+                  <a:schemeClr val="tx1">
+                    <a:lumMod val="75000"/>
+                    <a:lumOff val="25000"/>
+                  </a:schemeClr>
+                </a:bgClr>
+              </a:pattFill>
+              <a:effectLst>
+                <a:outerShdw blurRad="38100" dist="19050" dir="2700000" algn="tl" rotWithShape="0">
+                  <a:schemeClr val="dk1">
+                    <a:lumMod val="50000"/>
+                    <a:alpha val="40000"/>
+                  </a:schemeClr>
+                </a:outerShdw>
+              </a:effectLst>
+            </a:endParaRPr>
+          </a:p>
+        </p:txBody>
+      </p:sp>
+      <p:cxnSp>
+        <p:nvCxnSpPr>
+          <p:cNvPr id="5" name="Connector: Elbow 4"/>
+          <p:cNvCxnSpPr>
+            <a:stCxn id="4" idx="3"/>
+            <a:endCxn id="12" idx="0"/>
+          </p:cNvCxnSpPr>
+          <p:nvPr/>
+        </p:nvCxnSpPr>
+        <p:spPr>
+          <a:xfrm>
+            <a:off x="2101751" y="382138"/>
+            <a:ext cx="1078172" cy="175060"/>
+          </a:xfrm>
+          <a:prstGeom prst="bentConnector2">
+            <a:avLst/>
+          </a:prstGeom>
+          <a:ln>
+            <a:tailEnd type="triangle"/>
+          </a:ln>
+        </p:spPr>
+        <p:style>
+          <a:lnRef idx="1">
+            <a:schemeClr val="dk1"/>
+          </a:lnRef>
+          <a:fillRef idx="0">
+            <a:schemeClr val="dk1"/>
+          </a:fillRef>
+          <a:effectRef idx="0">
+            <a:schemeClr val="dk1"/>
+          </a:effectRef>
+          <a:fontRef idx="minor">
+            <a:schemeClr val="tx1"/>
+          </a:fontRef>
+        </p:style>
+      </p:cxnSp>
+      <p:sp>
+        <p:nvSpPr>
+          <p:cNvPr id="6" name="TextBox 5"/>
+          <p:cNvSpPr txBox="1"/>
+          <p:nvPr/>
+        </p:nvSpPr>
+        <p:spPr>
+          <a:xfrm>
+            <a:off x="228026" y="136477"/>
+            <a:ext cx="1782170" cy="461665"/>
+          </a:xfrm>
+          <a:prstGeom prst="rect">
+            <a:avLst/>
+          </a:prstGeom>
+          <a:noFill/>
+        </p:spPr>
+        <p:txBody>
+          <a:bodyPr wrap="square" rtlCol="0">
+            <a:spAutoFit/>
+          </a:bodyPr>
+          <a:lstStyle/>
+          <a:p>
+            <a:pPr algn="ctr"/>
+            <a:r>
+              <a:rPr lang="fa-IR" sz="2400" dirty="0">
+                <a:cs typeface="0 Nazanin" panose="00000400000000000000" pitchFamily="2" charset="-78"/>
+              </a:rPr>
+              <a:t>مهندسی سیستم</a:t>
+            </a:r>
+            <a:endParaRPr lang="en-US" sz="2400" dirty="0">
+              <a:cs typeface="0 Nazanin" panose="00000400000000000000" pitchFamily="2" charset="-78"/>
+            </a:endParaRPr>
+          </a:p>
+        </p:txBody>
+      </p:sp>
+      <p:sp>
+        <p:nvSpPr>
+          <p:cNvPr id="11" name="Rectangle 10"/>
+          <p:cNvSpPr/>
+          <p:nvPr/>
+        </p:nvSpPr>
+        <p:spPr>
+          <a:xfrm>
+            <a:off x="2197284" y="559557"/>
+            <a:ext cx="1965278" cy="491319"/>
+          </a:xfrm>
+          <a:prstGeom prst="rect">
+            <a:avLst/>
+          </a:prstGeom>
+        </p:spPr>
+        <p:style>
+          <a:lnRef idx="2">
+            <a:schemeClr val="dk1"/>
+          </a:lnRef>
+          <a:fillRef idx="1">
+            <a:schemeClr val="lt1"/>
+          </a:fillRef>
+          <a:effectRef idx="0">
+            <a:schemeClr val="dk1"/>
+          </a:effectRef>
+          <a:fontRef idx="minor">
+            <a:schemeClr val="dk1"/>
+          </a:fontRef>
+        </p:style>
+        <p:txBody>
+          <a:bodyPr rtlCol="0" anchor="ctr"/>
+          <a:lstStyle/>
+          <a:p>
+            <a:pPr algn="ctr"/>
+            <a:endParaRPr lang="en-US" b="1">
+              <a:ln/>
+              <a:pattFill prst="dkUpDiag">
+                <a:fgClr>
+                  <a:schemeClr val="bg1">
+                    <a:lumMod val="50000"/>
+                  </a:schemeClr>
+                </a:fgClr>
+                <a:bgClr>
+                  <a:schemeClr val="tx1">
+                    <a:lumMod val="75000"/>
+                    <a:lumOff val="25000"/>
+                  </a:schemeClr>
+                </a:bgClr>
+              </a:pattFill>
+              <a:effectLst>
+                <a:outerShdw blurRad="38100" dist="19050" dir="2700000" algn="tl" rotWithShape="0">
+                  <a:schemeClr val="dk1">
+                    <a:lumMod val="50000"/>
+                    <a:alpha val="40000"/>
+                  </a:schemeClr>
+                </a:outerShdw>
+              </a:effectLst>
+            </a:endParaRPr>
+          </a:p>
+        </p:txBody>
+      </p:sp>
+      <p:sp>
+        <p:nvSpPr>
+          <p:cNvPr id="12" name="TextBox 11"/>
+          <p:cNvSpPr txBox="1"/>
+          <p:nvPr/>
+        </p:nvSpPr>
+        <p:spPr>
+          <a:xfrm>
+            <a:off x="2288838" y="557198"/>
+            <a:ext cx="1782170" cy="461665"/>
+          </a:xfrm>
+          <a:prstGeom prst="rect">
+            <a:avLst/>
+          </a:prstGeom>
+          <a:noFill/>
+        </p:spPr>
+        <p:txBody>
+          <a:bodyPr wrap="square" rtlCol="0">
+            <a:spAutoFit/>
+          </a:bodyPr>
+          <a:lstStyle/>
+          <a:p>
+            <a:pPr algn="ctr"/>
+            <a:r>
+              <a:rPr lang="fa-IR" sz="2400" dirty="0">
+                <a:cs typeface="0 Nazanin" panose="00000400000000000000" pitchFamily="2" charset="-78"/>
+              </a:rPr>
+              <a:t>تجزیه و تحلیل</a:t>
+            </a:r>
+            <a:endParaRPr lang="en-US" sz="2400" dirty="0">
+              <a:cs typeface="0 Nazanin" panose="00000400000000000000" pitchFamily="2" charset="-78"/>
+            </a:endParaRPr>
+          </a:p>
+        </p:txBody>
+      </p:sp>
+      <p:sp>
+        <p:nvSpPr>
+          <p:cNvPr id="13" name="Rectangle 12"/>
+          <p:cNvSpPr/>
+          <p:nvPr/>
+        </p:nvSpPr>
+        <p:spPr>
+          <a:xfrm>
+            <a:off x="4271746" y="939334"/>
+            <a:ext cx="1965278" cy="491319"/>
+          </a:xfrm>
+          <a:prstGeom prst="rect">
+            <a:avLst/>
+          </a:prstGeom>
+        </p:spPr>
+        <p:style>
+          <a:lnRef idx="2">
+            <a:schemeClr val="dk1"/>
+          </a:lnRef>
+          <a:fillRef idx="1">
+            <a:schemeClr val="lt1"/>
+          </a:fillRef>
+          <a:effectRef idx="0">
+            <a:schemeClr val="dk1"/>
+          </a:effectRef>
+          <a:fontRef idx="minor">
+            <a:schemeClr val="dk1"/>
+          </a:fontRef>
+        </p:style>
+        <p:txBody>
+          <a:bodyPr rtlCol="0" anchor="ctr"/>
+          <a:lstStyle/>
+          <a:p>
+            <a:pPr algn="ctr"/>
+            <a:endParaRPr lang="en-US" b="1">
+              <a:ln/>
+              <a:pattFill prst="dkUpDiag">
+                <a:fgClr>
+                  <a:schemeClr val="bg1">
+                    <a:lumMod val="50000"/>
+                  </a:schemeClr>
+                </a:fgClr>
+                <a:bgClr>
+                  <a:schemeClr val="tx1">
+                    <a:lumMod val="75000"/>
+                    <a:lumOff val="25000"/>
+                  </a:schemeClr>
+                </a:bgClr>
+              </a:pattFill>
+              <a:effectLst>
+                <a:outerShdw blurRad="38100" dist="19050" dir="2700000" algn="tl" rotWithShape="0">
+                  <a:schemeClr val="dk1">
+                    <a:lumMod val="50000"/>
+                    <a:alpha val="40000"/>
+                  </a:schemeClr>
+                </a:outerShdw>
+              </a:effectLst>
+            </a:endParaRPr>
+          </a:p>
+        </p:txBody>
+      </p:sp>
+      <p:sp>
+        <p:nvSpPr>
+          <p:cNvPr id="14" name="TextBox 13"/>
+          <p:cNvSpPr txBox="1"/>
+          <p:nvPr/>
+        </p:nvSpPr>
+        <p:spPr>
+          <a:xfrm>
+            <a:off x="4363300" y="936975"/>
+            <a:ext cx="1782170" cy="461665"/>
+          </a:xfrm>
+          <a:prstGeom prst="rect">
+            <a:avLst/>
+          </a:prstGeom>
+          <a:noFill/>
+        </p:spPr>
+        <p:txBody>
+          <a:bodyPr wrap="square" rtlCol="0">
+            <a:spAutoFit/>
+          </a:bodyPr>
+          <a:lstStyle/>
+          <a:p>
+            <a:pPr algn="ctr"/>
+            <a:r>
+              <a:rPr lang="fa-IR" sz="2400" dirty="0">
+                <a:cs typeface="0 Nazanin" panose="00000400000000000000" pitchFamily="2" charset="-78"/>
+              </a:rPr>
+              <a:t>طراحی</a:t>
+            </a:r>
+            <a:endParaRPr lang="en-US" sz="2400" dirty="0">
+              <a:cs typeface="0 Nazanin" panose="00000400000000000000" pitchFamily="2" charset="-78"/>
+            </a:endParaRPr>
+          </a:p>
+        </p:txBody>
+      </p:sp>
+      <p:sp>
+        <p:nvSpPr>
+          <p:cNvPr id="15" name="Rectangle 14"/>
+          <p:cNvSpPr/>
+          <p:nvPr/>
+        </p:nvSpPr>
+        <p:spPr>
+          <a:xfrm>
+            <a:off x="6328578" y="1338658"/>
+            <a:ext cx="1965278" cy="491319"/>
+          </a:xfrm>
+          <a:prstGeom prst="rect">
+            <a:avLst/>
+          </a:prstGeom>
+        </p:spPr>
+        <p:style>
+          <a:lnRef idx="2">
+            <a:schemeClr val="dk1"/>
+          </a:lnRef>
+          <a:fillRef idx="1">
+            <a:schemeClr val="lt1"/>
+          </a:fillRef>
+          <a:effectRef idx="0">
+            <a:schemeClr val="dk1"/>
+          </a:effectRef>
+          <a:fontRef idx="minor">
+            <a:schemeClr val="dk1"/>
+          </a:fontRef>
+        </p:style>
+        <p:txBody>
+          <a:bodyPr rtlCol="0" anchor="ctr"/>
+          <a:lstStyle/>
+          <a:p>
+            <a:pPr algn="ctr"/>
+            <a:endParaRPr lang="en-US" b="1">
+              <a:ln/>
+              <a:pattFill prst="dkUpDiag">
+                <a:fgClr>
+                  <a:schemeClr val="bg1">
+                    <a:lumMod val="50000"/>
+                  </a:schemeClr>
+                </a:fgClr>
+                <a:bgClr>
+                  <a:schemeClr val="tx1">
+                    <a:lumMod val="75000"/>
+                    <a:lumOff val="25000"/>
+                  </a:schemeClr>
+                </a:bgClr>
+              </a:pattFill>
+              <a:effectLst>
+                <a:outerShdw blurRad="38100" dist="19050" dir="2700000" algn="tl" rotWithShape="0">
+                  <a:schemeClr val="dk1">
+                    <a:lumMod val="50000"/>
+                    <a:alpha val="40000"/>
+                  </a:schemeClr>
+                </a:outerShdw>
+              </a:effectLst>
+            </a:endParaRPr>
+          </a:p>
+        </p:txBody>
+      </p:sp>
+      <p:sp>
+        <p:nvSpPr>
+          <p:cNvPr id="16" name="TextBox 15"/>
+          <p:cNvSpPr txBox="1"/>
+          <p:nvPr/>
+        </p:nvSpPr>
+        <p:spPr>
+          <a:xfrm>
+            <a:off x="6420132" y="1336299"/>
+            <a:ext cx="1782170" cy="461665"/>
+          </a:xfrm>
+          <a:prstGeom prst="rect">
+            <a:avLst/>
+          </a:prstGeom>
+          <a:noFill/>
+        </p:spPr>
+        <p:txBody>
+          <a:bodyPr wrap="square" rtlCol="0">
+            <a:spAutoFit/>
+          </a:bodyPr>
+          <a:lstStyle/>
+          <a:p>
+            <a:pPr algn="ctr"/>
+            <a:r>
+              <a:rPr lang="fa-IR" sz="2400" dirty="0">
+                <a:cs typeface="0 Nazanin" panose="00000400000000000000" pitchFamily="2" charset="-78"/>
+              </a:rPr>
+              <a:t>پیاده‌سازی</a:t>
+            </a:r>
+            <a:endParaRPr lang="en-US" sz="2400" dirty="0">
+              <a:cs typeface="0 Nazanin" panose="00000400000000000000" pitchFamily="2" charset="-78"/>
+            </a:endParaRPr>
+          </a:p>
+        </p:txBody>
+      </p:sp>
+      <p:sp>
+        <p:nvSpPr>
+          <p:cNvPr id="17" name="Rectangle 16"/>
+          <p:cNvSpPr/>
+          <p:nvPr/>
+        </p:nvSpPr>
+        <p:spPr>
+          <a:xfrm>
+            <a:off x="8385410" y="1710685"/>
+            <a:ext cx="1965278" cy="491319"/>
+          </a:xfrm>
+          <a:prstGeom prst="rect">
+            <a:avLst/>
+          </a:prstGeom>
+        </p:spPr>
+        <p:style>
+          <a:lnRef idx="2">
+            <a:schemeClr val="dk1"/>
+          </a:lnRef>
+          <a:fillRef idx="1">
+            <a:schemeClr val="lt1"/>
+          </a:fillRef>
+          <a:effectRef idx="0">
+            <a:schemeClr val="dk1"/>
+          </a:effectRef>
+          <a:fontRef idx="minor">
+            <a:schemeClr val="dk1"/>
+          </a:fontRef>
+        </p:style>
+        <p:txBody>
+          <a:bodyPr rtlCol="0" anchor="ctr"/>
+          <a:lstStyle/>
+          <a:p>
+            <a:pPr algn="ctr"/>
+            <a:endParaRPr lang="en-US" b="1">
+              <a:ln/>
+              <a:pattFill prst="dkUpDiag">
+                <a:fgClr>
+                  <a:schemeClr val="bg1">
+                    <a:lumMod val="50000"/>
+                  </a:schemeClr>
+                </a:fgClr>
+                <a:bgClr>
+                  <a:schemeClr val="tx1">
+                    <a:lumMod val="75000"/>
+                    <a:lumOff val="25000"/>
+                  </a:schemeClr>
+                </a:bgClr>
+              </a:pattFill>
+              <a:effectLst>
+                <a:outerShdw blurRad="38100" dist="19050" dir="2700000" algn="tl" rotWithShape="0">
+                  <a:schemeClr val="dk1">
+                    <a:lumMod val="50000"/>
+                    <a:alpha val="40000"/>
+                  </a:schemeClr>
+                </a:outerShdw>
+              </a:effectLst>
+            </a:endParaRPr>
+          </a:p>
+        </p:txBody>
+      </p:sp>
+      <p:sp>
+        <p:nvSpPr>
+          <p:cNvPr id="18" name="TextBox 17"/>
+          <p:cNvSpPr txBox="1"/>
+          <p:nvPr/>
+        </p:nvSpPr>
+        <p:spPr>
+          <a:xfrm>
+            <a:off x="8476964" y="1708326"/>
+            <a:ext cx="1782170" cy="461665"/>
+          </a:xfrm>
+          <a:prstGeom prst="rect">
+            <a:avLst/>
+          </a:prstGeom>
+          <a:noFill/>
+        </p:spPr>
+        <p:txBody>
+          <a:bodyPr wrap="square" rtlCol="0">
+            <a:spAutoFit/>
+          </a:bodyPr>
+          <a:lstStyle/>
+          <a:p>
+            <a:pPr algn="ctr"/>
+            <a:r>
+              <a:rPr lang="fa-IR" sz="2400" dirty="0">
+                <a:cs typeface="0 Nazanin" panose="00000400000000000000" pitchFamily="2" charset="-78"/>
+              </a:rPr>
+              <a:t>تست</a:t>
+            </a:r>
+            <a:endParaRPr lang="en-US" sz="2400" dirty="0">
+              <a:cs typeface="0 Nazanin" panose="00000400000000000000" pitchFamily="2" charset="-78"/>
+            </a:endParaRPr>
+          </a:p>
+        </p:txBody>
+      </p:sp>
+      <p:sp>
+        <p:nvSpPr>
+          <p:cNvPr id="19" name="Rectangle 18"/>
+          <p:cNvSpPr/>
+          <p:nvPr/>
+        </p:nvSpPr>
+        <p:spPr>
+          <a:xfrm>
+            <a:off x="10414946" y="2110010"/>
+            <a:ext cx="1676970" cy="510360"/>
+          </a:xfrm>
+          <a:prstGeom prst="rect">
+            <a:avLst/>
+          </a:prstGeom>
+        </p:spPr>
+        <p:style>
+          <a:lnRef idx="2">
+            <a:schemeClr val="dk1"/>
+          </a:lnRef>
+          <a:fillRef idx="1">
+            <a:schemeClr val="lt1"/>
+          </a:fillRef>
+          <a:effectRef idx="0">
+            <a:schemeClr val="dk1"/>
+          </a:effectRef>
+          <a:fontRef idx="minor">
+            <a:schemeClr val="dk1"/>
+          </a:fontRef>
+        </p:style>
+        <p:txBody>
+          <a:bodyPr rtlCol="0" anchor="ctr"/>
+          <a:lstStyle/>
+          <a:p>
+            <a:pPr algn="ctr"/>
+            <a:endParaRPr lang="en-US" b="1">
+              <a:ln/>
+              <a:pattFill prst="dkUpDiag">
+                <a:fgClr>
+                  <a:schemeClr val="bg1">
+                    <a:lumMod val="50000"/>
+                  </a:schemeClr>
+                </a:fgClr>
+                <a:bgClr>
+                  <a:schemeClr val="tx1">
+                    <a:lumMod val="75000"/>
+                    <a:lumOff val="25000"/>
+                  </a:schemeClr>
+                </a:bgClr>
+              </a:pattFill>
+              <a:effectLst>
+                <a:outerShdw blurRad="38100" dist="19050" dir="2700000" algn="tl" rotWithShape="0">
+                  <a:schemeClr val="dk1">
+                    <a:lumMod val="50000"/>
+                    <a:alpha val="40000"/>
+                  </a:schemeClr>
+                </a:outerShdw>
+              </a:effectLst>
+            </a:endParaRPr>
+          </a:p>
+        </p:txBody>
+      </p:sp>
+      <p:sp>
+        <p:nvSpPr>
+          <p:cNvPr id="20" name="TextBox 19"/>
+          <p:cNvSpPr txBox="1"/>
+          <p:nvPr/>
+        </p:nvSpPr>
+        <p:spPr>
+          <a:xfrm>
+            <a:off x="10506500" y="2107651"/>
+            <a:ext cx="1520724" cy="461665"/>
+          </a:xfrm>
+          <a:prstGeom prst="rect">
+            <a:avLst/>
+          </a:prstGeom>
+          <a:noFill/>
+        </p:spPr>
+        <p:txBody>
+          <a:bodyPr wrap="square" rtlCol="0">
+            <a:spAutoFit/>
+          </a:bodyPr>
+          <a:lstStyle/>
+          <a:p>
+            <a:pPr algn="ctr"/>
+            <a:r>
+              <a:rPr lang="fa-IR" sz="2400" dirty="0">
+                <a:cs typeface="0 Nazanin" panose="00000400000000000000" pitchFamily="2" charset="-78"/>
+              </a:rPr>
+              <a:t>نگهداری</a:t>
+            </a:r>
+            <a:endParaRPr lang="en-US" sz="2400" dirty="0">
+              <a:cs typeface="0 Nazanin" panose="00000400000000000000" pitchFamily="2" charset="-78"/>
+            </a:endParaRPr>
+          </a:p>
+        </p:txBody>
+      </p:sp>
+      <p:cxnSp>
+        <p:nvCxnSpPr>
+          <p:cNvPr id="23" name="Connector: Elbow 22"/>
+          <p:cNvCxnSpPr/>
+          <p:nvPr/>
+        </p:nvCxnSpPr>
+        <p:spPr>
+          <a:xfrm>
+            <a:off x="4162562" y="803783"/>
+            <a:ext cx="1078172" cy="175060"/>
+          </a:xfrm>
+          <a:prstGeom prst="bentConnector2">
+            <a:avLst/>
+          </a:prstGeom>
+          <a:ln>
+            <a:tailEnd type="triangle"/>
+          </a:ln>
+        </p:spPr>
+        <p:style>
+          <a:lnRef idx="1">
+            <a:schemeClr val="dk1"/>
+          </a:lnRef>
+          <a:fillRef idx="0">
+            <a:schemeClr val="dk1"/>
+          </a:fillRef>
+          <a:effectRef idx="0">
+            <a:schemeClr val="dk1"/>
+          </a:effectRef>
+          <a:fontRef idx="minor">
+            <a:schemeClr val="tx1"/>
+          </a:fontRef>
+        </p:style>
+      </p:cxnSp>
+      <p:cxnSp>
+        <p:nvCxnSpPr>
+          <p:cNvPr id="24" name="Connector: Elbow 23"/>
+          <p:cNvCxnSpPr/>
+          <p:nvPr/>
+        </p:nvCxnSpPr>
+        <p:spPr>
+          <a:xfrm>
+            <a:off x="6237024" y="1184993"/>
+            <a:ext cx="1078172" cy="175060"/>
+          </a:xfrm>
+          <a:prstGeom prst="bentConnector2">
+            <a:avLst/>
+          </a:prstGeom>
+          <a:ln>
+            <a:tailEnd type="triangle"/>
+          </a:ln>
+        </p:spPr>
+        <p:style>
+          <a:lnRef idx="1">
+            <a:schemeClr val="dk1"/>
+          </a:lnRef>
+          <a:fillRef idx="0">
+            <a:schemeClr val="dk1"/>
+          </a:fillRef>
+          <a:effectRef idx="0">
+            <a:schemeClr val="dk1"/>
+          </a:effectRef>
+          <a:fontRef idx="minor">
+            <a:schemeClr val="tx1"/>
+          </a:fontRef>
+        </p:style>
+      </p:cxnSp>
+      <p:cxnSp>
+        <p:nvCxnSpPr>
+          <p:cNvPr id="25" name="Connector: Elbow 24"/>
+          <p:cNvCxnSpPr/>
+          <p:nvPr/>
+        </p:nvCxnSpPr>
+        <p:spPr>
+          <a:xfrm>
+            <a:off x="8289871" y="1530907"/>
+            <a:ext cx="1078172" cy="175060"/>
+          </a:xfrm>
+          <a:prstGeom prst="bentConnector2">
+            <a:avLst/>
+          </a:prstGeom>
+          <a:ln>
+            <a:tailEnd type="triangle"/>
+          </a:ln>
+        </p:spPr>
+        <p:style>
+          <a:lnRef idx="1">
+            <a:schemeClr val="dk1"/>
+          </a:lnRef>
+          <a:fillRef idx="0">
+            <a:schemeClr val="dk1"/>
+          </a:fillRef>
+          <a:effectRef idx="0">
+            <a:schemeClr val="dk1"/>
+          </a:effectRef>
+          <a:fontRef idx="minor">
+            <a:schemeClr val="tx1"/>
+          </a:fontRef>
+        </p:style>
+      </p:cxnSp>
+      <p:cxnSp>
+        <p:nvCxnSpPr>
+          <p:cNvPr id="26" name="Connector: Elbow 25"/>
+          <p:cNvCxnSpPr>
+            <a:endCxn id="20" idx="0"/>
+          </p:cNvCxnSpPr>
+          <p:nvPr/>
+        </p:nvCxnSpPr>
+        <p:spPr>
+          <a:xfrm>
+            <a:off x="10360942" y="1899317"/>
+            <a:ext cx="905920" cy="208334"/>
+          </a:xfrm>
+          <a:prstGeom prst="bentConnector2">
+            <a:avLst/>
+          </a:prstGeom>
+          <a:ln>
+            <a:tailEnd type="triangle"/>
+          </a:ln>
+        </p:spPr>
+        <p:style>
+          <a:lnRef idx="1">
+            <a:schemeClr val="dk1"/>
+          </a:lnRef>
+          <a:fillRef idx="0">
+            <a:schemeClr val="dk1"/>
+          </a:fillRef>
+          <a:effectRef idx="0">
+            <a:schemeClr val="dk1"/>
+          </a:effectRef>
+          <a:fontRef idx="minor">
+            <a:schemeClr val="tx1"/>
+          </a:fontRef>
+        </p:style>
+      </p:cxnSp>
+      <p:cxnSp>
+        <p:nvCxnSpPr>
+          <p:cNvPr id="32" name="Connector: Elbow 31"/>
+          <p:cNvCxnSpPr>
+            <a:stCxn id="6" idx="2"/>
+            <a:endCxn id="19" idx="2"/>
+          </p:cNvCxnSpPr>
+          <p:nvPr/>
+        </p:nvCxnSpPr>
+        <p:spPr>
+          <a:xfrm rot="16200000" flipH="1">
+            <a:off x="5175157" y="-3457904"/>
+            <a:ext cx="2022228" cy="10134320"/>
+          </a:xfrm>
+          <a:prstGeom prst="bentConnector3">
+            <a:avLst>
+              <a:gd name="adj1" fmla="val 140999"/>
+            </a:avLst>
+          </a:prstGeom>
+          <a:ln>
+            <a:headEnd type="triangle"/>
+            <a:tailEnd type="triangle"/>
+          </a:ln>
+        </p:spPr>
+        <p:style>
+          <a:lnRef idx="1">
+            <a:schemeClr val="dk1"/>
+          </a:lnRef>
+          <a:fillRef idx="0">
+            <a:schemeClr val="dk1"/>
+          </a:fillRef>
+          <a:effectRef idx="0">
+            <a:schemeClr val="dk1"/>
+          </a:effectRef>
+          <a:fontRef idx="minor">
+            <a:schemeClr val="tx1"/>
+          </a:fontRef>
+        </p:style>
+      </p:cxnSp>
+      <p:cxnSp>
+        <p:nvCxnSpPr>
+          <p:cNvPr id="35" name="Straight Arrow Connector 34"/>
+          <p:cNvCxnSpPr>
+            <a:endCxn id="18" idx="2"/>
+          </p:cNvCxnSpPr>
+          <p:nvPr/>
+        </p:nvCxnSpPr>
+        <p:spPr>
+          <a:xfrm flipV="1">
+            <a:off x="9368043" y="2169991"/>
+            <a:ext cx="6" cy="1269245"/>
+          </a:xfrm>
+          <a:prstGeom prst="straightConnector1">
+            <a:avLst/>
+          </a:prstGeom>
+          <a:ln>
+            <a:tailEnd type="triangle"/>
+          </a:ln>
+        </p:spPr>
+        <p:style>
+          <a:lnRef idx="1">
+            <a:schemeClr val="dk1"/>
+          </a:lnRef>
+          <a:fillRef idx="0">
+            <a:schemeClr val="dk1"/>
+          </a:fillRef>
+          <a:effectRef idx="0">
+            <a:schemeClr val="dk1"/>
+          </a:effectRef>
+          <a:fontRef idx="minor">
+            <a:schemeClr val="tx1"/>
+          </a:fontRef>
+        </p:style>
+      </p:cxnSp>
+      <p:cxnSp>
+        <p:nvCxnSpPr>
+          <p:cNvPr id="36" name="Straight Arrow Connector 35"/>
+          <p:cNvCxnSpPr/>
+          <p:nvPr/>
+        </p:nvCxnSpPr>
+        <p:spPr>
+          <a:xfrm flipH="1" flipV="1">
+            <a:off x="7311217" y="1829978"/>
+            <a:ext cx="27296" cy="1609258"/>
+          </a:xfrm>
+          <a:prstGeom prst="straightConnector1">
+            <a:avLst/>
+          </a:prstGeom>
+          <a:ln>
+            <a:tailEnd type="triangle"/>
+          </a:ln>
+        </p:spPr>
+        <p:style>
+          <a:lnRef idx="1">
+            <a:schemeClr val="dk1"/>
+          </a:lnRef>
+          <a:fillRef idx="0">
+            <a:schemeClr val="dk1"/>
+          </a:fillRef>
+          <a:effectRef idx="0">
+            <a:schemeClr val="dk1"/>
+          </a:effectRef>
+          <a:fontRef idx="minor">
+            <a:schemeClr val="tx1"/>
+          </a:fontRef>
+        </p:style>
+      </p:cxnSp>
+      <p:cxnSp>
+        <p:nvCxnSpPr>
+          <p:cNvPr id="38" name="Straight Arrow Connector 37"/>
+          <p:cNvCxnSpPr/>
+          <p:nvPr/>
+        </p:nvCxnSpPr>
+        <p:spPr>
+          <a:xfrm flipV="1">
+            <a:off x="5254385" y="1473029"/>
+            <a:ext cx="0" cy="1966207"/>
+          </a:xfrm>
+          <a:prstGeom prst="straightConnector1">
+            <a:avLst/>
+          </a:prstGeom>
+          <a:ln>
+            <a:tailEnd type="triangle"/>
+          </a:ln>
+        </p:spPr>
+        <p:style>
+          <a:lnRef idx="1">
+            <a:schemeClr val="dk1"/>
+          </a:lnRef>
+          <a:fillRef idx="0">
+            <a:schemeClr val="dk1"/>
+          </a:fillRef>
+          <a:effectRef idx="0">
+            <a:schemeClr val="dk1"/>
+          </a:effectRef>
+          <a:fontRef idx="minor">
+            <a:schemeClr val="tx1"/>
+          </a:fontRef>
+        </p:style>
+      </p:cxnSp>
+      <p:cxnSp>
+        <p:nvCxnSpPr>
+          <p:cNvPr id="40" name="Straight Arrow Connector 39"/>
+          <p:cNvCxnSpPr/>
+          <p:nvPr/>
+        </p:nvCxnSpPr>
+        <p:spPr>
+          <a:xfrm flipH="1" flipV="1">
+            <a:off x="3065058" y="1018862"/>
+            <a:ext cx="5688" cy="2420374"/>
+          </a:xfrm>
+          <a:prstGeom prst="straightConnector1">
+            <a:avLst/>
+          </a:prstGeom>
+          <a:ln>
+            <a:tailEnd type="triangle"/>
+          </a:ln>
+        </p:spPr>
+        <p:style>
+          <a:lnRef idx="1">
+            <a:schemeClr val="dk1"/>
+          </a:lnRef>
+          <a:fillRef idx="0">
+            <a:schemeClr val="dk1"/>
+          </a:fillRef>
+          <a:effectRef idx="0">
+            <a:schemeClr val="dk1"/>
+          </a:effectRef>
+          <a:fontRef idx="minor">
+            <a:schemeClr val="tx1"/>
+          </a:fontRef>
+        </p:style>
+      </p:cxnSp>
+    </p:spTree>
+    <p:extLst>
+      <p:ext uri="{BB962C8B-B14F-4D97-AF65-F5344CB8AC3E}">
+        <p14:creationId xmlns:p14="http://schemas.microsoft.com/office/powerpoint/2010/main" val="3801917157"/>
+      </p:ext>
+    </p:extLst>
+  </p:cSld>
+  <p:clrMapOvr>
+    <a:masterClrMapping/>
+  </p:clrMapOvr>
+</p:sld>
+</file>
+
+<file path=ppt/slides/slide6.xml><?xml version="1.0" encoding="utf-8"?>
+<p:sld xmlns:a="http://schemas.openxmlformats.org/drawingml/2006/main" xmlns:r="http://schemas.openxmlformats.org/officeDocument/2006/relationships" xmlns:p="http://schemas.openxmlformats.org/presentationml/2006/main">
+  <p:cSld>
+    <p:spTree>
+      <p:nvGrpSpPr>
+        <p:cNvPr id="1" name=""/>
+        <p:cNvGrpSpPr/>
+        <p:nvPr/>
+      </p:nvGrpSpPr>
+      <p:grpSpPr>
+        <a:xfrm>
+          <a:off x="0" y="0"/>
+          <a:ext cx="0" cy="0"/>
+          <a:chOff x="0" y="0"/>
+          <a:chExt cx="0" cy="0"/>
+        </a:xfrm>
+      </p:grpSpPr>
+      <p:sp>
+        <p:nvSpPr>
+          <p:cNvPr id="4" name="Rectangle 3"/>
+          <p:cNvSpPr/>
+          <p:nvPr/>
+        </p:nvSpPr>
+        <p:spPr>
+          <a:xfrm>
+            <a:off x="136473" y="136478"/>
+            <a:ext cx="1965278" cy="491319"/>
+          </a:xfrm>
+          <a:prstGeom prst="rect">
+            <a:avLst/>
+          </a:prstGeom>
+        </p:spPr>
+        <p:style>
+          <a:lnRef idx="2">
+            <a:schemeClr val="dk1"/>
+          </a:lnRef>
+          <a:fillRef idx="1">
+            <a:schemeClr val="lt1"/>
+          </a:fillRef>
+          <a:effectRef idx="0">
+            <a:schemeClr val="dk1"/>
+          </a:effectRef>
+          <a:fontRef idx="minor">
+            <a:schemeClr val="dk1"/>
+          </a:fontRef>
+        </p:style>
+        <p:txBody>
+          <a:bodyPr rtlCol="0" anchor="ctr"/>
+          <a:lstStyle/>
+          <a:p>
+            <a:pPr algn="ctr"/>
+            <a:endParaRPr lang="en-US" b="1">
+              <a:ln/>
+              <a:pattFill prst="dkUpDiag">
+                <a:fgClr>
+                  <a:schemeClr val="bg1">
+                    <a:lumMod val="50000"/>
+                  </a:schemeClr>
+                </a:fgClr>
+                <a:bgClr>
+                  <a:schemeClr val="tx1">
+                    <a:lumMod val="75000"/>
+                    <a:lumOff val="25000"/>
+                  </a:schemeClr>
+                </a:bgClr>
+              </a:pattFill>
+              <a:effectLst>
+                <a:outerShdw blurRad="38100" dist="19050" dir="2700000" algn="tl" rotWithShape="0">
+                  <a:schemeClr val="dk1">
+                    <a:lumMod val="50000"/>
+                    <a:alpha val="40000"/>
+                  </a:schemeClr>
+                </a:outerShdw>
+              </a:effectLst>
+            </a:endParaRPr>
+          </a:p>
+        </p:txBody>
+      </p:sp>
+      <p:cxnSp>
+        <p:nvCxnSpPr>
+          <p:cNvPr id="5" name="Connector: Elbow 4"/>
+          <p:cNvCxnSpPr>
+            <a:stCxn id="4" idx="3"/>
+            <a:endCxn id="8" idx="0"/>
+          </p:cNvCxnSpPr>
+          <p:nvPr/>
+        </p:nvCxnSpPr>
+        <p:spPr>
+          <a:xfrm>
+            <a:off x="2101751" y="382138"/>
+            <a:ext cx="1078172" cy="175060"/>
+          </a:xfrm>
+          <a:prstGeom prst="bentConnector2">
+            <a:avLst/>
+          </a:prstGeom>
+          <a:ln>
+            <a:tailEnd type="triangle"/>
+          </a:ln>
+        </p:spPr>
+        <p:style>
+          <a:lnRef idx="1">
+            <a:schemeClr val="dk1"/>
+          </a:lnRef>
+          <a:fillRef idx="0">
+            <a:schemeClr val="dk1"/>
+          </a:fillRef>
+          <a:effectRef idx="0">
+            <a:schemeClr val="dk1"/>
+          </a:effectRef>
+          <a:fontRef idx="minor">
+            <a:schemeClr val="tx1"/>
+          </a:fontRef>
+        </p:style>
+      </p:cxnSp>
+      <p:sp>
+        <p:nvSpPr>
+          <p:cNvPr id="6" name="TextBox 5"/>
+          <p:cNvSpPr txBox="1"/>
+          <p:nvPr/>
+        </p:nvSpPr>
+        <p:spPr>
+          <a:xfrm>
+            <a:off x="228026" y="136477"/>
+            <a:ext cx="1782170" cy="461665"/>
+          </a:xfrm>
+          <a:prstGeom prst="rect">
+            <a:avLst/>
+          </a:prstGeom>
+          <a:noFill/>
+        </p:spPr>
+        <p:txBody>
+          <a:bodyPr wrap="square" rtlCol="0">
+            <a:spAutoFit/>
+          </a:bodyPr>
+          <a:lstStyle/>
+          <a:p>
+            <a:pPr algn="ctr"/>
+            <a:r>
+              <a:rPr lang="fa-IR" sz="2400" dirty="0">
+                <a:cs typeface="0 Nazanin" panose="00000400000000000000" pitchFamily="2" charset="-78"/>
+              </a:rPr>
+              <a:t>جمع‌آوری نیازها</a:t>
+            </a:r>
+            <a:endParaRPr lang="en-US" sz="2400" dirty="0">
+              <a:cs typeface="0 Nazanin" panose="00000400000000000000" pitchFamily="2" charset="-78"/>
+            </a:endParaRPr>
+          </a:p>
+        </p:txBody>
+      </p:sp>
+      <p:sp>
+        <p:nvSpPr>
+          <p:cNvPr id="7" name="Rectangle 6"/>
+          <p:cNvSpPr/>
+          <p:nvPr/>
+        </p:nvSpPr>
+        <p:spPr>
+          <a:xfrm>
+            <a:off x="2197284" y="559557"/>
+            <a:ext cx="1965278" cy="491319"/>
+          </a:xfrm>
+          <a:prstGeom prst="rect">
+            <a:avLst/>
+          </a:prstGeom>
+        </p:spPr>
+        <p:style>
+          <a:lnRef idx="2">
+            <a:schemeClr val="dk1"/>
+          </a:lnRef>
+          <a:fillRef idx="1">
+            <a:schemeClr val="lt1"/>
+          </a:fillRef>
+          <a:effectRef idx="0">
+            <a:schemeClr val="dk1"/>
+          </a:effectRef>
+          <a:fontRef idx="minor">
+            <a:schemeClr val="dk1"/>
+          </a:fontRef>
+        </p:style>
+        <p:txBody>
+          <a:bodyPr rtlCol="0" anchor="ctr"/>
+          <a:lstStyle/>
+          <a:p>
+            <a:pPr algn="ctr"/>
+            <a:endParaRPr lang="en-US" b="1">
+              <a:ln/>
+              <a:pattFill prst="dkUpDiag">
+                <a:fgClr>
+                  <a:schemeClr val="bg1">
+                    <a:lumMod val="50000"/>
+                  </a:schemeClr>
+                </a:fgClr>
+                <a:bgClr>
+                  <a:schemeClr val="tx1">
+                    <a:lumMod val="75000"/>
+                    <a:lumOff val="25000"/>
+                  </a:schemeClr>
+                </a:bgClr>
+              </a:pattFill>
+              <a:effectLst>
+                <a:outerShdw blurRad="38100" dist="19050" dir="2700000" algn="tl" rotWithShape="0">
+                  <a:schemeClr val="dk1">
+                    <a:lumMod val="50000"/>
+                    <a:alpha val="40000"/>
+                  </a:schemeClr>
+                </a:outerShdw>
+              </a:effectLst>
+            </a:endParaRPr>
+          </a:p>
+        </p:txBody>
+      </p:sp>
+      <p:sp>
+        <p:nvSpPr>
+          <p:cNvPr id="8" name="TextBox 7"/>
+          <p:cNvSpPr txBox="1"/>
+          <p:nvPr/>
+        </p:nvSpPr>
+        <p:spPr>
+          <a:xfrm>
+            <a:off x="2288838" y="557198"/>
+            <a:ext cx="1782170" cy="461665"/>
+          </a:xfrm>
+          <a:prstGeom prst="rect">
+            <a:avLst/>
+          </a:prstGeom>
+          <a:noFill/>
+        </p:spPr>
+        <p:txBody>
+          <a:bodyPr wrap="square" rtlCol="0">
+            <a:spAutoFit/>
+          </a:bodyPr>
+          <a:lstStyle/>
+          <a:p>
+            <a:pPr algn="ctr"/>
+            <a:r>
+              <a:rPr lang="fa-IR" sz="2400" dirty="0">
+                <a:cs typeface="0 Nazanin" panose="00000400000000000000" pitchFamily="2" charset="-78"/>
+              </a:rPr>
+              <a:t>استراتژی طراحی</a:t>
+            </a:r>
+            <a:endParaRPr lang="en-US" sz="2400" dirty="0">
+              <a:cs typeface="0 Nazanin" panose="00000400000000000000" pitchFamily="2" charset="-78"/>
+            </a:endParaRPr>
+          </a:p>
+        </p:txBody>
+      </p:sp>
+      <p:sp>
+        <p:nvSpPr>
+          <p:cNvPr id="9" name="Rectangle 8"/>
+          <p:cNvSpPr/>
+          <p:nvPr/>
+        </p:nvSpPr>
+        <p:spPr>
+          <a:xfrm>
+            <a:off x="4271746" y="939333"/>
+            <a:ext cx="1965278" cy="701931"/>
+          </a:xfrm>
+          <a:prstGeom prst="rect">
+            <a:avLst/>
+          </a:prstGeom>
+        </p:spPr>
+        <p:style>
+          <a:lnRef idx="2">
+            <a:schemeClr val="dk1"/>
+          </a:lnRef>
+          <a:fillRef idx="1">
+            <a:schemeClr val="lt1"/>
+          </a:fillRef>
+          <a:effectRef idx="0">
+            <a:schemeClr val="dk1"/>
+          </a:effectRef>
+          <a:fontRef idx="minor">
+            <a:schemeClr val="dk1"/>
+          </a:fontRef>
+        </p:style>
+        <p:txBody>
+          <a:bodyPr rtlCol="0" anchor="ctr"/>
+          <a:lstStyle/>
+          <a:p>
+            <a:pPr algn="ctr"/>
+            <a:endParaRPr lang="en-US" b="1">
+              <a:ln/>
+              <a:pattFill prst="dkUpDiag">
+                <a:fgClr>
+                  <a:schemeClr val="bg1">
+                    <a:lumMod val="50000"/>
+                  </a:schemeClr>
+                </a:fgClr>
+                <a:bgClr>
+                  <a:schemeClr val="tx1">
+                    <a:lumMod val="75000"/>
+                    <a:lumOff val="25000"/>
+                  </a:schemeClr>
+                </a:bgClr>
+              </a:pattFill>
+              <a:effectLst>
+                <a:outerShdw blurRad="38100" dist="19050" dir="2700000" algn="tl" rotWithShape="0">
+                  <a:schemeClr val="dk1">
+                    <a:lumMod val="50000"/>
+                    <a:alpha val="40000"/>
+                  </a:schemeClr>
+                </a:outerShdw>
+              </a:effectLst>
+            </a:endParaRPr>
+          </a:p>
+        </p:txBody>
+      </p:sp>
+      <p:sp>
+        <p:nvSpPr>
+          <p:cNvPr id="10" name="TextBox 9"/>
+          <p:cNvSpPr txBox="1"/>
+          <p:nvPr/>
+        </p:nvSpPr>
+        <p:spPr>
+          <a:xfrm>
+            <a:off x="4404247" y="929897"/>
+            <a:ext cx="1672987" cy="738664"/>
+          </a:xfrm>
+          <a:prstGeom prst="rect">
+            <a:avLst/>
+          </a:prstGeom>
+          <a:noFill/>
+        </p:spPr>
+        <p:txBody>
+          <a:bodyPr wrap="square" rtlCol="0">
+            <a:spAutoFit/>
+          </a:bodyPr>
+          <a:lstStyle/>
+          <a:p>
+            <a:pPr algn="ctr"/>
+            <a:r>
+              <a:rPr lang="fa-IR" sz="2100" dirty="0">
+                <a:cs typeface="0 Nazanin" panose="00000400000000000000" pitchFamily="2" charset="-78"/>
+              </a:rPr>
+              <a:t>پیاده‌سازی با</a:t>
+            </a:r>
+          </a:p>
+          <a:p>
+            <a:pPr algn="ctr"/>
+            <a:r>
+              <a:rPr lang="en-US" sz="2100" dirty="0">
+                <a:cs typeface="0 Nazanin" panose="00000400000000000000" pitchFamily="2" charset="-78"/>
+              </a:rPr>
+              <a:t>4GT</a:t>
+            </a:r>
+            <a:r>
+              <a:rPr lang="fa-IR" sz="2100" dirty="0">
+                <a:cs typeface="0 Nazanin" panose="00000400000000000000" pitchFamily="2" charset="-78"/>
+              </a:rPr>
+              <a:t> استفاده از</a:t>
+            </a:r>
+            <a:endParaRPr lang="en-US" sz="2100" dirty="0">
+              <a:cs typeface="0 Nazanin" panose="00000400000000000000" pitchFamily="2" charset="-78"/>
+            </a:endParaRPr>
+          </a:p>
+        </p:txBody>
+      </p:sp>
+      <p:sp>
+        <p:nvSpPr>
+          <p:cNvPr id="11" name="Rectangle 10"/>
+          <p:cNvSpPr/>
+          <p:nvPr/>
+        </p:nvSpPr>
+        <p:spPr>
+          <a:xfrm>
+            <a:off x="6328578" y="1338658"/>
+            <a:ext cx="1965278" cy="491319"/>
+          </a:xfrm>
+          <a:prstGeom prst="rect">
+            <a:avLst/>
+          </a:prstGeom>
+        </p:spPr>
+        <p:style>
+          <a:lnRef idx="2">
+            <a:schemeClr val="dk1"/>
+          </a:lnRef>
+          <a:fillRef idx="1">
+            <a:schemeClr val="lt1"/>
+          </a:fillRef>
+          <a:effectRef idx="0">
+            <a:schemeClr val="dk1"/>
+          </a:effectRef>
+          <a:fontRef idx="minor">
+            <a:schemeClr val="dk1"/>
+          </a:fontRef>
+        </p:style>
+        <p:txBody>
+          <a:bodyPr rtlCol="0" anchor="ctr"/>
+          <a:lstStyle/>
+          <a:p>
+            <a:pPr algn="ctr"/>
+            <a:endParaRPr lang="en-US" b="1">
+              <a:ln/>
+              <a:pattFill prst="dkUpDiag">
+                <a:fgClr>
+                  <a:schemeClr val="bg1">
+                    <a:lumMod val="50000"/>
+                  </a:schemeClr>
+                </a:fgClr>
+                <a:bgClr>
+                  <a:schemeClr val="tx1">
+                    <a:lumMod val="75000"/>
+                    <a:lumOff val="25000"/>
+                  </a:schemeClr>
+                </a:bgClr>
+              </a:pattFill>
+              <a:effectLst>
+                <a:outerShdw blurRad="38100" dist="19050" dir="2700000" algn="tl" rotWithShape="0">
+                  <a:schemeClr val="dk1">
+                    <a:lumMod val="50000"/>
+                    <a:alpha val="40000"/>
+                  </a:schemeClr>
+                </a:outerShdw>
+              </a:effectLst>
+            </a:endParaRPr>
+          </a:p>
+        </p:txBody>
+      </p:sp>
+      <p:sp>
+        <p:nvSpPr>
+          <p:cNvPr id="12" name="TextBox 11"/>
+          <p:cNvSpPr txBox="1"/>
+          <p:nvPr/>
+        </p:nvSpPr>
+        <p:spPr>
+          <a:xfrm>
+            <a:off x="6420132" y="1336299"/>
+            <a:ext cx="1782170" cy="461665"/>
+          </a:xfrm>
+          <a:prstGeom prst="rect">
+            <a:avLst/>
+          </a:prstGeom>
+          <a:noFill/>
+        </p:spPr>
+        <p:txBody>
+          <a:bodyPr wrap="square" rtlCol="0">
+            <a:spAutoFit/>
+          </a:bodyPr>
+          <a:lstStyle/>
+          <a:p>
+            <a:pPr algn="ctr"/>
+            <a:r>
+              <a:rPr lang="fa-IR" sz="2400" dirty="0">
+                <a:cs typeface="0 Nazanin" panose="00000400000000000000" pitchFamily="2" charset="-78"/>
+              </a:rPr>
+              <a:t>محصول</a:t>
+            </a:r>
+            <a:endParaRPr lang="en-US" sz="2400" dirty="0">
+              <a:cs typeface="0 Nazanin" panose="00000400000000000000" pitchFamily="2" charset="-78"/>
+            </a:endParaRPr>
+          </a:p>
+        </p:txBody>
+      </p:sp>
+      <p:cxnSp>
+        <p:nvCxnSpPr>
+          <p:cNvPr id="13" name="Connector: Elbow 12"/>
+          <p:cNvCxnSpPr/>
+          <p:nvPr/>
+        </p:nvCxnSpPr>
+        <p:spPr>
+          <a:xfrm>
+            <a:off x="4162562" y="776487"/>
+            <a:ext cx="1078172" cy="175060"/>
+          </a:xfrm>
+          <a:prstGeom prst="bentConnector2">
+            <a:avLst/>
+          </a:prstGeom>
+          <a:ln>
+            <a:tailEnd type="triangle"/>
+          </a:ln>
+        </p:spPr>
+        <p:style>
+          <a:lnRef idx="1">
+            <a:schemeClr val="dk1"/>
+          </a:lnRef>
+          <a:fillRef idx="0">
+            <a:schemeClr val="dk1"/>
+          </a:fillRef>
+          <a:effectRef idx="0">
+            <a:schemeClr val="dk1"/>
+          </a:effectRef>
+          <a:fontRef idx="minor">
+            <a:schemeClr val="tx1"/>
+          </a:fontRef>
+        </p:style>
+      </p:cxnSp>
+      <p:cxnSp>
+        <p:nvCxnSpPr>
+          <p:cNvPr id="14" name="Connector: Elbow 13"/>
+          <p:cNvCxnSpPr/>
+          <p:nvPr/>
+        </p:nvCxnSpPr>
+        <p:spPr>
+          <a:xfrm>
+            <a:off x="6237024" y="1184993"/>
+            <a:ext cx="1078172" cy="175060"/>
+          </a:xfrm>
+          <a:prstGeom prst="bentConnector2">
+            <a:avLst/>
+          </a:prstGeom>
+          <a:ln>
+            <a:tailEnd type="triangle"/>
+          </a:ln>
+        </p:spPr>
+        <p:style>
+          <a:lnRef idx="1">
+            <a:schemeClr val="dk1"/>
+          </a:lnRef>
+          <a:fillRef idx="0">
+            <a:schemeClr val="dk1"/>
+          </a:fillRef>
+          <a:effectRef idx="0">
+            <a:schemeClr val="dk1"/>
+          </a:effectRef>
+          <a:fontRef idx="minor">
+            <a:schemeClr val="tx1"/>
+          </a:fontRef>
+        </p:style>
+      </p:cxnSp>
+      <p:cxnSp>
+        <p:nvCxnSpPr>
+          <p:cNvPr id="16" name="Straight Arrow Connector 15"/>
+          <p:cNvCxnSpPr/>
+          <p:nvPr/>
+        </p:nvCxnSpPr>
+        <p:spPr>
+          <a:xfrm flipH="1" flipV="1">
+            <a:off x="5240734" y="1641264"/>
+            <a:ext cx="13651" cy="788038"/>
+          </a:xfrm>
+          <a:prstGeom prst="straightConnector1">
+            <a:avLst/>
+          </a:prstGeom>
+          <a:ln>
+            <a:tailEnd type="triangle"/>
+          </a:ln>
+        </p:spPr>
+        <p:style>
+          <a:lnRef idx="1">
+            <a:schemeClr val="dk1"/>
+          </a:lnRef>
+          <a:fillRef idx="0">
+            <a:schemeClr val="dk1"/>
+          </a:fillRef>
+          <a:effectRef idx="0">
+            <a:schemeClr val="dk1"/>
+          </a:effectRef>
+          <a:fontRef idx="minor">
+            <a:schemeClr val="tx1"/>
+          </a:fontRef>
+        </p:style>
+      </p:cxnSp>
+      <p:cxnSp>
+        <p:nvCxnSpPr>
+          <p:cNvPr id="17" name="Straight Arrow Connector 16"/>
+          <p:cNvCxnSpPr/>
+          <p:nvPr/>
+        </p:nvCxnSpPr>
+        <p:spPr>
+          <a:xfrm flipV="1">
+            <a:off x="3132015" y="1044387"/>
+            <a:ext cx="5259" cy="1384914"/>
+          </a:xfrm>
+          <a:prstGeom prst="straightConnector1">
+            <a:avLst/>
+          </a:prstGeom>
+          <a:ln>
+            <a:tailEnd type="triangle"/>
+          </a:ln>
+        </p:spPr>
+        <p:style>
+          <a:lnRef idx="1">
+            <a:schemeClr val="dk1"/>
+          </a:lnRef>
+          <a:fillRef idx="0">
+            <a:schemeClr val="dk1"/>
+          </a:fillRef>
+          <a:effectRef idx="0">
+            <a:schemeClr val="dk1"/>
+          </a:effectRef>
+          <a:fontRef idx="minor">
+            <a:schemeClr val="tx1"/>
+          </a:fontRef>
+        </p:style>
+      </p:cxnSp>
+      <p:cxnSp>
+        <p:nvCxnSpPr>
+          <p:cNvPr id="18" name="Connector: Elbow 17"/>
+          <p:cNvCxnSpPr>
+            <a:endCxn id="11" idx="2"/>
+          </p:cNvCxnSpPr>
+          <p:nvPr/>
+        </p:nvCxnSpPr>
+        <p:spPr>
+          <a:xfrm>
+            <a:off x="1072196" y="612379"/>
+            <a:ext cx="6239021" cy="1217598"/>
+          </a:xfrm>
+          <a:prstGeom prst="bentConnector4">
+            <a:avLst>
+              <a:gd name="adj1" fmla="val 126"/>
+              <a:gd name="adj2" fmla="val 149038"/>
+            </a:avLst>
+          </a:prstGeom>
+          <a:ln>
+            <a:headEnd type="triangle"/>
+            <a:tailEnd type="triangle"/>
+          </a:ln>
+        </p:spPr>
+        <p:style>
+          <a:lnRef idx="1">
+            <a:schemeClr val="dk1"/>
+          </a:lnRef>
+          <a:fillRef idx="0">
+            <a:schemeClr val="dk1"/>
+          </a:fillRef>
+          <a:effectRef idx="0">
+            <a:schemeClr val="dk1"/>
+          </a:effectRef>
+          <a:fontRef idx="minor">
+            <a:schemeClr val="tx1"/>
+          </a:fontRef>
+        </p:style>
+      </p:cxnSp>
+    </p:spTree>
+    <p:extLst>
+      <p:ext uri="{BB962C8B-B14F-4D97-AF65-F5344CB8AC3E}">
+        <p14:creationId xmlns:p14="http://schemas.microsoft.com/office/powerpoint/2010/main" val="2845973938"/>
+      </p:ext>
+    </p:extLst>
+  </p:cSld>
+  <p:clrMapOvr>
+    <a:masterClrMapping/>
+  </p:clrMapOvr>
+</p:sld>
+</file>
+
 <file path=ppt/theme/theme1.xml><?xml version="1.0" encoding="utf-8"?>
 <a:theme xmlns:a="http://schemas.openxmlformats.org/drawingml/2006/main" name="Office Theme">
   <a:themeElements>

--- a/Diagrams.pptx
+++ b/Diagrams.pptx
@@ -249,7 +249,7 @@
           <a:p>
             <a:fld id="{BD486CA0-37E7-4D8F-8D7A-4FE39C460119}" type="datetimeFigureOut">
               <a:rPr lang="en-US" smtClean="0"/>
-              <a:t>16/12/20</a:t>
+              <a:t>16/12/21</a:t>
             </a:fld>
             <a:endParaRPr lang="en-US"/>
           </a:p>
@@ -417,7 +417,7 @@
           <a:p>
             <a:fld id="{BD486CA0-37E7-4D8F-8D7A-4FE39C460119}" type="datetimeFigureOut">
               <a:rPr lang="en-US" smtClean="0"/>
-              <a:t>16/12/20</a:t>
+              <a:t>16/12/21</a:t>
             </a:fld>
             <a:endParaRPr lang="en-US"/>
           </a:p>
@@ -595,7 +595,7 @@
           <a:p>
             <a:fld id="{BD486CA0-37E7-4D8F-8D7A-4FE39C460119}" type="datetimeFigureOut">
               <a:rPr lang="en-US" smtClean="0"/>
-              <a:t>16/12/20</a:t>
+              <a:t>16/12/21</a:t>
             </a:fld>
             <a:endParaRPr lang="en-US"/>
           </a:p>
@@ -763,7 +763,7 @@
           <a:p>
             <a:fld id="{BD486CA0-37E7-4D8F-8D7A-4FE39C460119}" type="datetimeFigureOut">
               <a:rPr lang="en-US" smtClean="0"/>
-              <a:t>16/12/20</a:t>
+              <a:t>16/12/21</a:t>
             </a:fld>
             <a:endParaRPr lang="en-US"/>
           </a:p>
@@ -1008,7 +1008,7 @@
           <a:p>
             <a:fld id="{BD486CA0-37E7-4D8F-8D7A-4FE39C460119}" type="datetimeFigureOut">
               <a:rPr lang="en-US" smtClean="0"/>
-              <a:t>16/12/20</a:t>
+              <a:t>16/12/21</a:t>
             </a:fld>
             <a:endParaRPr lang="en-US"/>
           </a:p>
@@ -1237,7 +1237,7 @@
           <a:p>
             <a:fld id="{BD486CA0-37E7-4D8F-8D7A-4FE39C460119}" type="datetimeFigureOut">
               <a:rPr lang="en-US" smtClean="0"/>
-              <a:t>16/12/20</a:t>
+              <a:t>16/12/21</a:t>
             </a:fld>
             <a:endParaRPr lang="en-US"/>
           </a:p>
@@ -1601,7 +1601,7 @@
           <a:p>
             <a:fld id="{BD486CA0-37E7-4D8F-8D7A-4FE39C460119}" type="datetimeFigureOut">
               <a:rPr lang="en-US" smtClean="0"/>
-              <a:t>16/12/20</a:t>
+              <a:t>16/12/21</a:t>
             </a:fld>
             <a:endParaRPr lang="en-US"/>
           </a:p>
@@ -1718,7 +1718,7 @@
           <a:p>
             <a:fld id="{BD486CA0-37E7-4D8F-8D7A-4FE39C460119}" type="datetimeFigureOut">
               <a:rPr lang="en-US" smtClean="0"/>
-              <a:t>16/12/20</a:t>
+              <a:t>16/12/21</a:t>
             </a:fld>
             <a:endParaRPr lang="en-US"/>
           </a:p>
@@ -1813,7 +1813,7 @@
           <a:p>
             <a:fld id="{BD486CA0-37E7-4D8F-8D7A-4FE39C460119}" type="datetimeFigureOut">
               <a:rPr lang="en-US" smtClean="0"/>
-              <a:t>16/12/20</a:t>
+              <a:t>16/12/21</a:t>
             </a:fld>
             <a:endParaRPr lang="en-US"/>
           </a:p>
@@ -2088,7 +2088,7 @@
           <a:p>
             <a:fld id="{BD486CA0-37E7-4D8F-8D7A-4FE39C460119}" type="datetimeFigureOut">
               <a:rPr lang="en-US" smtClean="0"/>
-              <a:t>16/12/20</a:t>
+              <a:t>16/12/21</a:t>
             </a:fld>
             <a:endParaRPr lang="en-US"/>
           </a:p>
@@ -2340,7 +2340,7 @@
           <a:p>
             <a:fld id="{BD486CA0-37E7-4D8F-8D7A-4FE39C460119}" type="datetimeFigureOut">
               <a:rPr lang="en-US" smtClean="0"/>
-              <a:t>16/12/20</a:t>
+              <a:t>16/12/21</a:t>
             </a:fld>
             <a:endParaRPr lang="en-US"/>
           </a:p>
@@ -2551,7 +2551,7 @@
           <a:p>
             <a:fld id="{BD486CA0-37E7-4D8F-8D7A-4FE39C460119}" type="datetimeFigureOut">
               <a:rPr lang="en-US" smtClean="0"/>
-              <a:t>16/12/20</a:t>
+              <a:t>16/12/21</a:t>
             </a:fld>
             <a:endParaRPr lang="en-US"/>
           </a:p>
@@ -5942,280 +5942,6 @@
           </a:fontRef>
         </p:style>
       </p:cxnSp>
-      <p:cxnSp>
-        <p:nvCxnSpPr>
-          <p:cNvPr id="47" name="Straight Connector 46"/>
-          <p:cNvCxnSpPr>
-            <a:endCxn id="51" idx="5"/>
-          </p:cNvCxnSpPr>
-          <p:nvPr/>
-        </p:nvCxnSpPr>
-        <p:spPr>
-          <a:xfrm flipV="1">
-            <a:off x="4170969" y="3894283"/>
-            <a:ext cx="1051620" cy="737927"/>
-          </a:xfrm>
-          <a:prstGeom prst="line">
-            <a:avLst/>
-          </a:prstGeom>
-        </p:spPr>
-        <p:style>
-          <a:lnRef idx="1">
-            <a:schemeClr val="dk1"/>
-          </a:lnRef>
-          <a:fillRef idx="0">
-            <a:schemeClr val="dk1"/>
-          </a:fillRef>
-          <a:effectRef idx="0">
-            <a:schemeClr val="dk1"/>
-          </a:effectRef>
-          <a:fontRef idx="minor">
-            <a:schemeClr val="tx1"/>
-          </a:fontRef>
-        </p:style>
-      </p:cxnSp>
-      <p:cxnSp>
-        <p:nvCxnSpPr>
-          <p:cNvPr id="48" name="Straight Connector 47"/>
-          <p:cNvCxnSpPr/>
-          <p:nvPr/>
-        </p:nvCxnSpPr>
-        <p:spPr>
-          <a:xfrm flipV="1">
-            <a:off x="5305143" y="3957498"/>
-            <a:ext cx="262330" cy="680405"/>
-          </a:xfrm>
-          <a:prstGeom prst="line">
-            <a:avLst/>
-          </a:prstGeom>
-        </p:spPr>
-        <p:style>
-          <a:lnRef idx="1">
-            <a:schemeClr val="dk1"/>
-          </a:lnRef>
-          <a:fillRef idx="0">
-            <a:schemeClr val="dk1"/>
-          </a:fillRef>
-          <a:effectRef idx="0">
-            <a:schemeClr val="dk1"/>
-          </a:effectRef>
-          <a:fontRef idx="minor">
-            <a:schemeClr val="tx1"/>
-          </a:fontRef>
-        </p:style>
-      </p:cxnSp>
-      <p:cxnSp>
-        <p:nvCxnSpPr>
-          <p:cNvPr id="49" name="Straight Connector 48"/>
-          <p:cNvCxnSpPr/>
-          <p:nvPr/>
-        </p:nvCxnSpPr>
-        <p:spPr>
-          <a:xfrm>
-            <a:off x="6373239" y="3901053"/>
-            <a:ext cx="1512237" cy="847437"/>
-          </a:xfrm>
-          <a:prstGeom prst="line">
-            <a:avLst/>
-          </a:prstGeom>
-        </p:spPr>
-        <p:style>
-          <a:lnRef idx="1">
-            <a:schemeClr val="dk1"/>
-          </a:lnRef>
-          <a:fillRef idx="0">
-            <a:schemeClr val="dk1"/>
-          </a:fillRef>
-          <a:effectRef idx="0">
-            <a:schemeClr val="dk1"/>
-          </a:effectRef>
-          <a:fontRef idx="minor">
-            <a:schemeClr val="tx1"/>
-          </a:fontRef>
-        </p:style>
-      </p:cxnSp>
-      <p:cxnSp>
-        <p:nvCxnSpPr>
-          <p:cNvPr id="50" name="Straight Connector 49"/>
-          <p:cNvCxnSpPr/>
-          <p:nvPr/>
-        </p:nvCxnSpPr>
-        <p:spPr>
-          <a:xfrm flipH="1" flipV="1">
-            <a:off x="5996255" y="3938902"/>
-            <a:ext cx="527084" cy="699001"/>
-          </a:xfrm>
-          <a:prstGeom prst="line">
-            <a:avLst/>
-          </a:prstGeom>
-        </p:spPr>
-        <p:style>
-          <a:lnRef idx="1">
-            <a:schemeClr val="dk1"/>
-          </a:lnRef>
-          <a:fillRef idx="0">
-            <a:schemeClr val="dk1"/>
-          </a:fillRef>
-          <a:effectRef idx="0">
-            <a:schemeClr val="dk1"/>
-          </a:effectRef>
-          <a:fontRef idx="minor">
-            <a:schemeClr val="tx1"/>
-          </a:fontRef>
-        </p:style>
-      </p:cxnSp>
-      <p:sp>
-        <p:nvSpPr>
-          <p:cNvPr id="51" name="Isosceles Triangle 50"/>
-          <p:cNvSpPr/>
-          <p:nvPr/>
-        </p:nvSpPr>
-        <p:spPr>
-          <a:xfrm rot="10800000">
-            <a:off x="5142435" y="3763337"/>
-            <a:ext cx="320615" cy="261892"/>
-          </a:xfrm>
-          <a:prstGeom prst="triangle">
-            <a:avLst/>
-          </a:prstGeom>
-        </p:spPr>
-        <p:style>
-          <a:lnRef idx="2">
-            <a:schemeClr val="dk1"/>
-          </a:lnRef>
-          <a:fillRef idx="1">
-            <a:schemeClr val="lt1"/>
-          </a:fillRef>
-          <a:effectRef idx="0">
-            <a:schemeClr val="dk1"/>
-          </a:effectRef>
-          <a:fontRef idx="minor">
-            <a:schemeClr val="dk1"/>
-          </a:fontRef>
-        </p:style>
-        <p:txBody>
-          <a:bodyPr rtlCol="0" anchor="ctr"/>
-          <a:lstStyle/>
-          <a:p>
-            <a:pPr algn="ctr"/>
-            <a:endParaRPr lang="en-US" dirty="0"/>
-          </a:p>
-        </p:txBody>
-      </p:sp>
-      <p:sp>
-        <p:nvSpPr>
-          <p:cNvPr id="52" name="Isosceles Triangle 51"/>
-          <p:cNvSpPr/>
-          <p:nvPr/>
-        </p:nvSpPr>
-        <p:spPr>
-          <a:xfrm rot="9019614">
-            <a:off x="5489749" y="3842014"/>
-            <a:ext cx="313429" cy="230969"/>
-          </a:xfrm>
-          <a:prstGeom prst="triangle">
-            <a:avLst/>
-          </a:prstGeom>
-        </p:spPr>
-        <p:style>
-          <a:lnRef idx="2">
-            <a:schemeClr val="dk1"/>
-          </a:lnRef>
-          <a:fillRef idx="1">
-            <a:schemeClr val="lt1"/>
-          </a:fillRef>
-          <a:effectRef idx="0">
-            <a:schemeClr val="dk1"/>
-          </a:effectRef>
-          <a:fontRef idx="minor">
-            <a:schemeClr val="dk1"/>
-          </a:fontRef>
-        </p:style>
-        <p:txBody>
-          <a:bodyPr rtlCol="0" anchor="ctr"/>
-          <a:lstStyle/>
-          <a:p>
-            <a:pPr algn="ctr"/>
-            <a:endParaRPr lang="en-US" dirty="0"/>
-          </a:p>
-        </p:txBody>
-      </p:sp>
-      <p:sp>
-        <p:nvSpPr>
-          <p:cNvPr id="53" name="Isosceles Triangle 52"/>
-          <p:cNvSpPr/>
-          <p:nvPr/>
-        </p:nvSpPr>
-        <p:spPr>
-          <a:xfrm rot="19229063">
-            <a:off x="5808460" y="3748532"/>
-            <a:ext cx="250620" cy="265683"/>
-          </a:xfrm>
-          <a:prstGeom prst="triangle">
-            <a:avLst/>
-          </a:prstGeom>
-        </p:spPr>
-        <p:style>
-          <a:lnRef idx="2">
-            <a:schemeClr val="dk1"/>
-          </a:lnRef>
-          <a:fillRef idx="1">
-            <a:schemeClr val="lt1"/>
-          </a:fillRef>
-          <a:effectRef idx="0">
-            <a:schemeClr val="dk1"/>
-          </a:effectRef>
-          <a:fontRef idx="minor">
-            <a:schemeClr val="dk1"/>
-          </a:fontRef>
-        </p:style>
-        <p:txBody>
-          <a:bodyPr rtlCol="0" anchor="ctr"/>
-          <a:lstStyle/>
-          <a:p>
-            <a:pPr algn="ctr"/>
-            <a:endParaRPr lang="en-US" dirty="0"/>
-          </a:p>
-        </p:txBody>
-      </p:sp>
-      <p:sp>
-        <p:nvSpPr>
-          <p:cNvPr id="54" name="Isosceles Triangle 53"/>
-          <p:cNvSpPr/>
-          <p:nvPr/>
-        </p:nvSpPr>
-        <p:spPr>
-          <a:xfrm rot="18329232">
-            <a:off x="6132931" y="3723639"/>
-            <a:ext cx="260905" cy="247224"/>
-          </a:xfrm>
-          <a:prstGeom prst="triangle">
-            <a:avLst/>
-          </a:prstGeom>
-        </p:spPr>
-        <p:style>
-          <a:lnRef idx="2">
-            <a:schemeClr val="dk1"/>
-          </a:lnRef>
-          <a:fillRef idx="1">
-            <a:schemeClr val="lt1"/>
-          </a:fillRef>
-          <a:effectRef idx="0">
-            <a:schemeClr val="dk1"/>
-          </a:effectRef>
-          <a:fontRef idx="minor">
-            <a:schemeClr val="dk1"/>
-          </a:fontRef>
-        </p:style>
-        <p:txBody>
-          <a:bodyPr rtlCol="0" anchor="ctr"/>
-          <a:lstStyle/>
-          <a:p>
-            <a:pPr algn="ctr"/>
-            <a:endParaRPr lang="en-US" dirty="0"/>
-          </a:p>
-        </p:txBody>
-      </p:sp>
       <p:sp>
         <p:nvSpPr>
           <p:cNvPr id="73" name="TextBox 72"/>
@@ -6383,6 +6109,224 @@
             <a:endParaRPr lang="en-US" sz="2000" dirty="0">
               <a:cs typeface="0 Nazanin" panose="00000400000000000000" pitchFamily="2" charset="-78"/>
             </a:endParaRPr>
+          </a:p>
+        </p:txBody>
+      </p:sp>
+      <p:cxnSp>
+        <p:nvCxnSpPr>
+          <p:cNvPr id="56" name="Straight Connector 55"/>
+          <p:cNvCxnSpPr/>
+          <p:nvPr/>
+        </p:nvCxnSpPr>
+        <p:spPr>
+          <a:xfrm>
+            <a:off x="3926264" y="4132385"/>
+            <a:ext cx="4087885" cy="0"/>
+          </a:xfrm>
+          <a:prstGeom prst="line">
+            <a:avLst/>
+          </a:prstGeom>
+        </p:spPr>
+        <p:style>
+          <a:lnRef idx="1">
+            <a:schemeClr val="dk1"/>
+          </a:lnRef>
+          <a:fillRef idx="0">
+            <a:schemeClr val="dk1"/>
+          </a:fillRef>
+          <a:effectRef idx="0">
+            <a:schemeClr val="dk1"/>
+          </a:effectRef>
+          <a:fontRef idx="minor">
+            <a:schemeClr val="tx1"/>
+          </a:fontRef>
+        </p:style>
+      </p:cxnSp>
+      <p:cxnSp>
+        <p:nvCxnSpPr>
+          <p:cNvPr id="58" name="Straight Connector 57"/>
+          <p:cNvCxnSpPr/>
+          <p:nvPr/>
+        </p:nvCxnSpPr>
+        <p:spPr>
+          <a:xfrm>
+            <a:off x="3931154" y="4132385"/>
+            <a:ext cx="0" cy="465993"/>
+          </a:xfrm>
+          <a:prstGeom prst="line">
+            <a:avLst/>
+          </a:prstGeom>
+        </p:spPr>
+        <p:style>
+          <a:lnRef idx="1">
+            <a:schemeClr val="dk1"/>
+          </a:lnRef>
+          <a:fillRef idx="0">
+            <a:schemeClr val="dk1"/>
+          </a:fillRef>
+          <a:effectRef idx="0">
+            <a:schemeClr val="dk1"/>
+          </a:effectRef>
+          <a:fontRef idx="minor">
+            <a:schemeClr val="tx1"/>
+          </a:fontRef>
+        </p:style>
+      </p:cxnSp>
+      <p:cxnSp>
+        <p:nvCxnSpPr>
+          <p:cNvPr id="64" name="Straight Connector 63"/>
+          <p:cNvCxnSpPr/>
+          <p:nvPr/>
+        </p:nvCxnSpPr>
+        <p:spPr>
+          <a:xfrm>
+            <a:off x="5246975" y="4132385"/>
+            <a:ext cx="0" cy="465993"/>
+          </a:xfrm>
+          <a:prstGeom prst="line">
+            <a:avLst/>
+          </a:prstGeom>
+        </p:spPr>
+        <p:style>
+          <a:lnRef idx="1">
+            <a:schemeClr val="dk1"/>
+          </a:lnRef>
+          <a:fillRef idx="0">
+            <a:schemeClr val="dk1"/>
+          </a:fillRef>
+          <a:effectRef idx="0">
+            <a:schemeClr val="dk1"/>
+          </a:effectRef>
+          <a:fontRef idx="minor">
+            <a:schemeClr val="tx1"/>
+          </a:fontRef>
+        </p:style>
+      </p:cxnSp>
+      <p:cxnSp>
+        <p:nvCxnSpPr>
+          <p:cNvPr id="65" name="Straight Connector 64"/>
+          <p:cNvCxnSpPr/>
+          <p:nvPr/>
+        </p:nvCxnSpPr>
+        <p:spPr>
+          <a:xfrm>
+            <a:off x="6625351" y="4132385"/>
+            <a:ext cx="0" cy="465993"/>
+          </a:xfrm>
+          <a:prstGeom prst="line">
+            <a:avLst/>
+          </a:prstGeom>
+        </p:spPr>
+        <p:style>
+          <a:lnRef idx="1">
+            <a:schemeClr val="dk1"/>
+          </a:lnRef>
+          <a:fillRef idx="0">
+            <a:schemeClr val="dk1"/>
+          </a:fillRef>
+          <a:effectRef idx="0">
+            <a:schemeClr val="dk1"/>
+          </a:effectRef>
+          <a:fontRef idx="minor">
+            <a:schemeClr val="tx1"/>
+          </a:fontRef>
+        </p:style>
+      </p:cxnSp>
+      <p:cxnSp>
+        <p:nvCxnSpPr>
+          <p:cNvPr id="66" name="Straight Connector 65"/>
+          <p:cNvCxnSpPr/>
+          <p:nvPr/>
+        </p:nvCxnSpPr>
+        <p:spPr>
+          <a:xfrm>
+            <a:off x="8020741" y="4132385"/>
+            <a:ext cx="0" cy="465993"/>
+          </a:xfrm>
+          <a:prstGeom prst="line">
+            <a:avLst/>
+          </a:prstGeom>
+        </p:spPr>
+        <p:style>
+          <a:lnRef idx="1">
+            <a:schemeClr val="dk1"/>
+          </a:lnRef>
+          <a:fillRef idx="0">
+            <a:schemeClr val="dk1"/>
+          </a:fillRef>
+          <a:effectRef idx="0">
+            <a:schemeClr val="dk1"/>
+          </a:effectRef>
+          <a:fontRef idx="minor">
+            <a:schemeClr val="tx1"/>
+          </a:fontRef>
+        </p:style>
+      </p:cxnSp>
+      <p:cxnSp>
+        <p:nvCxnSpPr>
+          <p:cNvPr id="67" name="Straight Connector 66"/>
+          <p:cNvCxnSpPr/>
+          <p:nvPr/>
+        </p:nvCxnSpPr>
+        <p:spPr>
+          <a:xfrm>
+            <a:off x="5798657" y="3833446"/>
+            <a:ext cx="0" cy="298939"/>
+          </a:xfrm>
+          <a:prstGeom prst="line">
+            <a:avLst/>
+          </a:prstGeom>
+        </p:spPr>
+        <p:style>
+          <a:lnRef idx="1">
+            <a:schemeClr val="dk1"/>
+          </a:lnRef>
+          <a:fillRef idx="0">
+            <a:schemeClr val="dk1"/>
+          </a:fillRef>
+          <a:effectRef idx="0">
+            <a:schemeClr val="dk1"/>
+          </a:effectRef>
+          <a:fontRef idx="minor">
+            <a:schemeClr val="tx1"/>
+          </a:fontRef>
+        </p:style>
+      </p:cxnSp>
+      <p:sp>
+        <p:nvSpPr>
+          <p:cNvPr id="61" name="Isosceles Triangle 60"/>
+          <p:cNvSpPr/>
+          <p:nvPr/>
+        </p:nvSpPr>
+        <p:spPr>
+          <a:xfrm>
+            <a:off x="5737112" y="3676790"/>
+            <a:ext cx="123090" cy="165720"/>
+          </a:xfrm>
+          <a:prstGeom prst="triangle">
+            <a:avLst/>
+          </a:prstGeom>
+        </p:spPr>
+        <p:style>
+          <a:lnRef idx="2">
+            <a:schemeClr val="dk1"/>
+          </a:lnRef>
+          <a:fillRef idx="1">
+            <a:schemeClr val="lt1"/>
+          </a:fillRef>
+          <a:effectRef idx="0">
+            <a:schemeClr val="dk1"/>
+          </a:effectRef>
+          <a:fontRef idx="minor">
+            <a:schemeClr val="dk1"/>
+          </a:fontRef>
+        </p:style>
+        <p:txBody>
+          <a:bodyPr rtlCol="0" anchor="ctr"/>
+          <a:lstStyle/>
+          <a:p>
+            <a:pPr algn="ctr"/>
+            <a:endParaRPr lang="en-US"/>
           </a:p>
         </p:txBody>
       </p:sp>

--- a/Diagrams.pptx
+++ b/Diagrams.pptx
@@ -8,11 +8,11 @@
     <p:sldId id="256" r:id="rId2"/>
     <p:sldId id="265" r:id="rId3"/>
     <p:sldId id="266" r:id="rId4"/>
-    <p:sldId id="262" r:id="rId5"/>
-    <p:sldId id="257" r:id="rId6"/>
-    <p:sldId id="258" r:id="rId7"/>
-    <p:sldId id="259" r:id="rId8"/>
-    <p:sldId id="260" r:id="rId9"/>
+    <p:sldId id="257" r:id="rId5"/>
+    <p:sldId id="258" r:id="rId6"/>
+    <p:sldId id="259" r:id="rId7"/>
+    <p:sldId id="260" r:id="rId8"/>
+    <p:sldId id="262" r:id="rId9"/>
     <p:sldId id="261" r:id="rId10"/>
     <p:sldId id="263" r:id="rId11"/>
     <p:sldId id="264" r:id="rId12"/>
@@ -251,7 +251,7 @@
           <a:p>
             <a:fld id="{BD486CA0-37E7-4D8F-8D7A-4FE39C460119}" type="datetimeFigureOut">
               <a:rPr lang="en-US" smtClean="0"/>
-              <a:t>16/12/21</a:t>
+              <a:t>16/12/23</a:t>
             </a:fld>
             <a:endParaRPr lang="en-US"/>
           </a:p>
@@ -419,7 +419,7 @@
           <a:p>
             <a:fld id="{BD486CA0-37E7-4D8F-8D7A-4FE39C460119}" type="datetimeFigureOut">
               <a:rPr lang="en-US" smtClean="0"/>
-              <a:t>16/12/21</a:t>
+              <a:t>16/12/23</a:t>
             </a:fld>
             <a:endParaRPr lang="en-US"/>
           </a:p>
@@ -597,7 +597,7 @@
           <a:p>
             <a:fld id="{BD486CA0-37E7-4D8F-8D7A-4FE39C460119}" type="datetimeFigureOut">
               <a:rPr lang="en-US" smtClean="0"/>
-              <a:t>16/12/21</a:t>
+              <a:t>16/12/23</a:t>
             </a:fld>
             <a:endParaRPr lang="en-US"/>
           </a:p>
@@ -765,7 +765,7 @@
           <a:p>
             <a:fld id="{BD486CA0-37E7-4D8F-8D7A-4FE39C460119}" type="datetimeFigureOut">
               <a:rPr lang="en-US" smtClean="0"/>
-              <a:t>16/12/21</a:t>
+              <a:t>16/12/23</a:t>
             </a:fld>
             <a:endParaRPr lang="en-US"/>
           </a:p>
@@ -1010,7 +1010,7 @@
           <a:p>
             <a:fld id="{BD486CA0-37E7-4D8F-8D7A-4FE39C460119}" type="datetimeFigureOut">
               <a:rPr lang="en-US" smtClean="0"/>
-              <a:t>16/12/21</a:t>
+              <a:t>16/12/23</a:t>
             </a:fld>
             <a:endParaRPr lang="en-US"/>
           </a:p>
@@ -1239,7 +1239,7 @@
           <a:p>
             <a:fld id="{BD486CA0-37E7-4D8F-8D7A-4FE39C460119}" type="datetimeFigureOut">
               <a:rPr lang="en-US" smtClean="0"/>
-              <a:t>16/12/21</a:t>
+              <a:t>16/12/23</a:t>
             </a:fld>
             <a:endParaRPr lang="en-US"/>
           </a:p>
@@ -1603,7 +1603,7 @@
           <a:p>
             <a:fld id="{BD486CA0-37E7-4D8F-8D7A-4FE39C460119}" type="datetimeFigureOut">
               <a:rPr lang="en-US" smtClean="0"/>
-              <a:t>16/12/21</a:t>
+              <a:t>16/12/23</a:t>
             </a:fld>
             <a:endParaRPr lang="en-US"/>
           </a:p>
@@ -1720,7 +1720,7 @@
           <a:p>
             <a:fld id="{BD486CA0-37E7-4D8F-8D7A-4FE39C460119}" type="datetimeFigureOut">
               <a:rPr lang="en-US" smtClean="0"/>
-              <a:t>16/12/21</a:t>
+              <a:t>16/12/23</a:t>
             </a:fld>
             <a:endParaRPr lang="en-US"/>
           </a:p>
@@ -1815,7 +1815,7 @@
           <a:p>
             <a:fld id="{BD486CA0-37E7-4D8F-8D7A-4FE39C460119}" type="datetimeFigureOut">
               <a:rPr lang="en-US" smtClean="0"/>
-              <a:t>16/12/21</a:t>
+              <a:t>16/12/23</a:t>
             </a:fld>
             <a:endParaRPr lang="en-US"/>
           </a:p>
@@ -2090,7 +2090,7 @@
           <a:p>
             <a:fld id="{BD486CA0-37E7-4D8F-8D7A-4FE39C460119}" type="datetimeFigureOut">
               <a:rPr lang="en-US" smtClean="0"/>
-              <a:t>16/12/21</a:t>
+              <a:t>16/12/23</a:t>
             </a:fld>
             <a:endParaRPr lang="en-US"/>
           </a:p>
@@ -2342,7 +2342,7 @@
           <a:p>
             <a:fld id="{BD486CA0-37E7-4D8F-8D7A-4FE39C460119}" type="datetimeFigureOut">
               <a:rPr lang="en-US" smtClean="0"/>
-              <a:t>16/12/21</a:t>
+              <a:t>16/12/23</a:t>
             </a:fld>
             <a:endParaRPr lang="en-US"/>
           </a:p>
@@ -2553,7 +2553,7 @@
           <a:p>
             <a:fld id="{BD486CA0-37E7-4D8F-8D7A-4FE39C460119}" type="datetimeFigureOut">
               <a:rPr lang="en-US" smtClean="0"/>
-              <a:t>16/12/21</a:t>
+              <a:t>16/12/23</a:t>
             </a:fld>
             <a:endParaRPr lang="en-US"/>
           </a:p>
@@ -5284,7 +5284,7 @@
         </p:nvSpPr>
         <p:spPr>
           <a:xfrm>
-            <a:off x="444711" y="720550"/>
+            <a:off x="444711" y="887598"/>
             <a:ext cx="714128" cy="402502"/>
           </a:xfrm>
           <a:prstGeom prst="rect">
@@ -5330,7 +5330,7 @@
         </p:nvSpPr>
         <p:spPr>
           <a:xfrm>
-            <a:off x="2447637" y="719069"/>
+            <a:off x="2447637" y="886117"/>
             <a:ext cx="920829" cy="426143"/>
           </a:xfrm>
           <a:prstGeom prst="rect">
@@ -5371,13 +5371,15 @@
       <p:cxnSp>
         <p:nvCxnSpPr>
           <p:cNvPr id="7" name="Straight Connector 6"/>
-          <p:cNvCxnSpPr/>
+          <p:cNvCxnSpPr>
+            <a:stCxn id="4" idx="2"/>
+          </p:cNvCxnSpPr>
           <p:nvPr/>
         </p:nvCxnSpPr>
         <p:spPr>
-          <a:xfrm>
-            <a:off x="800848" y="1123052"/>
-            <a:ext cx="0" cy="5372099"/>
+          <a:xfrm flipH="1">
+            <a:off x="800848" y="1290100"/>
+            <a:ext cx="927" cy="5205051"/>
           </a:xfrm>
           <a:prstGeom prst="line">
             <a:avLst/>
@@ -5410,13 +5412,15 @@
       <p:cxnSp>
         <p:nvCxnSpPr>
           <p:cNvPr id="8" name="Straight Connector 7"/>
-          <p:cNvCxnSpPr/>
+          <p:cNvCxnSpPr>
+            <a:stCxn id="5" idx="2"/>
+          </p:cNvCxnSpPr>
           <p:nvPr/>
         </p:nvCxnSpPr>
         <p:spPr>
           <a:xfrm flipH="1">
-            <a:off x="2904343" y="1148734"/>
-            <a:ext cx="1" cy="5372100"/>
+            <a:off x="2904344" y="1312260"/>
+            <a:ext cx="3708" cy="5208574"/>
           </a:xfrm>
           <a:prstGeom prst="line">
             <a:avLst/>
@@ -5449,13 +5453,15 @@
       <p:cxnSp>
         <p:nvCxnSpPr>
           <p:cNvPr id="9" name="Straight Connector 8"/>
-          <p:cNvCxnSpPr/>
+          <p:cNvCxnSpPr>
+            <a:stCxn id="41" idx="2"/>
+          </p:cNvCxnSpPr>
           <p:nvPr/>
         </p:nvCxnSpPr>
         <p:spPr>
           <a:xfrm>
-            <a:off x="5264132" y="1062708"/>
-            <a:ext cx="0" cy="5372101"/>
+            <a:off x="5264132" y="1312260"/>
+            <a:ext cx="0" cy="5122549"/>
           </a:xfrm>
           <a:prstGeom prst="line">
             <a:avLst/>
@@ -5611,8 +5617,8 @@
         </p:nvSpPr>
         <p:spPr>
           <a:xfrm>
-            <a:off x="800849" y="1754064"/>
-            <a:ext cx="77478" cy="2856391"/>
+            <a:off x="814151" y="1733630"/>
+            <a:ext cx="76298" cy="2856391"/>
           </a:xfrm>
           <a:prstGeom prst="rect">
             <a:avLst/>
@@ -5954,19 +5960,27 @@
         </p:nvSpPr>
         <p:spPr>
           <a:xfrm>
-            <a:off x="838200" y="365125"/>
-            <a:ext cx="9026769" cy="426183"/>
+            <a:off x="2953562" y="355965"/>
+            <a:ext cx="4559373" cy="286312"/>
           </a:xfrm>
         </p:spPr>
         <p:txBody>
           <a:bodyPr>
-            <a:normAutofit fontScale="90000"/>
+            <a:noAutofit/>
           </a:bodyPr>
           <a:lstStyle/>
           <a:p>
             <a:r>
-              <a:rPr lang="en-US" sz="3200" dirty="0"/>
-              <a:t>Sequence Diagram – Reservation</a:t>
+              <a:rPr lang="en-US" sz="4000" dirty="0">
+                <a:latin typeface="1 Blue Highway Condensed" panose="02010603020202020303" pitchFamily="2" charset="0"/>
+              </a:rPr>
+              <a:t>Reservation Scenario </a:t>
+            </a:r>
+            <a:r>
+              <a:rPr lang="en-US" sz="2800" dirty="0">
+                <a:latin typeface="1 Blue Highway Condensed" panose="02010603020202020303" pitchFamily="2" charset="0"/>
+              </a:rPr>
+              <a:t>Sequence Diagram</a:t>
             </a:r>
           </a:p>
         </p:txBody>
@@ -5979,7 +5993,7 @@
         </p:nvSpPr>
         <p:spPr>
           <a:xfrm>
-            <a:off x="1368648" y="720550"/>
+            <a:off x="1307101" y="887598"/>
             <a:ext cx="920829" cy="426143"/>
           </a:xfrm>
           <a:prstGeom prst="rect">
@@ -6020,13 +6034,15 @@
       <p:cxnSp>
         <p:nvCxnSpPr>
           <p:cNvPr id="37" name="Straight Connector 36"/>
-          <p:cNvCxnSpPr/>
+          <p:cNvCxnSpPr>
+            <a:stCxn id="36" idx="2"/>
+          </p:cNvCxnSpPr>
           <p:nvPr/>
         </p:nvCxnSpPr>
         <p:spPr>
           <a:xfrm>
-            <a:off x="1771395" y="1148735"/>
-            <a:ext cx="0" cy="5372099"/>
+            <a:off x="1767516" y="1313741"/>
+            <a:ext cx="2423" cy="5181410"/>
           </a:xfrm>
           <a:prstGeom prst="line">
             <a:avLst/>
@@ -6064,7 +6080,7 @@
         </p:nvSpPr>
         <p:spPr>
           <a:xfrm>
-            <a:off x="3568975" y="720721"/>
+            <a:off x="3568975" y="887769"/>
             <a:ext cx="1030526" cy="426143"/>
           </a:xfrm>
           <a:prstGeom prst="rect">
@@ -6110,7 +6126,7 @@
         </p:nvSpPr>
         <p:spPr>
           <a:xfrm>
-            <a:off x="4748869" y="719069"/>
+            <a:off x="4748869" y="886117"/>
             <a:ext cx="1030526" cy="426143"/>
           </a:xfrm>
           <a:prstGeom prst="rect">
@@ -6156,7 +6172,7 @@
         </p:nvSpPr>
         <p:spPr>
           <a:xfrm>
-            <a:off x="5893972" y="719069"/>
+            <a:off x="5893972" y="886117"/>
             <a:ext cx="920829" cy="426143"/>
           </a:xfrm>
           <a:prstGeom prst="rect">
@@ -6202,7 +6218,7 @@
         </p:nvSpPr>
         <p:spPr>
           <a:xfrm>
-            <a:off x="6973337" y="719069"/>
+            <a:off x="6973337" y="886117"/>
             <a:ext cx="920829" cy="426143"/>
           </a:xfrm>
           <a:prstGeom prst="rect">
@@ -6248,7 +6264,7 @@
         </p:nvSpPr>
         <p:spPr>
           <a:xfrm>
-            <a:off x="8052702" y="719068"/>
+            <a:off x="8052702" y="886116"/>
             <a:ext cx="920829" cy="426143"/>
           </a:xfrm>
           <a:prstGeom prst="rect">
@@ -6289,13 +6305,15 @@
       <p:cxnSp>
         <p:nvCxnSpPr>
           <p:cNvPr id="45" name="Straight Connector 44"/>
-          <p:cNvCxnSpPr/>
+          <p:cNvCxnSpPr>
+            <a:stCxn id="40" idx="2"/>
+          </p:cNvCxnSpPr>
           <p:nvPr/>
         </p:nvCxnSpPr>
         <p:spPr>
           <a:xfrm flipH="1">
-            <a:off x="4081767" y="1148734"/>
-            <a:ext cx="1" cy="5372100"/>
+            <a:off x="4081768" y="1313912"/>
+            <a:ext cx="2470" cy="5206922"/>
           </a:xfrm>
           <a:prstGeom prst="line">
             <a:avLst/>
@@ -6328,13 +6346,15 @@
       <p:cxnSp>
         <p:nvCxnSpPr>
           <p:cNvPr id="46" name="Straight Connector 45"/>
-          <p:cNvCxnSpPr/>
+          <p:cNvCxnSpPr>
+            <a:stCxn id="42" idx="2"/>
+          </p:cNvCxnSpPr>
           <p:nvPr/>
         </p:nvCxnSpPr>
         <p:spPr>
-          <a:xfrm>
-            <a:off x="6354386" y="1135681"/>
-            <a:ext cx="0" cy="5372101"/>
+          <a:xfrm flipH="1">
+            <a:off x="6354386" y="1312260"/>
+            <a:ext cx="1" cy="5195522"/>
           </a:xfrm>
           <a:prstGeom prst="line">
             <a:avLst/>
@@ -6367,13 +6387,15 @@
       <p:cxnSp>
         <p:nvCxnSpPr>
           <p:cNvPr id="47" name="Straight Connector 46"/>
-          <p:cNvCxnSpPr/>
+          <p:cNvCxnSpPr>
+            <a:stCxn id="43" idx="2"/>
+          </p:cNvCxnSpPr>
           <p:nvPr/>
         </p:nvCxnSpPr>
         <p:spPr>
-          <a:xfrm>
-            <a:off x="7410197" y="1156345"/>
-            <a:ext cx="0" cy="5372101"/>
+          <a:xfrm flipH="1">
+            <a:off x="7410197" y="1312260"/>
+            <a:ext cx="23555" cy="5216186"/>
           </a:xfrm>
           <a:prstGeom prst="line">
             <a:avLst/>
@@ -6406,13 +6428,15 @@
       <p:cxnSp>
         <p:nvCxnSpPr>
           <p:cNvPr id="48" name="Straight Connector 47"/>
-          <p:cNvCxnSpPr/>
+          <p:cNvCxnSpPr>
+            <a:stCxn id="44" idx="2"/>
+          </p:cNvCxnSpPr>
           <p:nvPr/>
         </p:nvCxnSpPr>
         <p:spPr>
-          <a:xfrm>
-            <a:off x="8513116" y="1135680"/>
-            <a:ext cx="0" cy="5372101"/>
+          <a:xfrm flipH="1">
+            <a:off x="8513116" y="1312259"/>
+            <a:ext cx="1" cy="5195522"/>
           </a:xfrm>
           <a:prstGeom prst="line">
             <a:avLst/>
@@ -7626,23 +7650,7 @@
           <a:p>
             <a:r>
               <a:rPr lang="en-US" sz="1200" dirty="0"/>
-              <a:t>Check </a:t>
-            </a:r>
-            <a:r>
-              <a:rPr lang="en-US" sz="1200" dirty="0" err="1"/>
-              <a:t>JobOwner’s</a:t>
-            </a:r>
-            <a:r>
-              <a:rPr lang="en-US" sz="1200" dirty="0"/>
-              <a:t> </a:t>
-            </a:r>
-            <a:r>
-              <a:rPr lang="en-US" sz="1200" dirty="0" err="1"/>
-              <a:t>WorkingTimes</a:t>
-            </a:r>
-            <a:r>
-              <a:rPr lang="en-US" sz="1200" dirty="0"/>
-              <a:t> and Other Appointments</a:t>
+              <a:t>Check JobOwner’s Working Times and Other Appointments</a:t>
             </a:r>
           </a:p>
         </p:txBody>
@@ -8080,13 +8088,8 @@
           <a:p>
             <a:r>
               <a:rPr lang="en-US" sz="1200" dirty="0"/>
-              <a:t>Save the Appointment to </a:t>
-            </a:r>
-            <a:r>
-              <a:rPr lang="en-US" sz="1200" dirty="0" err="1"/>
-              <a:t>db</a:t>
-            </a:r>
-            <a:endParaRPr lang="en-US" sz="1200" dirty="0"/>
+              <a:t>Save the Appointment to db</a:t>
+            </a:r>
           </a:p>
         </p:txBody>
       </p:sp>
@@ -8433,7 +8436,7 @@
         </p:nvSpPr>
         <p:spPr>
           <a:xfrm>
-            <a:off x="9102300" y="727203"/>
+            <a:off x="9102300" y="894251"/>
             <a:ext cx="920829" cy="426143"/>
           </a:xfrm>
           <a:prstGeom prst="rect">
@@ -8474,13 +8477,15 @@
       <p:cxnSp>
         <p:nvCxnSpPr>
           <p:cNvPr id="148" name="Straight Connector 147"/>
-          <p:cNvCxnSpPr/>
+          <p:cNvCxnSpPr>
+            <a:stCxn id="147" idx="2"/>
+          </p:cNvCxnSpPr>
           <p:nvPr/>
         </p:nvCxnSpPr>
         <p:spPr>
           <a:xfrm>
-            <a:off x="9573284" y="1145211"/>
-            <a:ext cx="0" cy="5372101"/>
+            <a:off x="9562715" y="1320394"/>
+            <a:ext cx="10569" cy="5196918"/>
           </a:xfrm>
           <a:prstGeom prst="line">
             <a:avLst/>
@@ -8510,6 +8515,292 @@
           </a:fontRef>
         </p:style>
       </p:cxnSp>
+      <p:pic>
+        <p:nvPicPr>
+          <p:cNvPr id="31" name="Picture 30"/>
+          <p:cNvPicPr>
+            <a:picLocks noChangeAspect="1"/>
+          </p:cNvPicPr>
+          <p:nvPr/>
+        </p:nvPicPr>
+        <p:blipFill>
+          <a:blip r:embed="rId2">
+            <a:extLst>
+              <a:ext uri="{28A0092B-C50C-407E-A947-70E740481C1C}">
+                <a14:useLocalDpi xmlns:a14="http://schemas.microsoft.com/office/drawing/2010/main" val="0"/>
+              </a:ext>
+            </a:extLst>
+          </a:blip>
+          <a:stretch>
+            <a:fillRect/>
+          </a:stretch>
+        </p:blipFill>
+        <p:spPr>
+          <a:xfrm>
+            <a:off x="3241346" y="758875"/>
+            <a:ext cx="220980" cy="304800"/>
+          </a:xfrm>
+          <a:prstGeom prst="rect">
+            <a:avLst/>
+          </a:prstGeom>
+        </p:spPr>
+      </p:pic>
+      <p:pic>
+        <p:nvPicPr>
+          <p:cNvPr id="101" name="Picture 100"/>
+          <p:cNvPicPr>
+            <a:picLocks noChangeAspect="1"/>
+          </p:cNvPicPr>
+          <p:nvPr/>
+        </p:nvPicPr>
+        <p:blipFill>
+          <a:blip r:embed="rId2">
+            <a:extLst>
+              <a:ext uri="{28A0092B-C50C-407E-A947-70E740481C1C}">
+                <a14:useLocalDpi xmlns:a14="http://schemas.microsoft.com/office/drawing/2010/main" val="0"/>
+              </a:ext>
+            </a:extLst>
+          </a:blip>
+          <a:stretch>
+            <a:fillRect/>
+          </a:stretch>
+        </p:blipFill>
+        <p:spPr>
+          <a:xfrm>
+            <a:off x="6687973" y="758875"/>
+            <a:ext cx="220980" cy="304800"/>
+          </a:xfrm>
+          <a:prstGeom prst="rect">
+            <a:avLst/>
+          </a:prstGeom>
+        </p:spPr>
+      </p:pic>
+      <p:sp>
+        <p:nvSpPr>
+          <p:cNvPr id="102" name="Oval 101"/>
+          <p:cNvSpPr/>
+          <p:nvPr/>
+        </p:nvSpPr>
+        <p:spPr>
+          <a:xfrm>
+            <a:off x="750903" y="475907"/>
+            <a:ext cx="116150" cy="108876"/>
+          </a:xfrm>
+          <a:prstGeom prst="ellipse">
+            <a:avLst/>
+          </a:prstGeom>
+        </p:spPr>
+        <p:style>
+          <a:lnRef idx="2">
+            <a:schemeClr val="accent6"/>
+          </a:lnRef>
+          <a:fillRef idx="1">
+            <a:schemeClr val="lt1"/>
+          </a:fillRef>
+          <a:effectRef idx="0">
+            <a:schemeClr val="accent6"/>
+          </a:effectRef>
+          <a:fontRef idx="minor">
+            <a:schemeClr val="dk1"/>
+          </a:fontRef>
+        </p:style>
+        <p:txBody>
+          <a:bodyPr rtlCol="0" anchor="ctr"/>
+          <a:lstStyle/>
+          <a:p>
+            <a:pPr algn="ctr"/>
+            <a:endParaRPr lang="en-US"/>
+          </a:p>
+        </p:txBody>
+      </p:sp>
+      <p:cxnSp>
+        <p:nvCxnSpPr>
+          <p:cNvPr id="103" name="Straight Connector 102"/>
+          <p:cNvCxnSpPr/>
+          <p:nvPr/>
+        </p:nvCxnSpPr>
+        <p:spPr>
+          <a:xfrm>
+            <a:off x="811319" y="591892"/>
+            <a:ext cx="10066" cy="145072"/>
+          </a:xfrm>
+          <a:prstGeom prst="line">
+            <a:avLst/>
+          </a:prstGeom>
+        </p:spPr>
+        <p:style>
+          <a:lnRef idx="2">
+            <a:schemeClr val="accent6"/>
+          </a:lnRef>
+          <a:fillRef idx="1">
+            <a:schemeClr val="lt1"/>
+          </a:fillRef>
+          <a:effectRef idx="0">
+            <a:schemeClr val="accent6"/>
+          </a:effectRef>
+          <a:fontRef idx="minor">
+            <a:schemeClr val="dk1"/>
+          </a:fontRef>
+        </p:style>
+      </p:cxnSp>
+      <p:cxnSp>
+        <p:nvCxnSpPr>
+          <p:cNvPr id="104" name="Straight Connector 103"/>
+          <p:cNvCxnSpPr/>
+          <p:nvPr/>
+        </p:nvCxnSpPr>
+        <p:spPr>
+          <a:xfrm>
+            <a:off x="816986" y="728172"/>
+            <a:ext cx="52611" cy="107521"/>
+          </a:xfrm>
+          <a:prstGeom prst="line">
+            <a:avLst/>
+          </a:prstGeom>
+        </p:spPr>
+        <p:style>
+          <a:lnRef idx="2">
+            <a:schemeClr val="accent6"/>
+          </a:lnRef>
+          <a:fillRef idx="1">
+            <a:schemeClr val="lt1"/>
+          </a:fillRef>
+          <a:effectRef idx="0">
+            <a:schemeClr val="accent6"/>
+          </a:effectRef>
+          <a:fontRef idx="minor">
+            <a:schemeClr val="dk1"/>
+          </a:fontRef>
+        </p:style>
+      </p:cxnSp>
+      <p:cxnSp>
+        <p:nvCxnSpPr>
+          <p:cNvPr id="105" name="Straight Connector 104"/>
+          <p:cNvCxnSpPr/>
+          <p:nvPr/>
+        </p:nvCxnSpPr>
+        <p:spPr>
+          <a:xfrm flipH="1">
+            <a:off x="783240" y="736963"/>
+            <a:ext cx="29353" cy="92002"/>
+          </a:xfrm>
+          <a:prstGeom prst="line">
+            <a:avLst/>
+          </a:prstGeom>
+        </p:spPr>
+        <p:style>
+          <a:lnRef idx="2">
+            <a:schemeClr val="accent6"/>
+          </a:lnRef>
+          <a:fillRef idx="1">
+            <a:schemeClr val="lt1"/>
+          </a:fillRef>
+          <a:effectRef idx="0">
+            <a:schemeClr val="accent6"/>
+          </a:effectRef>
+          <a:fontRef idx="minor">
+            <a:schemeClr val="dk1"/>
+          </a:fontRef>
+        </p:style>
+      </p:cxnSp>
+      <p:cxnSp>
+        <p:nvCxnSpPr>
+          <p:cNvPr id="106" name="Straight Connector 105"/>
+          <p:cNvCxnSpPr/>
+          <p:nvPr/>
+        </p:nvCxnSpPr>
+        <p:spPr>
+          <a:xfrm flipH="1">
+            <a:off x="735021" y="618267"/>
+            <a:ext cx="79771" cy="64911"/>
+          </a:xfrm>
+          <a:prstGeom prst="line">
+            <a:avLst/>
+          </a:prstGeom>
+        </p:spPr>
+        <p:style>
+          <a:lnRef idx="2">
+            <a:schemeClr val="accent6"/>
+          </a:lnRef>
+          <a:fillRef idx="1">
+            <a:schemeClr val="lt1"/>
+          </a:fillRef>
+          <a:effectRef idx="0">
+            <a:schemeClr val="accent6"/>
+          </a:effectRef>
+          <a:fontRef idx="minor">
+            <a:schemeClr val="dk1"/>
+          </a:fontRef>
+        </p:style>
+      </p:cxnSp>
+      <p:cxnSp>
+        <p:nvCxnSpPr>
+          <p:cNvPr id="107" name="Straight Connector 106"/>
+          <p:cNvCxnSpPr/>
+          <p:nvPr/>
+        </p:nvCxnSpPr>
+        <p:spPr>
+          <a:xfrm>
+            <a:off x="821383" y="627060"/>
+            <a:ext cx="96717" cy="39565"/>
+          </a:xfrm>
+          <a:prstGeom prst="line">
+            <a:avLst/>
+          </a:prstGeom>
+        </p:spPr>
+        <p:style>
+          <a:lnRef idx="2">
+            <a:schemeClr val="accent6"/>
+          </a:lnRef>
+          <a:fillRef idx="1">
+            <a:schemeClr val="lt1"/>
+          </a:fillRef>
+          <a:effectRef idx="0">
+            <a:schemeClr val="accent6"/>
+          </a:effectRef>
+          <a:fontRef idx="minor">
+            <a:schemeClr val="dk1"/>
+          </a:fontRef>
+        </p:style>
+      </p:cxnSp>
+      <p:sp>
+        <p:nvSpPr>
+          <p:cNvPr id="56" name="Smiley Face 55"/>
+          <p:cNvSpPr/>
+          <p:nvPr/>
+        </p:nvSpPr>
+        <p:spPr>
+          <a:xfrm>
+            <a:off x="7666047" y="759873"/>
+            <a:ext cx="292503" cy="281743"/>
+          </a:xfrm>
+          <a:prstGeom prst="smileyFace">
+            <a:avLst/>
+          </a:prstGeom>
+        </p:spPr>
+        <p:style>
+          <a:lnRef idx="2">
+            <a:schemeClr val="dk1"/>
+          </a:lnRef>
+          <a:fillRef idx="1">
+            <a:schemeClr val="lt1"/>
+          </a:fillRef>
+          <a:effectRef idx="0">
+            <a:schemeClr val="dk1"/>
+          </a:effectRef>
+          <a:fontRef idx="minor">
+            <a:schemeClr val="dk1"/>
+          </a:fontRef>
+        </p:style>
+        <p:txBody>
+          <a:bodyPr rtlCol="0" anchor="ctr"/>
+          <a:lstStyle/>
+          <a:p>
+            <a:pPr algn="ctr"/>
+            <a:endParaRPr lang="en-US"/>
+          </a:p>
+        </p:txBody>
+      </p:sp>
     </p:spTree>
     <p:extLst>
       <p:ext uri="{BB962C8B-B14F-4D97-AF65-F5344CB8AC3E}">
@@ -9515,31 +9806,33 @@
       </p:grpSpPr>
       <p:sp>
         <p:nvSpPr>
-          <p:cNvPr id="4" name="Rectangle: Rounded Corners 3"/>
+          <p:cNvPr id="4" name="Rectangle 3"/>
           <p:cNvSpPr/>
           <p:nvPr/>
         </p:nvSpPr>
         <p:spPr>
           <a:xfrm>
-            <a:off x="146693" y="2312375"/>
-            <a:ext cx="2018991" cy="1248971"/>
-          </a:xfrm>
-          <a:prstGeom prst="roundRect">
+            <a:off x="4849500" y="232012"/>
+            <a:ext cx="1514901" cy="586854"/>
+          </a:xfrm>
+          <a:prstGeom prst="rect">
             <a:avLst/>
           </a:prstGeom>
         </p:spPr>
         <p:style>
           <a:lnRef idx="2">
-            <a:schemeClr val="dk1"/>
+            <a:schemeClr val="accent1">
+              <a:shade val="50000"/>
+            </a:schemeClr>
           </a:lnRef>
           <a:fillRef idx="1">
+            <a:schemeClr val="accent1"/>
+          </a:fillRef>
+          <a:effectRef idx="0">
+            <a:schemeClr val="accent1"/>
+          </a:effectRef>
+          <a:fontRef idx="minor">
             <a:schemeClr val="lt1"/>
-          </a:fillRef>
-          <a:effectRef idx="0">
-            <a:schemeClr val="dk1"/>
-          </a:effectRef>
-          <a:fontRef idx="minor">
-            <a:schemeClr val="dk1"/>
           </a:fontRef>
         </p:style>
         <p:txBody>
@@ -9548,42 +9841,46 @@
           <a:p>
             <a:pPr algn="ctr"/>
             <a:r>
-              <a:rPr lang="en-US" sz="2800" dirty="0">
-                <a:latin typeface="Arial" panose="020B0604020202020204" pitchFamily="34" charset="0"/>
-                <a:cs typeface="Arial" panose="020B0604020202020204" pitchFamily="34" charset="0"/>
+              <a:rPr lang="fa-IR" sz="2400" b="1" dirty="0">
+                <a:cs typeface="0 Nazanin" panose="00000400000000000000" pitchFamily="2" charset="-78"/>
               </a:rPr>
-              <a:t>Client Values</a:t>
-            </a:r>
-          </a:p>
-        </p:txBody>
-      </p:sp>
-      <p:sp>
-        <p:nvSpPr>
-          <p:cNvPr id="5" name="Arrow: Right 4"/>
+              <a:t>کاربر سیستم</a:t>
+            </a:r>
+            <a:endParaRPr lang="en-US" sz="2400" b="1" dirty="0">
+              <a:cs typeface="0 Nazanin" panose="00000400000000000000" pitchFamily="2" charset="-78"/>
+            </a:endParaRPr>
+          </a:p>
+        </p:txBody>
+      </p:sp>
+      <p:sp>
+        <p:nvSpPr>
+          <p:cNvPr id="5" name="Rectangle 4"/>
           <p:cNvSpPr/>
           <p:nvPr/>
         </p:nvSpPr>
         <p:spPr>
           <a:xfrm>
-            <a:off x="2277979" y="2551850"/>
-            <a:ext cx="1668379" cy="770021"/>
-          </a:xfrm>
-          <a:prstGeom prst="rightArrow">
+            <a:off x="2288272" y="2063090"/>
+            <a:ext cx="1514901" cy="586854"/>
+          </a:xfrm>
+          <a:prstGeom prst="rect">
             <a:avLst/>
           </a:prstGeom>
         </p:spPr>
         <p:style>
           <a:lnRef idx="2">
-            <a:schemeClr val="dk1"/>
+            <a:schemeClr val="accent1">
+              <a:shade val="50000"/>
+            </a:schemeClr>
           </a:lnRef>
           <a:fillRef idx="1">
+            <a:schemeClr val="accent1"/>
+          </a:fillRef>
+          <a:effectRef idx="0">
+            <a:schemeClr val="accent1"/>
+          </a:effectRef>
+          <a:fontRef idx="minor">
             <a:schemeClr val="lt1"/>
-          </a:fillRef>
-          <a:effectRef idx="0">
-            <a:schemeClr val="dk1"/>
-          </a:effectRef>
-          <a:fontRef idx="minor">
-            <a:schemeClr val="dk1"/>
           </a:fontRef>
         </p:style>
         <p:txBody>
@@ -9592,39 +9889,46 @@
           <a:p>
             <a:pPr algn="ctr"/>
             <a:r>
-              <a:rPr lang="en-US" sz="2800" dirty="0"/>
-              <a:t>request</a:t>
-            </a:r>
-          </a:p>
-        </p:txBody>
-      </p:sp>
-      <p:sp>
-        <p:nvSpPr>
-          <p:cNvPr id="6" name="Rectangle: Rounded Corners 5"/>
+              <a:rPr lang="fa-IR" sz="2400" b="1" dirty="0">
+                <a:cs typeface="0 Nazanin" panose="00000400000000000000" pitchFamily="2" charset="-78"/>
+              </a:rPr>
+              <a:t>کاربر</a:t>
+            </a:r>
+            <a:endParaRPr lang="en-US" sz="2400" b="1" dirty="0">
+              <a:cs typeface="0 Nazanin" panose="00000400000000000000" pitchFamily="2" charset="-78"/>
+            </a:endParaRPr>
+          </a:p>
+        </p:txBody>
+      </p:sp>
+      <p:sp>
+        <p:nvSpPr>
+          <p:cNvPr id="6" name="Rectangle 5"/>
           <p:cNvSpPr/>
           <p:nvPr/>
         </p:nvSpPr>
         <p:spPr>
           <a:xfrm>
-            <a:off x="4058653" y="2312377"/>
-            <a:ext cx="2486524" cy="1248971"/>
-          </a:xfrm>
-          <a:prstGeom prst="roundRect">
+            <a:off x="4092050" y="2063090"/>
+            <a:ext cx="1514901" cy="586854"/>
+          </a:xfrm>
+          <a:prstGeom prst="rect">
             <a:avLst/>
           </a:prstGeom>
         </p:spPr>
         <p:style>
           <a:lnRef idx="2">
-            <a:schemeClr val="dk1"/>
+            <a:schemeClr val="accent1">
+              <a:shade val="50000"/>
+            </a:schemeClr>
           </a:lnRef>
           <a:fillRef idx="1">
+            <a:schemeClr val="accent1"/>
+          </a:fillRef>
+          <a:effectRef idx="0">
+            <a:schemeClr val="accent1"/>
+          </a:effectRef>
+          <a:fontRef idx="minor">
             <a:schemeClr val="lt1"/>
-          </a:fillRef>
-          <a:effectRef idx="0">
-            <a:schemeClr val="dk1"/>
-          </a:effectRef>
-          <a:fontRef idx="minor">
-            <a:schemeClr val="dk1"/>
           </a:fontRef>
         </p:style>
         <p:txBody>
@@ -9633,42 +9937,46 @@
           <a:p>
             <a:pPr algn="ctr"/>
             <a:r>
-              <a:rPr lang="en-US" sz="2800" dirty="0">
-                <a:latin typeface="Arial" panose="020B0604020202020204" pitchFamily="34" charset="0"/>
-                <a:cs typeface="Arial" panose="020B0604020202020204" pitchFamily="34" charset="0"/>
+              <a:rPr lang="fa-IR" sz="2400" b="1" dirty="0">
+                <a:cs typeface="0 Nazanin" panose="00000400000000000000" pitchFamily="2" charset="-78"/>
               </a:rPr>
-              <a:t>Custom Model Binder</a:t>
-            </a:r>
-          </a:p>
-        </p:txBody>
-      </p:sp>
-      <p:sp>
-        <p:nvSpPr>
-          <p:cNvPr id="7" name="Rectangle: Rounded Corners 6"/>
+              <a:t>صاحب شغل</a:t>
+            </a:r>
+            <a:endParaRPr lang="en-US" sz="2400" b="1" dirty="0">
+              <a:cs typeface="0 Nazanin" panose="00000400000000000000" pitchFamily="2" charset="-78"/>
+            </a:endParaRPr>
+          </a:p>
+        </p:txBody>
+      </p:sp>
+      <p:sp>
+        <p:nvSpPr>
+          <p:cNvPr id="7" name="Rectangle 6"/>
           <p:cNvSpPr/>
           <p:nvPr/>
         </p:nvSpPr>
         <p:spPr>
           <a:xfrm>
-            <a:off x="6878054" y="2312377"/>
-            <a:ext cx="2630905" cy="1248971"/>
-          </a:xfrm>
-          <a:prstGeom prst="roundRect">
+            <a:off x="5841243" y="2079010"/>
+            <a:ext cx="1514901" cy="586854"/>
+          </a:xfrm>
+          <a:prstGeom prst="rect">
             <a:avLst/>
           </a:prstGeom>
         </p:spPr>
         <p:style>
           <a:lnRef idx="2">
-            <a:schemeClr val="dk1"/>
+            <a:schemeClr val="accent1">
+              <a:shade val="50000"/>
+            </a:schemeClr>
           </a:lnRef>
           <a:fillRef idx="1">
+            <a:schemeClr val="accent1"/>
+          </a:fillRef>
+          <a:effectRef idx="0">
+            <a:schemeClr val="accent1"/>
+          </a:effectRef>
+          <a:fontRef idx="minor">
             <a:schemeClr val="lt1"/>
-          </a:fillRef>
-          <a:effectRef idx="0">
-            <a:schemeClr val="dk1"/>
-          </a:effectRef>
-          <a:fontRef idx="minor">
-            <a:schemeClr val="dk1"/>
           </a:fontRef>
         </p:style>
         <p:txBody>
@@ -9677,42 +9985,46 @@
           <a:p>
             <a:pPr algn="ctr"/>
             <a:r>
-              <a:rPr lang="en-US" sz="2400" dirty="0">
-                <a:latin typeface="Arial" panose="020B0604020202020204" pitchFamily="34" charset="0"/>
-                <a:cs typeface="Arial" panose="020B0604020202020204" pitchFamily="34" charset="0"/>
+              <a:rPr lang="fa-IR" sz="2400" b="1" dirty="0">
+                <a:cs typeface="0 Nazanin" panose="00000400000000000000" pitchFamily="2" charset="-78"/>
               </a:rPr>
-              <a:t>Custom Attribute Validation</a:t>
-            </a:r>
-          </a:p>
-        </p:txBody>
-      </p:sp>
-      <p:sp>
-        <p:nvSpPr>
-          <p:cNvPr id="8" name="Rectangle: Rounded Corners 7"/>
+              <a:t>همکار</a:t>
+            </a:r>
+            <a:endParaRPr lang="en-US" sz="2400" b="1" dirty="0">
+              <a:cs typeface="0 Nazanin" panose="00000400000000000000" pitchFamily="2" charset="-78"/>
+            </a:endParaRPr>
+          </a:p>
+        </p:txBody>
+      </p:sp>
+      <p:sp>
+        <p:nvSpPr>
+          <p:cNvPr id="8" name="Rectangle 7"/>
           <p:cNvSpPr/>
           <p:nvPr/>
         </p:nvSpPr>
         <p:spPr>
           <a:xfrm>
-            <a:off x="9841835" y="2329573"/>
-            <a:ext cx="2189746" cy="1248971"/>
-          </a:xfrm>
-          <a:prstGeom prst="roundRect">
+            <a:off x="7781498" y="2079010"/>
+            <a:ext cx="1514901" cy="586854"/>
+          </a:xfrm>
+          <a:prstGeom prst="rect">
             <a:avLst/>
           </a:prstGeom>
         </p:spPr>
         <p:style>
           <a:lnRef idx="2">
-            <a:schemeClr val="dk1"/>
+            <a:schemeClr val="accent1">
+              <a:shade val="50000"/>
+            </a:schemeClr>
           </a:lnRef>
           <a:fillRef idx="1">
+            <a:schemeClr val="accent1"/>
+          </a:fillRef>
+          <a:effectRef idx="0">
+            <a:schemeClr val="accent1"/>
+          </a:effectRef>
+          <a:fontRef idx="minor">
             <a:schemeClr val="lt1"/>
-          </a:fillRef>
-          <a:effectRef idx="0">
-            <a:schemeClr val="dk1"/>
-          </a:effectRef>
-          <a:fontRef idx="minor">
-            <a:schemeClr val="dk1"/>
           </a:fontRef>
         </p:style>
         <p:txBody>
@@ -9721,35 +10033,33 @@
           <a:p>
             <a:pPr algn="ctr"/>
             <a:r>
-              <a:rPr lang="en-US" sz="2800" dirty="0">
-                <a:latin typeface="Arial" panose="020B0604020202020204" pitchFamily="34" charset="0"/>
-                <a:cs typeface="Arial" panose="020B0604020202020204" pitchFamily="34" charset="0"/>
+              <a:rPr lang="fa-IR" sz="2400" b="1" dirty="0">
+                <a:cs typeface="0 Nazanin" panose="00000400000000000000" pitchFamily="2" charset="-78"/>
               </a:rPr>
-              <a:t>Controller / Action</a:t>
-            </a:r>
+              <a:t>مدیر</a:t>
+            </a:r>
+            <a:endParaRPr lang="en-US" sz="2400" b="1" dirty="0">
+              <a:cs typeface="0 Nazanin" panose="00000400000000000000" pitchFamily="2" charset="-78"/>
+            </a:endParaRPr>
           </a:p>
         </p:txBody>
       </p:sp>
       <p:cxnSp>
         <p:nvCxnSpPr>
-          <p:cNvPr id="10" name="Straight Arrow Connector 9"/>
+          <p:cNvPr id="9" name="Straight Connector 8"/>
           <p:cNvCxnSpPr>
-            <a:stCxn id="6" idx="3"/>
-            <a:endCxn id="7" idx="1"/>
+            <a:stCxn id="5" idx="0"/>
           </p:cNvCxnSpPr>
           <p:nvPr/>
         </p:nvCxnSpPr>
         <p:spPr>
-          <a:xfrm>
-            <a:off x="6545179" y="2936861"/>
-            <a:ext cx="332875" cy="0"/>
-          </a:xfrm>
-          <a:prstGeom prst="straightConnector1">
-            <a:avLst/>
-          </a:prstGeom>
-          <a:ln>
-            <a:tailEnd type="triangle"/>
-          </a:ln>
+          <a:xfrm flipV="1">
+            <a:off x="3045723" y="1119118"/>
+            <a:ext cx="1803778" cy="943972"/>
+          </a:xfrm>
+          <a:prstGeom prst="line">
+            <a:avLst/>
+          </a:prstGeom>
         </p:spPr>
         <p:style>
           <a:lnRef idx="1">
@@ -9768,23 +10078,1380 @@
       </p:cxnSp>
       <p:cxnSp>
         <p:nvCxnSpPr>
-          <p:cNvPr id="13" name="Straight Arrow Connector 12"/>
+          <p:cNvPr id="10" name="Straight Connector 9"/>
+          <p:cNvCxnSpPr/>
+          <p:nvPr/>
+        </p:nvCxnSpPr>
+        <p:spPr>
+          <a:xfrm flipV="1">
+            <a:off x="4917741" y="1310187"/>
+            <a:ext cx="391239" cy="752903"/>
+          </a:xfrm>
+          <a:prstGeom prst="line">
+            <a:avLst/>
+          </a:prstGeom>
+        </p:spPr>
+        <p:style>
+          <a:lnRef idx="1">
+            <a:schemeClr val="dk1"/>
+          </a:lnRef>
+          <a:fillRef idx="0">
+            <a:schemeClr val="dk1"/>
+          </a:fillRef>
+          <a:effectRef idx="0">
+            <a:schemeClr val="dk1"/>
+          </a:effectRef>
+          <a:fontRef idx="minor">
+            <a:schemeClr val="tx1"/>
+          </a:fontRef>
+        </p:style>
+      </p:cxnSp>
+      <p:cxnSp>
+        <p:nvCxnSpPr>
+          <p:cNvPr id="11" name="Straight Connector 10"/>
+          <p:cNvCxnSpPr/>
+          <p:nvPr/>
+        </p:nvCxnSpPr>
+        <p:spPr>
+          <a:xfrm>
+            <a:off x="6666933" y="1310187"/>
+            <a:ext cx="1879978" cy="752903"/>
+          </a:xfrm>
+          <a:prstGeom prst="line">
+            <a:avLst/>
+          </a:prstGeom>
+        </p:spPr>
+        <p:style>
+          <a:lnRef idx="1">
+            <a:schemeClr val="dk1"/>
+          </a:lnRef>
+          <a:fillRef idx="0">
+            <a:schemeClr val="dk1"/>
+          </a:fillRef>
+          <a:effectRef idx="0">
+            <a:schemeClr val="dk1"/>
+          </a:effectRef>
+          <a:fontRef idx="minor">
+            <a:schemeClr val="tx1"/>
+          </a:fontRef>
+        </p:style>
+      </p:cxnSp>
+      <p:cxnSp>
+        <p:nvCxnSpPr>
+          <p:cNvPr id="12" name="Straight Connector 11"/>
+          <p:cNvCxnSpPr/>
+          <p:nvPr/>
+        </p:nvCxnSpPr>
+        <p:spPr>
+          <a:xfrm flipH="1" flipV="1">
+            <a:off x="6090309" y="1310187"/>
+            <a:ext cx="508384" cy="768824"/>
+          </a:xfrm>
+          <a:prstGeom prst="line">
+            <a:avLst/>
+          </a:prstGeom>
+        </p:spPr>
+        <p:style>
+          <a:lnRef idx="1">
+            <a:schemeClr val="dk1"/>
+          </a:lnRef>
+          <a:fillRef idx="0">
+            <a:schemeClr val="dk1"/>
+          </a:fillRef>
+          <a:effectRef idx="0">
+            <a:schemeClr val="dk1"/>
+          </a:effectRef>
+          <a:fontRef idx="minor">
+            <a:schemeClr val="tx1"/>
+          </a:fontRef>
+        </p:style>
+      </p:cxnSp>
+      <p:sp>
+        <p:nvSpPr>
+          <p:cNvPr id="13" name="Isosceles Triangle 12"/>
+          <p:cNvSpPr/>
+          <p:nvPr/>
+        </p:nvSpPr>
+        <p:spPr>
+          <a:xfrm rot="10800000">
+            <a:off x="4770171" y="990602"/>
+            <a:ext cx="354273" cy="300250"/>
+          </a:xfrm>
+          <a:prstGeom prst="triangle">
+            <a:avLst/>
+          </a:prstGeom>
+        </p:spPr>
+        <p:style>
+          <a:lnRef idx="2">
+            <a:schemeClr val="dk1"/>
+          </a:lnRef>
+          <a:fillRef idx="1">
+            <a:schemeClr val="lt1"/>
+          </a:fillRef>
+          <a:effectRef idx="0">
+            <a:schemeClr val="dk1"/>
+          </a:effectRef>
+          <a:fontRef idx="minor">
+            <a:schemeClr val="dk1"/>
+          </a:fontRef>
+        </p:style>
+        <p:txBody>
+          <a:bodyPr rtlCol="0" anchor="ctr"/>
+          <a:lstStyle/>
+          <a:p>
+            <a:pPr algn="ctr"/>
+            <a:endParaRPr lang="en-US" dirty="0"/>
+          </a:p>
+        </p:txBody>
+      </p:sp>
+      <p:sp>
+        <p:nvSpPr>
+          <p:cNvPr id="14" name="Isosceles Triangle 13"/>
+          <p:cNvSpPr/>
+          <p:nvPr/>
+        </p:nvSpPr>
+        <p:spPr>
+          <a:xfrm rot="9019614">
+            <a:off x="5195804" y="1119117"/>
+            <a:ext cx="354273" cy="300250"/>
+          </a:xfrm>
+          <a:prstGeom prst="triangle">
+            <a:avLst/>
+          </a:prstGeom>
+        </p:spPr>
+        <p:style>
+          <a:lnRef idx="2">
+            <a:schemeClr val="dk1"/>
+          </a:lnRef>
+          <a:fillRef idx="1">
+            <a:schemeClr val="lt1"/>
+          </a:fillRef>
+          <a:effectRef idx="0">
+            <a:schemeClr val="dk1"/>
+          </a:effectRef>
+          <a:fontRef idx="minor">
+            <a:schemeClr val="dk1"/>
+          </a:fontRef>
+        </p:style>
+        <p:txBody>
+          <a:bodyPr rtlCol="0" anchor="ctr"/>
+          <a:lstStyle/>
+          <a:p>
+            <a:pPr algn="ctr"/>
+            <a:endParaRPr lang="en-US" dirty="0"/>
+          </a:p>
+        </p:txBody>
+      </p:sp>
+      <p:sp>
+        <p:nvSpPr>
+          <p:cNvPr id="15" name="Isosceles Triangle 14"/>
+          <p:cNvSpPr/>
+          <p:nvPr/>
+        </p:nvSpPr>
+        <p:spPr>
+          <a:xfrm rot="12063450">
+            <a:off x="5844932" y="1140729"/>
+            <a:ext cx="354273" cy="300250"/>
+          </a:xfrm>
+          <a:prstGeom prst="triangle">
+            <a:avLst/>
+          </a:prstGeom>
+        </p:spPr>
+        <p:style>
+          <a:lnRef idx="2">
+            <a:schemeClr val="dk1"/>
+          </a:lnRef>
+          <a:fillRef idx="1">
+            <a:schemeClr val="lt1"/>
+          </a:fillRef>
+          <a:effectRef idx="0">
+            <a:schemeClr val="dk1"/>
+          </a:effectRef>
+          <a:fontRef idx="minor">
+            <a:schemeClr val="dk1"/>
+          </a:fontRef>
+        </p:style>
+        <p:txBody>
+          <a:bodyPr rtlCol="0" anchor="ctr"/>
+          <a:lstStyle/>
+          <a:p>
+            <a:pPr algn="ctr"/>
+            <a:endParaRPr lang="en-US" dirty="0"/>
+          </a:p>
+        </p:txBody>
+      </p:sp>
+      <p:sp>
+        <p:nvSpPr>
+          <p:cNvPr id="16" name="Isosceles Triangle 15"/>
+          <p:cNvSpPr/>
+          <p:nvPr/>
+        </p:nvSpPr>
+        <p:spPr>
+          <a:xfrm rot="17739085">
+            <a:off x="6369435" y="1106158"/>
+            <a:ext cx="354273" cy="300250"/>
+          </a:xfrm>
+          <a:prstGeom prst="triangle">
+            <a:avLst/>
+          </a:prstGeom>
+        </p:spPr>
+        <p:style>
+          <a:lnRef idx="2">
+            <a:schemeClr val="dk1"/>
+          </a:lnRef>
+          <a:fillRef idx="1">
+            <a:schemeClr val="lt1"/>
+          </a:fillRef>
+          <a:effectRef idx="0">
+            <a:schemeClr val="dk1"/>
+          </a:effectRef>
+          <a:fontRef idx="minor">
+            <a:schemeClr val="dk1"/>
+          </a:fontRef>
+        </p:style>
+        <p:txBody>
+          <a:bodyPr rtlCol="0" anchor="ctr"/>
+          <a:lstStyle/>
+          <a:p>
+            <a:pPr algn="ctr"/>
+            <a:endParaRPr lang="en-US" dirty="0"/>
+          </a:p>
+        </p:txBody>
+      </p:sp>
+      <p:sp>
+        <p:nvSpPr>
+          <p:cNvPr id="17" name="Oval 16"/>
+          <p:cNvSpPr/>
+          <p:nvPr/>
+        </p:nvSpPr>
+        <p:spPr>
+          <a:xfrm>
+            <a:off x="5662379" y="3002175"/>
+            <a:ext cx="219808" cy="228600"/>
+          </a:xfrm>
+          <a:prstGeom prst="ellipse">
+            <a:avLst/>
+          </a:prstGeom>
+        </p:spPr>
+        <p:style>
+          <a:lnRef idx="2">
+            <a:schemeClr val="accent6"/>
+          </a:lnRef>
+          <a:fillRef idx="1">
+            <a:schemeClr val="lt1"/>
+          </a:fillRef>
+          <a:effectRef idx="0">
+            <a:schemeClr val="accent6"/>
+          </a:effectRef>
+          <a:fontRef idx="minor">
+            <a:schemeClr val="dk1"/>
+          </a:fontRef>
+        </p:style>
+        <p:txBody>
+          <a:bodyPr rtlCol="0" anchor="ctr"/>
+          <a:lstStyle/>
+          <a:p>
+            <a:pPr algn="ctr"/>
+            <a:endParaRPr lang="en-US"/>
+          </a:p>
+        </p:txBody>
+      </p:sp>
+      <p:cxnSp>
+        <p:nvCxnSpPr>
+          <p:cNvPr id="18" name="Straight Connector 17"/>
           <p:cNvCxnSpPr>
-            <a:endCxn id="8" idx="1"/>
+            <a:stCxn id="17" idx="4"/>
           </p:cNvCxnSpPr>
           <p:nvPr/>
         </p:nvCxnSpPr>
         <p:spPr>
           <a:xfrm>
-            <a:off x="9529012" y="2954059"/>
-            <a:ext cx="312822" cy="1"/>
-          </a:xfrm>
-          <a:prstGeom prst="straightConnector1">
-            <a:avLst/>
-          </a:prstGeom>
-          <a:ln>
-            <a:tailEnd type="triangle"/>
-          </a:ln>
+            <a:off x="5772284" y="3230777"/>
+            <a:ext cx="13187" cy="211015"/>
+          </a:xfrm>
+          <a:prstGeom prst="line">
+            <a:avLst/>
+          </a:prstGeom>
+        </p:spPr>
+        <p:style>
+          <a:lnRef idx="2">
+            <a:schemeClr val="accent6"/>
+          </a:lnRef>
+          <a:fillRef idx="1">
+            <a:schemeClr val="lt1"/>
+          </a:fillRef>
+          <a:effectRef idx="0">
+            <a:schemeClr val="accent6"/>
+          </a:effectRef>
+          <a:fontRef idx="minor">
+            <a:schemeClr val="dk1"/>
+          </a:fontRef>
+        </p:style>
+      </p:cxnSp>
+      <p:cxnSp>
+        <p:nvCxnSpPr>
+          <p:cNvPr id="19" name="Straight Connector 18"/>
+          <p:cNvCxnSpPr/>
+          <p:nvPr/>
+        </p:nvCxnSpPr>
+        <p:spPr>
+          <a:xfrm>
+            <a:off x="5798657" y="3441792"/>
+            <a:ext cx="96717" cy="140677"/>
+          </a:xfrm>
+          <a:prstGeom prst="line">
+            <a:avLst/>
+          </a:prstGeom>
+        </p:spPr>
+        <p:style>
+          <a:lnRef idx="2">
+            <a:schemeClr val="accent6"/>
+          </a:lnRef>
+          <a:fillRef idx="1">
+            <a:schemeClr val="lt1"/>
+          </a:fillRef>
+          <a:effectRef idx="0">
+            <a:schemeClr val="accent6"/>
+          </a:effectRef>
+          <a:fontRef idx="minor">
+            <a:schemeClr val="dk1"/>
+          </a:fontRef>
+        </p:style>
+      </p:cxnSp>
+      <p:cxnSp>
+        <p:nvCxnSpPr>
+          <p:cNvPr id="20" name="Straight Connector 19"/>
+          <p:cNvCxnSpPr/>
+          <p:nvPr/>
+        </p:nvCxnSpPr>
+        <p:spPr>
+          <a:xfrm flipH="1">
+            <a:off x="5662380" y="3441791"/>
+            <a:ext cx="123091" cy="131885"/>
+          </a:xfrm>
+          <a:prstGeom prst="line">
+            <a:avLst/>
+          </a:prstGeom>
+        </p:spPr>
+        <p:style>
+          <a:lnRef idx="2">
+            <a:schemeClr val="accent6"/>
+          </a:lnRef>
+          <a:fillRef idx="1">
+            <a:schemeClr val="lt1"/>
+          </a:fillRef>
+          <a:effectRef idx="0">
+            <a:schemeClr val="accent6"/>
+          </a:effectRef>
+          <a:fontRef idx="minor">
+            <a:schemeClr val="dk1"/>
+          </a:fontRef>
+        </p:style>
+      </p:cxnSp>
+      <p:cxnSp>
+        <p:nvCxnSpPr>
+          <p:cNvPr id="21" name="Straight Connector 20"/>
+          <p:cNvCxnSpPr/>
+          <p:nvPr/>
+        </p:nvCxnSpPr>
+        <p:spPr>
+          <a:xfrm flipH="1">
+            <a:off x="5662379" y="3287927"/>
+            <a:ext cx="116499" cy="48358"/>
+          </a:xfrm>
+          <a:prstGeom prst="line">
+            <a:avLst/>
+          </a:prstGeom>
+        </p:spPr>
+        <p:style>
+          <a:lnRef idx="2">
+            <a:schemeClr val="accent6"/>
+          </a:lnRef>
+          <a:fillRef idx="1">
+            <a:schemeClr val="lt1"/>
+          </a:fillRef>
+          <a:effectRef idx="0">
+            <a:schemeClr val="accent6"/>
+          </a:effectRef>
+          <a:fontRef idx="minor">
+            <a:schemeClr val="dk1"/>
+          </a:fontRef>
+        </p:style>
+      </p:cxnSp>
+      <p:cxnSp>
+        <p:nvCxnSpPr>
+          <p:cNvPr id="22" name="Straight Connector 21"/>
+          <p:cNvCxnSpPr/>
+          <p:nvPr/>
+        </p:nvCxnSpPr>
+        <p:spPr>
+          <a:xfrm>
+            <a:off x="5785470" y="3296720"/>
+            <a:ext cx="96717" cy="39565"/>
+          </a:xfrm>
+          <a:prstGeom prst="line">
+            <a:avLst/>
+          </a:prstGeom>
+        </p:spPr>
+        <p:style>
+          <a:lnRef idx="2">
+            <a:schemeClr val="accent6"/>
+          </a:lnRef>
+          <a:fillRef idx="1">
+            <a:schemeClr val="lt1"/>
+          </a:fillRef>
+          <a:effectRef idx="0">
+            <a:schemeClr val="accent6"/>
+          </a:effectRef>
+          <a:fontRef idx="minor">
+            <a:schemeClr val="dk1"/>
+          </a:fontRef>
+        </p:style>
+      </p:cxnSp>
+      <p:sp>
+        <p:nvSpPr>
+          <p:cNvPr id="23" name="Oval 22"/>
+          <p:cNvSpPr/>
+          <p:nvPr/>
+        </p:nvSpPr>
+        <p:spPr>
+          <a:xfrm>
+            <a:off x="3803173" y="4737718"/>
+            <a:ext cx="219808" cy="228600"/>
+          </a:xfrm>
+          <a:prstGeom prst="ellipse">
+            <a:avLst/>
+          </a:prstGeom>
+        </p:spPr>
+        <p:style>
+          <a:lnRef idx="2">
+            <a:schemeClr val="accent6"/>
+          </a:lnRef>
+          <a:fillRef idx="1">
+            <a:schemeClr val="lt1"/>
+          </a:fillRef>
+          <a:effectRef idx="0">
+            <a:schemeClr val="accent6"/>
+          </a:effectRef>
+          <a:fontRef idx="minor">
+            <a:schemeClr val="dk1"/>
+          </a:fontRef>
+        </p:style>
+        <p:txBody>
+          <a:bodyPr rtlCol="0" anchor="ctr"/>
+          <a:lstStyle/>
+          <a:p>
+            <a:pPr algn="ctr"/>
+            <a:endParaRPr lang="en-US"/>
+          </a:p>
+        </p:txBody>
+      </p:sp>
+      <p:cxnSp>
+        <p:nvCxnSpPr>
+          <p:cNvPr id="24" name="Straight Connector 23"/>
+          <p:cNvCxnSpPr>
+            <a:stCxn id="23" idx="4"/>
+          </p:cNvCxnSpPr>
+          <p:nvPr/>
+        </p:nvCxnSpPr>
+        <p:spPr>
+          <a:xfrm>
+            <a:off x="3913078" y="4966320"/>
+            <a:ext cx="13187" cy="211015"/>
+          </a:xfrm>
+          <a:prstGeom prst="line">
+            <a:avLst/>
+          </a:prstGeom>
+        </p:spPr>
+        <p:style>
+          <a:lnRef idx="2">
+            <a:schemeClr val="accent6"/>
+          </a:lnRef>
+          <a:fillRef idx="1">
+            <a:schemeClr val="lt1"/>
+          </a:fillRef>
+          <a:effectRef idx="0">
+            <a:schemeClr val="accent6"/>
+          </a:effectRef>
+          <a:fontRef idx="minor">
+            <a:schemeClr val="dk1"/>
+          </a:fontRef>
+        </p:style>
+      </p:cxnSp>
+      <p:cxnSp>
+        <p:nvCxnSpPr>
+          <p:cNvPr id="25" name="Straight Connector 24"/>
+          <p:cNvCxnSpPr/>
+          <p:nvPr/>
+        </p:nvCxnSpPr>
+        <p:spPr>
+          <a:xfrm>
+            <a:off x="3939450" y="5177335"/>
+            <a:ext cx="96717" cy="140677"/>
+          </a:xfrm>
+          <a:prstGeom prst="line">
+            <a:avLst/>
+          </a:prstGeom>
+        </p:spPr>
+        <p:style>
+          <a:lnRef idx="2">
+            <a:schemeClr val="accent6"/>
+          </a:lnRef>
+          <a:fillRef idx="1">
+            <a:schemeClr val="lt1"/>
+          </a:fillRef>
+          <a:effectRef idx="0">
+            <a:schemeClr val="accent6"/>
+          </a:effectRef>
+          <a:fontRef idx="minor">
+            <a:schemeClr val="dk1"/>
+          </a:fontRef>
+        </p:style>
+      </p:cxnSp>
+      <p:cxnSp>
+        <p:nvCxnSpPr>
+          <p:cNvPr id="26" name="Straight Connector 25"/>
+          <p:cNvCxnSpPr/>
+          <p:nvPr/>
+        </p:nvCxnSpPr>
+        <p:spPr>
+          <a:xfrm flipH="1">
+            <a:off x="3803174" y="5177334"/>
+            <a:ext cx="123091" cy="131885"/>
+          </a:xfrm>
+          <a:prstGeom prst="line">
+            <a:avLst/>
+          </a:prstGeom>
+        </p:spPr>
+        <p:style>
+          <a:lnRef idx="2">
+            <a:schemeClr val="accent6"/>
+          </a:lnRef>
+          <a:fillRef idx="1">
+            <a:schemeClr val="lt1"/>
+          </a:fillRef>
+          <a:effectRef idx="0">
+            <a:schemeClr val="accent6"/>
+          </a:effectRef>
+          <a:fontRef idx="minor">
+            <a:schemeClr val="dk1"/>
+          </a:fontRef>
+        </p:style>
+      </p:cxnSp>
+      <p:cxnSp>
+        <p:nvCxnSpPr>
+          <p:cNvPr id="27" name="Straight Connector 26"/>
+          <p:cNvCxnSpPr/>
+          <p:nvPr/>
+        </p:nvCxnSpPr>
+        <p:spPr>
+          <a:xfrm flipH="1">
+            <a:off x="3803173" y="5023469"/>
+            <a:ext cx="116499" cy="48358"/>
+          </a:xfrm>
+          <a:prstGeom prst="line">
+            <a:avLst/>
+          </a:prstGeom>
+        </p:spPr>
+        <p:style>
+          <a:lnRef idx="2">
+            <a:schemeClr val="accent6"/>
+          </a:lnRef>
+          <a:fillRef idx="1">
+            <a:schemeClr val="lt1"/>
+          </a:fillRef>
+          <a:effectRef idx="0">
+            <a:schemeClr val="accent6"/>
+          </a:effectRef>
+          <a:fontRef idx="minor">
+            <a:schemeClr val="dk1"/>
+          </a:fontRef>
+        </p:style>
+      </p:cxnSp>
+      <p:cxnSp>
+        <p:nvCxnSpPr>
+          <p:cNvPr id="28" name="Straight Connector 27"/>
+          <p:cNvCxnSpPr/>
+          <p:nvPr/>
+        </p:nvCxnSpPr>
+        <p:spPr>
+          <a:xfrm>
+            <a:off x="3926264" y="5032263"/>
+            <a:ext cx="96717" cy="39565"/>
+          </a:xfrm>
+          <a:prstGeom prst="line">
+            <a:avLst/>
+          </a:prstGeom>
+        </p:spPr>
+        <p:style>
+          <a:lnRef idx="2">
+            <a:schemeClr val="accent6"/>
+          </a:lnRef>
+          <a:fillRef idx="1">
+            <a:schemeClr val="lt1"/>
+          </a:fillRef>
+          <a:effectRef idx="0">
+            <a:schemeClr val="accent6"/>
+          </a:effectRef>
+          <a:fontRef idx="minor">
+            <a:schemeClr val="dk1"/>
+          </a:fontRef>
+        </p:style>
+      </p:cxnSp>
+      <p:sp>
+        <p:nvSpPr>
+          <p:cNvPr id="29" name="Oval 28"/>
+          <p:cNvSpPr/>
+          <p:nvPr/>
+        </p:nvSpPr>
+        <p:spPr>
+          <a:xfrm>
+            <a:off x="5142435" y="4794867"/>
+            <a:ext cx="219808" cy="228600"/>
+          </a:xfrm>
+          <a:prstGeom prst="ellipse">
+            <a:avLst/>
+          </a:prstGeom>
+        </p:spPr>
+        <p:style>
+          <a:lnRef idx="2">
+            <a:schemeClr val="accent6"/>
+          </a:lnRef>
+          <a:fillRef idx="1">
+            <a:schemeClr val="lt1"/>
+          </a:fillRef>
+          <a:effectRef idx="0">
+            <a:schemeClr val="accent6"/>
+          </a:effectRef>
+          <a:fontRef idx="minor">
+            <a:schemeClr val="dk1"/>
+          </a:fontRef>
+        </p:style>
+        <p:txBody>
+          <a:bodyPr rtlCol="0" anchor="ctr"/>
+          <a:lstStyle/>
+          <a:p>
+            <a:pPr algn="ctr"/>
+            <a:endParaRPr lang="en-US"/>
+          </a:p>
+        </p:txBody>
+      </p:sp>
+      <p:cxnSp>
+        <p:nvCxnSpPr>
+          <p:cNvPr id="30" name="Straight Connector 29"/>
+          <p:cNvCxnSpPr>
+            <a:stCxn id="29" idx="4"/>
+          </p:cNvCxnSpPr>
+          <p:nvPr/>
+        </p:nvCxnSpPr>
+        <p:spPr>
+          <a:xfrm>
+            <a:off x="5252340" y="5023469"/>
+            <a:ext cx="13187" cy="211015"/>
+          </a:xfrm>
+          <a:prstGeom prst="line">
+            <a:avLst/>
+          </a:prstGeom>
+        </p:spPr>
+        <p:style>
+          <a:lnRef idx="2">
+            <a:schemeClr val="accent6"/>
+          </a:lnRef>
+          <a:fillRef idx="1">
+            <a:schemeClr val="lt1"/>
+          </a:fillRef>
+          <a:effectRef idx="0">
+            <a:schemeClr val="accent6"/>
+          </a:effectRef>
+          <a:fontRef idx="minor">
+            <a:schemeClr val="dk1"/>
+          </a:fontRef>
+        </p:style>
+      </p:cxnSp>
+      <p:cxnSp>
+        <p:nvCxnSpPr>
+          <p:cNvPr id="31" name="Straight Connector 30"/>
+          <p:cNvCxnSpPr/>
+          <p:nvPr/>
+        </p:nvCxnSpPr>
+        <p:spPr>
+          <a:xfrm>
+            <a:off x="5278713" y="5234484"/>
+            <a:ext cx="96717" cy="140677"/>
+          </a:xfrm>
+          <a:prstGeom prst="line">
+            <a:avLst/>
+          </a:prstGeom>
+        </p:spPr>
+        <p:style>
+          <a:lnRef idx="2">
+            <a:schemeClr val="accent6"/>
+          </a:lnRef>
+          <a:fillRef idx="1">
+            <a:schemeClr val="lt1"/>
+          </a:fillRef>
+          <a:effectRef idx="0">
+            <a:schemeClr val="accent6"/>
+          </a:effectRef>
+          <a:fontRef idx="minor">
+            <a:schemeClr val="dk1"/>
+          </a:fontRef>
+        </p:style>
+      </p:cxnSp>
+      <p:cxnSp>
+        <p:nvCxnSpPr>
+          <p:cNvPr id="32" name="Straight Connector 31"/>
+          <p:cNvCxnSpPr/>
+          <p:nvPr/>
+        </p:nvCxnSpPr>
+        <p:spPr>
+          <a:xfrm flipH="1">
+            <a:off x="5142436" y="5234484"/>
+            <a:ext cx="123091" cy="131885"/>
+          </a:xfrm>
+          <a:prstGeom prst="line">
+            <a:avLst/>
+          </a:prstGeom>
+        </p:spPr>
+        <p:style>
+          <a:lnRef idx="2">
+            <a:schemeClr val="accent6"/>
+          </a:lnRef>
+          <a:fillRef idx="1">
+            <a:schemeClr val="lt1"/>
+          </a:fillRef>
+          <a:effectRef idx="0">
+            <a:schemeClr val="accent6"/>
+          </a:effectRef>
+          <a:fontRef idx="minor">
+            <a:schemeClr val="dk1"/>
+          </a:fontRef>
+        </p:style>
+      </p:cxnSp>
+      <p:cxnSp>
+        <p:nvCxnSpPr>
+          <p:cNvPr id="33" name="Straight Connector 32"/>
+          <p:cNvCxnSpPr/>
+          <p:nvPr/>
+        </p:nvCxnSpPr>
+        <p:spPr>
+          <a:xfrm flipH="1">
+            <a:off x="5142435" y="5080618"/>
+            <a:ext cx="116499" cy="48358"/>
+          </a:xfrm>
+          <a:prstGeom prst="line">
+            <a:avLst/>
+          </a:prstGeom>
+        </p:spPr>
+        <p:style>
+          <a:lnRef idx="2">
+            <a:schemeClr val="accent6"/>
+          </a:lnRef>
+          <a:fillRef idx="1">
+            <a:schemeClr val="lt1"/>
+          </a:fillRef>
+          <a:effectRef idx="0">
+            <a:schemeClr val="accent6"/>
+          </a:effectRef>
+          <a:fontRef idx="minor">
+            <a:schemeClr val="dk1"/>
+          </a:fontRef>
+        </p:style>
+      </p:cxnSp>
+      <p:cxnSp>
+        <p:nvCxnSpPr>
+          <p:cNvPr id="34" name="Straight Connector 33"/>
+          <p:cNvCxnSpPr/>
+          <p:nvPr/>
+        </p:nvCxnSpPr>
+        <p:spPr>
+          <a:xfrm>
+            <a:off x="5265526" y="5089411"/>
+            <a:ext cx="96717" cy="39565"/>
+          </a:xfrm>
+          <a:prstGeom prst="line">
+            <a:avLst/>
+          </a:prstGeom>
+        </p:spPr>
+        <p:style>
+          <a:lnRef idx="2">
+            <a:schemeClr val="accent6"/>
+          </a:lnRef>
+          <a:fillRef idx="1">
+            <a:schemeClr val="lt1"/>
+          </a:fillRef>
+          <a:effectRef idx="0">
+            <a:schemeClr val="accent6"/>
+          </a:effectRef>
+          <a:fontRef idx="minor">
+            <a:schemeClr val="dk1"/>
+          </a:fontRef>
+        </p:style>
+      </p:cxnSp>
+      <p:sp>
+        <p:nvSpPr>
+          <p:cNvPr id="35" name="Oval 34"/>
+          <p:cNvSpPr/>
+          <p:nvPr/>
+        </p:nvSpPr>
+        <p:spPr>
+          <a:xfrm>
+            <a:off x="6523339" y="4794867"/>
+            <a:ext cx="219808" cy="228600"/>
+          </a:xfrm>
+          <a:prstGeom prst="ellipse">
+            <a:avLst/>
+          </a:prstGeom>
+        </p:spPr>
+        <p:style>
+          <a:lnRef idx="2">
+            <a:schemeClr val="accent6"/>
+          </a:lnRef>
+          <a:fillRef idx="1">
+            <a:schemeClr val="lt1"/>
+          </a:fillRef>
+          <a:effectRef idx="0">
+            <a:schemeClr val="accent6"/>
+          </a:effectRef>
+          <a:fontRef idx="minor">
+            <a:schemeClr val="dk1"/>
+          </a:fontRef>
+        </p:style>
+        <p:txBody>
+          <a:bodyPr rtlCol="0" anchor="ctr"/>
+          <a:lstStyle/>
+          <a:p>
+            <a:pPr algn="ctr"/>
+            <a:endParaRPr lang="en-US"/>
+          </a:p>
+        </p:txBody>
+      </p:sp>
+      <p:cxnSp>
+        <p:nvCxnSpPr>
+          <p:cNvPr id="36" name="Straight Connector 35"/>
+          <p:cNvCxnSpPr>
+            <a:stCxn id="35" idx="4"/>
+          </p:cNvCxnSpPr>
+          <p:nvPr/>
+        </p:nvCxnSpPr>
+        <p:spPr>
+          <a:xfrm>
+            <a:off x="6633245" y="5023469"/>
+            <a:ext cx="13187" cy="211015"/>
+          </a:xfrm>
+          <a:prstGeom prst="line">
+            <a:avLst/>
+          </a:prstGeom>
+        </p:spPr>
+        <p:style>
+          <a:lnRef idx="2">
+            <a:schemeClr val="accent6"/>
+          </a:lnRef>
+          <a:fillRef idx="1">
+            <a:schemeClr val="lt1"/>
+          </a:fillRef>
+          <a:effectRef idx="0">
+            <a:schemeClr val="accent6"/>
+          </a:effectRef>
+          <a:fontRef idx="minor">
+            <a:schemeClr val="dk1"/>
+          </a:fontRef>
+        </p:style>
+      </p:cxnSp>
+      <p:cxnSp>
+        <p:nvCxnSpPr>
+          <p:cNvPr id="37" name="Straight Connector 36"/>
+          <p:cNvCxnSpPr/>
+          <p:nvPr/>
+        </p:nvCxnSpPr>
+        <p:spPr>
+          <a:xfrm>
+            <a:off x="6659617" y="5234484"/>
+            <a:ext cx="96717" cy="140677"/>
+          </a:xfrm>
+          <a:prstGeom prst="line">
+            <a:avLst/>
+          </a:prstGeom>
+        </p:spPr>
+        <p:style>
+          <a:lnRef idx="2">
+            <a:schemeClr val="accent6"/>
+          </a:lnRef>
+          <a:fillRef idx="1">
+            <a:schemeClr val="lt1"/>
+          </a:fillRef>
+          <a:effectRef idx="0">
+            <a:schemeClr val="accent6"/>
+          </a:effectRef>
+          <a:fontRef idx="minor">
+            <a:schemeClr val="dk1"/>
+          </a:fontRef>
+        </p:style>
+      </p:cxnSp>
+      <p:cxnSp>
+        <p:nvCxnSpPr>
+          <p:cNvPr id="38" name="Straight Connector 37"/>
+          <p:cNvCxnSpPr/>
+          <p:nvPr/>
+        </p:nvCxnSpPr>
+        <p:spPr>
+          <a:xfrm flipH="1">
+            <a:off x="6523340" y="5234484"/>
+            <a:ext cx="123091" cy="131885"/>
+          </a:xfrm>
+          <a:prstGeom prst="line">
+            <a:avLst/>
+          </a:prstGeom>
+        </p:spPr>
+        <p:style>
+          <a:lnRef idx="2">
+            <a:schemeClr val="accent6"/>
+          </a:lnRef>
+          <a:fillRef idx="1">
+            <a:schemeClr val="lt1"/>
+          </a:fillRef>
+          <a:effectRef idx="0">
+            <a:schemeClr val="accent6"/>
+          </a:effectRef>
+          <a:fontRef idx="minor">
+            <a:schemeClr val="dk1"/>
+          </a:fontRef>
+        </p:style>
+      </p:cxnSp>
+      <p:cxnSp>
+        <p:nvCxnSpPr>
+          <p:cNvPr id="39" name="Straight Connector 38"/>
+          <p:cNvCxnSpPr/>
+          <p:nvPr/>
+        </p:nvCxnSpPr>
+        <p:spPr>
+          <a:xfrm flipH="1">
+            <a:off x="6523339" y="5080618"/>
+            <a:ext cx="116499" cy="48358"/>
+          </a:xfrm>
+          <a:prstGeom prst="line">
+            <a:avLst/>
+          </a:prstGeom>
+        </p:spPr>
+        <p:style>
+          <a:lnRef idx="2">
+            <a:schemeClr val="accent6"/>
+          </a:lnRef>
+          <a:fillRef idx="1">
+            <a:schemeClr val="lt1"/>
+          </a:fillRef>
+          <a:effectRef idx="0">
+            <a:schemeClr val="accent6"/>
+          </a:effectRef>
+          <a:fontRef idx="minor">
+            <a:schemeClr val="dk1"/>
+          </a:fontRef>
+        </p:style>
+      </p:cxnSp>
+      <p:cxnSp>
+        <p:nvCxnSpPr>
+          <p:cNvPr id="40" name="Straight Connector 39"/>
+          <p:cNvCxnSpPr/>
+          <p:nvPr/>
+        </p:nvCxnSpPr>
+        <p:spPr>
+          <a:xfrm>
+            <a:off x="6646430" y="5089411"/>
+            <a:ext cx="96717" cy="39565"/>
+          </a:xfrm>
+          <a:prstGeom prst="line">
+            <a:avLst/>
+          </a:prstGeom>
+        </p:spPr>
+        <p:style>
+          <a:lnRef idx="2">
+            <a:schemeClr val="accent6"/>
+          </a:lnRef>
+          <a:fillRef idx="1">
+            <a:schemeClr val="lt1"/>
+          </a:fillRef>
+          <a:effectRef idx="0">
+            <a:schemeClr val="accent6"/>
+          </a:effectRef>
+          <a:fontRef idx="minor">
+            <a:schemeClr val="dk1"/>
+          </a:fontRef>
+        </p:style>
+      </p:cxnSp>
+      <p:sp>
+        <p:nvSpPr>
+          <p:cNvPr id="41" name="Oval 40"/>
+          <p:cNvSpPr/>
+          <p:nvPr/>
+        </p:nvSpPr>
+        <p:spPr>
+          <a:xfrm>
+            <a:off x="7904244" y="4737718"/>
+            <a:ext cx="219808" cy="228600"/>
+          </a:xfrm>
+          <a:prstGeom prst="ellipse">
+            <a:avLst/>
+          </a:prstGeom>
+        </p:spPr>
+        <p:style>
+          <a:lnRef idx="2">
+            <a:schemeClr val="accent6"/>
+          </a:lnRef>
+          <a:fillRef idx="1">
+            <a:schemeClr val="lt1"/>
+          </a:fillRef>
+          <a:effectRef idx="0">
+            <a:schemeClr val="accent6"/>
+          </a:effectRef>
+          <a:fontRef idx="minor">
+            <a:schemeClr val="dk1"/>
+          </a:fontRef>
+        </p:style>
+        <p:txBody>
+          <a:bodyPr rtlCol="0" anchor="ctr"/>
+          <a:lstStyle/>
+          <a:p>
+            <a:pPr algn="ctr"/>
+            <a:endParaRPr lang="en-US"/>
+          </a:p>
+        </p:txBody>
+      </p:sp>
+      <p:cxnSp>
+        <p:nvCxnSpPr>
+          <p:cNvPr id="42" name="Straight Connector 41"/>
+          <p:cNvCxnSpPr>
+            <a:stCxn id="41" idx="4"/>
+          </p:cNvCxnSpPr>
+          <p:nvPr/>
+        </p:nvCxnSpPr>
+        <p:spPr>
+          <a:xfrm>
+            <a:off x="8014149" y="4966320"/>
+            <a:ext cx="13187" cy="211015"/>
+          </a:xfrm>
+          <a:prstGeom prst="line">
+            <a:avLst/>
+          </a:prstGeom>
+        </p:spPr>
+        <p:style>
+          <a:lnRef idx="2">
+            <a:schemeClr val="accent6"/>
+          </a:lnRef>
+          <a:fillRef idx="1">
+            <a:schemeClr val="lt1"/>
+          </a:fillRef>
+          <a:effectRef idx="0">
+            <a:schemeClr val="accent6"/>
+          </a:effectRef>
+          <a:fontRef idx="minor">
+            <a:schemeClr val="dk1"/>
+          </a:fontRef>
+        </p:style>
+      </p:cxnSp>
+      <p:cxnSp>
+        <p:nvCxnSpPr>
+          <p:cNvPr id="43" name="Straight Connector 42"/>
+          <p:cNvCxnSpPr/>
+          <p:nvPr/>
+        </p:nvCxnSpPr>
+        <p:spPr>
+          <a:xfrm>
+            <a:off x="8040521" y="5177335"/>
+            <a:ext cx="96717" cy="140677"/>
+          </a:xfrm>
+          <a:prstGeom prst="line">
+            <a:avLst/>
+          </a:prstGeom>
+        </p:spPr>
+        <p:style>
+          <a:lnRef idx="2">
+            <a:schemeClr val="accent6"/>
+          </a:lnRef>
+          <a:fillRef idx="1">
+            <a:schemeClr val="lt1"/>
+          </a:fillRef>
+          <a:effectRef idx="0">
+            <a:schemeClr val="accent6"/>
+          </a:effectRef>
+          <a:fontRef idx="minor">
+            <a:schemeClr val="dk1"/>
+          </a:fontRef>
+        </p:style>
+      </p:cxnSp>
+      <p:cxnSp>
+        <p:nvCxnSpPr>
+          <p:cNvPr id="44" name="Straight Connector 43"/>
+          <p:cNvCxnSpPr/>
+          <p:nvPr/>
+        </p:nvCxnSpPr>
+        <p:spPr>
+          <a:xfrm flipH="1">
+            <a:off x="7904244" y="5177334"/>
+            <a:ext cx="123091" cy="131885"/>
+          </a:xfrm>
+          <a:prstGeom prst="line">
+            <a:avLst/>
+          </a:prstGeom>
+        </p:spPr>
+        <p:style>
+          <a:lnRef idx="2">
+            <a:schemeClr val="accent6"/>
+          </a:lnRef>
+          <a:fillRef idx="1">
+            <a:schemeClr val="lt1"/>
+          </a:fillRef>
+          <a:effectRef idx="0">
+            <a:schemeClr val="accent6"/>
+          </a:effectRef>
+          <a:fontRef idx="minor">
+            <a:schemeClr val="dk1"/>
+          </a:fontRef>
+        </p:style>
+      </p:cxnSp>
+      <p:cxnSp>
+        <p:nvCxnSpPr>
+          <p:cNvPr id="45" name="Straight Connector 44"/>
+          <p:cNvCxnSpPr/>
+          <p:nvPr/>
+        </p:nvCxnSpPr>
+        <p:spPr>
+          <a:xfrm flipH="1">
+            <a:off x="7904242" y="5023469"/>
+            <a:ext cx="116499" cy="48358"/>
+          </a:xfrm>
+          <a:prstGeom prst="line">
+            <a:avLst/>
+          </a:prstGeom>
+        </p:spPr>
+        <p:style>
+          <a:lnRef idx="2">
+            <a:schemeClr val="accent6"/>
+          </a:lnRef>
+          <a:fillRef idx="1">
+            <a:schemeClr val="lt1"/>
+          </a:fillRef>
+          <a:effectRef idx="0">
+            <a:schemeClr val="accent6"/>
+          </a:effectRef>
+          <a:fontRef idx="minor">
+            <a:schemeClr val="dk1"/>
+          </a:fontRef>
+        </p:style>
+      </p:cxnSp>
+      <p:cxnSp>
+        <p:nvCxnSpPr>
+          <p:cNvPr id="46" name="Straight Connector 45"/>
+          <p:cNvCxnSpPr/>
+          <p:nvPr/>
+        </p:nvCxnSpPr>
+        <p:spPr>
+          <a:xfrm>
+            <a:off x="8027333" y="5032263"/>
+            <a:ext cx="96717" cy="39565"/>
+          </a:xfrm>
+          <a:prstGeom prst="line">
+            <a:avLst/>
+          </a:prstGeom>
+        </p:spPr>
+        <p:style>
+          <a:lnRef idx="2">
+            <a:schemeClr val="accent6"/>
+          </a:lnRef>
+          <a:fillRef idx="1">
+            <a:schemeClr val="lt1"/>
+          </a:fillRef>
+          <a:effectRef idx="0">
+            <a:schemeClr val="accent6"/>
+          </a:effectRef>
+          <a:fontRef idx="minor">
+            <a:schemeClr val="dk1"/>
+          </a:fontRef>
+        </p:style>
+      </p:cxnSp>
+      <p:sp>
+        <p:nvSpPr>
+          <p:cNvPr id="73" name="TextBox 72"/>
+          <p:cNvSpPr txBox="1"/>
+          <p:nvPr/>
+        </p:nvSpPr>
+        <p:spPr>
+          <a:xfrm>
+            <a:off x="5852071" y="3267616"/>
+            <a:ext cx="1269143" cy="400110"/>
+          </a:xfrm>
+          <a:prstGeom prst="rect">
+            <a:avLst/>
+          </a:prstGeom>
+          <a:noFill/>
+        </p:spPr>
+        <p:txBody>
+          <a:bodyPr wrap="square" rtlCol="0">
+            <a:spAutoFit/>
+          </a:bodyPr>
+          <a:lstStyle/>
+          <a:p>
+            <a:r>
+              <a:rPr lang="fa-IR" sz="2000" dirty="0">
+                <a:cs typeface="0 Nazanin" panose="00000400000000000000" pitchFamily="2" charset="-78"/>
+              </a:rPr>
+              <a:t>کاربر سیستم</a:t>
+            </a:r>
+            <a:endParaRPr lang="en-US" sz="2000" dirty="0">
+              <a:cs typeface="0 Nazanin" panose="00000400000000000000" pitchFamily="2" charset="-78"/>
+            </a:endParaRPr>
+          </a:p>
+        </p:txBody>
+      </p:sp>
+      <p:sp>
+        <p:nvSpPr>
+          <p:cNvPr id="74" name="TextBox 73"/>
+          <p:cNvSpPr txBox="1"/>
+          <p:nvPr/>
+        </p:nvSpPr>
+        <p:spPr>
+          <a:xfrm>
+            <a:off x="3648598" y="5326519"/>
+            <a:ext cx="1269143" cy="400110"/>
+          </a:xfrm>
+          <a:prstGeom prst="rect">
+            <a:avLst/>
+          </a:prstGeom>
+          <a:noFill/>
+        </p:spPr>
+        <p:txBody>
+          <a:bodyPr wrap="square" rtlCol="0">
+            <a:spAutoFit/>
+          </a:bodyPr>
+          <a:lstStyle/>
+          <a:p>
+            <a:r>
+              <a:rPr lang="fa-IR" sz="2000" dirty="0">
+                <a:cs typeface="0 Nazanin" panose="00000400000000000000" pitchFamily="2" charset="-78"/>
+              </a:rPr>
+              <a:t>کاربر</a:t>
+            </a:r>
+            <a:endParaRPr lang="en-US" sz="2000" dirty="0">
+              <a:cs typeface="0 Nazanin" panose="00000400000000000000" pitchFamily="2" charset="-78"/>
+            </a:endParaRPr>
+          </a:p>
+        </p:txBody>
+      </p:sp>
+      <p:sp>
+        <p:nvSpPr>
+          <p:cNvPr id="75" name="TextBox 74"/>
+          <p:cNvSpPr txBox="1"/>
+          <p:nvPr/>
+        </p:nvSpPr>
+        <p:spPr>
+          <a:xfrm>
+            <a:off x="4727112" y="5337598"/>
+            <a:ext cx="1269143" cy="400110"/>
+          </a:xfrm>
+          <a:prstGeom prst="rect">
+            <a:avLst/>
+          </a:prstGeom>
+          <a:noFill/>
+        </p:spPr>
+        <p:txBody>
+          <a:bodyPr wrap="square" rtlCol="0">
+            <a:spAutoFit/>
+          </a:bodyPr>
+          <a:lstStyle/>
+          <a:p>
+            <a:r>
+              <a:rPr lang="fa-IR" sz="2000" dirty="0">
+                <a:cs typeface="0 Nazanin" panose="00000400000000000000" pitchFamily="2" charset="-78"/>
+              </a:rPr>
+              <a:t>صاحب شغل</a:t>
+            </a:r>
+            <a:endParaRPr lang="en-US" sz="2000" dirty="0">
+              <a:cs typeface="0 Nazanin" panose="00000400000000000000" pitchFamily="2" charset="-78"/>
+            </a:endParaRPr>
+          </a:p>
+        </p:txBody>
+      </p:sp>
+      <p:sp>
+        <p:nvSpPr>
+          <p:cNvPr id="76" name="TextBox 75"/>
+          <p:cNvSpPr txBox="1"/>
+          <p:nvPr/>
+        </p:nvSpPr>
+        <p:spPr>
+          <a:xfrm>
+            <a:off x="6296855" y="5386121"/>
+            <a:ext cx="1269143" cy="400110"/>
+          </a:xfrm>
+          <a:prstGeom prst="rect">
+            <a:avLst/>
+          </a:prstGeom>
+          <a:noFill/>
+        </p:spPr>
+        <p:txBody>
+          <a:bodyPr wrap="square" rtlCol="0">
+            <a:spAutoFit/>
+          </a:bodyPr>
+          <a:lstStyle/>
+          <a:p>
+            <a:r>
+              <a:rPr lang="fa-IR" sz="2000" dirty="0">
+                <a:cs typeface="0 Nazanin" panose="00000400000000000000" pitchFamily="2" charset="-78"/>
+              </a:rPr>
+              <a:t>همکار</a:t>
+            </a:r>
+            <a:endParaRPr lang="en-US" sz="2000" dirty="0">
+              <a:cs typeface="0 Nazanin" panose="00000400000000000000" pitchFamily="2" charset="-78"/>
+            </a:endParaRPr>
+          </a:p>
+        </p:txBody>
+      </p:sp>
+      <p:sp>
+        <p:nvSpPr>
+          <p:cNvPr id="77" name="TextBox 76"/>
+          <p:cNvSpPr txBox="1"/>
+          <p:nvPr/>
+        </p:nvSpPr>
+        <p:spPr>
+          <a:xfrm>
+            <a:off x="7794340" y="5337598"/>
+            <a:ext cx="1269143" cy="400110"/>
+          </a:xfrm>
+          <a:prstGeom prst="rect">
+            <a:avLst/>
+          </a:prstGeom>
+          <a:noFill/>
+        </p:spPr>
+        <p:txBody>
+          <a:bodyPr wrap="square" rtlCol="0">
+            <a:spAutoFit/>
+          </a:bodyPr>
+          <a:lstStyle/>
+          <a:p>
+            <a:r>
+              <a:rPr lang="fa-IR" sz="2000" dirty="0">
+                <a:cs typeface="0 Nazanin" panose="00000400000000000000" pitchFamily="2" charset="-78"/>
+              </a:rPr>
+              <a:t>مدیر</a:t>
+            </a:r>
+            <a:endParaRPr lang="en-US" sz="2000" dirty="0">
+              <a:cs typeface="0 Nazanin" panose="00000400000000000000" pitchFamily="2" charset="-78"/>
+            </a:endParaRPr>
+          </a:p>
+        </p:txBody>
+      </p:sp>
+      <p:cxnSp>
+        <p:nvCxnSpPr>
+          <p:cNvPr id="56" name="Straight Connector 55"/>
+          <p:cNvCxnSpPr/>
+          <p:nvPr/>
+        </p:nvCxnSpPr>
+        <p:spPr>
+          <a:xfrm>
+            <a:off x="3926264" y="4132385"/>
+            <a:ext cx="4087885" cy="0"/>
+          </a:xfrm>
+          <a:prstGeom prst="line">
+            <a:avLst/>
+          </a:prstGeom>
         </p:spPr>
         <p:style>
           <a:lnRef idx="1">
@@ -9801,10 +11468,198 @@
           </a:fontRef>
         </p:style>
       </p:cxnSp>
+      <p:cxnSp>
+        <p:nvCxnSpPr>
+          <p:cNvPr id="58" name="Straight Connector 57"/>
+          <p:cNvCxnSpPr/>
+          <p:nvPr/>
+        </p:nvCxnSpPr>
+        <p:spPr>
+          <a:xfrm>
+            <a:off x="3931154" y="4132385"/>
+            <a:ext cx="0" cy="465993"/>
+          </a:xfrm>
+          <a:prstGeom prst="line">
+            <a:avLst/>
+          </a:prstGeom>
+        </p:spPr>
+        <p:style>
+          <a:lnRef idx="1">
+            <a:schemeClr val="dk1"/>
+          </a:lnRef>
+          <a:fillRef idx="0">
+            <a:schemeClr val="dk1"/>
+          </a:fillRef>
+          <a:effectRef idx="0">
+            <a:schemeClr val="dk1"/>
+          </a:effectRef>
+          <a:fontRef idx="minor">
+            <a:schemeClr val="tx1"/>
+          </a:fontRef>
+        </p:style>
+      </p:cxnSp>
+      <p:cxnSp>
+        <p:nvCxnSpPr>
+          <p:cNvPr id="64" name="Straight Connector 63"/>
+          <p:cNvCxnSpPr/>
+          <p:nvPr/>
+        </p:nvCxnSpPr>
+        <p:spPr>
+          <a:xfrm>
+            <a:off x="5246975" y="4132385"/>
+            <a:ext cx="0" cy="465993"/>
+          </a:xfrm>
+          <a:prstGeom prst="line">
+            <a:avLst/>
+          </a:prstGeom>
+        </p:spPr>
+        <p:style>
+          <a:lnRef idx="1">
+            <a:schemeClr val="dk1"/>
+          </a:lnRef>
+          <a:fillRef idx="0">
+            <a:schemeClr val="dk1"/>
+          </a:fillRef>
+          <a:effectRef idx="0">
+            <a:schemeClr val="dk1"/>
+          </a:effectRef>
+          <a:fontRef idx="minor">
+            <a:schemeClr val="tx1"/>
+          </a:fontRef>
+        </p:style>
+      </p:cxnSp>
+      <p:cxnSp>
+        <p:nvCxnSpPr>
+          <p:cNvPr id="65" name="Straight Connector 64"/>
+          <p:cNvCxnSpPr/>
+          <p:nvPr/>
+        </p:nvCxnSpPr>
+        <p:spPr>
+          <a:xfrm>
+            <a:off x="6625351" y="4132385"/>
+            <a:ext cx="0" cy="465993"/>
+          </a:xfrm>
+          <a:prstGeom prst="line">
+            <a:avLst/>
+          </a:prstGeom>
+        </p:spPr>
+        <p:style>
+          <a:lnRef idx="1">
+            <a:schemeClr val="dk1"/>
+          </a:lnRef>
+          <a:fillRef idx="0">
+            <a:schemeClr val="dk1"/>
+          </a:fillRef>
+          <a:effectRef idx="0">
+            <a:schemeClr val="dk1"/>
+          </a:effectRef>
+          <a:fontRef idx="minor">
+            <a:schemeClr val="tx1"/>
+          </a:fontRef>
+        </p:style>
+      </p:cxnSp>
+      <p:cxnSp>
+        <p:nvCxnSpPr>
+          <p:cNvPr id="66" name="Straight Connector 65"/>
+          <p:cNvCxnSpPr/>
+          <p:nvPr/>
+        </p:nvCxnSpPr>
+        <p:spPr>
+          <a:xfrm>
+            <a:off x="8020741" y="4132385"/>
+            <a:ext cx="0" cy="465993"/>
+          </a:xfrm>
+          <a:prstGeom prst="line">
+            <a:avLst/>
+          </a:prstGeom>
+        </p:spPr>
+        <p:style>
+          <a:lnRef idx="1">
+            <a:schemeClr val="dk1"/>
+          </a:lnRef>
+          <a:fillRef idx="0">
+            <a:schemeClr val="dk1"/>
+          </a:fillRef>
+          <a:effectRef idx="0">
+            <a:schemeClr val="dk1"/>
+          </a:effectRef>
+          <a:fontRef idx="minor">
+            <a:schemeClr val="tx1"/>
+          </a:fontRef>
+        </p:style>
+      </p:cxnSp>
+      <p:cxnSp>
+        <p:nvCxnSpPr>
+          <p:cNvPr id="67" name="Straight Connector 66"/>
+          <p:cNvCxnSpPr/>
+          <p:nvPr/>
+        </p:nvCxnSpPr>
+        <p:spPr>
+          <a:xfrm>
+            <a:off x="5798657" y="3833446"/>
+            <a:ext cx="0" cy="298939"/>
+          </a:xfrm>
+          <a:prstGeom prst="line">
+            <a:avLst/>
+          </a:prstGeom>
+        </p:spPr>
+        <p:style>
+          <a:lnRef idx="1">
+            <a:schemeClr val="dk1"/>
+          </a:lnRef>
+          <a:fillRef idx="0">
+            <a:schemeClr val="dk1"/>
+          </a:fillRef>
+          <a:effectRef idx="0">
+            <a:schemeClr val="dk1"/>
+          </a:effectRef>
+          <a:fontRef idx="minor">
+            <a:schemeClr val="tx1"/>
+          </a:fontRef>
+        </p:style>
+      </p:cxnSp>
+      <p:sp>
+        <p:nvSpPr>
+          <p:cNvPr id="61" name="Isosceles Triangle 60"/>
+          <p:cNvSpPr/>
+          <p:nvPr/>
+        </p:nvSpPr>
+        <p:spPr>
+          <a:xfrm>
+            <a:off x="5737112" y="3676790"/>
+            <a:ext cx="123090" cy="165720"/>
+          </a:xfrm>
+          <a:prstGeom prst="triangle">
+            <a:avLst/>
+          </a:prstGeom>
+        </p:spPr>
+        <p:style>
+          <a:lnRef idx="2">
+            <a:schemeClr val="dk1"/>
+          </a:lnRef>
+          <a:fillRef idx="1">
+            <a:schemeClr val="lt1"/>
+          </a:fillRef>
+          <a:effectRef idx="0">
+            <a:schemeClr val="dk1"/>
+          </a:effectRef>
+          <a:fontRef idx="minor">
+            <a:schemeClr val="dk1"/>
+          </a:fontRef>
+        </p:style>
+        <p:txBody>
+          <a:bodyPr rtlCol="0" anchor="ctr"/>
+          <a:lstStyle/>
+          <a:p>
+            <a:pPr algn="ctr"/>
+            <a:endParaRPr lang="en-US"/>
+          </a:p>
+        </p:txBody>
+      </p:sp>
     </p:spTree>
     <p:extLst>
       <p:ext uri="{BB962C8B-B14F-4D97-AF65-F5344CB8AC3E}">
-        <p14:creationId xmlns:p14="http://schemas.microsoft.com/office/powerpoint/2010/main" val="1891223305"/>
+        <p14:creationId xmlns:p14="http://schemas.microsoft.com/office/powerpoint/2010/main" val="4022021512"/>
       </p:ext>
     </p:extLst>
   </p:cSld>
@@ -9833,33 +11688,31 @@
       </p:grpSpPr>
       <p:sp>
         <p:nvSpPr>
-          <p:cNvPr id="4" name="Rectangle 3"/>
+          <p:cNvPr id="4" name="Oval 3"/>
           <p:cNvSpPr/>
           <p:nvPr/>
         </p:nvSpPr>
         <p:spPr>
           <a:xfrm>
-            <a:off x="4849500" y="232012"/>
-            <a:ext cx="1514901" cy="586854"/>
-          </a:xfrm>
-          <a:prstGeom prst="rect">
+            <a:off x="6259770" y="4792310"/>
+            <a:ext cx="219808" cy="228600"/>
+          </a:xfrm>
+          <a:prstGeom prst="ellipse">
             <a:avLst/>
           </a:prstGeom>
         </p:spPr>
         <p:style>
           <a:lnRef idx="2">
-            <a:schemeClr val="accent1">
-              <a:shade val="50000"/>
-            </a:schemeClr>
+            <a:schemeClr val="accent6"/>
           </a:lnRef>
           <a:fillRef idx="1">
-            <a:schemeClr val="accent1"/>
-          </a:fillRef>
-          <a:effectRef idx="0">
-            <a:schemeClr val="accent1"/>
-          </a:effectRef>
-          <a:fontRef idx="minor">
             <a:schemeClr val="lt1"/>
+          </a:fillRef>
+          <a:effectRef idx="0">
+            <a:schemeClr val="accent6"/>
+          </a:effectRef>
+          <a:fontRef idx="minor">
+            <a:schemeClr val="dk1"/>
           </a:fontRef>
         </p:style>
         <p:txBody>
@@ -9867,534 +11720,333 @@
           <a:lstStyle/>
           <a:p>
             <a:pPr algn="ctr"/>
-            <a:r>
-              <a:rPr lang="fa-IR" sz="2400" b="1" dirty="0">
-                <a:cs typeface="0 Nazanin" panose="00000400000000000000" pitchFamily="2" charset="-78"/>
-              </a:rPr>
-              <a:t>کاربر سیستم</a:t>
-            </a:r>
-            <a:endParaRPr lang="en-US" sz="2400" b="1" dirty="0">
-              <a:cs typeface="0 Nazanin" panose="00000400000000000000" pitchFamily="2" charset="-78"/>
-            </a:endParaRPr>
-          </a:p>
-        </p:txBody>
-      </p:sp>
-      <p:sp>
-        <p:nvSpPr>
-          <p:cNvPr id="5" name="Rectangle 4"/>
-          <p:cNvSpPr/>
-          <p:nvPr/>
-        </p:nvSpPr>
-        <p:spPr>
-          <a:xfrm>
-            <a:off x="2288272" y="2063090"/>
-            <a:ext cx="1514901" cy="586854"/>
-          </a:xfrm>
-          <a:prstGeom prst="rect">
+            <a:endParaRPr lang="en-US"/>
+          </a:p>
+        </p:txBody>
+      </p:sp>
+      <p:cxnSp>
+        <p:nvCxnSpPr>
+          <p:cNvPr id="5" name="Straight Connector 4"/>
+          <p:cNvCxnSpPr>
+            <a:stCxn id="4" idx="4"/>
+          </p:cNvCxnSpPr>
+          <p:nvPr/>
+        </p:nvCxnSpPr>
+        <p:spPr>
+          <a:xfrm>
+            <a:off x="6369676" y="5020912"/>
+            <a:ext cx="13187" cy="211015"/>
+          </a:xfrm>
+          <a:prstGeom prst="line">
             <a:avLst/>
           </a:prstGeom>
         </p:spPr>
         <p:style>
           <a:lnRef idx="2">
-            <a:schemeClr val="accent1">
-              <a:shade val="50000"/>
-            </a:schemeClr>
+            <a:schemeClr val="accent6"/>
           </a:lnRef>
           <a:fillRef idx="1">
-            <a:schemeClr val="accent1"/>
-          </a:fillRef>
-          <a:effectRef idx="0">
-            <a:schemeClr val="accent1"/>
-          </a:effectRef>
-          <a:fontRef idx="minor">
             <a:schemeClr val="lt1"/>
-          </a:fontRef>
-        </p:style>
-        <p:txBody>
-          <a:bodyPr rtlCol="0" anchor="ctr"/>
-          <a:lstStyle/>
-          <a:p>
-            <a:pPr algn="ctr"/>
-            <a:r>
-              <a:rPr lang="fa-IR" sz="2400" b="1" dirty="0">
-                <a:cs typeface="0 Nazanin" panose="00000400000000000000" pitchFamily="2" charset="-78"/>
-              </a:rPr>
-              <a:t>کاربر</a:t>
-            </a:r>
-            <a:endParaRPr lang="en-US" sz="2400" b="1" dirty="0">
-              <a:cs typeface="0 Nazanin" panose="00000400000000000000" pitchFamily="2" charset="-78"/>
-            </a:endParaRPr>
-          </a:p>
-        </p:txBody>
-      </p:sp>
-      <p:sp>
-        <p:nvSpPr>
-          <p:cNvPr id="6" name="Rectangle 5"/>
-          <p:cNvSpPr/>
-          <p:nvPr/>
-        </p:nvSpPr>
-        <p:spPr>
-          <a:xfrm>
-            <a:off x="4092050" y="2063090"/>
-            <a:ext cx="1514901" cy="586854"/>
-          </a:xfrm>
-          <a:prstGeom prst="rect">
+          </a:fillRef>
+          <a:effectRef idx="0">
+            <a:schemeClr val="accent6"/>
+          </a:effectRef>
+          <a:fontRef idx="minor">
+            <a:schemeClr val="dk1"/>
+          </a:fontRef>
+        </p:style>
+      </p:cxnSp>
+      <p:cxnSp>
+        <p:nvCxnSpPr>
+          <p:cNvPr id="6" name="Straight Connector 5"/>
+          <p:cNvCxnSpPr/>
+          <p:nvPr/>
+        </p:nvCxnSpPr>
+        <p:spPr>
+          <a:xfrm>
+            <a:off x="6396048" y="5231927"/>
+            <a:ext cx="96717" cy="140677"/>
+          </a:xfrm>
+          <a:prstGeom prst="line">
             <a:avLst/>
           </a:prstGeom>
         </p:spPr>
         <p:style>
           <a:lnRef idx="2">
-            <a:schemeClr val="accent1">
-              <a:shade val="50000"/>
-            </a:schemeClr>
+            <a:schemeClr val="accent6"/>
           </a:lnRef>
           <a:fillRef idx="1">
-            <a:schemeClr val="accent1"/>
-          </a:fillRef>
-          <a:effectRef idx="0">
-            <a:schemeClr val="accent1"/>
-          </a:effectRef>
-          <a:fontRef idx="minor">
             <a:schemeClr val="lt1"/>
-          </a:fontRef>
-        </p:style>
-        <p:txBody>
-          <a:bodyPr rtlCol="0" anchor="ctr"/>
-          <a:lstStyle/>
-          <a:p>
-            <a:pPr algn="ctr"/>
-            <a:r>
-              <a:rPr lang="fa-IR" sz="2400" b="1" dirty="0">
-                <a:cs typeface="0 Nazanin" panose="00000400000000000000" pitchFamily="2" charset="-78"/>
-              </a:rPr>
-              <a:t>صاحب شغل</a:t>
-            </a:r>
-            <a:endParaRPr lang="en-US" sz="2400" b="1" dirty="0">
-              <a:cs typeface="0 Nazanin" panose="00000400000000000000" pitchFamily="2" charset="-78"/>
-            </a:endParaRPr>
-          </a:p>
-        </p:txBody>
-      </p:sp>
-      <p:sp>
-        <p:nvSpPr>
-          <p:cNvPr id="7" name="Rectangle 6"/>
-          <p:cNvSpPr/>
-          <p:nvPr/>
-        </p:nvSpPr>
-        <p:spPr>
-          <a:xfrm>
-            <a:off x="5841243" y="2079010"/>
-            <a:ext cx="1514901" cy="586854"/>
-          </a:xfrm>
-          <a:prstGeom prst="rect">
+          </a:fillRef>
+          <a:effectRef idx="0">
+            <a:schemeClr val="accent6"/>
+          </a:effectRef>
+          <a:fontRef idx="minor">
+            <a:schemeClr val="dk1"/>
+          </a:fontRef>
+        </p:style>
+      </p:cxnSp>
+      <p:cxnSp>
+        <p:nvCxnSpPr>
+          <p:cNvPr id="7" name="Straight Connector 6"/>
+          <p:cNvCxnSpPr/>
+          <p:nvPr/>
+        </p:nvCxnSpPr>
+        <p:spPr>
+          <a:xfrm flipH="1">
+            <a:off x="6259771" y="5231926"/>
+            <a:ext cx="123091" cy="131885"/>
+          </a:xfrm>
+          <a:prstGeom prst="line">
             <a:avLst/>
           </a:prstGeom>
         </p:spPr>
         <p:style>
           <a:lnRef idx="2">
-            <a:schemeClr val="accent1">
-              <a:shade val="50000"/>
-            </a:schemeClr>
+            <a:schemeClr val="accent6"/>
           </a:lnRef>
           <a:fillRef idx="1">
-            <a:schemeClr val="accent1"/>
-          </a:fillRef>
-          <a:effectRef idx="0">
-            <a:schemeClr val="accent1"/>
-          </a:effectRef>
-          <a:fontRef idx="minor">
             <a:schemeClr val="lt1"/>
-          </a:fontRef>
-        </p:style>
-        <p:txBody>
-          <a:bodyPr rtlCol="0" anchor="ctr"/>
-          <a:lstStyle/>
-          <a:p>
-            <a:pPr algn="ctr"/>
-            <a:r>
-              <a:rPr lang="fa-IR" sz="2400" b="1" dirty="0">
-                <a:cs typeface="0 Nazanin" panose="00000400000000000000" pitchFamily="2" charset="-78"/>
-              </a:rPr>
-              <a:t>همکار</a:t>
-            </a:r>
-            <a:endParaRPr lang="en-US" sz="2400" b="1" dirty="0">
-              <a:cs typeface="0 Nazanin" panose="00000400000000000000" pitchFamily="2" charset="-78"/>
-            </a:endParaRPr>
-          </a:p>
-        </p:txBody>
-      </p:sp>
-      <p:sp>
-        <p:nvSpPr>
-          <p:cNvPr id="8" name="Rectangle 7"/>
-          <p:cNvSpPr/>
-          <p:nvPr/>
-        </p:nvSpPr>
-        <p:spPr>
-          <a:xfrm>
-            <a:off x="7781498" y="2079010"/>
-            <a:ext cx="1514901" cy="586854"/>
-          </a:xfrm>
-          <a:prstGeom prst="rect">
+          </a:fillRef>
+          <a:effectRef idx="0">
+            <a:schemeClr val="accent6"/>
+          </a:effectRef>
+          <a:fontRef idx="minor">
+            <a:schemeClr val="dk1"/>
+          </a:fontRef>
+        </p:style>
+      </p:cxnSp>
+      <p:cxnSp>
+        <p:nvCxnSpPr>
+          <p:cNvPr id="8" name="Straight Connector 7"/>
+          <p:cNvCxnSpPr/>
+          <p:nvPr/>
+        </p:nvCxnSpPr>
+        <p:spPr>
+          <a:xfrm flipH="1">
+            <a:off x="6259770" y="5078061"/>
+            <a:ext cx="116499" cy="48358"/>
+          </a:xfrm>
+          <a:prstGeom prst="line">
             <a:avLst/>
           </a:prstGeom>
         </p:spPr>
         <p:style>
           <a:lnRef idx="2">
-            <a:schemeClr val="accent1">
-              <a:shade val="50000"/>
-            </a:schemeClr>
+            <a:schemeClr val="accent6"/>
           </a:lnRef>
           <a:fillRef idx="1">
-            <a:schemeClr val="accent1"/>
-          </a:fillRef>
-          <a:effectRef idx="0">
-            <a:schemeClr val="accent1"/>
-          </a:effectRef>
-          <a:fontRef idx="minor">
             <a:schemeClr val="lt1"/>
-          </a:fontRef>
-        </p:style>
-        <p:txBody>
-          <a:bodyPr rtlCol="0" anchor="ctr"/>
-          <a:lstStyle/>
-          <a:p>
-            <a:pPr algn="ctr"/>
-            <a:r>
-              <a:rPr lang="fa-IR" sz="2400" b="1" dirty="0">
-                <a:cs typeface="0 Nazanin" panose="00000400000000000000" pitchFamily="2" charset="-78"/>
-              </a:rPr>
-              <a:t>مدیر</a:t>
-            </a:r>
-            <a:endParaRPr lang="en-US" sz="2400" b="1" dirty="0">
-              <a:cs typeface="0 Nazanin" panose="00000400000000000000" pitchFamily="2" charset="-78"/>
-            </a:endParaRPr>
-          </a:p>
-        </p:txBody>
-      </p:sp>
+          </a:fillRef>
+          <a:effectRef idx="0">
+            <a:schemeClr val="accent6"/>
+          </a:effectRef>
+          <a:fontRef idx="minor">
+            <a:schemeClr val="dk1"/>
+          </a:fontRef>
+        </p:style>
+      </p:cxnSp>
       <p:cxnSp>
         <p:nvCxnSpPr>
           <p:cNvPr id="9" name="Straight Connector 8"/>
+          <p:cNvCxnSpPr/>
+          <p:nvPr/>
+        </p:nvCxnSpPr>
+        <p:spPr>
+          <a:xfrm>
+            <a:off x="6382861" y="5086854"/>
+            <a:ext cx="96717" cy="39565"/>
+          </a:xfrm>
+          <a:prstGeom prst="line">
+            <a:avLst/>
+          </a:prstGeom>
+        </p:spPr>
+        <p:style>
+          <a:lnRef idx="2">
+            <a:schemeClr val="accent6"/>
+          </a:lnRef>
+          <a:fillRef idx="1">
+            <a:schemeClr val="lt1"/>
+          </a:fillRef>
+          <a:effectRef idx="0">
+            <a:schemeClr val="accent6"/>
+          </a:effectRef>
+          <a:fontRef idx="minor">
+            <a:schemeClr val="dk1"/>
+          </a:fontRef>
+        </p:style>
+      </p:cxnSp>
+      <p:sp>
+        <p:nvSpPr>
+          <p:cNvPr id="10" name="TextBox 9"/>
+          <p:cNvSpPr txBox="1"/>
+          <p:nvPr/>
+        </p:nvSpPr>
+        <p:spPr>
+          <a:xfrm>
+            <a:off x="5858193" y="5364052"/>
+            <a:ext cx="1269143" cy="400110"/>
+          </a:xfrm>
+          <a:prstGeom prst="rect">
+            <a:avLst/>
+          </a:prstGeom>
+          <a:noFill/>
+        </p:spPr>
+        <p:txBody>
+          <a:bodyPr wrap="square" rtlCol="0">
+            <a:spAutoFit/>
+          </a:bodyPr>
+          <a:lstStyle/>
+          <a:p>
+            <a:r>
+              <a:rPr lang="en-US" sz="2000" dirty="0">
+                <a:cs typeface="0 Nazanin" panose="00000400000000000000" pitchFamily="2" charset="-78"/>
+              </a:rPr>
+              <a:t>JobOwner</a:t>
+            </a:r>
+          </a:p>
+        </p:txBody>
+      </p:sp>
+      <p:sp>
+        <p:nvSpPr>
+          <p:cNvPr id="11" name="Oval 10"/>
+          <p:cNvSpPr/>
+          <p:nvPr/>
+        </p:nvSpPr>
+        <p:spPr>
+          <a:xfrm>
+            <a:off x="6259770" y="3181601"/>
+            <a:ext cx="219808" cy="228600"/>
+          </a:xfrm>
+          <a:prstGeom prst="ellipse">
+            <a:avLst/>
+          </a:prstGeom>
+        </p:spPr>
+        <p:style>
+          <a:lnRef idx="2">
+            <a:schemeClr val="accent6"/>
+          </a:lnRef>
+          <a:fillRef idx="1">
+            <a:schemeClr val="lt1"/>
+          </a:fillRef>
+          <a:effectRef idx="0">
+            <a:schemeClr val="accent6"/>
+          </a:effectRef>
+          <a:fontRef idx="minor">
+            <a:schemeClr val="dk1"/>
+          </a:fontRef>
+        </p:style>
+        <p:txBody>
+          <a:bodyPr rtlCol="0" anchor="ctr"/>
+          <a:lstStyle/>
+          <a:p>
+            <a:pPr algn="ctr"/>
+            <a:endParaRPr lang="en-US"/>
+          </a:p>
+        </p:txBody>
+      </p:sp>
+      <p:cxnSp>
+        <p:nvCxnSpPr>
+          <p:cNvPr id="12" name="Straight Connector 11"/>
           <p:cNvCxnSpPr>
-            <a:stCxn id="5" idx="0"/>
+            <a:stCxn id="11" idx="4"/>
           </p:cNvCxnSpPr>
           <p:nvPr/>
         </p:nvCxnSpPr>
         <p:spPr>
-          <a:xfrm flipV="1">
-            <a:off x="3045723" y="1119118"/>
-            <a:ext cx="1803778" cy="943972"/>
+          <a:xfrm>
+            <a:off x="6369676" y="3410203"/>
+            <a:ext cx="13187" cy="211015"/>
           </a:xfrm>
           <a:prstGeom prst="line">
             <a:avLst/>
           </a:prstGeom>
         </p:spPr>
         <p:style>
-          <a:lnRef idx="1">
-            <a:schemeClr val="dk1"/>
-          </a:lnRef>
-          <a:fillRef idx="0">
-            <a:schemeClr val="dk1"/>
-          </a:fillRef>
-          <a:effectRef idx="0">
-            <a:schemeClr val="dk1"/>
-          </a:effectRef>
-          <a:fontRef idx="minor">
-            <a:schemeClr val="tx1"/>
+          <a:lnRef idx="2">
+            <a:schemeClr val="accent6"/>
+          </a:lnRef>
+          <a:fillRef idx="1">
+            <a:schemeClr val="lt1"/>
+          </a:fillRef>
+          <a:effectRef idx="0">
+            <a:schemeClr val="accent6"/>
+          </a:effectRef>
+          <a:fontRef idx="minor">
+            <a:schemeClr val="dk1"/>
           </a:fontRef>
         </p:style>
       </p:cxnSp>
       <p:cxnSp>
         <p:nvCxnSpPr>
-          <p:cNvPr id="10" name="Straight Connector 9"/>
+          <p:cNvPr id="13" name="Straight Connector 12"/>
           <p:cNvCxnSpPr/>
           <p:nvPr/>
         </p:nvCxnSpPr>
         <p:spPr>
-          <a:xfrm flipV="1">
-            <a:off x="4917741" y="1310187"/>
-            <a:ext cx="391239" cy="752903"/>
+          <a:xfrm>
+            <a:off x="6396048" y="3621218"/>
+            <a:ext cx="96717" cy="140677"/>
           </a:xfrm>
           <a:prstGeom prst="line">
             <a:avLst/>
           </a:prstGeom>
         </p:spPr>
         <p:style>
-          <a:lnRef idx="1">
-            <a:schemeClr val="dk1"/>
-          </a:lnRef>
-          <a:fillRef idx="0">
-            <a:schemeClr val="dk1"/>
-          </a:fillRef>
-          <a:effectRef idx="0">
-            <a:schemeClr val="dk1"/>
-          </a:effectRef>
-          <a:fontRef idx="minor">
-            <a:schemeClr val="tx1"/>
+          <a:lnRef idx="2">
+            <a:schemeClr val="accent6"/>
+          </a:lnRef>
+          <a:fillRef idx="1">
+            <a:schemeClr val="lt1"/>
+          </a:fillRef>
+          <a:effectRef idx="0">
+            <a:schemeClr val="accent6"/>
+          </a:effectRef>
+          <a:fontRef idx="minor">
+            <a:schemeClr val="dk1"/>
           </a:fontRef>
         </p:style>
       </p:cxnSp>
       <p:cxnSp>
         <p:nvCxnSpPr>
-          <p:cNvPr id="11" name="Straight Connector 10"/>
+          <p:cNvPr id="14" name="Straight Connector 13"/>
           <p:cNvCxnSpPr/>
           <p:nvPr/>
         </p:nvCxnSpPr>
         <p:spPr>
-          <a:xfrm>
-            <a:off x="6666933" y="1310187"/>
-            <a:ext cx="1879978" cy="752903"/>
+          <a:xfrm flipH="1">
+            <a:off x="6259771" y="3621217"/>
+            <a:ext cx="123091" cy="131885"/>
           </a:xfrm>
           <a:prstGeom prst="line">
             <a:avLst/>
           </a:prstGeom>
         </p:spPr>
         <p:style>
-          <a:lnRef idx="1">
-            <a:schemeClr val="dk1"/>
-          </a:lnRef>
-          <a:fillRef idx="0">
-            <a:schemeClr val="dk1"/>
-          </a:fillRef>
-          <a:effectRef idx="0">
-            <a:schemeClr val="dk1"/>
-          </a:effectRef>
-          <a:fontRef idx="minor">
-            <a:schemeClr val="tx1"/>
+          <a:lnRef idx="2">
+            <a:schemeClr val="accent6"/>
+          </a:lnRef>
+          <a:fillRef idx="1">
+            <a:schemeClr val="lt1"/>
+          </a:fillRef>
+          <a:effectRef idx="0">
+            <a:schemeClr val="accent6"/>
+          </a:effectRef>
+          <a:fontRef idx="minor">
+            <a:schemeClr val="dk1"/>
           </a:fontRef>
         </p:style>
       </p:cxnSp>
       <p:cxnSp>
         <p:nvCxnSpPr>
-          <p:cNvPr id="12" name="Straight Connector 11"/>
+          <p:cNvPr id="15" name="Straight Connector 14"/>
           <p:cNvCxnSpPr/>
           <p:nvPr/>
         </p:nvCxnSpPr>
         <p:spPr>
-          <a:xfrm flipH="1" flipV="1">
-            <a:off x="6090309" y="1310187"/>
-            <a:ext cx="508384" cy="768824"/>
-          </a:xfrm>
-          <a:prstGeom prst="line">
-            <a:avLst/>
-          </a:prstGeom>
-        </p:spPr>
-        <p:style>
-          <a:lnRef idx="1">
-            <a:schemeClr val="dk1"/>
-          </a:lnRef>
-          <a:fillRef idx="0">
-            <a:schemeClr val="dk1"/>
-          </a:fillRef>
-          <a:effectRef idx="0">
-            <a:schemeClr val="dk1"/>
-          </a:effectRef>
-          <a:fontRef idx="minor">
-            <a:schemeClr val="tx1"/>
-          </a:fontRef>
-        </p:style>
-      </p:cxnSp>
-      <p:sp>
-        <p:nvSpPr>
-          <p:cNvPr id="13" name="Isosceles Triangle 12"/>
-          <p:cNvSpPr/>
-          <p:nvPr/>
-        </p:nvSpPr>
-        <p:spPr>
-          <a:xfrm rot="10800000">
-            <a:off x="4770171" y="990602"/>
-            <a:ext cx="354273" cy="300250"/>
-          </a:xfrm>
-          <a:prstGeom prst="triangle">
-            <a:avLst/>
-          </a:prstGeom>
-        </p:spPr>
-        <p:style>
-          <a:lnRef idx="2">
-            <a:schemeClr val="dk1"/>
-          </a:lnRef>
-          <a:fillRef idx="1">
-            <a:schemeClr val="lt1"/>
-          </a:fillRef>
-          <a:effectRef idx="0">
-            <a:schemeClr val="dk1"/>
-          </a:effectRef>
-          <a:fontRef idx="minor">
-            <a:schemeClr val="dk1"/>
-          </a:fontRef>
-        </p:style>
-        <p:txBody>
-          <a:bodyPr rtlCol="0" anchor="ctr"/>
-          <a:lstStyle/>
-          <a:p>
-            <a:pPr algn="ctr"/>
-            <a:endParaRPr lang="en-US" dirty="0"/>
-          </a:p>
-        </p:txBody>
-      </p:sp>
-      <p:sp>
-        <p:nvSpPr>
-          <p:cNvPr id="14" name="Isosceles Triangle 13"/>
-          <p:cNvSpPr/>
-          <p:nvPr/>
-        </p:nvSpPr>
-        <p:spPr>
-          <a:xfrm rot="9019614">
-            <a:off x="5195804" y="1119117"/>
-            <a:ext cx="354273" cy="300250"/>
-          </a:xfrm>
-          <a:prstGeom prst="triangle">
-            <a:avLst/>
-          </a:prstGeom>
-        </p:spPr>
-        <p:style>
-          <a:lnRef idx="2">
-            <a:schemeClr val="dk1"/>
-          </a:lnRef>
-          <a:fillRef idx="1">
-            <a:schemeClr val="lt1"/>
-          </a:fillRef>
-          <a:effectRef idx="0">
-            <a:schemeClr val="dk1"/>
-          </a:effectRef>
-          <a:fontRef idx="minor">
-            <a:schemeClr val="dk1"/>
-          </a:fontRef>
-        </p:style>
-        <p:txBody>
-          <a:bodyPr rtlCol="0" anchor="ctr"/>
-          <a:lstStyle/>
-          <a:p>
-            <a:pPr algn="ctr"/>
-            <a:endParaRPr lang="en-US" dirty="0"/>
-          </a:p>
-        </p:txBody>
-      </p:sp>
-      <p:sp>
-        <p:nvSpPr>
-          <p:cNvPr id="15" name="Isosceles Triangle 14"/>
-          <p:cNvSpPr/>
-          <p:nvPr/>
-        </p:nvSpPr>
-        <p:spPr>
-          <a:xfrm rot="12063450">
-            <a:off x="5844932" y="1140729"/>
-            <a:ext cx="354273" cy="300250"/>
-          </a:xfrm>
-          <a:prstGeom prst="triangle">
-            <a:avLst/>
-          </a:prstGeom>
-        </p:spPr>
-        <p:style>
-          <a:lnRef idx="2">
-            <a:schemeClr val="dk1"/>
-          </a:lnRef>
-          <a:fillRef idx="1">
-            <a:schemeClr val="lt1"/>
-          </a:fillRef>
-          <a:effectRef idx="0">
-            <a:schemeClr val="dk1"/>
-          </a:effectRef>
-          <a:fontRef idx="minor">
-            <a:schemeClr val="dk1"/>
-          </a:fontRef>
-        </p:style>
-        <p:txBody>
-          <a:bodyPr rtlCol="0" anchor="ctr"/>
-          <a:lstStyle/>
-          <a:p>
-            <a:pPr algn="ctr"/>
-            <a:endParaRPr lang="en-US" dirty="0"/>
-          </a:p>
-        </p:txBody>
-      </p:sp>
-      <p:sp>
-        <p:nvSpPr>
-          <p:cNvPr id="16" name="Isosceles Triangle 15"/>
-          <p:cNvSpPr/>
-          <p:nvPr/>
-        </p:nvSpPr>
-        <p:spPr>
-          <a:xfrm rot="17739085">
-            <a:off x="6369435" y="1106158"/>
-            <a:ext cx="354273" cy="300250"/>
-          </a:xfrm>
-          <a:prstGeom prst="triangle">
-            <a:avLst/>
-          </a:prstGeom>
-        </p:spPr>
-        <p:style>
-          <a:lnRef idx="2">
-            <a:schemeClr val="dk1"/>
-          </a:lnRef>
-          <a:fillRef idx="1">
-            <a:schemeClr val="lt1"/>
-          </a:fillRef>
-          <a:effectRef idx="0">
-            <a:schemeClr val="dk1"/>
-          </a:effectRef>
-          <a:fontRef idx="minor">
-            <a:schemeClr val="dk1"/>
-          </a:fontRef>
-        </p:style>
-        <p:txBody>
-          <a:bodyPr rtlCol="0" anchor="ctr"/>
-          <a:lstStyle/>
-          <a:p>
-            <a:pPr algn="ctr"/>
-            <a:endParaRPr lang="en-US" dirty="0"/>
-          </a:p>
-        </p:txBody>
-      </p:sp>
-      <p:sp>
-        <p:nvSpPr>
-          <p:cNvPr id="17" name="Oval 16"/>
-          <p:cNvSpPr/>
-          <p:nvPr/>
-        </p:nvSpPr>
-        <p:spPr>
-          <a:xfrm>
-            <a:off x="5662379" y="3002175"/>
-            <a:ext cx="219808" cy="228600"/>
-          </a:xfrm>
-          <a:prstGeom prst="ellipse">
-            <a:avLst/>
-          </a:prstGeom>
-        </p:spPr>
-        <p:style>
-          <a:lnRef idx="2">
-            <a:schemeClr val="accent6"/>
-          </a:lnRef>
-          <a:fillRef idx="1">
-            <a:schemeClr val="lt1"/>
-          </a:fillRef>
-          <a:effectRef idx="0">
-            <a:schemeClr val="accent6"/>
-          </a:effectRef>
-          <a:fontRef idx="minor">
-            <a:schemeClr val="dk1"/>
-          </a:fontRef>
-        </p:style>
-        <p:txBody>
-          <a:bodyPr rtlCol="0" anchor="ctr"/>
-          <a:lstStyle/>
-          <a:p>
-            <a:pPr algn="ctr"/>
-            <a:endParaRPr lang="en-US"/>
-          </a:p>
-        </p:txBody>
-      </p:sp>
-      <p:cxnSp>
-        <p:nvCxnSpPr>
-          <p:cNvPr id="18" name="Straight Connector 17"/>
-          <p:cNvCxnSpPr>
-            <a:stCxn id="17" idx="4"/>
-          </p:cNvCxnSpPr>
-          <p:nvPr/>
-        </p:nvCxnSpPr>
-        <p:spPr>
-          <a:xfrm>
-            <a:off x="5772284" y="3230777"/>
-            <a:ext cx="13187" cy="211015"/>
+          <a:xfrm flipH="1">
+            <a:off x="6259770" y="3467353"/>
+            <a:ext cx="116499" cy="48358"/>
           </a:xfrm>
           <a:prstGeom prst="line">
             <a:avLst/>
@@ -10417,14 +12069,115 @@
       </p:cxnSp>
       <p:cxnSp>
         <p:nvCxnSpPr>
+          <p:cNvPr id="16" name="Straight Connector 15"/>
+          <p:cNvCxnSpPr/>
+          <p:nvPr/>
+        </p:nvCxnSpPr>
+        <p:spPr>
+          <a:xfrm>
+            <a:off x="6382861" y="3476146"/>
+            <a:ext cx="96717" cy="39565"/>
+          </a:xfrm>
+          <a:prstGeom prst="line">
+            <a:avLst/>
+          </a:prstGeom>
+        </p:spPr>
+        <p:style>
+          <a:lnRef idx="2">
+            <a:schemeClr val="accent6"/>
+          </a:lnRef>
+          <a:fillRef idx="1">
+            <a:schemeClr val="lt1"/>
+          </a:fillRef>
+          <a:effectRef idx="0">
+            <a:schemeClr val="accent6"/>
+          </a:effectRef>
+          <a:fontRef idx="minor">
+            <a:schemeClr val="dk1"/>
+          </a:fontRef>
+        </p:style>
+      </p:cxnSp>
+      <p:sp>
+        <p:nvSpPr>
+          <p:cNvPr id="17" name="TextBox 16"/>
+          <p:cNvSpPr txBox="1"/>
+          <p:nvPr/>
+        </p:nvSpPr>
+        <p:spPr>
+          <a:xfrm>
+            <a:off x="5865555" y="3676818"/>
+            <a:ext cx="1269143" cy="400110"/>
+          </a:xfrm>
+          <a:prstGeom prst="rect">
+            <a:avLst/>
+          </a:prstGeom>
+          <a:noFill/>
+        </p:spPr>
+        <p:txBody>
+          <a:bodyPr wrap="square" rtlCol="0">
+            <a:spAutoFit/>
+          </a:bodyPr>
+          <a:lstStyle/>
+          <a:p>
+            <a:r>
+              <a:rPr lang="en-US" sz="2000" dirty="0">
+                <a:cs typeface="0 Nazanin" panose="00000400000000000000" pitchFamily="2" charset="-78"/>
+              </a:rPr>
+              <a:t>JobCorp</a:t>
+            </a:r>
+          </a:p>
+        </p:txBody>
+      </p:sp>
+      <p:sp>
+        <p:nvSpPr>
+          <p:cNvPr id="18" name="Oval 17"/>
+          <p:cNvSpPr/>
+          <p:nvPr/>
+        </p:nvSpPr>
+        <p:spPr>
+          <a:xfrm>
+            <a:off x="6259770" y="1359877"/>
+            <a:ext cx="219808" cy="228600"/>
+          </a:xfrm>
+          <a:prstGeom prst="ellipse">
+            <a:avLst/>
+          </a:prstGeom>
+        </p:spPr>
+        <p:style>
+          <a:lnRef idx="2">
+            <a:schemeClr val="accent6"/>
+          </a:lnRef>
+          <a:fillRef idx="1">
+            <a:schemeClr val="lt1"/>
+          </a:fillRef>
+          <a:effectRef idx="0">
+            <a:schemeClr val="accent6"/>
+          </a:effectRef>
+          <a:fontRef idx="minor">
+            <a:schemeClr val="dk1"/>
+          </a:fontRef>
+        </p:style>
+        <p:txBody>
+          <a:bodyPr rtlCol="0" anchor="ctr"/>
+          <a:lstStyle/>
+          <a:p>
+            <a:pPr algn="ctr"/>
+            <a:endParaRPr lang="en-US"/>
+          </a:p>
+        </p:txBody>
+      </p:sp>
+      <p:cxnSp>
+        <p:nvCxnSpPr>
           <p:cNvPr id="19" name="Straight Connector 18"/>
-          <p:cNvCxnSpPr/>
+          <p:cNvCxnSpPr>
+            <a:stCxn id="18" idx="4"/>
+          </p:cNvCxnSpPr>
           <p:nvPr/>
         </p:nvCxnSpPr>
         <p:spPr>
           <a:xfrm>
-            <a:off x="5798657" y="3441792"/>
-            <a:ext cx="96717" cy="140677"/>
+            <a:off x="6369676" y="1588479"/>
+            <a:ext cx="13187" cy="211015"/>
           </a:xfrm>
           <a:prstGeom prst="line">
             <a:avLst/>
@@ -10452,9 +12205,9 @@
           <p:nvPr/>
         </p:nvCxnSpPr>
         <p:spPr>
-          <a:xfrm flipH="1">
-            <a:off x="5662380" y="3441791"/>
-            <a:ext cx="123091" cy="131885"/>
+          <a:xfrm>
+            <a:off x="6396048" y="1799494"/>
+            <a:ext cx="96717" cy="140677"/>
           </a:xfrm>
           <a:prstGeom prst="line">
             <a:avLst/>
@@ -10483,8 +12236,8 @@
         </p:nvCxnSpPr>
         <p:spPr>
           <a:xfrm flipH="1">
-            <a:off x="5662379" y="3287927"/>
-            <a:ext cx="116499" cy="48358"/>
+            <a:off x="6259771" y="1799493"/>
+            <a:ext cx="123091" cy="131885"/>
           </a:xfrm>
           <a:prstGeom prst="line">
             <a:avLst/>
@@ -10512,9 +12265,9 @@
           <p:nvPr/>
         </p:nvCxnSpPr>
         <p:spPr>
-          <a:xfrm>
-            <a:off x="5785470" y="3296720"/>
-            <a:ext cx="96717" cy="39565"/>
+          <a:xfrm flipH="1">
+            <a:off x="6259770" y="1645629"/>
+            <a:ext cx="116499" cy="48358"/>
           </a:xfrm>
           <a:prstGeom prst="line">
             <a:avLst/>
@@ -10535,18 +12288,18 @@
           </a:fontRef>
         </p:style>
       </p:cxnSp>
-      <p:sp>
-        <p:nvSpPr>
-          <p:cNvPr id="23" name="Oval 22"/>
-          <p:cNvSpPr/>
-          <p:nvPr/>
-        </p:nvSpPr>
-        <p:spPr>
-          <a:xfrm>
-            <a:off x="3803173" y="4737718"/>
-            <a:ext cx="219808" cy="228600"/>
-          </a:xfrm>
-          <a:prstGeom prst="ellipse">
+      <p:cxnSp>
+        <p:nvCxnSpPr>
+          <p:cNvPr id="23" name="Straight Connector 22"/>
+          <p:cNvCxnSpPr/>
+          <p:nvPr/>
+        </p:nvCxnSpPr>
+        <p:spPr>
+          <a:xfrm>
+            <a:off x="6382861" y="1654422"/>
+            <a:ext cx="96717" cy="39565"/>
+          </a:xfrm>
+          <a:prstGeom prst="line">
             <a:avLst/>
           </a:prstGeom>
         </p:spPr>
@@ -10564,47 +12317,38 @@
             <a:schemeClr val="dk1"/>
           </a:fontRef>
         </p:style>
-        <p:txBody>
-          <a:bodyPr rtlCol="0" anchor="ctr"/>
-          <a:lstStyle/>
-          <a:p>
-            <a:pPr algn="ctr"/>
-            <a:endParaRPr lang="en-US"/>
-          </a:p>
-        </p:txBody>
-      </p:sp>
-      <p:cxnSp>
-        <p:nvCxnSpPr>
-          <p:cNvPr id="24" name="Straight Connector 23"/>
-          <p:cNvCxnSpPr>
-            <a:stCxn id="23" idx="4"/>
-          </p:cNvCxnSpPr>
-          <p:nvPr/>
-        </p:nvCxnSpPr>
-        <p:spPr>
-          <a:xfrm>
-            <a:off x="3913078" y="4966320"/>
-            <a:ext cx="13187" cy="211015"/>
-          </a:xfrm>
-          <a:prstGeom prst="line">
-            <a:avLst/>
-          </a:prstGeom>
-        </p:spPr>
-        <p:style>
-          <a:lnRef idx="2">
-            <a:schemeClr val="accent6"/>
-          </a:lnRef>
-          <a:fillRef idx="1">
-            <a:schemeClr val="lt1"/>
-          </a:fillRef>
-          <a:effectRef idx="0">
-            <a:schemeClr val="accent6"/>
-          </a:effectRef>
-          <a:fontRef idx="minor">
-            <a:schemeClr val="dk1"/>
-          </a:fontRef>
-        </p:style>
       </p:cxnSp>
+      <p:sp>
+        <p:nvSpPr>
+          <p:cNvPr id="24" name="TextBox 23"/>
+          <p:cNvSpPr txBox="1"/>
+          <p:nvPr/>
+        </p:nvSpPr>
+        <p:spPr>
+          <a:xfrm>
+            <a:off x="6050604" y="1934344"/>
+            <a:ext cx="1269143" cy="400110"/>
+          </a:xfrm>
+          <a:prstGeom prst="rect">
+            <a:avLst/>
+          </a:prstGeom>
+          <a:noFill/>
+        </p:spPr>
+        <p:txBody>
+          <a:bodyPr wrap="square" rtlCol="0">
+            <a:spAutoFit/>
+          </a:bodyPr>
+          <a:lstStyle/>
+          <a:p>
+            <a:r>
+              <a:rPr lang="en-US" sz="2000" dirty="0">
+                <a:cs typeface="0 Nazanin" panose="00000400000000000000" pitchFamily="2" charset="-78"/>
+              </a:rPr>
+              <a:t>User</a:t>
+            </a:r>
+          </a:p>
+        </p:txBody>
+      </p:sp>
       <p:cxnSp>
         <p:nvCxnSpPr>
           <p:cNvPr id="25" name="Straight Connector 24"/>
@@ -10613,142 +12357,122 @@
         </p:nvCxnSpPr>
         <p:spPr>
           <a:xfrm>
-            <a:off x="3939450" y="5177335"/>
-            <a:ext cx="96717" cy="140677"/>
+            <a:off x="6369673" y="2598387"/>
+            <a:ext cx="0" cy="485627"/>
           </a:xfrm>
           <a:prstGeom prst="line">
             <a:avLst/>
           </a:prstGeom>
         </p:spPr>
         <p:style>
+          <a:lnRef idx="1">
+            <a:schemeClr val="dk1"/>
+          </a:lnRef>
+          <a:fillRef idx="0">
+            <a:schemeClr val="dk1"/>
+          </a:fillRef>
+          <a:effectRef idx="0">
+            <a:schemeClr val="dk1"/>
+          </a:effectRef>
+          <a:fontRef idx="minor">
+            <a:schemeClr val="tx1"/>
+          </a:fontRef>
+        </p:style>
+      </p:cxnSp>
+      <p:sp>
+        <p:nvSpPr>
+          <p:cNvPr id="26" name="Isosceles Triangle 25"/>
+          <p:cNvSpPr/>
+          <p:nvPr/>
+        </p:nvSpPr>
+        <p:spPr>
+          <a:xfrm>
+            <a:off x="6239222" y="2332469"/>
+            <a:ext cx="260905" cy="247224"/>
+          </a:xfrm>
+          <a:prstGeom prst="triangle">
+            <a:avLst/>
+          </a:prstGeom>
+        </p:spPr>
+        <p:style>
           <a:lnRef idx="2">
-            <a:schemeClr val="accent6"/>
+            <a:schemeClr val="dk1"/>
           </a:lnRef>
           <a:fillRef idx="1">
             <a:schemeClr val="lt1"/>
           </a:fillRef>
           <a:effectRef idx="0">
-            <a:schemeClr val="accent6"/>
-          </a:effectRef>
-          <a:fontRef idx="minor">
-            <a:schemeClr val="dk1"/>
-          </a:fontRef>
-        </p:style>
-      </p:cxnSp>
+            <a:schemeClr val="dk1"/>
+          </a:effectRef>
+          <a:fontRef idx="minor">
+            <a:schemeClr val="dk1"/>
+          </a:fontRef>
+        </p:style>
+        <p:txBody>
+          <a:bodyPr rtlCol="0" anchor="ctr"/>
+          <a:lstStyle/>
+          <a:p>
+            <a:pPr algn="ctr"/>
+            <a:endParaRPr lang="en-US" dirty="0"/>
+          </a:p>
+        </p:txBody>
+      </p:sp>
       <p:cxnSp>
         <p:nvCxnSpPr>
-          <p:cNvPr id="26" name="Straight Connector 25"/>
-          <p:cNvCxnSpPr/>
+          <p:cNvPr id="29" name="Straight Connector 28"/>
+          <p:cNvCxnSpPr>
+            <a:stCxn id="30" idx="3"/>
+          </p:cNvCxnSpPr>
           <p:nvPr/>
         </p:nvCxnSpPr>
         <p:spPr>
-          <a:xfrm flipH="1">
-            <a:off x="3803174" y="5177334"/>
-            <a:ext cx="123091" cy="131885"/>
+          <a:xfrm>
+            <a:off x="6369673" y="4233693"/>
+            <a:ext cx="0" cy="426733"/>
           </a:xfrm>
           <a:prstGeom prst="line">
             <a:avLst/>
           </a:prstGeom>
         </p:spPr>
         <p:style>
+          <a:lnRef idx="1">
+            <a:schemeClr val="dk1"/>
+          </a:lnRef>
+          <a:fillRef idx="0">
+            <a:schemeClr val="dk1"/>
+          </a:fillRef>
+          <a:effectRef idx="0">
+            <a:schemeClr val="dk1"/>
+          </a:effectRef>
+          <a:fontRef idx="minor">
+            <a:schemeClr val="tx1"/>
+          </a:fontRef>
+        </p:style>
+      </p:cxnSp>
+      <p:sp>
+        <p:nvSpPr>
+          <p:cNvPr id="30" name="Isosceles Triangle 29"/>
+          <p:cNvSpPr/>
+          <p:nvPr/>
+        </p:nvSpPr>
+        <p:spPr>
+          <a:xfrm>
+            <a:off x="6239222" y="3986470"/>
+            <a:ext cx="260905" cy="247224"/>
+          </a:xfrm>
+          <a:prstGeom prst="triangle">
+            <a:avLst/>
+          </a:prstGeom>
+        </p:spPr>
+        <p:style>
           <a:lnRef idx="2">
-            <a:schemeClr val="accent6"/>
+            <a:schemeClr val="dk1"/>
           </a:lnRef>
           <a:fillRef idx="1">
             <a:schemeClr val="lt1"/>
           </a:fillRef>
           <a:effectRef idx="0">
-            <a:schemeClr val="accent6"/>
-          </a:effectRef>
-          <a:fontRef idx="minor">
-            <a:schemeClr val="dk1"/>
-          </a:fontRef>
-        </p:style>
-      </p:cxnSp>
-      <p:cxnSp>
-        <p:nvCxnSpPr>
-          <p:cNvPr id="27" name="Straight Connector 26"/>
-          <p:cNvCxnSpPr/>
-          <p:nvPr/>
-        </p:nvCxnSpPr>
-        <p:spPr>
-          <a:xfrm flipH="1">
-            <a:off x="3803173" y="5023469"/>
-            <a:ext cx="116499" cy="48358"/>
-          </a:xfrm>
-          <a:prstGeom prst="line">
-            <a:avLst/>
-          </a:prstGeom>
-        </p:spPr>
-        <p:style>
-          <a:lnRef idx="2">
-            <a:schemeClr val="accent6"/>
-          </a:lnRef>
-          <a:fillRef idx="1">
-            <a:schemeClr val="lt1"/>
-          </a:fillRef>
-          <a:effectRef idx="0">
-            <a:schemeClr val="accent6"/>
-          </a:effectRef>
-          <a:fontRef idx="minor">
-            <a:schemeClr val="dk1"/>
-          </a:fontRef>
-        </p:style>
-      </p:cxnSp>
-      <p:cxnSp>
-        <p:nvCxnSpPr>
-          <p:cNvPr id="28" name="Straight Connector 27"/>
-          <p:cNvCxnSpPr/>
-          <p:nvPr/>
-        </p:nvCxnSpPr>
-        <p:spPr>
-          <a:xfrm>
-            <a:off x="3926264" y="5032263"/>
-            <a:ext cx="96717" cy="39565"/>
-          </a:xfrm>
-          <a:prstGeom prst="line">
-            <a:avLst/>
-          </a:prstGeom>
-        </p:spPr>
-        <p:style>
-          <a:lnRef idx="2">
-            <a:schemeClr val="accent6"/>
-          </a:lnRef>
-          <a:fillRef idx="1">
-            <a:schemeClr val="lt1"/>
-          </a:fillRef>
-          <a:effectRef idx="0">
-            <a:schemeClr val="accent6"/>
-          </a:effectRef>
-          <a:fontRef idx="minor">
-            <a:schemeClr val="dk1"/>
-          </a:fontRef>
-        </p:style>
-      </p:cxnSp>
-      <p:sp>
-        <p:nvSpPr>
-          <p:cNvPr id="29" name="Oval 28"/>
-          <p:cNvSpPr/>
-          <p:nvPr/>
-        </p:nvSpPr>
-        <p:spPr>
-          <a:xfrm>
-            <a:off x="5142435" y="4794867"/>
-            <a:ext cx="219808" cy="228600"/>
-          </a:xfrm>
-          <a:prstGeom prst="ellipse">
-            <a:avLst/>
-          </a:prstGeom>
-        </p:spPr>
-        <p:style>
-          <a:lnRef idx="2">
-            <a:schemeClr val="accent6"/>
-          </a:lnRef>
-          <a:fillRef idx="1">
-            <a:schemeClr val="lt1"/>
-          </a:fillRef>
-          <a:effectRef idx="0">
-            <a:schemeClr val="accent6"/>
+            <a:schemeClr val="dk1"/>
           </a:effectRef>
           <a:fontRef idx="minor">
             <a:schemeClr val="dk1"/>
@@ -10759,934 +12483,14 @@
           <a:lstStyle/>
           <a:p>
             <a:pPr algn="ctr"/>
-            <a:endParaRPr lang="en-US"/>
-          </a:p>
-        </p:txBody>
-      </p:sp>
-      <p:cxnSp>
-        <p:nvCxnSpPr>
-          <p:cNvPr id="30" name="Straight Connector 29"/>
-          <p:cNvCxnSpPr>
-            <a:stCxn id="29" idx="4"/>
-          </p:cNvCxnSpPr>
-          <p:nvPr/>
-        </p:nvCxnSpPr>
-        <p:spPr>
-          <a:xfrm>
-            <a:off x="5252340" y="5023469"/>
-            <a:ext cx="13187" cy="211015"/>
-          </a:xfrm>
-          <a:prstGeom prst="line">
-            <a:avLst/>
-          </a:prstGeom>
-        </p:spPr>
-        <p:style>
-          <a:lnRef idx="2">
-            <a:schemeClr val="accent6"/>
-          </a:lnRef>
-          <a:fillRef idx="1">
-            <a:schemeClr val="lt1"/>
-          </a:fillRef>
-          <a:effectRef idx="0">
-            <a:schemeClr val="accent6"/>
-          </a:effectRef>
-          <a:fontRef idx="minor">
-            <a:schemeClr val="dk1"/>
-          </a:fontRef>
-        </p:style>
-      </p:cxnSp>
-      <p:cxnSp>
-        <p:nvCxnSpPr>
-          <p:cNvPr id="31" name="Straight Connector 30"/>
-          <p:cNvCxnSpPr/>
-          <p:nvPr/>
-        </p:nvCxnSpPr>
-        <p:spPr>
-          <a:xfrm>
-            <a:off x="5278713" y="5234484"/>
-            <a:ext cx="96717" cy="140677"/>
-          </a:xfrm>
-          <a:prstGeom prst="line">
-            <a:avLst/>
-          </a:prstGeom>
-        </p:spPr>
-        <p:style>
-          <a:lnRef idx="2">
-            <a:schemeClr val="accent6"/>
-          </a:lnRef>
-          <a:fillRef idx="1">
-            <a:schemeClr val="lt1"/>
-          </a:fillRef>
-          <a:effectRef idx="0">
-            <a:schemeClr val="accent6"/>
-          </a:effectRef>
-          <a:fontRef idx="minor">
-            <a:schemeClr val="dk1"/>
-          </a:fontRef>
-        </p:style>
-      </p:cxnSp>
-      <p:cxnSp>
-        <p:nvCxnSpPr>
-          <p:cNvPr id="32" name="Straight Connector 31"/>
-          <p:cNvCxnSpPr/>
-          <p:nvPr/>
-        </p:nvCxnSpPr>
-        <p:spPr>
-          <a:xfrm flipH="1">
-            <a:off x="5142436" y="5234484"/>
-            <a:ext cx="123091" cy="131885"/>
-          </a:xfrm>
-          <a:prstGeom prst="line">
-            <a:avLst/>
-          </a:prstGeom>
-        </p:spPr>
-        <p:style>
-          <a:lnRef idx="2">
-            <a:schemeClr val="accent6"/>
-          </a:lnRef>
-          <a:fillRef idx="1">
-            <a:schemeClr val="lt1"/>
-          </a:fillRef>
-          <a:effectRef idx="0">
-            <a:schemeClr val="accent6"/>
-          </a:effectRef>
-          <a:fontRef idx="minor">
-            <a:schemeClr val="dk1"/>
-          </a:fontRef>
-        </p:style>
-      </p:cxnSp>
-      <p:cxnSp>
-        <p:nvCxnSpPr>
-          <p:cNvPr id="33" name="Straight Connector 32"/>
-          <p:cNvCxnSpPr/>
-          <p:nvPr/>
-        </p:nvCxnSpPr>
-        <p:spPr>
-          <a:xfrm flipH="1">
-            <a:off x="5142435" y="5080618"/>
-            <a:ext cx="116499" cy="48358"/>
-          </a:xfrm>
-          <a:prstGeom prst="line">
-            <a:avLst/>
-          </a:prstGeom>
-        </p:spPr>
-        <p:style>
-          <a:lnRef idx="2">
-            <a:schemeClr val="accent6"/>
-          </a:lnRef>
-          <a:fillRef idx="1">
-            <a:schemeClr val="lt1"/>
-          </a:fillRef>
-          <a:effectRef idx="0">
-            <a:schemeClr val="accent6"/>
-          </a:effectRef>
-          <a:fontRef idx="minor">
-            <a:schemeClr val="dk1"/>
-          </a:fontRef>
-        </p:style>
-      </p:cxnSp>
-      <p:cxnSp>
-        <p:nvCxnSpPr>
-          <p:cNvPr id="34" name="Straight Connector 33"/>
-          <p:cNvCxnSpPr/>
-          <p:nvPr/>
-        </p:nvCxnSpPr>
-        <p:spPr>
-          <a:xfrm>
-            <a:off x="5265526" y="5089411"/>
-            <a:ext cx="96717" cy="39565"/>
-          </a:xfrm>
-          <a:prstGeom prst="line">
-            <a:avLst/>
-          </a:prstGeom>
-        </p:spPr>
-        <p:style>
-          <a:lnRef idx="2">
-            <a:schemeClr val="accent6"/>
-          </a:lnRef>
-          <a:fillRef idx="1">
-            <a:schemeClr val="lt1"/>
-          </a:fillRef>
-          <a:effectRef idx="0">
-            <a:schemeClr val="accent6"/>
-          </a:effectRef>
-          <a:fontRef idx="minor">
-            <a:schemeClr val="dk1"/>
-          </a:fontRef>
-        </p:style>
-      </p:cxnSp>
-      <p:sp>
-        <p:nvSpPr>
-          <p:cNvPr id="35" name="Oval 34"/>
-          <p:cNvSpPr/>
-          <p:nvPr/>
-        </p:nvSpPr>
-        <p:spPr>
-          <a:xfrm>
-            <a:off x="6523339" y="4794867"/>
-            <a:ext cx="219808" cy="228600"/>
-          </a:xfrm>
-          <a:prstGeom prst="ellipse">
-            <a:avLst/>
-          </a:prstGeom>
-        </p:spPr>
-        <p:style>
-          <a:lnRef idx="2">
-            <a:schemeClr val="accent6"/>
-          </a:lnRef>
-          <a:fillRef idx="1">
-            <a:schemeClr val="lt1"/>
-          </a:fillRef>
-          <a:effectRef idx="0">
-            <a:schemeClr val="accent6"/>
-          </a:effectRef>
-          <a:fontRef idx="minor">
-            <a:schemeClr val="dk1"/>
-          </a:fontRef>
-        </p:style>
-        <p:txBody>
-          <a:bodyPr rtlCol="0" anchor="ctr"/>
-          <a:lstStyle/>
-          <a:p>
-            <a:pPr algn="ctr"/>
-            <a:endParaRPr lang="en-US"/>
-          </a:p>
-        </p:txBody>
-      </p:sp>
-      <p:cxnSp>
-        <p:nvCxnSpPr>
-          <p:cNvPr id="36" name="Straight Connector 35"/>
-          <p:cNvCxnSpPr>
-            <a:stCxn id="35" idx="4"/>
-          </p:cNvCxnSpPr>
-          <p:nvPr/>
-        </p:nvCxnSpPr>
-        <p:spPr>
-          <a:xfrm>
-            <a:off x="6633245" y="5023469"/>
-            <a:ext cx="13187" cy="211015"/>
-          </a:xfrm>
-          <a:prstGeom prst="line">
-            <a:avLst/>
-          </a:prstGeom>
-        </p:spPr>
-        <p:style>
-          <a:lnRef idx="2">
-            <a:schemeClr val="accent6"/>
-          </a:lnRef>
-          <a:fillRef idx="1">
-            <a:schemeClr val="lt1"/>
-          </a:fillRef>
-          <a:effectRef idx="0">
-            <a:schemeClr val="accent6"/>
-          </a:effectRef>
-          <a:fontRef idx="minor">
-            <a:schemeClr val="dk1"/>
-          </a:fontRef>
-        </p:style>
-      </p:cxnSp>
-      <p:cxnSp>
-        <p:nvCxnSpPr>
-          <p:cNvPr id="37" name="Straight Connector 36"/>
-          <p:cNvCxnSpPr/>
-          <p:nvPr/>
-        </p:nvCxnSpPr>
-        <p:spPr>
-          <a:xfrm>
-            <a:off x="6659617" y="5234484"/>
-            <a:ext cx="96717" cy="140677"/>
-          </a:xfrm>
-          <a:prstGeom prst="line">
-            <a:avLst/>
-          </a:prstGeom>
-        </p:spPr>
-        <p:style>
-          <a:lnRef idx="2">
-            <a:schemeClr val="accent6"/>
-          </a:lnRef>
-          <a:fillRef idx="1">
-            <a:schemeClr val="lt1"/>
-          </a:fillRef>
-          <a:effectRef idx="0">
-            <a:schemeClr val="accent6"/>
-          </a:effectRef>
-          <a:fontRef idx="minor">
-            <a:schemeClr val="dk1"/>
-          </a:fontRef>
-        </p:style>
-      </p:cxnSp>
-      <p:cxnSp>
-        <p:nvCxnSpPr>
-          <p:cNvPr id="38" name="Straight Connector 37"/>
-          <p:cNvCxnSpPr/>
-          <p:nvPr/>
-        </p:nvCxnSpPr>
-        <p:spPr>
-          <a:xfrm flipH="1">
-            <a:off x="6523340" y="5234484"/>
-            <a:ext cx="123091" cy="131885"/>
-          </a:xfrm>
-          <a:prstGeom prst="line">
-            <a:avLst/>
-          </a:prstGeom>
-        </p:spPr>
-        <p:style>
-          <a:lnRef idx="2">
-            <a:schemeClr val="accent6"/>
-          </a:lnRef>
-          <a:fillRef idx="1">
-            <a:schemeClr val="lt1"/>
-          </a:fillRef>
-          <a:effectRef idx="0">
-            <a:schemeClr val="accent6"/>
-          </a:effectRef>
-          <a:fontRef idx="minor">
-            <a:schemeClr val="dk1"/>
-          </a:fontRef>
-        </p:style>
-      </p:cxnSp>
-      <p:cxnSp>
-        <p:nvCxnSpPr>
-          <p:cNvPr id="39" name="Straight Connector 38"/>
-          <p:cNvCxnSpPr/>
-          <p:nvPr/>
-        </p:nvCxnSpPr>
-        <p:spPr>
-          <a:xfrm flipH="1">
-            <a:off x="6523339" y="5080618"/>
-            <a:ext cx="116499" cy="48358"/>
-          </a:xfrm>
-          <a:prstGeom prst="line">
-            <a:avLst/>
-          </a:prstGeom>
-        </p:spPr>
-        <p:style>
-          <a:lnRef idx="2">
-            <a:schemeClr val="accent6"/>
-          </a:lnRef>
-          <a:fillRef idx="1">
-            <a:schemeClr val="lt1"/>
-          </a:fillRef>
-          <a:effectRef idx="0">
-            <a:schemeClr val="accent6"/>
-          </a:effectRef>
-          <a:fontRef idx="minor">
-            <a:schemeClr val="dk1"/>
-          </a:fontRef>
-        </p:style>
-      </p:cxnSp>
-      <p:cxnSp>
-        <p:nvCxnSpPr>
-          <p:cNvPr id="40" name="Straight Connector 39"/>
-          <p:cNvCxnSpPr/>
-          <p:nvPr/>
-        </p:nvCxnSpPr>
-        <p:spPr>
-          <a:xfrm>
-            <a:off x="6646430" y="5089411"/>
-            <a:ext cx="96717" cy="39565"/>
-          </a:xfrm>
-          <a:prstGeom prst="line">
-            <a:avLst/>
-          </a:prstGeom>
-        </p:spPr>
-        <p:style>
-          <a:lnRef idx="2">
-            <a:schemeClr val="accent6"/>
-          </a:lnRef>
-          <a:fillRef idx="1">
-            <a:schemeClr val="lt1"/>
-          </a:fillRef>
-          <a:effectRef idx="0">
-            <a:schemeClr val="accent6"/>
-          </a:effectRef>
-          <a:fontRef idx="minor">
-            <a:schemeClr val="dk1"/>
-          </a:fontRef>
-        </p:style>
-      </p:cxnSp>
-      <p:sp>
-        <p:nvSpPr>
-          <p:cNvPr id="41" name="Oval 40"/>
-          <p:cNvSpPr/>
-          <p:nvPr/>
-        </p:nvSpPr>
-        <p:spPr>
-          <a:xfrm>
-            <a:off x="7904244" y="4737718"/>
-            <a:ext cx="219808" cy="228600"/>
-          </a:xfrm>
-          <a:prstGeom prst="ellipse">
-            <a:avLst/>
-          </a:prstGeom>
-        </p:spPr>
-        <p:style>
-          <a:lnRef idx="2">
-            <a:schemeClr val="accent6"/>
-          </a:lnRef>
-          <a:fillRef idx="1">
-            <a:schemeClr val="lt1"/>
-          </a:fillRef>
-          <a:effectRef idx="0">
-            <a:schemeClr val="accent6"/>
-          </a:effectRef>
-          <a:fontRef idx="minor">
-            <a:schemeClr val="dk1"/>
-          </a:fontRef>
-        </p:style>
-        <p:txBody>
-          <a:bodyPr rtlCol="0" anchor="ctr"/>
-          <a:lstStyle/>
-          <a:p>
-            <a:pPr algn="ctr"/>
-            <a:endParaRPr lang="en-US"/>
-          </a:p>
-        </p:txBody>
-      </p:sp>
-      <p:cxnSp>
-        <p:nvCxnSpPr>
-          <p:cNvPr id="42" name="Straight Connector 41"/>
-          <p:cNvCxnSpPr>
-            <a:stCxn id="41" idx="4"/>
-          </p:cNvCxnSpPr>
-          <p:nvPr/>
-        </p:nvCxnSpPr>
-        <p:spPr>
-          <a:xfrm>
-            <a:off x="8014149" y="4966320"/>
-            <a:ext cx="13187" cy="211015"/>
-          </a:xfrm>
-          <a:prstGeom prst="line">
-            <a:avLst/>
-          </a:prstGeom>
-        </p:spPr>
-        <p:style>
-          <a:lnRef idx="2">
-            <a:schemeClr val="accent6"/>
-          </a:lnRef>
-          <a:fillRef idx="1">
-            <a:schemeClr val="lt1"/>
-          </a:fillRef>
-          <a:effectRef idx="0">
-            <a:schemeClr val="accent6"/>
-          </a:effectRef>
-          <a:fontRef idx="minor">
-            <a:schemeClr val="dk1"/>
-          </a:fontRef>
-        </p:style>
-      </p:cxnSp>
-      <p:cxnSp>
-        <p:nvCxnSpPr>
-          <p:cNvPr id="43" name="Straight Connector 42"/>
-          <p:cNvCxnSpPr/>
-          <p:nvPr/>
-        </p:nvCxnSpPr>
-        <p:spPr>
-          <a:xfrm>
-            <a:off x="8040521" y="5177335"/>
-            <a:ext cx="96717" cy="140677"/>
-          </a:xfrm>
-          <a:prstGeom prst="line">
-            <a:avLst/>
-          </a:prstGeom>
-        </p:spPr>
-        <p:style>
-          <a:lnRef idx="2">
-            <a:schemeClr val="accent6"/>
-          </a:lnRef>
-          <a:fillRef idx="1">
-            <a:schemeClr val="lt1"/>
-          </a:fillRef>
-          <a:effectRef idx="0">
-            <a:schemeClr val="accent6"/>
-          </a:effectRef>
-          <a:fontRef idx="minor">
-            <a:schemeClr val="dk1"/>
-          </a:fontRef>
-        </p:style>
-      </p:cxnSp>
-      <p:cxnSp>
-        <p:nvCxnSpPr>
-          <p:cNvPr id="44" name="Straight Connector 43"/>
-          <p:cNvCxnSpPr/>
-          <p:nvPr/>
-        </p:nvCxnSpPr>
-        <p:spPr>
-          <a:xfrm flipH="1">
-            <a:off x="7904244" y="5177334"/>
-            <a:ext cx="123091" cy="131885"/>
-          </a:xfrm>
-          <a:prstGeom prst="line">
-            <a:avLst/>
-          </a:prstGeom>
-        </p:spPr>
-        <p:style>
-          <a:lnRef idx="2">
-            <a:schemeClr val="accent6"/>
-          </a:lnRef>
-          <a:fillRef idx="1">
-            <a:schemeClr val="lt1"/>
-          </a:fillRef>
-          <a:effectRef idx="0">
-            <a:schemeClr val="accent6"/>
-          </a:effectRef>
-          <a:fontRef idx="minor">
-            <a:schemeClr val="dk1"/>
-          </a:fontRef>
-        </p:style>
-      </p:cxnSp>
-      <p:cxnSp>
-        <p:nvCxnSpPr>
-          <p:cNvPr id="45" name="Straight Connector 44"/>
-          <p:cNvCxnSpPr/>
-          <p:nvPr/>
-        </p:nvCxnSpPr>
-        <p:spPr>
-          <a:xfrm flipH="1">
-            <a:off x="7904242" y="5023469"/>
-            <a:ext cx="116499" cy="48358"/>
-          </a:xfrm>
-          <a:prstGeom prst="line">
-            <a:avLst/>
-          </a:prstGeom>
-        </p:spPr>
-        <p:style>
-          <a:lnRef idx="2">
-            <a:schemeClr val="accent6"/>
-          </a:lnRef>
-          <a:fillRef idx="1">
-            <a:schemeClr val="lt1"/>
-          </a:fillRef>
-          <a:effectRef idx="0">
-            <a:schemeClr val="accent6"/>
-          </a:effectRef>
-          <a:fontRef idx="minor">
-            <a:schemeClr val="dk1"/>
-          </a:fontRef>
-        </p:style>
-      </p:cxnSp>
-      <p:cxnSp>
-        <p:nvCxnSpPr>
-          <p:cNvPr id="46" name="Straight Connector 45"/>
-          <p:cNvCxnSpPr/>
-          <p:nvPr/>
-        </p:nvCxnSpPr>
-        <p:spPr>
-          <a:xfrm>
-            <a:off x="8027333" y="5032263"/>
-            <a:ext cx="96717" cy="39565"/>
-          </a:xfrm>
-          <a:prstGeom prst="line">
-            <a:avLst/>
-          </a:prstGeom>
-        </p:spPr>
-        <p:style>
-          <a:lnRef idx="2">
-            <a:schemeClr val="accent6"/>
-          </a:lnRef>
-          <a:fillRef idx="1">
-            <a:schemeClr val="lt1"/>
-          </a:fillRef>
-          <a:effectRef idx="0">
-            <a:schemeClr val="accent6"/>
-          </a:effectRef>
-          <a:fontRef idx="minor">
-            <a:schemeClr val="dk1"/>
-          </a:fontRef>
-        </p:style>
-      </p:cxnSp>
-      <p:sp>
-        <p:nvSpPr>
-          <p:cNvPr id="73" name="TextBox 72"/>
-          <p:cNvSpPr txBox="1"/>
-          <p:nvPr/>
-        </p:nvSpPr>
-        <p:spPr>
-          <a:xfrm>
-            <a:off x="5852071" y="3267616"/>
-            <a:ext cx="1269143" cy="400110"/>
-          </a:xfrm>
-          <a:prstGeom prst="rect">
-            <a:avLst/>
-          </a:prstGeom>
-          <a:noFill/>
-        </p:spPr>
-        <p:txBody>
-          <a:bodyPr wrap="square" rtlCol="0">
-            <a:spAutoFit/>
-          </a:bodyPr>
-          <a:lstStyle/>
-          <a:p>
-            <a:r>
-              <a:rPr lang="fa-IR" sz="2000" dirty="0">
-                <a:cs typeface="0 Nazanin" panose="00000400000000000000" pitchFamily="2" charset="-78"/>
-              </a:rPr>
-              <a:t>کاربر سیستم</a:t>
-            </a:r>
-            <a:endParaRPr lang="en-US" sz="2000" dirty="0">
-              <a:cs typeface="0 Nazanin" panose="00000400000000000000" pitchFamily="2" charset="-78"/>
-            </a:endParaRPr>
-          </a:p>
-        </p:txBody>
-      </p:sp>
-      <p:sp>
-        <p:nvSpPr>
-          <p:cNvPr id="74" name="TextBox 73"/>
-          <p:cNvSpPr txBox="1"/>
-          <p:nvPr/>
-        </p:nvSpPr>
-        <p:spPr>
-          <a:xfrm>
-            <a:off x="3648598" y="5326519"/>
-            <a:ext cx="1269143" cy="400110"/>
-          </a:xfrm>
-          <a:prstGeom prst="rect">
-            <a:avLst/>
-          </a:prstGeom>
-          <a:noFill/>
-        </p:spPr>
-        <p:txBody>
-          <a:bodyPr wrap="square" rtlCol="0">
-            <a:spAutoFit/>
-          </a:bodyPr>
-          <a:lstStyle/>
-          <a:p>
-            <a:r>
-              <a:rPr lang="fa-IR" sz="2000" dirty="0">
-                <a:cs typeface="0 Nazanin" panose="00000400000000000000" pitchFamily="2" charset="-78"/>
-              </a:rPr>
-              <a:t>کاربر</a:t>
-            </a:r>
-            <a:endParaRPr lang="en-US" sz="2000" dirty="0">
-              <a:cs typeface="0 Nazanin" panose="00000400000000000000" pitchFamily="2" charset="-78"/>
-            </a:endParaRPr>
-          </a:p>
-        </p:txBody>
-      </p:sp>
-      <p:sp>
-        <p:nvSpPr>
-          <p:cNvPr id="75" name="TextBox 74"/>
-          <p:cNvSpPr txBox="1"/>
-          <p:nvPr/>
-        </p:nvSpPr>
-        <p:spPr>
-          <a:xfrm>
-            <a:off x="4727112" y="5337598"/>
-            <a:ext cx="1269143" cy="400110"/>
-          </a:xfrm>
-          <a:prstGeom prst="rect">
-            <a:avLst/>
-          </a:prstGeom>
-          <a:noFill/>
-        </p:spPr>
-        <p:txBody>
-          <a:bodyPr wrap="square" rtlCol="0">
-            <a:spAutoFit/>
-          </a:bodyPr>
-          <a:lstStyle/>
-          <a:p>
-            <a:r>
-              <a:rPr lang="fa-IR" sz="2000" dirty="0">
-                <a:cs typeface="0 Nazanin" panose="00000400000000000000" pitchFamily="2" charset="-78"/>
-              </a:rPr>
-              <a:t>صاحب شغل</a:t>
-            </a:r>
-            <a:endParaRPr lang="en-US" sz="2000" dirty="0">
-              <a:cs typeface="0 Nazanin" panose="00000400000000000000" pitchFamily="2" charset="-78"/>
-            </a:endParaRPr>
-          </a:p>
-        </p:txBody>
-      </p:sp>
-      <p:sp>
-        <p:nvSpPr>
-          <p:cNvPr id="76" name="TextBox 75"/>
-          <p:cNvSpPr txBox="1"/>
-          <p:nvPr/>
-        </p:nvSpPr>
-        <p:spPr>
-          <a:xfrm>
-            <a:off x="6296855" y="5386121"/>
-            <a:ext cx="1269143" cy="400110"/>
-          </a:xfrm>
-          <a:prstGeom prst="rect">
-            <a:avLst/>
-          </a:prstGeom>
-          <a:noFill/>
-        </p:spPr>
-        <p:txBody>
-          <a:bodyPr wrap="square" rtlCol="0">
-            <a:spAutoFit/>
-          </a:bodyPr>
-          <a:lstStyle/>
-          <a:p>
-            <a:r>
-              <a:rPr lang="fa-IR" sz="2000" dirty="0">
-                <a:cs typeface="0 Nazanin" panose="00000400000000000000" pitchFamily="2" charset="-78"/>
-              </a:rPr>
-              <a:t>همکار</a:t>
-            </a:r>
-            <a:endParaRPr lang="en-US" sz="2000" dirty="0">
-              <a:cs typeface="0 Nazanin" panose="00000400000000000000" pitchFamily="2" charset="-78"/>
-            </a:endParaRPr>
-          </a:p>
-        </p:txBody>
-      </p:sp>
-      <p:sp>
-        <p:nvSpPr>
-          <p:cNvPr id="77" name="TextBox 76"/>
-          <p:cNvSpPr txBox="1"/>
-          <p:nvPr/>
-        </p:nvSpPr>
-        <p:spPr>
-          <a:xfrm>
-            <a:off x="7794340" y="5337598"/>
-            <a:ext cx="1269143" cy="400110"/>
-          </a:xfrm>
-          <a:prstGeom prst="rect">
-            <a:avLst/>
-          </a:prstGeom>
-          <a:noFill/>
-        </p:spPr>
-        <p:txBody>
-          <a:bodyPr wrap="square" rtlCol="0">
-            <a:spAutoFit/>
-          </a:bodyPr>
-          <a:lstStyle/>
-          <a:p>
-            <a:r>
-              <a:rPr lang="fa-IR" sz="2000" dirty="0">
-                <a:cs typeface="0 Nazanin" panose="00000400000000000000" pitchFamily="2" charset="-78"/>
-              </a:rPr>
-              <a:t>مدیر</a:t>
-            </a:r>
-            <a:endParaRPr lang="en-US" sz="2000" dirty="0">
-              <a:cs typeface="0 Nazanin" panose="00000400000000000000" pitchFamily="2" charset="-78"/>
-            </a:endParaRPr>
-          </a:p>
-        </p:txBody>
-      </p:sp>
-      <p:cxnSp>
-        <p:nvCxnSpPr>
-          <p:cNvPr id="56" name="Straight Connector 55"/>
-          <p:cNvCxnSpPr/>
-          <p:nvPr/>
-        </p:nvCxnSpPr>
-        <p:spPr>
-          <a:xfrm>
-            <a:off x="3926264" y="4132385"/>
-            <a:ext cx="4087885" cy="0"/>
-          </a:xfrm>
-          <a:prstGeom prst="line">
-            <a:avLst/>
-          </a:prstGeom>
-        </p:spPr>
-        <p:style>
-          <a:lnRef idx="1">
-            <a:schemeClr val="dk1"/>
-          </a:lnRef>
-          <a:fillRef idx="0">
-            <a:schemeClr val="dk1"/>
-          </a:fillRef>
-          <a:effectRef idx="0">
-            <a:schemeClr val="dk1"/>
-          </a:effectRef>
-          <a:fontRef idx="minor">
-            <a:schemeClr val="tx1"/>
-          </a:fontRef>
-        </p:style>
-      </p:cxnSp>
-      <p:cxnSp>
-        <p:nvCxnSpPr>
-          <p:cNvPr id="58" name="Straight Connector 57"/>
-          <p:cNvCxnSpPr/>
-          <p:nvPr/>
-        </p:nvCxnSpPr>
-        <p:spPr>
-          <a:xfrm>
-            <a:off x="3931154" y="4132385"/>
-            <a:ext cx="0" cy="465993"/>
-          </a:xfrm>
-          <a:prstGeom prst="line">
-            <a:avLst/>
-          </a:prstGeom>
-        </p:spPr>
-        <p:style>
-          <a:lnRef idx="1">
-            <a:schemeClr val="dk1"/>
-          </a:lnRef>
-          <a:fillRef idx="0">
-            <a:schemeClr val="dk1"/>
-          </a:fillRef>
-          <a:effectRef idx="0">
-            <a:schemeClr val="dk1"/>
-          </a:effectRef>
-          <a:fontRef idx="minor">
-            <a:schemeClr val="tx1"/>
-          </a:fontRef>
-        </p:style>
-      </p:cxnSp>
-      <p:cxnSp>
-        <p:nvCxnSpPr>
-          <p:cNvPr id="64" name="Straight Connector 63"/>
-          <p:cNvCxnSpPr/>
-          <p:nvPr/>
-        </p:nvCxnSpPr>
-        <p:spPr>
-          <a:xfrm>
-            <a:off x="5246975" y="4132385"/>
-            <a:ext cx="0" cy="465993"/>
-          </a:xfrm>
-          <a:prstGeom prst="line">
-            <a:avLst/>
-          </a:prstGeom>
-        </p:spPr>
-        <p:style>
-          <a:lnRef idx="1">
-            <a:schemeClr val="dk1"/>
-          </a:lnRef>
-          <a:fillRef idx="0">
-            <a:schemeClr val="dk1"/>
-          </a:fillRef>
-          <a:effectRef idx="0">
-            <a:schemeClr val="dk1"/>
-          </a:effectRef>
-          <a:fontRef idx="minor">
-            <a:schemeClr val="tx1"/>
-          </a:fontRef>
-        </p:style>
-      </p:cxnSp>
-      <p:cxnSp>
-        <p:nvCxnSpPr>
-          <p:cNvPr id="65" name="Straight Connector 64"/>
-          <p:cNvCxnSpPr/>
-          <p:nvPr/>
-        </p:nvCxnSpPr>
-        <p:spPr>
-          <a:xfrm>
-            <a:off x="6625351" y="4132385"/>
-            <a:ext cx="0" cy="465993"/>
-          </a:xfrm>
-          <a:prstGeom prst="line">
-            <a:avLst/>
-          </a:prstGeom>
-        </p:spPr>
-        <p:style>
-          <a:lnRef idx="1">
-            <a:schemeClr val="dk1"/>
-          </a:lnRef>
-          <a:fillRef idx="0">
-            <a:schemeClr val="dk1"/>
-          </a:fillRef>
-          <a:effectRef idx="0">
-            <a:schemeClr val="dk1"/>
-          </a:effectRef>
-          <a:fontRef idx="minor">
-            <a:schemeClr val="tx1"/>
-          </a:fontRef>
-        </p:style>
-      </p:cxnSp>
-      <p:cxnSp>
-        <p:nvCxnSpPr>
-          <p:cNvPr id="66" name="Straight Connector 65"/>
-          <p:cNvCxnSpPr/>
-          <p:nvPr/>
-        </p:nvCxnSpPr>
-        <p:spPr>
-          <a:xfrm>
-            <a:off x="8020741" y="4132385"/>
-            <a:ext cx="0" cy="465993"/>
-          </a:xfrm>
-          <a:prstGeom prst="line">
-            <a:avLst/>
-          </a:prstGeom>
-        </p:spPr>
-        <p:style>
-          <a:lnRef idx="1">
-            <a:schemeClr val="dk1"/>
-          </a:lnRef>
-          <a:fillRef idx="0">
-            <a:schemeClr val="dk1"/>
-          </a:fillRef>
-          <a:effectRef idx="0">
-            <a:schemeClr val="dk1"/>
-          </a:effectRef>
-          <a:fontRef idx="minor">
-            <a:schemeClr val="tx1"/>
-          </a:fontRef>
-        </p:style>
-      </p:cxnSp>
-      <p:cxnSp>
-        <p:nvCxnSpPr>
-          <p:cNvPr id="67" name="Straight Connector 66"/>
-          <p:cNvCxnSpPr/>
-          <p:nvPr/>
-        </p:nvCxnSpPr>
-        <p:spPr>
-          <a:xfrm>
-            <a:off x="5798657" y="3833446"/>
-            <a:ext cx="0" cy="298939"/>
-          </a:xfrm>
-          <a:prstGeom prst="line">
-            <a:avLst/>
-          </a:prstGeom>
-        </p:spPr>
-        <p:style>
-          <a:lnRef idx="1">
-            <a:schemeClr val="dk1"/>
-          </a:lnRef>
-          <a:fillRef idx="0">
-            <a:schemeClr val="dk1"/>
-          </a:fillRef>
-          <a:effectRef idx="0">
-            <a:schemeClr val="dk1"/>
-          </a:effectRef>
-          <a:fontRef idx="minor">
-            <a:schemeClr val="tx1"/>
-          </a:fontRef>
-        </p:style>
-      </p:cxnSp>
-      <p:sp>
-        <p:nvSpPr>
-          <p:cNvPr id="61" name="Isosceles Triangle 60"/>
-          <p:cNvSpPr/>
-          <p:nvPr/>
-        </p:nvSpPr>
-        <p:spPr>
-          <a:xfrm>
-            <a:off x="5737112" y="3676790"/>
-            <a:ext cx="123090" cy="165720"/>
-          </a:xfrm>
-          <a:prstGeom prst="triangle">
-            <a:avLst/>
-          </a:prstGeom>
-        </p:spPr>
-        <p:style>
-          <a:lnRef idx="2">
-            <a:schemeClr val="dk1"/>
-          </a:lnRef>
-          <a:fillRef idx="1">
-            <a:schemeClr val="lt1"/>
-          </a:fillRef>
-          <a:effectRef idx="0">
-            <a:schemeClr val="dk1"/>
-          </a:effectRef>
-          <a:fontRef idx="minor">
-            <a:schemeClr val="dk1"/>
-          </a:fontRef>
-        </p:style>
-        <p:txBody>
-          <a:bodyPr rtlCol="0" anchor="ctr"/>
-          <a:lstStyle/>
-          <a:p>
-            <a:pPr algn="ctr"/>
-            <a:endParaRPr lang="en-US"/>
+            <a:endParaRPr lang="en-US" dirty="0"/>
           </a:p>
         </p:txBody>
       </p:sp>
     </p:spTree>
     <p:extLst>
       <p:ext uri="{BB962C8B-B14F-4D97-AF65-F5344CB8AC3E}">
-        <p14:creationId xmlns:p14="http://schemas.microsoft.com/office/powerpoint/2010/main" val="4022021512"/>
+        <p14:creationId xmlns:p14="http://schemas.microsoft.com/office/powerpoint/2010/main" val="1088380266"/>
       </p:ext>
     </p:extLst>
   </p:cSld>
@@ -11715,28 +12519,89 @@
       </p:grpSpPr>
       <p:sp>
         <p:nvSpPr>
-          <p:cNvPr id="4" name="Oval 3"/>
+          <p:cNvPr id="4" name="Rectangle 3"/>
           <p:cNvSpPr/>
           <p:nvPr/>
         </p:nvSpPr>
         <p:spPr>
           <a:xfrm>
-            <a:off x="6259770" y="4792310"/>
-            <a:ext cx="219808" cy="228600"/>
-          </a:xfrm>
-          <a:prstGeom prst="ellipse">
+            <a:off x="1460310" y="914400"/>
+            <a:ext cx="1965278" cy="900752"/>
+          </a:xfrm>
+          <a:prstGeom prst="rect">
             <a:avLst/>
           </a:prstGeom>
         </p:spPr>
         <p:style>
           <a:lnRef idx="2">
-            <a:schemeClr val="accent6"/>
+            <a:schemeClr val="dk1"/>
           </a:lnRef>
           <a:fillRef idx="1">
             <a:schemeClr val="lt1"/>
           </a:fillRef>
           <a:effectRef idx="0">
-            <a:schemeClr val="accent6"/>
+            <a:schemeClr val="dk1"/>
+          </a:effectRef>
+          <a:fontRef idx="minor">
+            <a:schemeClr val="dk1"/>
+          </a:fontRef>
+        </p:style>
+        <p:txBody>
+          <a:bodyPr rtlCol="0" anchor="ctr"/>
+          <a:lstStyle/>
+          <a:p>
+            <a:pPr algn="ctr"/>
+            <a:endParaRPr lang="en-US" b="1">
+              <a:ln/>
+              <a:pattFill prst="dkUpDiag">
+                <a:fgClr>
+                  <a:schemeClr val="bg1">
+                    <a:lumMod val="50000"/>
+                  </a:schemeClr>
+                </a:fgClr>
+                <a:bgClr>
+                  <a:schemeClr val="tx1">
+                    <a:lumMod val="75000"/>
+                    <a:lumOff val="25000"/>
+                  </a:schemeClr>
+                </a:bgClr>
+              </a:pattFill>
+              <a:effectLst>
+                <a:outerShdw blurRad="38100" dist="19050" dir="2700000" algn="tl" rotWithShape="0">
+                  <a:schemeClr val="dk1">
+                    <a:lumMod val="50000"/>
+                    <a:alpha val="40000"/>
+                  </a:schemeClr>
+                </a:outerShdw>
+              </a:effectLst>
+            </a:endParaRPr>
+          </a:p>
+        </p:txBody>
+      </p:sp>
+      <p:sp>
+        <p:nvSpPr>
+          <p:cNvPr id="5" name="Rectangle 4"/>
+          <p:cNvSpPr/>
+          <p:nvPr/>
+        </p:nvSpPr>
+        <p:spPr>
+          <a:xfrm>
+            <a:off x="4792640" y="1815152"/>
+            <a:ext cx="4351362" cy="2210938"/>
+          </a:xfrm>
+          <a:prstGeom prst="rect">
+            <a:avLst/>
+          </a:prstGeom>
+        </p:spPr>
+        <p:style>
+          <a:lnRef idx="2">
+            <a:schemeClr val="dk1"/>
+          </a:lnRef>
+          <a:fillRef idx="1">
+            <a:schemeClr val="lt1"/>
+          </a:fillRef>
+          <a:effectRef idx="0">
+            <a:schemeClr val="dk1"/>
           </a:effectRef>
           <a:fontRef idx="minor">
             <a:schemeClr val="dk1"/>
@@ -11751,168 +12616,309 @@
           </a:p>
         </p:txBody>
       </p:sp>
+      <p:sp>
+        <p:nvSpPr>
+          <p:cNvPr id="6" name="Rectangle 5"/>
+          <p:cNvSpPr/>
+          <p:nvPr/>
+        </p:nvSpPr>
+        <p:spPr>
+          <a:xfrm>
+            <a:off x="9405583" y="1815152"/>
+            <a:ext cx="2222312" cy="2210938"/>
+          </a:xfrm>
+          <a:prstGeom prst="rect">
+            <a:avLst/>
+          </a:prstGeom>
+        </p:spPr>
+        <p:style>
+          <a:lnRef idx="2">
+            <a:schemeClr val="dk1"/>
+          </a:lnRef>
+          <a:fillRef idx="1">
+            <a:schemeClr val="lt1"/>
+          </a:fillRef>
+          <a:effectRef idx="0">
+            <a:schemeClr val="dk1"/>
+          </a:effectRef>
+          <a:fontRef idx="minor">
+            <a:schemeClr val="dk1"/>
+          </a:fontRef>
+        </p:style>
+        <p:txBody>
+          <a:bodyPr rtlCol="0" anchor="ctr"/>
+          <a:lstStyle/>
+          <a:p>
+            <a:pPr algn="ctr"/>
+            <a:endParaRPr lang="en-US"/>
+          </a:p>
+        </p:txBody>
+      </p:sp>
+      <p:sp>
+        <p:nvSpPr>
+          <p:cNvPr id="7" name="Rectangle 6"/>
+          <p:cNvSpPr/>
+          <p:nvPr/>
+        </p:nvSpPr>
+        <p:spPr>
+          <a:xfrm>
+            <a:off x="9711519" y="2367886"/>
+            <a:ext cx="1599062" cy="1105469"/>
+          </a:xfrm>
+          <a:prstGeom prst="rect">
+            <a:avLst/>
+          </a:prstGeom>
+        </p:spPr>
+        <p:style>
+          <a:lnRef idx="2">
+            <a:schemeClr val="dk1"/>
+          </a:lnRef>
+          <a:fillRef idx="1">
+            <a:schemeClr val="lt1"/>
+          </a:fillRef>
+          <a:effectRef idx="0">
+            <a:schemeClr val="dk1"/>
+          </a:effectRef>
+          <a:fontRef idx="minor">
+            <a:schemeClr val="dk1"/>
+          </a:fontRef>
+        </p:style>
+        <p:txBody>
+          <a:bodyPr rtlCol="0" anchor="ctr"/>
+          <a:lstStyle/>
+          <a:p>
+            <a:pPr algn="ctr"/>
+            <a:endParaRPr lang="en-US"/>
+          </a:p>
+        </p:txBody>
+      </p:sp>
+      <p:sp>
+        <p:nvSpPr>
+          <p:cNvPr id="8" name="Rectangle 7"/>
+          <p:cNvSpPr/>
+          <p:nvPr/>
+        </p:nvSpPr>
+        <p:spPr>
+          <a:xfrm>
+            <a:off x="7519917" y="2367886"/>
+            <a:ext cx="1102626" cy="1105469"/>
+          </a:xfrm>
+          <a:prstGeom prst="rect">
+            <a:avLst/>
+          </a:prstGeom>
+        </p:spPr>
+        <p:style>
+          <a:lnRef idx="2">
+            <a:schemeClr val="dk1"/>
+          </a:lnRef>
+          <a:fillRef idx="1">
+            <a:schemeClr val="lt1"/>
+          </a:fillRef>
+          <a:effectRef idx="0">
+            <a:schemeClr val="dk1"/>
+          </a:effectRef>
+          <a:fontRef idx="minor">
+            <a:schemeClr val="dk1"/>
+          </a:fontRef>
+        </p:style>
+        <p:txBody>
+          <a:bodyPr rtlCol="0" anchor="ctr"/>
+          <a:lstStyle/>
+          <a:p>
+            <a:pPr algn="ctr"/>
+            <a:endParaRPr lang="en-US"/>
+          </a:p>
+        </p:txBody>
+      </p:sp>
+      <p:sp>
+        <p:nvSpPr>
+          <p:cNvPr id="9" name="Rectangle 8"/>
+          <p:cNvSpPr/>
+          <p:nvPr/>
+        </p:nvSpPr>
+        <p:spPr>
+          <a:xfrm>
+            <a:off x="5145208" y="2367885"/>
+            <a:ext cx="1853252" cy="1105469"/>
+          </a:xfrm>
+          <a:prstGeom prst="rect">
+            <a:avLst/>
+          </a:prstGeom>
+        </p:spPr>
+        <p:style>
+          <a:lnRef idx="2">
+            <a:schemeClr val="dk1"/>
+          </a:lnRef>
+          <a:fillRef idx="1">
+            <a:schemeClr val="lt1"/>
+          </a:fillRef>
+          <a:effectRef idx="0">
+            <a:schemeClr val="dk1"/>
+          </a:effectRef>
+          <a:fontRef idx="minor">
+            <a:schemeClr val="dk1"/>
+          </a:fontRef>
+        </p:style>
+        <p:txBody>
+          <a:bodyPr rtlCol="0" anchor="ctr"/>
+          <a:lstStyle/>
+          <a:p>
+            <a:pPr algn="ctr"/>
+            <a:endParaRPr lang="en-US"/>
+          </a:p>
+        </p:txBody>
+      </p:sp>
       <p:cxnSp>
         <p:nvCxnSpPr>
-          <p:cNvPr id="5" name="Straight Connector 4"/>
+          <p:cNvPr id="13" name="Connector: Elbow 12"/>
           <p:cNvCxnSpPr>
-            <a:stCxn id="4" idx="4"/>
+            <a:stCxn id="4" idx="2"/>
           </p:cNvCxnSpPr>
           <p:nvPr/>
         </p:nvCxnSpPr>
         <p:spPr>
-          <a:xfrm>
-            <a:off x="6369676" y="5020912"/>
-            <a:ext cx="13187" cy="211015"/>
-          </a:xfrm>
-          <a:prstGeom prst="line">
-            <a:avLst/>
-          </a:prstGeom>
-        </p:spPr>
-        <p:style>
-          <a:lnRef idx="2">
-            <a:schemeClr val="accent6"/>
-          </a:lnRef>
-          <a:fillRef idx="1">
-            <a:schemeClr val="lt1"/>
-          </a:fillRef>
-          <a:effectRef idx="0">
-            <a:schemeClr val="accent6"/>
-          </a:effectRef>
-          <a:fontRef idx="minor">
-            <a:schemeClr val="dk1"/>
+          <a:xfrm rot="16200000" flipH="1">
+            <a:off x="3220872" y="1037229"/>
+            <a:ext cx="1105469" cy="2661314"/>
+          </a:xfrm>
+          <a:prstGeom prst="bentConnector2">
+            <a:avLst/>
+          </a:prstGeom>
+          <a:ln>
+            <a:tailEnd type="triangle"/>
+          </a:ln>
+        </p:spPr>
+        <p:style>
+          <a:lnRef idx="1">
+            <a:schemeClr val="dk1"/>
+          </a:lnRef>
+          <a:fillRef idx="0">
+            <a:schemeClr val="dk1"/>
+          </a:fillRef>
+          <a:effectRef idx="0">
+            <a:schemeClr val="dk1"/>
+          </a:effectRef>
+          <a:fontRef idx="minor">
+            <a:schemeClr val="tx1"/>
           </a:fontRef>
         </p:style>
       </p:cxnSp>
       <p:cxnSp>
         <p:nvCxnSpPr>
-          <p:cNvPr id="6" name="Straight Connector 5"/>
-          <p:cNvCxnSpPr/>
+          <p:cNvPr id="14" name="Connector: Elbow 13"/>
+          <p:cNvCxnSpPr>
+            <a:stCxn id="8" idx="2"/>
+          </p:cNvCxnSpPr>
           <p:nvPr/>
         </p:nvCxnSpPr>
         <p:spPr>
-          <a:xfrm>
-            <a:off x="6396048" y="5231927"/>
-            <a:ext cx="96717" cy="140677"/>
-          </a:xfrm>
-          <a:prstGeom prst="line">
-            <a:avLst/>
-          </a:prstGeom>
-        </p:spPr>
-        <p:style>
-          <a:lnRef idx="2">
-            <a:schemeClr val="accent6"/>
-          </a:lnRef>
-          <a:fillRef idx="1">
-            <a:schemeClr val="lt1"/>
-          </a:fillRef>
-          <a:effectRef idx="0">
-            <a:schemeClr val="accent6"/>
-          </a:effectRef>
-          <a:fontRef idx="minor">
-            <a:schemeClr val="dk1"/>
+          <a:xfrm rot="5400000" flipH="1">
+            <a:off x="7071533" y="2473657"/>
+            <a:ext cx="1" cy="1999397"/>
+          </a:xfrm>
+          <a:prstGeom prst="bentConnector4">
+            <a:avLst>
+              <a:gd name="adj1" fmla="val -22860000000"/>
+              <a:gd name="adj2" fmla="val 100647"/>
+            </a:avLst>
+          </a:prstGeom>
+          <a:ln>
+            <a:tailEnd type="triangle"/>
+          </a:ln>
+        </p:spPr>
+        <p:style>
+          <a:lnRef idx="1">
+            <a:schemeClr val="dk1"/>
+          </a:lnRef>
+          <a:fillRef idx="0">
+            <a:schemeClr val="dk1"/>
+          </a:fillRef>
+          <a:effectRef idx="0">
+            <a:schemeClr val="dk1"/>
+          </a:effectRef>
+          <a:fontRef idx="minor">
+            <a:schemeClr val="tx1"/>
           </a:fontRef>
         </p:style>
       </p:cxnSp>
       <p:cxnSp>
         <p:nvCxnSpPr>
-          <p:cNvPr id="7" name="Straight Connector 6"/>
+          <p:cNvPr id="20" name="Straight Arrow Connector 19"/>
           <p:cNvCxnSpPr/>
           <p:nvPr/>
         </p:nvCxnSpPr>
         <p:spPr>
-          <a:xfrm flipH="1">
-            <a:off x="6259771" y="5231926"/>
-            <a:ext cx="123091" cy="131885"/>
-          </a:xfrm>
-          <a:prstGeom prst="line">
-            <a:avLst/>
-          </a:prstGeom>
-        </p:spPr>
-        <p:style>
-          <a:lnRef idx="2">
-            <a:schemeClr val="accent6"/>
-          </a:lnRef>
-          <a:fillRef idx="1">
-            <a:schemeClr val="lt1"/>
-          </a:fillRef>
-          <a:effectRef idx="0">
-            <a:schemeClr val="accent6"/>
-          </a:effectRef>
-          <a:fontRef idx="minor">
-            <a:schemeClr val="dk1"/>
+          <a:xfrm>
+            <a:off x="6998458" y="2920618"/>
+            <a:ext cx="521458" cy="0"/>
+          </a:xfrm>
+          <a:prstGeom prst="straightConnector1">
+            <a:avLst/>
+          </a:prstGeom>
+          <a:ln>
+            <a:tailEnd type="triangle"/>
+          </a:ln>
+        </p:spPr>
+        <p:style>
+          <a:lnRef idx="1">
+            <a:schemeClr val="dk1"/>
+          </a:lnRef>
+          <a:fillRef idx="0">
+            <a:schemeClr val="dk1"/>
+          </a:fillRef>
+          <a:effectRef idx="0">
+            <a:schemeClr val="dk1"/>
+          </a:effectRef>
+          <a:fontRef idx="minor">
+            <a:schemeClr val="tx1"/>
           </a:fontRef>
         </p:style>
       </p:cxnSp>
       <p:cxnSp>
         <p:nvCxnSpPr>
-          <p:cNvPr id="8" name="Straight Connector 7"/>
-          <p:cNvCxnSpPr/>
+          <p:cNvPr id="21" name="Straight Arrow Connector 20"/>
+          <p:cNvCxnSpPr>
+            <a:endCxn id="7" idx="1"/>
+          </p:cNvCxnSpPr>
           <p:nvPr/>
         </p:nvCxnSpPr>
         <p:spPr>
-          <a:xfrm flipH="1">
-            <a:off x="6259770" y="5078061"/>
-            <a:ext cx="116499" cy="48358"/>
-          </a:xfrm>
-          <a:prstGeom prst="line">
-            <a:avLst/>
-          </a:prstGeom>
-        </p:spPr>
-        <p:style>
-          <a:lnRef idx="2">
-            <a:schemeClr val="accent6"/>
-          </a:lnRef>
-          <a:fillRef idx="1">
-            <a:schemeClr val="lt1"/>
-          </a:fillRef>
-          <a:effectRef idx="0">
-            <a:schemeClr val="accent6"/>
-          </a:effectRef>
-          <a:fontRef idx="minor">
-            <a:schemeClr val="dk1"/>
+          <a:xfrm>
+            <a:off x="8622543" y="2918966"/>
+            <a:ext cx="1088977" cy="1655"/>
+          </a:xfrm>
+          <a:prstGeom prst="straightConnector1">
+            <a:avLst/>
+          </a:prstGeom>
+          <a:ln>
+            <a:tailEnd type="triangle"/>
+          </a:ln>
+        </p:spPr>
+        <p:style>
+          <a:lnRef idx="1">
+            <a:schemeClr val="dk1"/>
+          </a:lnRef>
+          <a:fillRef idx="0">
+            <a:schemeClr val="dk1"/>
+          </a:fillRef>
+          <a:effectRef idx="0">
+            <a:schemeClr val="dk1"/>
+          </a:effectRef>
+          <a:fontRef idx="minor">
+            <a:schemeClr val="tx1"/>
           </a:fontRef>
         </p:style>
       </p:cxnSp>
-      <p:cxnSp>
-        <p:nvCxnSpPr>
-          <p:cNvPr id="9" name="Straight Connector 8"/>
-          <p:cNvCxnSpPr/>
-          <p:nvPr/>
-        </p:nvCxnSpPr>
-        <p:spPr>
-          <a:xfrm>
-            <a:off x="6382861" y="5086854"/>
-            <a:ext cx="96717" cy="39565"/>
-          </a:xfrm>
-          <a:prstGeom prst="line">
-            <a:avLst/>
-          </a:prstGeom>
-        </p:spPr>
-        <p:style>
-          <a:lnRef idx="2">
-            <a:schemeClr val="accent6"/>
-          </a:lnRef>
-          <a:fillRef idx="1">
-            <a:schemeClr val="lt1"/>
-          </a:fillRef>
-          <a:effectRef idx="0">
-            <a:schemeClr val="accent6"/>
-          </a:effectRef>
-          <a:fontRef idx="minor">
-            <a:schemeClr val="dk1"/>
-          </a:fontRef>
-        </p:style>
-      </p:cxnSp>
-      <p:sp>
-        <p:nvSpPr>
-          <p:cNvPr id="10" name="TextBox 9"/>
+      <p:sp>
+        <p:nvSpPr>
+          <p:cNvPr id="23" name="TextBox 22"/>
           <p:cNvSpPr txBox="1"/>
           <p:nvPr/>
         </p:nvSpPr>
         <p:spPr>
           <a:xfrm>
-            <a:off x="5858193" y="5364052"/>
-            <a:ext cx="1269143" cy="400110"/>
+            <a:off x="9711519" y="1294306"/>
+            <a:ext cx="1599062" cy="461665"/>
           </a:xfrm>
           <a:prstGeom prst="rect">
             <a:avLst/>
@@ -11925,215 +12931,29 @@
           </a:bodyPr>
           <a:lstStyle/>
           <a:p>
-            <a:r>
-              <a:rPr lang="en-US" sz="2000" dirty="0">
+            <a:pPr algn="ctr"/>
+            <a:r>
+              <a:rPr lang="fa-IR" sz="2400" dirty="0">
                 <a:cs typeface="0 Nazanin" panose="00000400000000000000" pitchFamily="2" charset="-78"/>
               </a:rPr>
-              <a:t>JobOwner</a:t>
-            </a:r>
-          </a:p>
-        </p:txBody>
-      </p:sp>
-      <p:sp>
-        <p:nvSpPr>
-          <p:cNvPr id="11" name="Oval 10"/>
-          <p:cNvSpPr/>
-          <p:nvPr/>
-        </p:nvSpPr>
-        <p:spPr>
-          <a:xfrm>
-            <a:off x="6259770" y="3181601"/>
-            <a:ext cx="219808" cy="228600"/>
-          </a:xfrm>
-          <a:prstGeom prst="ellipse">
-            <a:avLst/>
-          </a:prstGeom>
-        </p:spPr>
-        <p:style>
-          <a:lnRef idx="2">
-            <a:schemeClr val="accent6"/>
-          </a:lnRef>
-          <a:fillRef idx="1">
-            <a:schemeClr val="lt1"/>
-          </a:fillRef>
-          <a:effectRef idx="0">
-            <a:schemeClr val="accent6"/>
-          </a:effectRef>
-          <a:fontRef idx="minor">
-            <a:schemeClr val="dk1"/>
-          </a:fontRef>
-        </p:style>
-        <p:txBody>
-          <a:bodyPr rtlCol="0" anchor="ctr"/>
-          <a:lstStyle/>
-          <a:p>
-            <a:pPr algn="ctr"/>
-            <a:endParaRPr lang="en-US"/>
-          </a:p>
-        </p:txBody>
-      </p:sp>
-      <p:cxnSp>
-        <p:nvCxnSpPr>
-          <p:cNvPr id="12" name="Straight Connector 11"/>
-          <p:cNvCxnSpPr>
-            <a:stCxn id="11" idx="4"/>
-          </p:cNvCxnSpPr>
-          <p:nvPr/>
-        </p:nvCxnSpPr>
-        <p:spPr>
-          <a:xfrm>
-            <a:off x="6369676" y="3410203"/>
-            <a:ext cx="13187" cy="211015"/>
-          </a:xfrm>
-          <a:prstGeom prst="line">
-            <a:avLst/>
-          </a:prstGeom>
-        </p:spPr>
-        <p:style>
-          <a:lnRef idx="2">
-            <a:schemeClr val="accent6"/>
-          </a:lnRef>
-          <a:fillRef idx="1">
-            <a:schemeClr val="lt1"/>
-          </a:fillRef>
-          <a:effectRef idx="0">
-            <a:schemeClr val="accent6"/>
-          </a:effectRef>
-          <a:fontRef idx="minor">
-            <a:schemeClr val="dk1"/>
-          </a:fontRef>
-        </p:style>
-      </p:cxnSp>
-      <p:cxnSp>
-        <p:nvCxnSpPr>
-          <p:cNvPr id="13" name="Straight Connector 12"/>
-          <p:cNvCxnSpPr/>
-          <p:nvPr/>
-        </p:nvCxnSpPr>
-        <p:spPr>
-          <a:xfrm>
-            <a:off x="6396048" y="3621218"/>
-            <a:ext cx="96717" cy="140677"/>
-          </a:xfrm>
-          <a:prstGeom prst="line">
-            <a:avLst/>
-          </a:prstGeom>
-        </p:spPr>
-        <p:style>
-          <a:lnRef idx="2">
-            <a:schemeClr val="accent6"/>
-          </a:lnRef>
-          <a:fillRef idx="1">
-            <a:schemeClr val="lt1"/>
-          </a:fillRef>
-          <a:effectRef idx="0">
-            <a:schemeClr val="accent6"/>
-          </a:effectRef>
-          <a:fontRef idx="minor">
-            <a:schemeClr val="dk1"/>
-          </a:fontRef>
-        </p:style>
-      </p:cxnSp>
-      <p:cxnSp>
-        <p:nvCxnSpPr>
-          <p:cNvPr id="14" name="Straight Connector 13"/>
-          <p:cNvCxnSpPr/>
-          <p:nvPr/>
-        </p:nvCxnSpPr>
-        <p:spPr>
-          <a:xfrm flipH="1">
-            <a:off x="6259771" y="3621217"/>
-            <a:ext cx="123091" cy="131885"/>
-          </a:xfrm>
-          <a:prstGeom prst="line">
-            <a:avLst/>
-          </a:prstGeom>
-        </p:spPr>
-        <p:style>
-          <a:lnRef idx="2">
-            <a:schemeClr val="accent6"/>
-          </a:lnRef>
-          <a:fillRef idx="1">
-            <a:schemeClr val="lt1"/>
-          </a:fillRef>
-          <a:effectRef idx="0">
-            <a:schemeClr val="accent6"/>
-          </a:effectRef>
-          <a:fontRef idx="minor">
-            <a:schemeClr val="dk1"/>
-          </a:fontRef>
-        </p:style>
-      </p:cxnSp>
-      <p:cxnSp>
-        <p:nvCxnSpPr>
-          <p:cNvPr id="15" name="Straight Connector 14"/>
-          <p:cNvCxnSpPr/>
-          <p:nvPr/>
-        </p:nvCxnSpPr>
-        <p:spPr>
-          <a:xfrm flipH="1">
-            <a:off x="6259770" y="3467353"/>
-            <a:ext cx="116499" cy="48358"/>
-          </a:xfrm>
-          <a:prstGeom prst="line">
-            <a:avLst/>
-          </a:prstGeom>
-        </p:spPr>
-        <p:style>
-          <a:lnRef idx="2">
-            <a:schemeClr val="accent6"/>
-          </a:lnRef>
-          <a:fillRef idx="1">
-            <a:schemeClr val="lt1"/>
-          </a:fillRef>
-          <a:effectRef idx="0">
-            <a:schemeClr val="accent6"/>
-          </a:effectRef>
-          <a:fontRef idx="minor">
-            <a:schemeClr val="dk1"/>
-          </a:fontRef>
-        </p:style>
-      </p:cxnSp>
-      <p:cxnSp>
-        <p:nvCxnSpPr>
-          <p:cNvPr id="16" name="Straight Connector 15"/>
-          <p:cNvCxnSpPr/>
-          <p:nvPr/>
-        </p:nvCxnSpPr>
-        <p:spPr>
-          <a:xfrm>
-            <a:off x="6382861" y="3476146"/>
-            <a:ext cx="96717" cy="39565"/>
-          </a:xfrm>
-          <a:prstGeom prst="line">
-            <a:avLst/>
-          </a:prstGeom>
-        </p:spPr>
-        <p:style>
-          <a:lnRef idx="2">
-            <a:schemeClr val="accent6"/>
-          </a:lnRef>
-          <a:fillRef idx="1">
-            <a:schemeClr val="lt1"/>
-          </a:fillRef>
-          <a:effectRef idx="0">
-            <a:schemeClr val="accent6"/>
-          </a:effectRef>
-          <a:fontRef idx="minor">
-            <a:schemeClr val="dk1"/>
-          </a:fontRef>
-        </p:style>
-      </p:cxnSp>
-      <p:sp>
-        <p:nvSpPr>
-          <p:cNvPr id="17" name="TextBox 16"/>
+              <a:t>تولید مهندسی</a:t>
+            </a:r>
+            <a:endParaRPr lang="en-US" sz="2400" dirty="0">
+              <a:cs typeface="0 Nazanin" panose="00000400000000000000" pitchFamily="2" charset="-78"/>
+            </a:endParaRPr>
+          </a:p>
+        </p:txBody>
+      </p:sp>
+      <p:sp>
+        <p:nvSpPr>
+          <p:cNvPr id="24" name="TextBox 23"/>
           <p:cNvSpPr txBox="1"/>
           <p:nvPr/>
         </p:nvSpPr>
         <p:spPr>
           <a:xfrm>
-            <a:off x="5865555" y="3676818"/>
-            <a:ext cx="1269143" cy="400110"/>
+            <a:off x="6168788" y="1294306"/>
+            <a:ext cx="1599062" cy="461665"/>
           </a:xfrm>
           <a:prstGeom prst="rect">
             <a:avLst/>
@@ -12146,215 +12966,29 @@
           </a:bodyPr>
           <a:lstStyle/>
           <a:p>
-            <a:r>
-              <a:rPr lang="en-US" sz="2000" dirty="0">
+            <a:pPr algn="ctr"/>
+            <a:r>
+              <a:rPr lang="fa-IR" sz="2400" dirty="0">
                 <a:cs typeface="0 Nazanin" panose="00000400000000000000" pitchFamily="2" charset="-78"/>
               </a:rPr>
-              <a:t>JobCorp</a:t>
-            </a:r>
-          </a:p>
-        </p:txBody>
-      </p:sp>
-      <p:sp>
-        <p:nvSpPr>
-          <p:cNvPr id="18" name="Oval 17"/>
-          <p:cNvSpPr/>
-          <p:nvPr/>
-        </p:nvSpPr>
-        <p:spPr>
-          <a:xfrm>
-            <a:off x="6259770" y="1359877"/>
-            <a:ext cx="219808" cy="228600"/>
-          </a:xfrm>
-          <a:prstGeom prst="ellipse">
-            <a:avLst/>
-          </a:prstGeom>
-        </p:spPr>
-        <p:style>
-          <a:lnRef idx="2">
-            <a:schemeClr val="accent6"/>
-          </a:lnRef>
-          <a:fillRef idx="1">
-            <a:schemeClr val="lt1"/>
-          </a:fillRef>
-          <a:effectRef idx="0">
-            <a:schemeClr val="accent6"/>
-          </a:effectRef>
-          <a:fontRef idx="minor">
-            <a:schemeClr val="dk1"/>
-          </a:fontRef>
-        </p:style>
-        <p:txBody>
-          <a:bodyPr rtlCol="0" anchor="ctr"/>
-          <a:lstStyle/>
-          <a:p>
-            <a:pPr algn="ctr"/>
-            <a:endParaRPr lang="en-US"/>
-          </a:p>
-        </p:txBody>
-      </p:sp>
-      <p:cxnSp>
-        <p:nvCxnSpPr>
-          <p:cNvPr id="19" name="Straight Connector 18"/>
-          <p:cNvCxnSpPr>
-            <a:stCxn id="18" idx="4"/>
-          </p:cNvCxnSpPr>
-          <p:nvPr/>
-        </p:nvCxnSpPr>
-        <p:spPr>
-          <a:xfrm>
-            <a:off x="6369676" y="1588479"/>
-            <a:ext cx="13187" cy="211015"/>
-          </a:xfrm>
-          <a:prstGeom prst="line">
-            <a:avLst/>
-          </a:prstGeom>
-        </p:spPr>
-        <p:style>
-          <a:lnRef idx="2">
-            <a:schemeClr val="accent6"/>
-          </a:lnRef>
-          <a:fillRef idx="1">
-            <a:schemeClr val="lt1"/>
-          </a:fillRef>
-          <a:effectRef idx="0">
-            <a:schemeClr val="accent6"/>
-          </a:effectRef>
-          <a:fontRef idx="minor">
-            <a:schemeClr val="dk1"/>
-          </a:fontRef>
-        </p:style>
-      </p:cxnSp>
-      <p:cxnSp>
-        <p:nvCxnSpPr>
-          <p:cNvPr id="20" name="Straight Connector 19"/>
-          <p:cNvCxnSpPr/>
-          <p:nvPr/>
-        </p:nvCxnSpPr>
-        <p:spPr>
-          <a:xfrm>
-            <a:off x="6396048" y="1799494"/>
-            <a:ext cx="96717" cy="140677"/>
-          </a:xfrm>
-          <a:prstGeom prst="line">
-            <a:avLst/>
-          </a:prstGeom>
-        </p:spPr>
-        <p:style>
-          <a:lnRef idx="2">
-            <a:schemeClr val="accent6"/>
-          </a:lnRef>
-          <a:fillRef idx="1">
-            <a:schemeClr val="lt1"/>
-          </a:fillRef>
-          <a:effectRef idx="0">
-            <a:schemeClr val="accent6"/>
-          </a:effectRef>
-          <a:fontRef idx="minor">
-            <a:schemeClr val="dk1"/>
-          </a:fontRef>
-        </p:style>
-      </p:cxnSp>
-      <p:cxnSp>
-        <p:nvCxnSpPr>
-          <p:cNvPr id="21" name="Straight Connector 20"/>
-          <p:cNvCxnSpPr/>
-          <p:nvPr/>
-        </p:nvCxnSpPr>
-        <p:spPr>
-          <a:xfrm flipH="1">
-            <a:off x="6259771" y="1799493"/>
-            <a:ext cx="123091" cy="131885"/>
-          </a:xfrm>
-          <a:prstGeom prst="line">
-            <a:avLst/>
-          </a:prstGeom>
-        </p:spPr>
-        <p:style>
-          <a:lnRef idx="2">
-            <a:schemeClr val="accent6"/>
-          </a:lnRef>
-          <a:fillRef idx="1">
-            <a:schemeClr val="lt1"/>
-          </a:fillRef>
-          <a:effectRef idx="0">
-            <a:schemeClr val="accent6"/>
-          </a:effectRef>
-          <a:fontRef idx="minor">
-            <a:schemeClr val="dk1"/>
-          </a:fontRef>
-        </p:style>
-      </p:cxnSp>
-      <p:cxnSp>
-        <p:nvCxnSpPr>
-          <p:cNvPr id="22" name="Straight Connector 21"/>
-          <p:cNvCxnSpPr/>
-          <p:nvPr/>
-        </p:nvCxnSpPr>
-        <p:spPr>
-          <a:xfrm flipH="1">
-            <a:off x="6259770" y="1645629"/>
-            <a:ext cx="116499" cy="48358"/>
-          </a:xfrm>
-          <a:prstGeom prst="line">
-            <a:avLst/>
-          </a:prstGeom>
-        </p:spPr>
-        <p:style>
-          <a:lnRef idx="2">
-            <a:schemeClr val="accent6"/>
-          </a:lnRef>
-          <a:fillRef idx="1">
-            <a:schemeClr val="lt1"/>
-          </a:fillRef>
-          <a:effectRef idx="0">
-            <a:schemeClr val="accent6"/>
-          </a:effectRef>
-          <a:fontRef idx="minor">
-            <a:schemeClr val="dk1"/>
-          </a:fontRef>
-        </p:style>
-      </p:cxnSp>
-      <p:cxnSp>
-        <p:nvCxnSpPr>
-          <p:cNvPr id="23" name="Straight Connector 22"/>
-          <p:cNvCxnSpPr/>
-          <p:nvPr/>
-        </p:nvCxnSpPr>
-        <p:spPr>
-          <a:xfrm>
-            <a:off x="6382861" y="1654422"/>
-            <a:ext cx="96717" cy="39565"/>
-          </a:xfrm>
-          <a:prstGeom prst="line">
-            <a:avLst/>
-          </a:prstGeom>
-        </p:spPr>
-        <p:style>
-          <a:lnRef idx="2">
-            <a:schemeClr val="accent6"/>
-          </a:lnRef>
-          <a:fillRef idx="1">
-            <a:schemeClr val="lt1"/>
-          </a:fillRef>
-          <a:effectRef idx="0">
-            <a:schemeClr val="accent6"/>
-          </a:effectRef>
-          <a:fontRef idx="minor">
-            <a:schemeClr val="dk1"/>
-          </a:fontRef>
-        </p:style>
-      </p:cxnSp>
-      <p:sp>
-        <p:nvSpPr>
-          <p:cNvPr id="24" name="TextBox 23"/>
+              <a:t>نمونه سازی</a:t>
+            </a:r>
+            <a:endParaRPr lang="en-US" sz="2400" dirty="0">
+              <a:cs typeface="0 Nazanin" panose="00000400000000000000" pitchFamily="2" charset="-78"/>
+            </a:endParaRPr>
+          </a:p>
+        </p:txBody>
+      </p:sp>
+      <p:sp>
+        <p:nvSpPr>
+          <p:cNvPr id="25" name="TextBox 24"/>
           <p:cNvSpPr txBox="1"/>
           <p:nvPr/>
         </p:nvSpPr>
         <p:spPr>
           <a:xfrm>
-            <a:off x="6050604" y="1934344"/>
-            <a:ext cx="1269143" cy="400110"/>
+            <a:off x="1551864" y="1063472"/>
+            <a:ext cx="1782170" cy="461665"/>
           </a:xfrm>
           <a:prstGeom prst="rect">
             <a:avLst/>
@@ -12367,157 +13001,137 @@
           </a:bodyPr>
           <a:lstStyle/>
           <a:p>
-            <a:r>
-              <a:rPr lang="en-US" sz="2000" dirty="0">
+            <a:pPr algn="ctr"/>
+            <a:r>
+              <a:rPr lang="fa-IR" sz="2400" dirty="0">
                 <a:cs typeface="0 Nazanin" panose="00000400000000000000" pitchFamily="2" charset="-78"/>
               </a:rPr>
-              <a:t>User</a:t>
-            </a:r>
-          </a:p>
-        </p:txBody>
-      </p:sp>
-      <p:cxnSp>
-        <p:nvCxnSpPr>
-          <p:cNvPr id="25" name="Straight Connector 24"/>
-          <p:cNvCxnSpPr/>
-          <p:nvPr/>
-        </p:nvCxnSpPr>
-        <p:spPr>
-          <a:xfrm>
-            <a:off x="6369673" y="2598387"/>
-            <a:ext cx="0" cy="485627"/>
-          </a:xfrm>
-          <a:prstGeom prst="line">
-            <a:avLst/>
-          </a:prstGeom>
-        </p:spPr>
-        <p:style>
-          <a:lnRef idx="1">
-            <a:schemeClr val="dk1"/>
-          </a:lnRef>
-          <a:fillRef idx="0">
-            <a:schemeClr val="dk1"/>
-          </a:fillRef>
-          <a:effectRef idx="0">
-            <a:schemeClr val="dk1"/>
-          </a:effectRef>
-          <a:fontRef idx="minor">
-            <a:schemeClr val="tx1"/>
-          </a:fontRef>
-        </p:style>
-      </p:cxnSp>
-      <p:sp>
-        <p:nvSpPr>
-          <p:cNvPr id="26" name="Isosceles Triangle 25"/>
-          <p:cNvSpPr/>
-          <p:nvPr/>
-        </p:nvSpPr>
-        <p:spPr>
-          <a:xfrm>
-            <a:off x="6239222" y="2332469"/>
-            <a:ext cx="260905" cy="247224"/>
-          </a:xfrm>
-          <a:prstGeom prst="triangle">
-            <a:avLst/>
-          </a:prstGeom>
-        </p:spPr>
-        <p:style>
-          <a:lnRef idx="2">
-            <a:schemeClr val="dk1"/>
-          </a:lnRef>
-          <a:fillRef idx="1">
-            <a:schemeClr val="lt1"/>
-          </a:fillRef>
-          <a:effectRef idx="0">
-            <a:schemeClr val="dk1"/>
-          </a:effectRef>
-          <a:fontRef idx="minor">
-            <a:schemeClr val="dk1"/>
-          </a:fontRef>
-        </p:style>
-        <p:txBody>
-          <a:bodyPr rtlCol="0" anchor="ctr"/>
+              <a:t>جمع‌آوری نیازها</a:t>
+            </a:r>
+            <a:endParaRPr lang="en-US" sz="2400" dirty="0">
+              <a:cs typeface="0 Nazanin" panose="00000400000000000000" pitchFamily="2" charset="-78"/>
+            </a:endParaRPr>
+          </a:p>
+        </p:txBody>
+      </p:sp>
+      <p:sp>
+        <p:nvSpPr>
+          <p:cNvPr id="26" name="TextBox 25"/>
+          <p:cNvSpPr txBox="1"/>
+          <p:nvPr/>
+        </p:nvSpPr>
+        <p:spPr>
+          <a:xfrm>
+            <a:off x="5268606" y="2445942"/>
+            <a:ext cx="1599062" cy="830997"/>
+          </a:xfrm>
+          <a:prstGeom prst="rect">
+            <a:avLst/>
+          </a:prstGeom>
+          <a:noFill/>
+        </p:spPr>
+        <p:txBody>
+          <a:bodyPr wrap="square" rtlCol="0">
+            <a:spAutoFit/>
+          </a:bodyPr>
           <a:lstStyle/>
           <a:p>
             <a:pPr algn="ctr"/>
-            <a:endParaRPr lang="en-US" dirty="0"/>
-          </a:p>
-        </p:txBody>
-      </p:sp>
-      <p:cxnSp>
-        <p:nvCxnSpPr>
-          <p:cNvPr id="29" name="Straight Connector 28"/>
-          <p:cNvCxnSpPr>
-            <a:stCxn id="30" idx="3"/>
-          </p:cNvCxnSpPr>
-          <p:nvPr/>
-        </p:nvCxnSpPr>
-        <p:spPr>
-          <a:xfrm>
-            <a:off x="6369673" y="4233693"/>
-            <a:ext cx="0" cy="426733"/>
-          </a:xfrm>
-          <a:prstGeom prst="line">
-            <a:avLst/>
-          </a:prstGeom>
-        </p:spPr>
-        <p:style>
-          <a:lnRef idx="1">
-            <a:schemeClr val="dk1"/>
-          </a:lnRef>
-          <a:fillRef idx="0">
-            <a:schemeClr val="dk1"/>
-          </a:fillRef>
-          <a:effectRef idx="0">
-            <a:schemeClr val="dk1"/>
-          </a:effectRef>
-          <a:fontRef idx="minor">
-            <a:schemeClr val="tx1"/>
-          </a:fontRef>
-        </p:style>
-      </p:cxnSp>
-      <p:sp>
-        <p:nvSpPr>
-          <p:cNvPr id="30" name="Isosceles Triangle 29"/>
-          <p:cNvSpPr/>
-          <p:nvPr/>
-        </p:nvSpPr>
-        <p:spPr>
-          <a:xfrm>
-            <a:off x="6239222" y="3986470"/>
-            <a:ext cx="260905" cy="247224"/>
-          </a:xfrm>
-          <a:prstGeom prst="triangle">
-            <a:avLst/>
-          </a:prstGeom>
-        </p:spPr>
-        <p:style>
-          <a:lnRef idx="2">
-            <a:schemeClr val="dk1"/>
-          </a:lnRef>
-          <a:fillRef idx="1">
-            <a:schemeClr val="lt1"/>
-          </a:fillRef>
-          <a:effectRef idx="0">
-            <a:schemeClr val="dk1"/>
-          </a:effectRef>
-          <a:fontRef idx="minor">
-            <a:schemeClr val="dk1"/>
-          </a:fontRef>
-        </p:style>
-        <p:txBody>
-          <a:bodyPr rtlCol="0" anchor="ctr"/>
-          <a:lstStyle/>
+            <a:r>
+              <a:rPr lang="fa-IR" sz="2400" dirty="0">
+                <a:cs typeface="0 Nazanin" panose="00000400000000000000" pitchFamily="2" charset="-78"/>
+              </a:rPr>
+              <a:t>به‌کارگیری </a:t>
+            </a:r>
+            <a:endParaRPr lang="en-US" sz="2400" dirty="0">
+              <a:cs typeface="0 Nazanin" panose="00000400000000000000" pitchFamily="2" charset="-78"/>
+            </a:endParaRPr>
+          </a:p>
           <a:p>
             <a:pPr algn="ctr"/>
-            <a:endParaRPr lang="en-US" dirty="0"/>
+            <a:r>
+              <a:rPr lang="en-US" sz="2400" dirty="0">
+                <a:cs typeface="0 Nazanin" panose="00000400000000000000" pitchFamily="2" charset="-78"/>
+              </a:rPr>
+              <a:t>4GT</a:t>
+            </a:r>
+          </a:p>
+        </p:txBody>
+      </p:sp>
+      <p:sp>
+        <p:nvSpPr>
+          <p:cNvPr id="27" name="TextBox 26"/>
+          <p:cNvSpPr txBox="1"/>
+          <p:nvPr/>
+        </p:nvSpPr>
+        <p:spPr>
+          <a:xfrm>
+            <a:off x="7260039" y="2689787"/>
+            <a:ext cx="1599062" cy="461665"/>
+          </a:xfrm>
+          <a:prstGeom prst="rect">
+            <a:avLst/>
+          </a:prstGeom>
+          <a:noFill/>
+        </p:spPr>
+        <p:txBody>
+          <a:bodyPr wrap="square" rtlCol="0">
+            <a:spAutoFit/>
+          </a:bodyPr>
+          <a:lstStyle/>
+          <a:p>
+            <a:pPr algn="ctr"/>
+            <a:r>
+              <a:rPr lang="fa-IR" sz="2400" dirty="0">
+                <a:cs typeface="0 Nazanin" panose="00000400000000000000" pitchFamily="2" charset="-78"/>
+              </a:rPr>
+              <a:t>نمونه</a:t>
+            </a:r>
+            <a:endParaRPr lang="en-US" sz="2400" dirty="0">
+              <a:cs typeface="0 Nazanin" panose="00000400000000000000" pitchFamily="2" charset="-78"/>
+            </a:endParaRPr>
+          </a:p>
+        </p:txBody>
+      </p:sp>
+      <p:sp>
+        <p:nvSpPr>
+          <p:cNvPr id="28" name="TextBox 27"/>
+          <p:cNvSpPr txBox="1"/>
+          <p:nvPr/>
+        </p:nvSpPr>
+        <p:spPr>
+          <a:xfrm>
+            <a:off x="9725168" y="2630606"/>
+            <a:ext cx="1599062" cy="461665"/>
+          </a:xfrm>
+          <a:prstGeom prst="rect">
+            <a:avLst/>
+          </a:prstGeom>
+          <a:noFill/>
+        </p:spPr>
+        <p:txBody>
+          <a:bodyPr wrap="square" rtlCol="0">
+            <a:spAutoFit/>
+          </a:bodyPr>
+          <a:lstStyle/>
+          <a:p>
+            <a:pPr algn="ctr"/>
+            <a:r>
+              <a:rPr lang="fa-IR" sz="2400" dirty="0">
+                <a:cs typeface="0 Nazanin" panose="00000400000000000000" pitchFamily="2" charset="-78"/>
+              </a:rPr>
+              <a:t>مدل آبشاری</a:t>
+            </a:r>
+            <a:endParaRPr lang="en-US" sz="2400" dirty="0">
+              <a:cs typeface="0 Nazanin" panose="00000400000000000000" pitchFamily="2" charset="-78"/>
+            </a:endParaRPr>
           </a:p>
         </p:txBody>
       </p:sp>
     </p:spTree>
     <p:extLst>
       <p:ext uri="{BB962C8B-B14F-4D97-AF65-F5344CB8AC3E}">
-        <p14:creationId xmlns:p14="http://schemas.microsoft.com/office/powerpoint/2010/main" val="1088380266"/>
+        <p14:creationId xmlns:p14="http://schemas.microsoft.com/office/powerpoint/2010/main" val="3481137441"/>
       </p:ext>
     </p:extLst>
   </p:cSld>
@@ -12552,8 +13166,8 @@
         </p:nvSpPr>
         <p:spPr>
           <a:xfrm>
-            <a:off x="1460310" y="914400"/>
-            <a:ext cx="1965278" cy="900752"/>
+            <a:off x="136473" y="136478"/>
+            <a:ext cx="1965278" cy="491319"/>
           </a:xfrm>
           <a:prstGeom prst="rect">
             <a:avLst/>
@@ -12605,208 +13219,19 @@
           </a:p>
         </p:txBody>
       </p:sp>
-      <p:sp>
-        <p:nvSpPr>
-          <p:cNvPr id="5" name="Rectangle 4"/>
-          <p:cNvSpPr/>
-          <p:nvPr/>
-        </p:nvSpPr>
-        <p:spPr>
-          <a:xfrm>
-            <a:off x="4792640" y="1815152"/>
-            <a:ext cx="4351362" cy="2210938"/>
-          </a:xfrm>
-          <a:prstGeom prst="rect">
-            <a:avLst/>
-          </a:prstGeom>
-        </p:spPr>
-        <p:style>
-          <a:lnRef idx="2">
-            <a:schemeClr val="dk1"/>
-          </a:lnRef>
-          <a:fillRef idx="1">
-            <a:schemeClr val="lt1"/>
-          </a:fillRef>
-          <a:effectRef idx="0">
-            <a:schemeClr val="dk1"/>
-          </a:effectRef>
-          <a:fontRef idx="minor">
-            <a:schemeClr val="dk1"/>
-          </a:fontRef>
-        </p:style>
-        <p:txBody>
-          <a:bodyPr rtlCol="0" anchor="ctr"/>
-          <a:lstStyle/>
-          <a:p>
-            <a:pPr algn="ctr"/>
-            <a:endParaRPr lang="en-US"/>
-          </a:p>
-        </p:txBody>
-      </p:sp>
-      <p:sp>
-        <p:nvSpPr>
-          <p:cNvPr id="6" name="Rectangle 5"/>
-          <p:cNvSpPr/>
-          <p:nvPr/>
-        </p:nvSpPr>
-        <p:spPr>
-          <a:xfrm>
-            <a:off x="9405583" y="1815152"/>
-            <a:ext cx="2222312" cy="2210938"/>
-          </a:xfrm>
-          <a:prstGeom prst="rect">
-            <a:avLst/>
-          </a:prstGeom>
-        </p:spPr>
-        <p:style>
-          <a:lnRef idx="2">
-            <a:schemeClr val="dk1"/>
-          </a:lnRef>
-          <a:fillRef idx="1">
-            <a:schemeClr val="lt1"/>
-          </a:fillRef>
-          <a:effectRef idx="0">
-            <a:schemeClr val="dk1"/>
-          </a:effectRef>
-          <a:fontRef idx="minor">
-            <a:schemeClr val="dk1"/>
-          </a:fontRef>
-        </p:style>
-        <p:txBody>
-          <a:bodyPr rtlCol="0" anchor="ctr"/>
-          <a:lstStyle/>
-          <a:p>
-            <a:pPr algn="ctr"/>
-            <a:endParaRPr lang="en-US"/>
-          </a:p>
-        </p:txBody>
-      </p:sp>
-      <p:sp>
-        <p:nvSpPr>
-          <p:cNvPr id="7" name="Rectangle 6"/>
-          <p:cNvSpPr/>
-          <p:nvPr/>
-        </p:nvSpPr>
-        <p:spPr>
-          <a:xfrm>
-            <a:off x="9711519" y="2367886"/>
-            <a:ext cx="1599062" cy="1105469"/>
-          </a:xfrm>
-          <a:prstGeom prst="rect">
-            <a:avLst/>
-          </a:prstGeom>
-        </p:spPr>
-        <p:style>
-          <a:lnRef idx="2">
-            <a:schemeClr val="dk1"/>
-          </a:lnRef>
-          <a:fillRef idx="1">
-            <a:schemeClr val="lt1"/>
-          </a:fillRef>
-          <a:effectRef idx="0">
-            <a:schemeClr val="dk1"/>
-          </a:effectRef>
-          <a:fontRef idx="minor">
-            <a:schemeClr val="dk1"/>
-          </a:fontRef>
-        </p:style>
-        <p:txBody>
-          <a:bodyPr rtlCol="0" anchor="ctr"/>
-          <a:lstStyle/>
-          <a:p>
-            <a:pPr algn="ctr"/>
-            <a:endParaRPr lang="en-US"/>
-          </a:p>
-        </p:txBody>
-      </p:sp>
-      <p:sp>
-        <p:nvSpPr>
-          <p:cNvPr id="8" name="Rectangle 7"/>
-          <p:cNvSpPr/>
-          <p:nvPr/>
-        </p:nvSpPr>
-        <p:spPr>
-          <a:xfrm>
-            <a:off x="7519917" y="2367886"/>
-            <a:ext cx="1102626" cy="1105469"/>
-          </a:xfrm>
-          <a:prstGeom prst="rect">
-            <a:avLst/>
-          </a:prstGeom>
-        </p:spPr>
-        <p:style>
-          <a:lnRef idx="2">
-            <a:schemeClr val="dk1"/>
-          </a:lnRef>
-          <a:fillRef idx="1">
-            <a:schemeClr val="lt1"/>
-          </a:fillRef>
-          <a:effectRef idx="0">
-            <a:schemeClr val="dk1"/>
-          </a:effectRef>
-          <a:fontRef idx="minor">
-            <a:schemeClr val="dk1"/>
-          </a:fontRef>
-        </p:style>
-        <p:txBody>
-          <a:bodyPr rtlCol="0" anchor="ctr"/>
-          <a:lstStyle/>
-          <a:p>
-            <a:pPr algn="ctr"/>
-            <a:endParaRPr lang="en-US"/>
-          </a:p>
-        </p:txBody>
-      </p:sp>
-      <p:sp>
-        <p:nvSpPr>
-          <p:cNvPr id="9" name="Rectangle 8"/>
-          <p:cNvSpPr/>
-          <p:nvPr/>
-        </p:nvSpPr>
-        <p:spPr>
-          <a:xfrm>
-            <a:off x="5145208" y="2367885"/>
-            <a:ext cx="1853252" cy="1105469"/>
-          </a:xfrm>
-          <a:prstGeom prst="rect">
-            <a:avLst/>
-          </a:prstGeom>
-        </p:spPr>
-        <p:style>
-          <a:lnRef idx="2">
-            <a:schemeClr val="dk1"/>
-          </a:lnRef>
-          <a:fillRef idx="1">
-            <a:schemeClr val="lt1"/>
-          </a:fillRef>
-          <a:effectRef idx="0">
-            <a:schemeClr val="dk1"/>
-          </a:effectRef>
-          <a:fontRef idx="minor">
-            <a:schemeClr val="dk1"/>
-          </a:fontRef>
-        </p:style>
-        <p:txBody>
-          <a:bodyPr rtlCol="0" anchor="ctr"/>
-          <a:lstStyle/>
-          <a:p>
-            <a:pPr algn="ctr"/>
-            <a:endParaRPr lang="en-US"/>
-          </a:p>
-        </p:txBody>
-      </p:sp>
       <p:cxnSp>
         <p:nvCxnSpPr>
-          <p:cNvPr id="13" name="Connector: Elbow 12"/>
+          <p:cNvPr id="5" name="Connector: Elbow 4"/>
           <p:cNvCxnSpPr>
-            <a:stCxn id="4" idx="2"/>
+            <a:stCxn id="4" idx="3"/>
+            <a:endCxn id="12" idx="0"/>
           </p:cNvCxnSpPr>
           <p:nvPr/>
         </p:nvCxnSpPr>
         <p:spPr>
-          <a:xfrm rot="16200000" flipH="1">
-            <a:off x="3220872" y="1037229"/>
-            <a:ext cx="1105469" cy="2661314"/>
+          <a:xfrm>
+            <a:off x="2101751" y="382138"/>
+            <a:ext cx="1078172" cy="175060"/>
           </a:xfrm>
           <a:prstGeom prst="bentConnector2">
             <a:avLst/>
@@ -12830,24 +13255,534 @@
           </a:fontRef>
         </p:style>
       </p:cxnSp>
+      <p:sp>
+        <p:nvSpPr>
+          <p:cNvPr id="6" name="TextBox 5"/>
+          <p:cNvSpPr txBox="1"/>
+          <p:nvPr/>
+        </p:nvSpPr>
+        <p:spPr>
+          <a:xfrm>
+            <a:off x="228026" y="136477"/>
+            <a:ext cx="1782170" cy="461665"/>
+          </a:xfrm>
+          <a:prstGeom prst="rect">
+            <a:avLst/>
+          </a:prstGeom>
+          <a:noFill/>
+        </p:spPr>
+        <p:txBody>
+          <a:bodyPr wrap="square" rtlCol="0">
+            <a:spAutoFit/>
+          </a:bodyPr>
+          <a:lstStyle/>
+          <a:p>
+            <a:pPr algn="ctr"/>
+            <a:r>
+              <a:rPr lang="fa-IR" sz="2400" dirty="0">
+                <a:cs typeface="0 Nazanin" panose="00000400000000000000" pitchFamily="2" charset="-78"/>
+              </a:rPr>
+              <a:t>مهندسی سیستم</a:t>
+            </a:r>
+            <a:endParaRPr lang="en-US" sz="2400" dirty="0">
+              <a:cs typeface="0 Nazanin" panose="00000400000000000000" pitchFamily="2" charset="-78"/>
+            </a:endParaRPr>
+          </a:p>
+        </p:txBody>
+      </p:sp>
+      <p:sp>
+        <p:nvSpPr>
+          <p:cNvPr id="11" name="Rectangle 10"/>
+          <p:cNvSpPr/>
+          <p:nvPr/>
+        </p:nvSpPr>
+        <p:spPr>
+          <a:xfrm>
+            <a:off x="2197284" y="559557"/>
+            <a:ext cx="1965278" cy="491319"/>
+          </a:xfrm>
+          <a:prstGeom prst="rect">
+            <a:avLst/>
+          </a:prstGeom>
+        </p:spPr>
+        <p:style>
+          <a:lnRef idx="2">
+            <a:schemeClr val="dk1"/>
+          </a:lnRef>
+          <a:fillRef idx="1">
+            <a:schemeClr val="lt1"/>
+          </a:fillRef>
+          <a:effectRef idx="0">
+            <a:schemeClr val="dk1"/>
+          </a:effectRef>
+          <a:fontRef idx="minor">
+            <a:schemeClr val="dk1"/>
+          </a:fontRef>
+        </p:style>
+        <p:txBody>
+          <a:bodyPr rtlCol="0" anchor="ctr"/>
+          <a:lstStyle/>
+          <a:p>
+            <a:pPr algn="ctr"/>
+            <a:endParaRPr lang="en-US" b="1">
+              <a:ln/>
+              <a:pattFill prst="dkUpDiag">
+                <a:fgClr>
+                  <a:schemeClr val="bg1">
+                    <a:lumMod val="50000"/>
+                  </a:schemeClr>
+                </a:fgClr>
+                <a:bgClr>
+                  <a:schemeClr val="tx1">
+                    <a:lumMod val="75000"/>
+                    <a:lumOff val="25000"/>
+                  </a:schemeClr>
+                </a:bgClr>
+              </a:pattFill>
+              <a:effectLst>
+                <a:outerShdw blurRad="38100" dist="19050" dir="2700000" algn="tl" rotWithShape="0">
+                  <a:schemeClr val="dk1">
+                    <a:lumMod val="50000"/>
+                    <a:alpha val="40000"/>
+                  </a:schemeClr>
+                </a:outerShdw>
+              </a:effectLst>
+            </a:endParaRPr>
+          </a:p>
+        </p:txBody>
+      </p:sp>
+      <p:sp>
+        <p:nvSpPr>
+          <p:cNvPr id="12" name="TextBox 11"/>
+          <p:cNvSpPr txBox="1"/>
+          <p:nvPr/>
+        </p:nvSpPr>
+        <p:spPr>
+          <a:xfrm>
+            <a:off x="2288838" y="557198"/>
+            <a:ext cx="1782170" cy="461665"/>
+          </a:xfrm>
+          <a:prstGeom prst="rect">
+            <a:avLst/>
+          </a:prstGeom>
+          <a:noFill/>
+        </p:spPr>
+        <p:txBody>
+          <a:bodyPr wrap="square" rtlCol="0">
+            <a:spAutoFit/>
+          </a:bodyPr>
+          <a:lstStyle/>
+          <a:p>
+            <a:pPr algn="ctr"/>
+            <a:r>
+              <a:rPr lang="fa-IR" sz="2400" dirty="0">
+                <a:cs typeface="0 Nazanin" panose="00000400000000000000" pitchFamily="2" charset="-78"/>
+              </a:rPr>
+              <a:t>تجزیه و تحلیل</a:t>
+            </a:r>
+            <a:endParaRPr lang="en-US" sz="2400" dirty="0">
+              <a:cs typeface="0 Nazanin" panose="00000400000000000000" pitchFamily="2" charset="-78"/>
+            </a:endParaRPr>
+          </a:p>
+        </p:txBody>
+      </p:sp>
+      <p:sp>
+        <p:nvSpPr>
+          <p:cNvPr id="13" name="Rectangle 12"/>
+          <p:cNvSpPr/>
+          <p:nvPr/>
+        </p:nvSpPr>
+        <p:spPr>
+          <a:xfrm>
+            <a:off x="4271746" y="939334"/>
+            <a:ext cx="1965278" cy="491319"/>
+          </a:xfrm>
+          <a:prstGeom prst="rect">
+            <a:avLst/>
+          </a:prstGeom>
+        </p:spPr>
+        <p:style>
+          <a:lnRef idx="2">
+            <a:schemeClr val="dk1"/>
+          </a:lnRef>
+          <a:fillRef idx="1">
+            <a:schemeClr val="lt1"/>
+          </a:fillRef>
+          <a:effectRef idx="0">
+            <a:schemeClr val="dk1"/>
+          </a:effectRef>
+          <a:fontRef idx="minor">
+            <a:schemeClr val="dk1"/>
+          </a:fontRef>
+        </p:style>
+        <p:txBody>
+          <a:bodyPr rtlCol="0" anchor="ctr"/>
+          <a:lstStyle/>
+          <a:p>
+            <a:pPr algn="ctr"/>
+            <a:endParaRPr lang="en-US" b="1">
+              <a:ln/>
+              <a:pattFill prst="dkUpDiag">
+                <a:fgClr>
+                  <a:schemeClr val="bg1">
+                    <a:lumMod val="50000"/>
+                  </a:schemeClr>
+                </a:fgClr>
+                <a:bgClr>
+                  <a:schemeClr val="tx1">
+                    <a:lumMod val="75000"/>
+                    <a:lumOff val="25000"/>
+                  </a:schemeClr>
+                </a:bgClr>
+              </a:pattFill>
+              <a:effectLst>
+                <a:outerShdw blurRad="38100" dist="19050" dir="2700000" algn="tl" rotWithShape="0">
+                  <a:schemeClr val="dk1">
+                    <a:lumMod val="50000"/>
+                    <a:alpha val="40000"/>
+                  </a:schemeClr>
+                </a:outerShdw>
+              </a:effectLst>
+            </a:endParaRPr>
+          </a:p>
+        </p:txBody>
+      </p:sp>
+      <p:sp>
+        <p:nvSpPr>
+          <p:cNvPr id="14" name="TextBox 13"/>
+          <p:cNvSpPr txBox="1"/>
+          <p:nvPr/>
+        </p:nvSpPr>
+        <p:spPr>
+          <a:xfrm>
+            <a:off x="4363300" y="936975"/>
+            <a:ext cx="1782170" cy="461665"/>
+          </a:xfrm>
+          <a:prstGeom prst="rect">
+            <a:avLst/>
+          </a:prstGeom>
+          <a:noFill/>
+        </p:spPr>
+        <p:txBody>
+          <a:bodyPr wrap="square" rtlCol="0">
+            <a:spAutoFit/>
+          </a:bodyPr>
+          <a:lstStyle/>
+          <a:p>
+            <a:pPr algn="ctr"/>
+            <a:r>
+              <a:rPr lang="fa-IR" sz="2400" dirty="0">
+                <a:cs typeface="0 Nazanin" panose="00000400000000000000" pitchFamily="2" charset="-78"/>
+              </a:rPr>
+              <a:t>طراحی</a:t>
+            </a:r>
+            <a:endParaRPr lang="en-US" sz="2400" dirty="0">
+              <a:cs typeface="0 Nazanin" panose="00000400000000000000" pitchFamily="2" charset="-78"/>
+            </a:endParaRPr>
+          </a:p>
+        </p:txBody>
+      </p:sp>
+      <p:sp>
+        <p:nvSpPr>
+          <p:cNvPr id="15" name="Rectangle 14"/>
+          <p:cNvSpPr/>
+          <p:nvPr/>
+        </p:nvSpPr>
+        <p:spPr>
+          <a:xfrm>
+            <a:off x="6328579" y="1338660"/>
+            <a:ext cx="1965278" cy="491319"/>
+          </a:xfrm>
+          <a:prstGeom prst="rect">
+            <a:avLst/>
+          </a:prstGeom>
+        </p:spPr>
+        <p:style>
+          <a:lnRef idx="2">
+            <a:schemeClr val="dk1"/>
+          </a:lnRef>
+          <a:fillRef idx="1">
+            <a:schemeClr val="lt1"/>
+          </a:fillRef>
+          <a:effectRef idx="0">
+            <a:schemeClr val="dk1"/>
+          </a:effectRef>
+          <a:fontRef idx="minor">
+            <a:schemeClr val="dk1"/>
+          </a:fontRef>
+        </p:style>
+        <p:txBody>
+          <a:bodyPr rtlCol="0" anchor="ctr"/>
+          <a:lstStyle/>
+          <a:p>
+            <a:pPr algn="ctr"/>
+            <a:endParaRPr lang="en-US" b="1">
+              <a:ln/>
+              <a:pattFill prst="dkUpDiag">
+                <a:fgClr>
+                  <a:schemeClr val="bg1">
+                    <a:lumMod val="50000"/>
+                  </a:schemeClr>
+                </a:fgClr>
+                <a:bgClr>
+                  <a:schemeClr val="tx1">
+                    <a:lumMod val="75000"/>
+                    <a:lumOff val="25000"/>
+                  </a:schemeClr>
+                </a:bgClr>
+              </a:pattFill>
+              <a:effectLst>
+                <a:outerShdw blurRad="38100" dist="19050" dir="2700000" algn="tl" rotWithShape="0">
+                  <a:schemeClr val="dk1">
+                    <a:lumMod val="50000"/>
+                    <a:alpha val="40000"/>
+                  </a:schemeClr>
+                </a:outerShdw>
+              </a:effectLst>
+            </a:endParaRPr>
+          </a:p>
+        </p:txBody>
+      </p:sp>
+      <p:sp>
+        <p:nvSpPr>
+          <p:cNvPr id="16" name="TextBox 15"/>
+          <p:cNvSpPr txBox="1"/>
+          <p:nvPr/>
+        </p:nvSpPr>
+        <p:spPr>
+          <a:xfrm>
+            <a:off x="6420133" y="1336299"/>
+            <a:ext cx="1782170" cy="461665"/>
+          </a:xfrm>
+          <a:prstGeom prst="rect">
+            <a:avLst/>
+          </a:prstGeom>
+          <a:noFill/>
+        </p:spPr>
+        <p:txBody>
+          <a:bodyPr wrap="square" rtlCol="0">
+            <a:spAutoFit/>
+          </a:bodyPr>
+          <a:lstStyle/>
+          <a:p>
+            <a:pPr algn="ctr"/>
+            <a:r>
+              <a:rPr lang="fa-IR" sz="2400" dirty="0">
+                <a:cs typeface="0 Nazanin" panose="00000400000000000000" pitchFamily="2" charset="-78"/>
+              </a:rPr>
+              <a:t>پیاده‌سازی</a:t>
+            </a:r>
+            <a:endParaRPr lang="en-US" sz="2400" dirty="0">
+              <a:cs typeface="0 Nazanin" panose="00000400000000000000" pitchFamily="2" charset="-78"/>
+            </a:endParaRPr>
+          </a:p>
+        </p:txBody>
+      </p:sp>
+      <p:sp>
+        <p:nvSpPr>
+          <p:cNvPr id="17" name="Rectangle 16"/>
+          <p:cNvSpPr/>
+          <p:nvPr/>
+        </p:nvSpPr>
+        <p:spPr>
+          <a:xfrm>
+            <a:off x="8385411" y="1710686"/>
+            <a:ext cx="1965278" cy="491319"/>
+          </a:xfrm>
+          <a:prstGeom prst="rect">
+            <a:avLst/>
+          </a:prstGeom>
+        </p:spPr>
+        <p:style>
+          <a:lnRef idx="2">
+            <a:schemeClr val="dk1"/>
+          </a:lnRef>
+          <a:fillRef idx="1">
+            <a:schemeClr val="lt1"/>
+          </a:fillRef>
+          <a:effectRef idx="0">
+            <a:schemeClr val="dk1"/>
+          </a:effectRef>
+          <a:fontRef idx="minor">
+            <a:schemeClr val="dk1"/>
+          </a:fontRef>
+        </p:style>
+        <p:txBody>
+          <a:bodyPr rtlCol="0" anchor="ctr"/>
+          <a:lstStyle/>
+          <a:p>
+            <a:pPr algn="ctr"/>
+            <a:endParaRPr lang="en-US" b="1">
+              <a:ln/>
+              <a:pattFill prst="dkUpDiag">
+                <a:fgClr>
+                  <a:schemeClr val="bg1">
+                    <a:lumMod val="50000"/>
+                  </a:schemeClr>
+                </a:fgClr>
+                <a:bgClr>
+                  <a:schemeClr val="tx1">
+                    <a:lumMod val="75000"/>
+                    <a:lumOff val="25000"/>
+                  </a:schemeClr>
+                </a:bgClr>
+              </a:pattFill>
+              <a:effectLst>
+                <a:outerShdw blurRad="38100" dist="19050" dir="2700000" algn="tl" rotWithShape="0">
+                  <a:schemeClr val="dk1">
+                    <a:lumMod val="50000"/>
+                    <a:alpha val="40000"/>
+                  </a:schemeClr>
+                </a:outerShdw>
+              </a:effectLst>
+            </a:endParaRPr>
+          </a:p>
+        </p:txBody>
+      </p:sp>
+      <p:sp>
+        <p:nvSpPr>
+          <p:cNvPr id="18" name="TextBox 17"/>
+          <p:cNvSpPr txBox="1"/>
+          <p:nvPr/>
+        </p:nvSpPr>
+        <p:spPr>
+          <a:xfrm>
+            <a:off x="8476965" y="1708326"/>
+            <a:ext cx="1782170" cy="461665"/>
+          </a:xfrm>
+          <a:prstGeom prst="rect">
+            <a:avLst/>
+          </a:prstGeom>
+          <a:noFill/>
+        </p:spPr>
+        <p:txBody>
+          <a:bodyPr wrap="square" rtlCol="0">
+            <a:spAutoFit/>
+          </a:bodyPr>
+          <a:lstStyle/>
+          <a:p>
+            <a:pPr algn="ctr"/>
+            <a:r>
+              <a:rPr lang="fa-IR" sz="2400" dirty="0">
+                <a:cs typeface="0 Nazanin" panose="00000400000000000000" pitchFamily="2" charset="-78"/>
+              </a:rPr>
+              <a:t>تست</a:t>
+            </a:r>
+            <a:endParaRPr lang="en-US" sz="2400" dirty="0">
+              <a:cs typeface="0 Nazanin" panose="00000400000000000000" pitchFamily="2" charset="-78"/>
+            </a:endParaRPr>
+          </a:p>
+        </p:txBody>
+      </p:sp>
+      <p:sp>
+        <p:nvSpPr>
+          <p:cNvPr id="19" name="Rectangle 18"/>
+          <p:cNvSpPr/>
+          <p:nvPr/>
+        </p:nvSpPr>
+        <p:spPr>
+          <a:xfrm>
+            <a:off x="10414947" y="2110012"/>
+            <a:ext cx="1676970" cy="510360"/>
+          </a:xfrm>
+          <a:prstGeom prst="rect">
+            <a:avLst/>
+          </a:prstGeom>
+        </p:spPr>
+        <p:style>
+          <a:lnRef idx="2">
+            <a:schemeClr val="dk1"/>
+          </a:lnRef>
+          <a:fillRef idx="1">
+            <a:schemeClr val="lt1"/>
+          </a:fillRef>
+          <a:effectRef idx="0">
+            <a:schemeClr val="dk1"/>
+          </a:effectRef>
+          <a:fontRef idx="minor">
+            <a:schemeClr val="dk1"/>
+          </a:fontRef>
+        </p:style>
+        <p:txBody>
+          <a:bodyPr rtlCol="0" anchor="ctr"/>
+          <a:lstStyle/>
+          <a:p>
+            <a:pPr algn="ctr"/>
+            <a:endParaRPr lang="en-US" b="1">
+              <a:ln/>
+              <a:pattFill prst="dkUpDiag">
+                <a:fgClr>
+                  <a:schemeClr val="bg1">
+                    <a:lumMod val="50000"/>
+                  </a:schemeClr>
+                </a:fgClr>
+                <a:bgClr>
+                  <a:schemeClr val="tx1">
+                    <a:lumMod val="75000"/>
+                    <a:lumOff val="25000"/>
+                  </a:schemeClr>
+                </a:bgClr>
+              </a:pattFill>
+              <a:effectLst>
+                <a:outerShdw blurRad="38100" dist="19050" dir="2700000" algn="tl" rotWithShape="0">
+                  <a:schemeClr val="dk1">
+                    <a:lumMod val="50000"/>
+                    <a:alpha val="40000"/>
+                  </a:schemeClr>
+                </a:outerShdw>
+              </a:effectLst>
+            </a:endParaRPr>
+          </a:p>
+        </p:txBody>
+      </p:sp>
+      <p:sp>
+        <p:nvSpPr>
+          <p:cNvPr id="20" name="TextBox 19"/>
+          <p:cNvSpPr txBox="1"/>
+          <p:nvPr/>
+        </p:nvSpPr>
+        <p:spPr>
+          <a:xfrm>
+            <a:off x="10506500" y="2107651"/>
+            <a:ext cx="1520724" cy="461665"/>
+          </a:xfrm>
+          <a:prstGeom prst="rect">
+            <a:avLst/>
+          </a:prstGeom>
+          <a:noFill/>
+        </p:spPr>
+        <p:txBody>
+          <a:bodyPr wrap="square" rtlCol="0">
+            <a:spAutoFit/>
+          </a:bodyPr>
+          <a:lstStyle/>
+          <a:p>
+            <a:pPr algn="ctr"/>
+            <a:r>
+              <a:rPr lang="fa-IR" sz="2400" dirty="0">
+                <a:cs typeface="0 Nazanin" panose="00000400000000000000" pitchFamily="2" charset="-78"/>
+              </a:rPr>
+              <a:t>نگهداری</a:t>
+            </a:r>
+            <a:endParaRPr lang="en-US" sz="2400" dirty="0">
+              <a:cs typeface="0 Nazanin" panose="00000400000000000000" pitchFamily="2" charset="-78"/>
+            </a:endParaRPr>
+          </a:p>
+        </p:txBody>
+      </p:sp>
       <p:cxnSp>
         <p:nvCxnSpPr>
-          <p:cNvPr id="14" name="Connector: Elbow 13"/>
-          <p:cNvCxnSpPr>
-            <a:stCxn id="8" idx="2"/>
-          </p:cNvCxnSpPr>
+          <p:cNvPr id="23" name="Connector: Elbow 22"/>
+          <p:cNvCxnSpPr/>
           <p:nvPr/>
         </p:nvCxnSpPr>
         <p:spPr>
-          <a:xfrm rot="5400000" flipH="1">
-            <a:off x="7071533" y="2473657"/>
-            <a:ext cx="1" cy="1999397"/>
-          </a:xfrm>
-          <a:prstGeom prst="bentConnector4">
-            <a:avLst>
-              <a:gd name="adj1" fmla="val -22860000000"/>
-              <a:gd name="adj2" fmla="val 100647"/>
-            </a:avLst>
+          <a:xfrm>
+            <a:off x="4162562" y="803783"/>
+            <a:ext cx="1078172" cy="175060"/>
+          </a:xfrm>
+          <a:prstGeom prst="bentConnector2">
+            <a:avLst/>
           </a:prstGeom>
           <a:ln>
             <a:tailEnd type="triangle"/>
@@ -12870,16 +13805,16 @@
       </p:cxnSp>
       <p:cxnSp>
         <p:nvCxnSpPr>
-          <p:cNvPr id="20" name="Straight Arrow Connector 19"/>
+          <p:cNvPr id="24" name="Connector: Elbow 23"/>
           <p:cNvCxnSpPr/>
           <p:nvPr/>
         </p:nvCxnSpPr>
         <p:spPr>
           <a:xfrm>
-            <a:off x="6998458" y="2920618"/>
-            <a:ext cx="521458" cy="0"/>
-          </a:xfrm>
-          <a:prstGeom prst="straightConnector1">
+            <a:off x="6237026" y="1184994"/>
+            <a:ext cx="1078172" cy="175060"/>
+          </a:xfrm>
+          <a:prstGeom prst="bentConnector2">
             <a:avLst/>
           </a:prstGeom>
           <a:ln>
@@ -12903,18 +13838,16 @@
       </p:cxnSp>
       <p:cxnSp>
         <p:nvCxnSpPr>
-          <p:cNvPr id="21" name="Straight Arrow Connector 20"/>
-          <p:cNvCxnSpPr>
-            <a:endCxn id="7" idx="1"/>
-          </p:cNvCxnSpPr>
+          <p:cNvPr id="25" name="Connector: Elbow 24"/>
+          <p:cNvCxnSpPr/>
           <p:nvPr/>
         </p:nvCxnSpPr>
         <p:spPr>
           <a:xfrm>
-            <a:off x="8622543" y="2918966"/>
-            <a:ext cx="1088977" cy="1655"/>
-          </a:xfrm>
-          <a:prstGeom prst="straightConnector1">
+            <a:off x="8289873" y="1530908"/>
+            <a:ext cx="1078172" cy="175060"/>
+          </a:xfrm>
+          <a:prstGeom prst="bentConnector2">
             <a:avLst/>
           </a:prstGeom>
           <a:ln>
@@ -12936,229 +13869,218 @@
           </a:fontRef>
         </p:style>
       </p:cxnSp>
-      <p:sp>
-        <p:nvSpPr>
-          <p:cNvPr id="23" name="TextBox 22"/>
-          <p:cNvSpPr txBox="1"/>
-          <p:nvPr/>
-        </p:nvSpPr>
-        <p:spPr>
-          <a:xfrm>
-            <a:off x="9711519" y="1294306"/>
-            <a:ext cx="1599062" cy="461665"/>
-          </a:xfrm>
-          <a:prstGeom prst="rect">
-            <a:avLst/>
-          </a:prstGeom>
-          <a:noFill/>
-        </p:spPr>
-        <p:txBody>
-          <a:bodyPr wrap="square" rtlCol="0">
-            <a:spAutoFit/>
-          </a:bodyPr>
-          <a:lstStyle/>
-          <a:p>
-            <a:pPr algn="ctr"/>
-            <a:r>
-              <a:rPr lang="fa-IR" sz="2400" dirty="0">
-                <a:cs typeface="0 Nazanin" panose="00000400000000000000" pitchFamily="2" charset="-78"/>
-              </a:rPr>
-              <a:t>تولید مهندسی</a:t>
-            </a:r>
-            <a:endParaRPr lang="en-US" sz="2400" dirty="0">
-              <a:cs typeface="0 Nazanin" panose="00000400000000000000" pitchFamily="2" charset="-78"/>
-            </a:endParaRPr>
-          </a:p>
-        </p:txBody>
-      </p:sp>
-      <p:sp>
-        <p:nvSpPr>
-          <p:cNvPr id="24" name="TextBox 23"/>
-          <p:cNvSpPr txBox="1"/>
-          <p:nvPr/>
-        </p:nvSpPr>
-        <p:spPr>
-          <a:xfrm>
-            <a:off x="6168788" y="1294306"/>
-            <a:ext cx="1599062" cy="461665"/>
-          </a:xfrm>
-          <a:prstGeom prst="rect">
-            <a:avLst/>
-          </a:prstGeom>
-          <a:noFill/>
-        </p:spPr>
-        <p:txBody>
-          <a:bodyPr wrap="square" rtlCol="0">
-            <a:spAutoFit/>
-          </a:bodyPr>
-          <a:lstStyle/>
-          <a:p>
-            <a:pPr algn="ctr"/>
-            <a:r>
-              <a:rPr lang="fa-IR" sz="2400" dirty="0">
-                <a:cs typeface="0 Nazanin" panose="00000400000000000000" pitchFamily="2" charset="-78"/>
-              </a:rPr>
-              <a:t>نمونه سازی</a:t>
-            </a:r>
-            <a:endParaRPr lang="en-US" sz="2400" dirty="0">
-              <a:cs typeface="0 Nazanin" panose="00000400000000000000" pitchFamily="2" charset="-78"/>
-            </a:endParaRPr>
-          </a:p>
-        </p:txBody>
-      </p:sp>
-      <p:sp>
-        <p:nvSpPr>
-          <p:cNvPr id="25" name="TextBox 24"/>
-          <p:cNvSpPr txBox="1"/>
-          <p:nvPr/>
-        </p:nvSpPr>
-        <p:spPr>
-          <a:xfrm>
-            <a:off x="1551864" y="1063472"/>
-            <a:ext cx="1782170" cy="461665"/>
-          </a:xfrm>
-          <a:prstGeom prst="rect">
-            <a:avLst/>
-          </a:prstGeom>
-          <a:noFill/>
-        </p:spPr>
-        <p:txBody>
-          <a:bodyPr wrap="square" rtlCol="0">
-            <a:spAutoFit/>
-          </a:bodyPr>
-          <a:lstStyle/>
-          <a:p>
-            <a:pPr algn="ctr"/>
-            <a:r>
-              <a:rPr lang="fa-IR" sz="2400" dirty="0">
-                <a:cs typeface="0 Nazanin" panose="00000400000000000000" pitchFamily="2" charset="-78"/>
-              </a:rPr>
-              <a:t>جمع‌آوری نیازها</a:t>
-            </a:r>
-            <a:endParaRPr lang="en-US" sz="2400" dirty="0">
-              <a:cs typeface="0 Nazanin" panose="00000400000000000000" pitchFamily="2" charset="-78"/>
-            </a:endParaRPr>
-          </a:p>
-        </p:txBody>
-      </p:sp>
-      <p:sp>
-        <p:nvSpPr>
-          <p:cNvPr id="26" name="TextBox 25"/>
-          <p:cNvSpPr txBox="1"/>
-          <p:nvPr/>
-        </p:nvSpPr>
-        <p:spPr>
-          <a:xfrm>
-            <a:off x="5268606" y="2445942"/>
-            <a:ext cx="1599062" cy="830997"/>
-          </a:xfrm>
-          <a:prstGeom prst="rect">
-            <a:avLst/>
-          </a:prstGeom>
-          <a:noFill/>
-        </p:spPr>
-        <p:txBody>
-          <a:bodyPr wrap="square" rtlCol="0">
-            <a:spAutoFit/>
-          </a:bodyPr>
-          <a:lstStyle/>
-          <a:p>
-            <a:pPr algn="ctr"/>
-            <a:r>
-              <a:rPr lang="fa-IR" sz="2400" dirty="0">
-                <a:cs typeface="0 Nazanin" panose="00000400000000000000" pitchFamily="2" charset="-78"/>
-              </a:rPr>
-              <a:t>به‌کارگیری </a:t>
-            </a:r>
-            <a:endParaRPr lang="en-US" sz="2400" dirty="0">
-              <a:cs typeface="0 Nazanin" panose="00000400000000000000" pitchFamily="2" charset="-78"/>
-            </a:endParaRPr>
-          </a:p>
-          <a:p>
-            <a:pPr algn="ctr"/>
-            <a:r>
-              <a:rPr lang="en-US" sz="2400" dirty="0">
-                <a:cs typeface="0 Nazanin" panose="00000400000000000000" pitchFamily="2" charset="-78"/>
-              </a:rPr>
-              <a:t>4GT</a:t>
-            </a:r>
-          </a:p>
-        </p:txBody>
-      </p:sp>
-      <p:sp>
-        <p:nvSpPr>
-          <p:cNvPr id="27" name="TextBox 26"/>
-          <p:cNvSpPr txBox="1"/>
-          <p:nvPr/>
-        </p:nvSpPr>
-        <p:spPr>
-          <a:xfrm>
-            <a:off x="7260039" y="2689787"/>
-            <a:ext cx="1599062" cy="461665"/>
-          </a:xfrm>
-          <a:prstGeom prst="rect">
-            <a:avLst/>
-          </a:prstGeom>
-          <a:noFill/>
-        </p:spPr>
-        <p:txBody>
-          <a:bodyPr wrap="square" rtlCol="0">
-            <a:spAutoFit/>
-          </a:bodyPr>
-          <a:lstStyle/>
-          <a:p>
-            <a:pPr algn="ctr"/>
-            <a:r>
-              <a:rPr lang="fa-IR" sz="2400" dirty="0">
-                <a:cs typeface="0 Nazanin" panose="00000400000000000000" pitchFamily="2" charset="-78"/>
-              </a:rPr>
-              <a:t>نمونه</a:t>
-            </a:r>
-            <a:endParaRPr lang="en-US" sz="2400" dirty="0">
-              <a:cs typeface="0 Nazanin" panose="00000400000000000000" pitchFamily="2" charset="-78"/>
-            </a:endParaRPr>
-          </a:p>
-        </p:txBody>
-      </p:sp>
-      <p:sp>
-        <p:nvSpPr>
-          <p:cNvPr id="28" name="TextBox 27"/>
-          <p:cNvSpPr txBox="1"/>
-          <p:nvPr/>
-        </p:nvSpPr>
-        <p:spPr>
-          <a:xfrm>
-            <a:off x="9725168" y="2630606"/>
-            <a:ext cx="1599062" cy="461665"/>
-          </a:xfrm>
-          <a:prstGeom prst="rect">
-            <a:avLst/>
-          </a:prstGeom>
-          <a:noFill/>
-        </p:spPr>
-        <p:txBody>
-          <a:bodyPr wrap="square" rtlCol="0">
-            <a:spAutoFit/>
-          </a:bodyPr>
-          <a:lstStyle/>
-          <a:p>
-            <a:pPr algn="ctr"/>
-            <a:r>
-              <a:rPr lang="fa-IR" sz="2400" dirty="0">
-                <a:cs typeface="0 Nazanin" panose="00000400000000000000" pitchFamily="2" charset="-78"/>
-              </a:rPr>
-              <a:t>مدل آبشاری</a:t>
-            </a:r>
-            <a:endParaRPr lang="en-US" sz="2400" dirty="0">
-              <a:cs typeface="0 Nazanin" panose="00000400000000000000" pitchFamily="2" charset="-78"/>
-            </a:endParaRPr>
-          </a:p>
-        </p:txBody>
-      </p:sp>
+      <p:cxnSp>
+        <p:nvCxnSpPr>
+          <p:cNvPr id="26" name="Connector: Elbow 25"/>
+          <p:cNvCxnSpPr>
+            <a:endCxn id="20" idx="0"/>
+          </p:cNvCxnSpPr>
+          <p:nvPr/>
+        </p:nvCxnSpPr>
+        <p:spPr>
+          <a:xfrm>
+            <a:off x="10360942" y="1899317"/>
+            <a:ext cx="905920" cy="208334"/>
+          </a:xfrm>
+          <a:prstGeom prst="bentConnector2">
+            <a:avLst/>
+          </a:prstGeom>
+          <a:ln>
+            <a:tailEnd type="triangle"/>
+          </a:ln>
+        </p:spPr>
+        <p:style>
+          <a:lnRef idx="1">
+            <a:schemeClr val="dk1"/>
+          </a:lnRef>
+          <a:fillRef idx="0">
+            <a:schemeClr val="dk1"/>
+          </a:fillRef>
+          <a:effectRef idx="0">
+            <a:schemeClr val="dk1"/>
+          </a:effectRef>
+          <a:fontRef idx="minor">
+            <a:schemeClr val="tx1"/>
+          </a:fontRef>
+        </p:style>
+      </p:cxnSp>
+      <p:cxnSp>
+        <p:nvCxnSpPr>
+          <p:cNvPr id="32" name="Connector: Elbow 31"/>
+          <p:cNvCxnSpPr>
+            <a:stCxn id="6" idx="2"/>
+            <a:endCxn id="19" idx="2"/>
+          </p:cNvCxnSpPr>
+          <p:nvPr/>
+        </p:nvCxnSpPr>
+        <p:spPr>
+          <a:xfrm rot="16200000" flipH="1">
+            <a:off x="5175156" y="-3457904"/>
+            <a:ext cx="2022230" cy="10134321"/>
+          </a:xfrm>
+          <a:prstGeom prst="bentConnector3">
+            <a:avLst>
+              <a:gd name="adj1" fmla="val 111304"/>
+            </a:avLst>
+          </a:prstGeom>
+          <a:ln>
+            <a:headEnd type="triangle"/>
+            <a:tailEnd type="triangle"/>
+          </a:ln>
+        </p:spPr>
+        <p:style>
+          <a:lnRef idx="1">
+            <a:schemeClr val="dk1"/>
+          </a:lnRef>
+          <a:fillRef idx="0">
+            <a:schemeClr val="dk1"/>
+          </a:fillRef>
+          <a:effectRef idx="0">
+            <a:schemeClr val="dk1"/>
+          </a:effectRef>
+          <a:fontRef idx="minor">
+            <a:schemeClr val="tx1"/>
+          </a:fontRef>
+        </p:style>
+      </p:cxnSp>
+      <p:cxnSp>
+        <p:nvCxnSpPr>
+          <p:cNvPr id="35" name="Straight Arrow Connector 34"/>
+          <p:cNvCxnSpPr>
+            <a:endCxn id="18" idx="2"/>
+          </p:cNvCxnSpPr>
+          <p:nvPr/>
+        </p:nvCxnSpPr>
+        <p:spPr>
+          <a:xfrm flipV="1">
+            <a:off x="9368043" y="2169991"/>
+            <a:ext cx="7" cy="1269249"/>
+          </a:xfrm>
+          <a:prstGeom prst="straightConnector1">
+            <a:avLst/>
+          </a:prstGeom>
+          <a:ln>
+            <a:tailEnd type="triangle"/>
+          </a:ln>
+        </p:spPr>
+        <p:style>
+          <a:lnRef idx="1">
+            <a:schemeClr val="dk1"/>
+          </a:lnRef>
+          <a:fillRef idx="0">
+            <a:schemeClr val="dk1"/>
+          </a:fillRef>
+          <a:effectRef idx="0">
+            <a:schemeClr val="dk1"/>
+          </a:effectRef>
+          <a:fontRef idx="minor">
+            <a:schemeClr val="tx1"/>
+          </a:fontRef>
+        </p:style>
+      </p:cxnSp>
+      <p:cxnSp>
+        <p:nvCxnSpPr>
+          <p:cNvPr id="36" name="Straight Arrow Connector 35"/>
+          <p:cNvCxnSpPr/>
+          <p:nvPr/>
+        </p:nvCxnSpPr>
+        <p:spPr>
+          <a:xfrm flipH="1" flipV="1">
+            <a:off x="7311220" y="1829978"/>
+            <a:ext cx="27296" cy="1609258"/>
+          </a:xfrm>
+          <a:prstGeom prst="straightConnector1">
+            <a:avLst/>
+          </a:prstGeom>
+          <a:ln>
+            <a:tailEnd type="triangle"/>
+          </a:ln>
+        </p:spPr>
+        <p:style>
+          <a:lnRef idx="1">
+            <a:schemeClr val="dk1"/>
+          </a:lnRef>
+          <a:fillRef idx="0">
+            <a:schemeClr val="dk1"/>
+          </a:fillRef>
+          <a:effectRef idx="0">
+            <a:schemeClr val="dk1"/>
+          </a:effectRef>
+          <a:fontRef idx="minor">
+            <a:schemeClr val="tx1"/>
+          </a:fontRef>
+        </p:style>
+      </p:cxnSp>
+      <p:cxnSp>
+        <p:nvCxnSpPr>
+          <p:cNvPr id="38" name="Straight Arrow Connector 37"/>
+          <p:cNvCxnSpPr/>
+          <p:nvPr/>
+        </p:nvCxnSpPr>
+        <p:spPr>
+          <a:xfrm flipV="1">
+            <a:off x="5254385" y="1473030"/>
+            <a:ext cx="0" cy="1966207"/>
+          </a:xfrm>
+          <a:prstGeom prst="straightConnector1">
+            <a:avLst/>
+          </a:prstGeom>
+          <a:ln>
+            <a:tailEnd type="triangle"/>
+          </a:ln>
+        </p:spPr>
+        <p:style>
+          <a:lnRef idx="1">
+            <a:schemeClr val="dk1"/>
+          </a:lnRef>
+          <a:fillRef idx="0">
+            <a:schemeClr val="dk1"/>
+          </a:fillRef>
+          <a:effectRef idx="0">
+            <a:schemeClr val="dk1"/>
+          </a:effectRef>
+          <a:fontRef idx="minor">
+            <a:schemeClr val="tx1"/>
+          </a:fontRef>
+        </p:style>
+      </p:cxnSp>
+      <p:cxnSp>
+        <p:nvCxnSpPr>
+          <p:cNvPr id="40" name="Straight Arrow Connector 39"/>
+          <p:cNvCxnSpPr/>
+          <p:nvPr/>
+        </p:nvCxnSpPr>
+        <p:spPr>
+          <a:xfrm flipH="1" flipV="1">
+            <a:off x="3065058" y="1018862"/>
+            <a:ext cx="5688" cy="2420374"/>
+          </a:xfrm>
+          <a:prstGeom prst="straightConnector1">
+            <a:avLst/>
+          </a:prstGeom>
+          <a:ln>
+            <a:tailEnd type="triangle"/>
+          </a:ln>
+        </p:spPr>
+        <p:style>
+          <a:lnRef idx="1">
+            <a:schemeClr val="dk1"/>
+          </a:lnRef>
+          <a:fillRef idx="0">
+            <a:schemeClr val="dk1"/>
+          </a:fillRef>
+          <a:effectRef idx="0">
+            <a:schemeClr val="dk1"/>
+          </a:effectRef>
+          <a:fontRef idx="minor">
+            <a:schemeClr val="tx1"/>
+          </a:fontRef>
+        </p:style>
+      </p:cxnSp>
     </p:spTree>
     <p:extLst>
       <p:ext uri="{BB962C8B-B14F-4D97-AF65-F5344CB8AC3E}">
-        <p14:creationId xmlns:p14="http://schemas.microsoft.com/office/powerpoint/2010/main" val="3481137441"/>
+        <p14:creationId xmlns:p14="http://schemas.microsoft.com/office/powerpoint/2010/main" val="3801917157"/>
       </p:ext>
     </p:extLst>
   </p:cSld>
@@ -13187,16 +14109,16 @@
       </p:grpSpPr>
       <p:sp>
         <p:nvSpPr>
-          <p:cNvPr id="4" name="Rectangle 3"/>
+          <p:cNvPr id="4" name="Rectangle: Rounded Corners 3"/>
           <p:cNvSpPr/>
           <p:nvPr/>
         </p:nvSpPr>
         <p:spPr>
           <a:xfrm>
-            <a:off x="136473" y="136478"/>
-            <a:ext cx="1965278" cy="491319"/>
-          </a:xfrm>
-          <a:prstGeom prst="rect">
+            <a:off x="146693" y="2312375"/>
+            <a:ext cx="2018991" cy="1248971"/>
+          </a:xfrm>
+          <a:prstGeom prst="roundRect">
             <a:avLst/>
           </a:prstGeom>
         </p:spPr>
@@ -13219,48 +14141,204 @@
           <a:lstStyle/>
           <a:p>
             <a:pPr algn="ctr"/>
-            <a:endParaRPr lang="en-US" b="1">
-              <a:ln/>
-              <a:pattFill prst="dkUpDiag">
-                <a:fgClr>
-                  <a:schemeClr val="bg1">
-                    <a:lumMod val="50000"/>
-                  </a:schemeClr>
-                </a:fgClr>
-                <a:bgClr>
-                  <a:schemeClr val="tx1">
-                    <a:lumMod val="75000"/>
-                    <a:lumOff val="25000"/>
-                  </a:schemeClr>
-                </a:bgClr>
-              </a:pattFill>
-              <a:effectLst>
-                <a:outerShdw blurRad="38100" dist="19050" dir="2700000" algn="tl" rotWithShape="0">
-                  <a:schemeClr val="dk1">
-                    <a:lumMod val="50000"/>
-                    <a:alpha val="40000"/>
-                  </a:schemeClr>
-                </a:outerShdw>
-              </a:effectLst>
-            </a:endParaRPr>
+            <a:r>
+              <a:rPr lang="en-US" sz="2800" dirty="0">
+                <a:latin typeface="Arial" panose="020B0604020202020204" pitchFamily="34" charset="0"/>
+                <a:cs typeface="Arial" panose="020B0604020202020204" pitchFamily="34" charset="0"/>
+              </a:rPr>
+              <a:t>Client Values</a:t>
+            </a:r>
+          </a:p>
+        </p:txBody>
+      </p:sp>
+      <p:sp>
+        <p:nvSpPr>
+          <p:cNvPr id="5" name="Arrow: Right 4"/>
+          <p:cNvSpPr/>
+          <p:nvPr/>
+        </p:nvSpPr>
+        <p:spPr>
+          <a:xfrm>
+            <a:off x="2277979" y="2551850"/>
+            <a:ext cx="1668379" cy="770021"/>
+          </a:xfrm>
+          <a:prstGeom prst="rightArrow">
+            <a:avLst/>
+          </a:prstGeom>
+        </p:spPr>
+        <p:style>
+          <a:lnRef idx="2">
+            <a:schemeClr val="dk1"/>
+          </a:lnRef>
+          <a:fillRef idx="1">
+            <a:schemeClr val="lt1"/>
+          </a:fillRef>
+          <a:effectRef idx="0">
+            <a:schemeClr val="dk1"/>
+          </a:effectRef>
+          <a:fontRef idx="minor">
+            <a:schemeClr val="dk1"/>
+          </a:fontRef>
+        </p:style>
+        <p:txBody>
+          <a:bodyPr rtlCol="0" anchor="ctr"/>
+          <a:lstStyle/>
+          <a:p>
+            <a:pPr algn="ctr"/>
+            <a:r>
+              <a:rPr lang="en-US" sz="2800" dirty="0"/>
+              <a:t>request</a:t>
+            </a:r>
+          </a:p>
+        </p:txBody>
+      </p:sp>
+      <p:sp>
+        <p:nvSpPr>
+          <p:cNvPr id="6" name="Rectangle: Rounded Corners 5"/>
+          <p:cNvSpPr/>
+          <p:nvPr/>
+        </p:nvSpPr>
+        <p:spPr>
+          <a:xfrm>
+            <a:off x="4058653" y="2312377"/>
+            <a:ext cx="2486524" cy="1248971"/>
+          </a:xfrm>
+          <a:prstGeom prst="roundRect">
+            <a:avLst/>
+          </a:prstGeom>
+        </p:spPr>
+        <p:style>
+          <a:lnRef idx="2">
+            <a:schemeClr val="dk1"/>
+          </a:lnRef>
+          <a:fillRef idx="1">
+            <a:schemeClr val="lt1"/>
+          </a:fillRef>
+          <a:effectRef idx="0">
+            <a:schemeClr val="dk1"/>
+          </a:effectRef>
+          <a:fontRef idx="minor">
+            <a:schemeClr val="dk1"/>
+          </a:fontRef>
+        </p:style>
+        <p:txBody>
+          <a:bodyPr rtlCol="0" anchor="ctr"/>
+          <a:lstStyle/>
+          <a:p>
+            <a:pPr algn="ctr"/>
+            <a:r>
+              <a:rPr lang="en-US" sz="2800" dirty="0">
+                <a:latin typeface="Arial" panose="020B0604020202020204" pitchFamily="34" charset="0"/>
+                <a:cs typeface="Arial" panose="020B0604020202020204" pitchFamily="34" charset="0"/>
+              </a:rPr>
+              <a:t>Custom Model Binder</a:t>
+            </a:r>
+          </a:p>
+        </p:txBody>
+      </p:sp>
+      <p:sp>
+        <p:nvSpPr>
+          <p:cNvPr id="7" name="Rectangle: Rounded Corners 6"/>
+          <p:cNvSpPr/>
+          <p:nvPr/>
+        </p:nvSpPr>
+        <p:spPr>
+          <a:xfrm>
+            <a:off x="6878054" y="2312377"/>
+            <a:ext cx="2630905" cy="1248971"/>
+          </a:xfrm>
+          <a:prstGeom prst="roundRect">
+            <a:avLst/>
+          </a:prstGeom>
+        </p:spPr>
+        <p:style>
+          <a:lnRef idx="2">
+            <a:schemeClr val="dk1"/>
+          </a:lnRef>
+          <a:fillRef idx="1">
+            <a:schemeClr val="lt1"/>
+          </a:fillRef>
+          <a:effectRef idx="0">
+            <a:schemeClr val="dk1"/>
+          </a:effectRef>
+          <a:fontRef idx="minor">
+            <a:schemeClr val="dk1"/>
+          </a:fontRef>
+        </p:style>
+        <p:txBody>
+          <a:bodyPr rtlCol="0" anchor="ctr"/>
+          <a:lstStyle/>
+          <a:p>
+            <a:pPr algn="ctr"/>
+            <a:r>
+              <a:rPr lang="en-US" sz="2400" dirty="0">
+                <a:latin typeface="Arial" panose="020B0604020202020204" pitchFamily="34" charset="0"/>
+                <a:cs typeface="Arial" panose="020B0604020202020204" pitchFamily="34" charset="0"/>
+              </a:rPr>
+              <a:t>Custom Attribute Validation</a:t>
+            </a:r>
+          </a:p>
+        </p:txBody>
+      </p:sp>
+      <p:sp>
+        <p:nvSpPr>
+          <p:cNvPr id="8" name="Rectangle: Rounded Corners 7"/>
+          <p:cNvSpPr/>
+          <p:nvPr/>
+        </p:nvSpPr>
+        <p:spPr>
+          <a:xfrm>
+            <a:off x="9841835" y="2329573"/>
+            <a:ext cx="2189746" cy="1248971"/>
+          </a:xfrm>
+          <a:prstGeom prst="roundRect">
+            <a:avLst/>
+          </a:prstGeom>
+        </p:spPr>
+        <p:style>
+          <a:lnRef idx="2">
+            <a:schemeClr val="dk1"/>
+          </a:lnRef>
+          <a:fillRef idx="1">
+            <a:schemeClr val="lt1"/>
+          </a:fillRef>
+          <a:effectRef idx="0">
+            <a:schemeClr val="dk1"/>
+          </a:effectRef>
+          <a:fontRef idx="minor">
+            <a:schemeClr val="dk1"/>
+          </a:fontRef>
+        </p:style>
+        <p:txBody>
+          <a:bodyPr rtlCol="0" anchor="ctr"/>
+          <a:lstStyle/>
+          <a:p>
+            <a:pPr algn="ctr"/>
+            <a:r>
+              <a:rPr lang="en-US" sz="2800" dirty="0">
+                <a:latin typeface="Arial" panose="020B0604020202020204" pitchFamily="34" charset="0"/>
+                <a:cs typeface="Arial" panose="020B0604020202020204" pitchFamily="34" charset="0"/>
+              </a:rPr>
+              <a:t>Controller / Action</a:t>
+            </a:r>
           </a:p>
         </p:txBody>
       </p:sp>
       <p:cxnSp>
         <p:nvCxnSpPr>
-          <p:cNvPr id="5" name="Connector: Elbow 4"/>
+          <p:cNvPr id="10" name="Straight Arrow Connector 9"/>
           <p:cNvCxnSpPr>
-            <a:stCxn id="4" idx="3"/>
-            <a:endCxn id="12" idx="0"/>
+            <a:stCxn id="6" idx="3"/>
+            <a:endCxn id="7" idx="1"/>
           </p:cNvCxnSpPr>
           <p:nvPr/>
         </p:nvCxnSpPr>
         <p:spPr>
           <a:xfrm>
-            <a:off x="2101751" y="382138"/>
-            <a:ext cx="1078172" cy="175060"/>
-          </a:xfrm>
-          <a:prstGeom prst="bentConnector2">
+            <a:off x="6545179" y="2936861"/>
+            <a:ext cx="332875" cy="0"/>
+          </a:xfrm>
+          <a:prstGeom prst="straightConnector1">
             <a:avLst/>
           </a:prstGeom>
           <a:ln>
@@ -13282,805 +14360,18 @@
           </a:fontRef>
         </p:style>
       </p:cxnSp>
-      <p:sp>
-        <p:nvSpPr>
-          <p:cNvPr id="6" name="TextBox 5"/>
-          <p:cNvSpPr txBox="1"/>
-          <p:nvPr/>
-        </p:nvSpPr>
-        <p:spPr>
-          <a:xfrm>
-            <a:off x="228026" y="136477"/>
-            <a:ext cx="1782170" cy="461665"/>
-          </a:xfrm>
-          <a:prstGeom prst="rect">
-            <a:avLst/>
-          </a:prstGeom>
-          <a:noFill/>
-        </p:spPr>
-        <p:txBody>
-          <a:bodyPr wrap="square" rtlCol="0">
-            <a:spAutoFit/>
-          </a:bodyPr>
-          <a:lstStyle/>
-          <a:p>
-            <a:pPr algn="ctr"/>
-            <a:r>
-              <a:rPr lang="fa-IR" sz="2400" dirty="0">
-                <a:cs typeface="0 Nazanin" panose="00000400000000000000" pitchFamily="2" charset="-78"/>
-              </a:rPr>
-              <a:t>مهندسی سیستم</a:t>
-            </a:r>
-            <a:endParaRPr lang="en-US" sz="2400" dirty="0">
-              <a:cs typeface="0 Nazanin" panose="00000400000000000000" pitchFamily="2" charset="-78"/>
-            </a:endParaRPr>
-          </a:p>
-        </p:txBody>
-      </p:sp>
-      <p:sp>
-        <p:nvSpPr>
-          <p:cNvPr id="11" name="Rectangle 10"/>
-          <p:cNvSpPr/>
-          <p:nvPr/>
-        </p:nvSpPr>
-        <p:spPr>
-          <a:xfrm>
-            <a:off x="2197284" y="559557"/>
-            <a:ext cx="1965278" cy="491319"/>
-          </a:xfrm>
-          <a:prstGeom prst="rect">
-            <a:avLst/>
-          </a:prstGeom>
-        </p:spPr>
-        <p:style>
-          <a:lnRef idx="2">
-            <a:schemeClr val="dk1"/>
-          </a:lnRef>
-          <a:fillRef idx="1">
-            <a:schemeClr val="lt1"/>
-          </a:fillRef>
-          <a:effectRef idx="0">
-            <a:schemeClr val="dk1"/>
-          </a:effectRef>
-          <a:fontRef idx="minor">
-            <a:schemeClr val="dk1"/>
-          </a:fontRef>
-        </p:style>
-        <p:txBody>
-          <a:bodyPr rtlCol="0" anchor="ctr"/>
-          <a:lstStyle/>
-          <a:p>
-            <a:pPr algn="ctr"/>
-            <a:endParaRPr lang="en-US" b="1">
-              <a:ln/>
-              <a:pattFill prst="dkUpDiag">
-                <a:fgClr>
-                  <a:schemeClr val="bg1">
-                    <a:lumMod val="50000"/>
-                  </a:schemeClr>
-                </a:fgClr>
-                <a:bgClr>
-                  <a:schemeClr val="tx1">
-                    <a:lumMod val="75000"/>
-                    <a:lumOff val="25000"/>
-                  </a:schemeClr>
-                </a:bgClr>
-              </a:pattFill>
-              <a:effectLst>
-                <a:outerShdw blurRad="38100" dist="19050" dir="2700000" algn="tl" rotWithShape="0">
-                  <a:schemeClr val="dk1">
-                    <a:lumMod val="50000"/>
-                    <a:alpha val="40000"/>
-                  </a:schemeClr>
-                </a:outerShdw>
-              </a:effectLst>
-            </a:endParaRPr>
-          </a:p>
-        </p:txBody>
-      </p:sp>
-      <p:sp>
-        <p:nvSpPr>
-          <p:cNvPr id="12" name="TextBox 11"/>
-          <p:cNvSpPr txBox="1"/>
-          <p:nvPr/>
-        </p:nvSpPr>
-        <p:spPr>
-          <a:xfrm>
-            <a:off x="2288838" y="557198"/>
-            <a:ext cx="1782170" cy="461665"/>
-          </a:xfrm>
-          <a:prstGeom prst="rect">
-            <a:avLst/>
-          </a:prstGeom>
-          <a:noFill/>
-        </p:spPr>
-        <p:txBody>
-          <a:bodyPr wrap="square" rtlCol="0">
-            <a:spAutoFit/>
-          </a:bodyPr>
-          <a:lstStyle/>
-          <a:p>
-            <a:pPr algn="ctr"/>
-            <a:r>
-              <a:rPr lang="fa-IR" sz="2400" dirty="0">
-                <a:cs typeface="0 Nazanin" panose="00000400000000000000" pitchFamily="2" charset="-78"/>
-              </a:rPr>
-              <a:t>تجزیه و تحلیل</a:t>
-            </a:r>
-            <a:endParaRPr lang="en-US" sz="2400" dirty="0">
-              <a:cs typeface="0 Nazanin" panose="00000400000000000000" pitchFamily="2" charset="-78"/>
-            </a:endParaRPr>
-          </a:p>
-        </p:txBody>
-      </p:sp>
-      <p:sp>
-        <p:nvSpPr>
-          <p:cNvPr id="13" name="Rectangle 12"/>
-          <p:cNvSpPr/>
-          <p:nvPr/>
-        </p:nvSpPr>
-        <p:spPr>
-          <a:xfrm>
-            <a:off x="4271746" y="939334"/>
-            <a:ext cx="1965278" cy="491319"/>
-          </a:xfrm>
-          <a:prstGeom prst="rect">
-            <a:avLst/>
-          </a:prstGeom>
-        </p:spPr>
-        <p:style>
-          <a:lnRef idx="2">
-            <a:schemeClr val="dk1"/>
-          </a:lnRef>
-          <a:fillRef idx="1">
-            <a:schemeClr val="lt1"/>
-          </a:fillRef>
-          <a:effectRef idx="0">
-            <a:schemeClr val="dk1"/>
-          </a:effectRef>
-          <a:fontRef idx="minor">
-            <a:schemeClr val="dk1"/>
-          </a:fontRef>
-        </p:style>
-        <p:txBody>
-          <a:bodyPr rtlCol="0" anchor="ctr"/>
-          <a:lstStyle/>
-          <a:p>
-            <a:pPr algn="ctr"/>
-            <a:endParaRPr lang="en-US" b="1">
-              <a:ln/>
-              <a:pattFill prst="dkUpDiag">
-                <a:fgClr>
-                  <a:schemeClr val="bg1">
-                    <a:lumMod val="50000"/>
-                  </a:schemeClr>
-                </a:fgClr>
-                <a:bgClr>
-                  <a:schemeClr val="tx1">
-                    <a:lumMod val="75000"/>
-                    <a:lumOff val="25000"/>
-                  </a:schemeClr>
-                </a:bgClr>
-              </a:pattFill>
-              <a:effectLst>
-                <a:outerShdw blurRad="38100" dist="19050" dir="2700000" algn="tl" rotWithShape="0">
-                  <a:schemeClr val="dk1">
-                    <a:lumMod val="50000"/>
-                    <a:alpha val="40000"/>
-                  </a:schemeClr>
-                </a:outerShdw>
-              </a:effectLst>
-            </a:endParaRPr>
-          </a:p>
-        </p:txBody>
-      </p:sp>
-      <p:sp>
-        <p:nvSpPr>
-          <p:cNvPr id="14" name="TextBox 13"/>
-          <p:cNvSpPr txBox="1"/>
-          <p:nvPr/>
-        </p:nvSpPr>
-        <p:spPr>
-          <a:xfrm>
-            <a:off x="4363300" y="936975"/>
-            <a:ext cx="1782170" cy="461665"/>
-          </a:xfrm>
-          <a:prstGeom prst="rect">
-            <a:avLst/>
-          </a:prstGeom>
-          <a:noFill/>
-        </p:spPr>
-        <p:txBody>
-          <a:bodyPr wrap="square" rtlCol="0">
-            <a:spAutoFit/>
-          </a:bodyPr>
-          <a:lstStyle/>
-          <a:p>
-            <a:pPr algn="ctr"/>
-            <a:r>
-              <a:rPr lang="fa-IR" sz="2400" dirty="0">
-                <a:cs typeface="0 Nazanin" panose="00000400000000000000" pitchFamily="2" charset="-78"/>
-              </a:rPr>
-              <a:t>طراحی</a:t>
-            </a:r>
-            <a:endParaRPr lang="en-US" sz="2400" dirty="0">
-              <a:cs typeface="0 Nazanin" panose="00000400000000000000" pitchFamily="2" charset="-78"/>
-            </a:endParaRPr>
-          </a:p>
-        </p:txBody>
-      </p:sp>
-      <p:sp>
-        <p:nvSpPr>
-          <p:cNvPr id="15" name="Rectangle 14"/>
-          <p:cNvSpPr/>
-          <p:nvPr/>
-        </p:nvSpPr>
-        <p:spPr>
-          <a:xfrm>
-            <a:off x="6328579" y="1338660"/>
-            <a:ext cx="1965278" cy="491319"/>
-          </a:xfrm>
-          <a:prstGeom prst="rect">
-            <a:avLst/>
-          </a:prstGeom>
-        </p:spPr>
-        <p:style>
-          <a:lnRef idx="2">
-            <a:schemeClr val="dk1"/>
-          </a:lnRef>
-          <a:fillRef idx="1">
-            <a:schemeClr val="lt1"/>
-          </a:fillRef>
-          <a:effectRef idx="0">
-            <a:schemeClr val="dk1"/>
-          </a:effectRef>
-          <a:fontRef idx="minor">
-            <a:schemeClr val="dk1"/>
-          </a:fontRef>
-        </p:style>
-        <p:txBody>
-          <a:bodyPr rtlCol="0" anchor="ctr"/>
-          <a:lstStyle/>
-          <a:p>
-            <a:pPr algn="ctr"/>
-            <a:endParaRPr lang="en-US" b="1">
-              <a:ln/>
-              <a:pattFill prst="dkUpDiag">
-                <a:fgClr>
-                  <a:schemeClr val="bg1">
-                    <a:lumMod val="50000"/>
-                  </a:schemeClr>
-                </a:fgClr>
-                <a:bgClr>
-                  <a:schemeClr val="tx1">
-                    <a:lumMod val="75000"/>
-                    <a:lumOff val="25000"/>
-                  </a:schemeClr>
-                </a:bgClr>
-              </a:pattFill>
-              <a:effectLst>
-                <a:outerShdw blurRad="38100" dist="19050" dir="2700000" algn="tl" rotWithShape="0">
-                  <a:schemeClr val="dk1">
-                    <a:lumMod val="50000"/>
-                    <a:alpha val="40000"/>
-                  </a:schemeClr>
-                </a:outerShdw>
-              </a:effectLst>
-            </a:endParaRPr>
-          </a:p>
-        </p:txBody>
-      </p:sp>
-      <p:sp>
-        <p:nvSpPr>
-          <p:cNvPr id="16" name="TextBox 15"/>
-          <p:cNvSpPr txBox="1"/>
-          <p:nvPr/>
-        </p:nvSpPr>
-        <p:spPr>
-          <a:xfrm>
-            <a:off x="6420133" y="1336299"/>
-            <a:ext cx="1782170" cy="461665"/>
-          </a:xfrm>
-          <a:prstGeom prst="rect">
-            <a:avLst/>
-          </a:prstGeom>
-          <a:noFill/>
-        </p:spPr>
-        <p:txBody>
-          <a:bodyPr wrap="square" rtlCol="0">
-            <a:spAutoFit/>
-          </a:bodyPr>
-          <a:lstStyle/>
-          <a:p>
-            <a:pPr algn="ctr"/>
-            <a:r>
-              <a:rPr lang="fa-IR" sz="2400" dirty="0">
-                <a:cs typeface="0 Nazanin" panose="00000400000000000000" pitchFamily="2" charset="-78"/>
-              </a:rPr>
-              <a:t>پیاده‌سازی</a:t>
-            </a:r>
-            <a:endParaRPr lang="en-US" sz="2400" dirty="0">
-              <a:cs typeface="0 Nazanin" panose="00000400000000000000" pitchFamily="2" charset="-78"/>
-            </a:endParaRPr>
-          </a:p>
-        </p:txBody>
-      </p:sp>
-      <p:sp>
-        <p:nvSpPr>
-          <p:cNvPr id="17" name="Rectangle 16"/>
-          <p:cNvSpPr/>
-          <p:nvPr/>
-        </p:nvSpPr>
-        <p:spPr>
-          <a:xfrm>
-            <a:off x="8385411" y="1710686"/>
-            <a:ext cx="1965278" cy="491319"/>
-          </a:xfrm>
-          <a:prstGeom prst="rect">
-            <a:avLst/>
-          </a:prstGeom>
-        </p:spPr>
-        <p:style>
-          <a:lnRef idx="2">
-            <a:schemeClr val="dk1"/>
-          </a:lnRef>
-          <a:fillRef idx="1">
-            <a:schemeClr val="lt1"/>
-          </a:fillRef>
-          <a:effectRef idx="0">
-            <a:schemeClr val="dk1"/>
-          </a:effectRef>
-          <a:fontRef idx="minor">
-            <a:schemeClr val="dk1"/>
-          </a:fontRef>
-        </p:style>
-        <p:txBody>
-          <a:bodyPr rtlCol="0" anchor="ctr"/>
-          <a:lstStyle/>
-          <a:p>
-            <a:pPr algn="ctr"/>
-            <a:endParaRPr lang="en-US" b="1">
-              <a:ln/>
-              <a:pattFill prst="dkUpDiag">
-                <a:fgClr>
-                  <a:schemeClr val="bg1">
-                    <a:lumMod val="50000"/>
-                  </a:schemeClr>
-                </a:fgClr>
-                <a:bgClr>
-                  <a:schemeClr val="tx1">
-                    <a:lumMod val="75000"/>
-                    <a:lumOff val="25000"/>
-                  </a:schemeClr>
-                </a:bgClr>
-              </a:pattFill>
-              <a:effectLst>
-                <a:outerShdw blurRad="38100" dist="19050" dir="2700000" algn="tl" rotWithShape="0">
-                  <a:schemeClr val="dk1">
-                    <a:lumMod val="50000"/>
-                    <a:alpha val="40000"/>
-                  </a:schemeClr>
-                </a:outerShdw>
-              </a:effectLst>
-            </a:endParaRPr>
-          </a:p>
-        </p:txBody>
-      </p:sp>
-      <p:sp>
-        <p:nvSpPr>
-          <p:cNvPr id="18" name="TextBox 17"/>
-          <p:cNvSpPr txBox="1"/>
-          <p:nvPr/>
-        </p:nvSpPr>
-        <p:spPr>
-          <a:xfrm>
-            <a:off x="8476965" y="1708326"/>
-            <a:ext cx="1782170" cy="461665"/>
-          </a:xfrm>
-          <a:prstGeom prst="rect">
-            <a:avLst/>
-          </a:prstGeom>
-          <a:noFill/>
-        </p:spPr>
-        <p:txBody>
-          <a:bodyPr wrap="square" rtlCol="0">
-            <a:spAutoFit/>
-          </a:bodyPr>
-          <a:lstStyle/>
-          <a:p>
-            <a:pPr algn="ctr"/>
-            <a:r>
-              <a:rPr lang="fa-IR" sz="2400" dirty="0">
-                <a:cs typeface="0 Nazanin" panose="00000400000000000000" pitchFamily="2" charset="-78"/>
-              </a:rPr>
-              <a:t>تست</a:t>
-            </a:r>
-            <a:endParaRPr lang="en-US" sz="2400" dirty="0">
-              <a:cs typeface="0 Nazanin" panose="00000400000000000000" pitchFamily="2" charset="-78"/>
-            </a:endParaRPr>
-          </a:p>
-        </p:txBody>
-      </p:sp>
-      <p:sp>
-        <p:nvSpPr>
-          <p:cNvPr id="19" name="Rectangle 18"/>
-          <p:cNvSpPr/>
-          <p:nvPr/>
-        </p:nvSpPr>
-        <p:spPr>
-          <a:xfrm>
-            <a:off x="10414947" y="2110012"/>
-            <a:ext cx="1676970" cy="510360"/>
-          </a:xfrm>
-          <a:prstGeom prst="rect">
-            <a:avLst/>
-          </a:prstGeom>
-        </p:spPr>
-        <p:style>
-          <a:lnRef idx="2">
-            <a:schemeClr val="dk1"/>
-          </a:lnRef>
-          <a:fillRef idx="1">
-            <a:schemeClr val="lt1"/>
-          </a:fillRef>
-          <a:effectRef idx="0">
-            <a:schemeClr val="dk1"/>
-          </a:effectRef>
-          <a:fontRef idx="minor">
-            <a:schemeClr val="dk1"/>
-          </a:fontRef>
-        </p:style>
-        <p:txBody>
-          <a:bodyPr rtlCol="0" anchor="ctr"/>
-          <a:lstStyle/>
-          <a:p>
-            <a:pPr algn="ctr"/>
-            <a:endParaRPr lang="en-US" b="1">
-              <a:ln/>
-              <a:pattFill prst="dkUpDiag">
-                <a:fgClr>
-                  <a:schemeClr val="bg1">
-                    <a:lumMod val="50000"/>
-                  </a:schemeClr>
-                </a:fgClr>
-                <a:bgClr>
-                  <a:schemeClr val="tx1">
-                    <a:lumMod val="75000"/>
-                    <a:lumOff val="25000"/>
-                  </a:schemeClr>
-                </a:bgClr>
-              </a:pattFill>
-              <a:effectLst>
-                <a:outerShdw blurRad="38100" dist="19050" dir="2700000" algn="tl" rotWithShape="0">
-                  <a:schemeClr val="dk1">
-                    <a:lumMod val="50000"/>
-                    <a:alpha val="40000"/>
-                  </a:schemeClr>
-                </a:outerShdw>
-              </a:effectLst>
-            </a:endParaRPr>
-          </a:p>
-        </p:txBody>
-      </p:sp>
-      <p:sp>
-        <p:nvSpPr>
-          <p:cNvPr id="20" name="TextBox 19"/>
-          <p:cNvSpPr txBox="1"/>
-          <p:nvPr/>
-        </p:nvSpPr>
-        <p:spPr>
-          <a:xfrm>
-            <a:off x="10506500" y="2107651"/>
-            <a:ext cx="1520724" cy="461665"/>
-          </a:xfrm>
-          <a:prstGeom prst="rect">
-            <a:avLst/>
-          </a:prstGeom>
-          <a:noFill/>
-        </p:spPr>
-        <p:txBody>
-          <a:bodyPr wrap="square" rtlCol="0">
-            <a:spAutoFit/>
-          </a:bodyPr>
-          <a:lstStyle/>
-          <a:p>
-            <a:pPr algn="ctr"/>
-            <a:r>
-              <a:rPr lang="fa-IR" sz="2400" dirty="0">
-                <a:cs typeface="0 Nazanin" panose="00000400000000000000" pitchFamily="2" charset="-78"/>
-              </a:rPr>
-              <a:t>نگهداری</a:t>
-            </a:r>
-            <a:endParaRPr lang="en-US" sz="2400" dirty="0">
-              <a:cs typeface="0 Nazanin" panose="00000400000000000000" pitchFamily="2" charset="-78"/>
-            </a:endParaRPr>
-          </a:p>
-        </p:txBody>
-      </p:sp>
       <p:cxnSp>
         <p:nvCxnSpPr>
-          <p:cNvPr id="23" name="Connector: Elbow 22"/>
-          <p:cNvCxnSpPr/>
+          <p:cNvPr id="13" name="Straight Arrow Connector 12"/>
+          <p:cNvCxnSpPr>
+            <a:endCxn id="8" idx="1"/>
+          </p:cNvCxnSpPr>
           <p:nvPr/>
         </p:nvCxnSpPr>
         <p:spPr>
           <a:xfrm>
-            <a:off x="4162562" y="803783"/>
-            <a:ext cx="1078172" cy="175060"/>
-          </a:xfrm>
-          <a:prstGeom prst="bentConnector2">
-            <a:avLst/>
-          </a:prstGeom>
-          <a:ln>
-            <a:tailEnd type="triangle"/>
-          </a:ln>
-        </p:spPr>
-        <p:style>
-          <a:lnRef idx="1">
-            <a:schemeClr val="dk1"/>
-          </a:lnRef>
-          <a:fillRef idx="0">
-            <a:schemeClr val="dk1"/>
-          </a:fillRef>
-          <a:effectRef idx="0">
-            <a:schemeClr val="dk1"/>
-          </a:effectRef>
-          <a:fontRef idx="minor">
-            <a:schemeClr val="tx1"/>
-          </a:fontRef>
-        </p:style>
-      </p:cxnSp>
-      <p:cxnSp>
-        <p:nvCxnSpPr>
-          <p:cNvPr id="24" name="Connector: Elbow 23"/>
-          <p:cNvCxnSpPr/>
-          <p:nvPr/>
-        </p:nvCxnSpPr>
-        <p:spPr>
-          <a:xfrm>
-            <a:off x="6237026" y="1184994"/>
-            <a:ext cx="1078172" cy="175060"/>
-          </a:xfrm>
-          <a:prstGeom prst="bentConnector2">
-            <a:avLst/>
-          </a:prstGeom>
-          <a:ln>
-            <a:tailEnd type="triangle"/>
-          </a:ln>
-        </p:spPr>
-        <p:style>
-          <a:lnRef idx="1">
-            <a:schemeClr val="dk1"/>
-          </a:lnRef>
-          <a:fillRef idx="0">
-            <a:schemeClr val="dk1"/>
-          </a:fillRef>
-          <a:effectRef idx="0">
-            <a:schemeClr val="dk1"/>
-          </a:effectRef>
-          <a:fontRef idx="minor">
-            <a:schemeClr val="tx1"/>
-          </a:fontRef>
-        </p:style>
-      </p:cxnSp>
-      <p:cxnSp>
-        <p:nvCxnSpPr>
-          <p:cNvPr id="25" name="Connector: Elbow 24"/>
-          <p:cNvCxnSpPr/>
-          <p:nvPr/>
-        </p:nvCxnSpPr>
-        <p:spPr>
-          <a:xfrm>
-            <a:off x="8289873" y="1530908"/>
-            <a:ext cx="1078172" cy="175060"/>
-          </a:xfrm>
-          <a:prstGeom prst="bentConnector2">
-            <a:avLst/>
-          </a:prstGeom>
-          <a:ln>
-            <a:tailEnd type="triangle"/>
-          </a:ln>
-        </p:spPr>
-        <p:style>
-          <a:lnRef idx="1">
-            <a:schemeClr val="dk1"/>
-          </a:lnRef>
-          <a:fillRef idx="0">
-            <a:schemeClr val="dk1"/>
-          </a:fillRef>
-          <a:effectRef idx="0">
-            <a:schemeClr val="dk1"/>
-          </a:effectRef>
-          <a:fontRef idx="minor">
-            <a:schemeClr val="tx1"/>
-          </a:fontRef>
-        </p:style>
-      </p:cxnSp>
-      <p:cxnSp>
-        <p:nvCxnSpPr>
-          <p:cNvPr id="26" name="Connector: Elbow 25"/>
-          <p:cNvCxnSpPr>
-            <a:endCxn id="20" idx="0"/>
-          </p:cNvCxnSpPr>
-          <p:nvPr/>
-        </p:nvCxnSpPr>
-        <p:spPr>
-          <a:xfrm>
-            <a:off x="10360942" y="1899317"/>
-            <a:ext cx="905920" cy="208334"/>
-          </a:xfrm>
-          <a:prstGeom prst="bentConnector2">
-            <a:avLst/>
-          </a:prstGeom>
-          <a:ln>
-            <a:tailEnd type="triangle"/>
-          </a:ln>
-        </p:spPr>
-        <p:style>
-          <a:lnRef idx="1">
-            <a:schemeClr val="dk1"/>
-          </a:lnRef>
-          <a:fillRef idx="0">
-            <a:schemeClr val="dk1"/>
-          </a:fillRef>
-          <a:effectRef idx="0">
-            <a:schemeClr val="dk1"/>
-          </a:effectRef>
-          <a:fontRef idx="minor">
-            <a:schemeClr val="tx1"/>
-          </a:fontRef>
-        </p:style>
-      </p:cxnSp>
-      <p:cxnSp>
-        <p:nvCxnSpPr>
-          <p:cNvPr id="32" name="Connector: Elbow 31"/>
-          <p:cNvCxnSpPr>
-            <a:stCxn id="6" idx="2"/>
-            <a:endCxn id="19" idx="2"/>
-          </p:cNvCxnSpPr>
-          <p:nvPr/>
-        </p:nvCxnSpPr>
-        <p:spPr>
-          <a:xfrm rot="16200000" flipH="1">
-            <a:off x="5175156" y="-3457904"/>
-            <a:ext cx="2022230" cy="10134321"/>
-          </a:xfrm>
-          <a:prstGeom prst="bentConnector3">
-            <a:avLst>
-              <a:gd name="adj1" fmla="val 111304"/>
-            </a:avLst>
-          </a:prstGeom>
-          <a:ln>
-            <a:headEnd type="triangle"/>
-            <a:tailEnd type="triangle"/>
-          </a:ln>
-        </p:spPr>
-        <p:style>
-          <a:lnRef idx="1">
-            <a:schemeClr val="dk1"/>
-          </a:lnRef>
-          <a:fillRef idx="0">
-            <a:schemeClr val="dk1"/>
-          </a:fillRef>
-          <a:effectRef idx="0">
-            <a:schemeClr val="dk1"/>
-          </a:effectRef>
-          <a:fontRef idx="minor">
-            <a:schemeClr val="tx1"/>
-          </a:fontRef>
-        </p:style>
-      </p:cxnSp>
-      <p:cxnSp>
-        <p:nvCxnSpPr>
-          <p:cNvPr id="35" name="Straight Arrow Connector 34"/>
-          <p:cNvCxnSpPr>
-            <a:endCxn id="18" idx="2"/>
-          </p:cNvCxnSpPr>
-          <p:nvPr/>
-        </p:nvCxnSpPr>
-        <p:spPr>
-          <a:xfrm flipV="1">
-            <a:off x="9368043" y="2169991"/>
-            <a:ext cx="7" cy="1269249"/>
-          </a:xfrm>
-          <a:prstGeom prst="straightConnector1">
-            <a:avLst/>
-          </a:prstGeom>
-          <a:ln>
-            <a:tailEnd type="triangle"/>
-          </a:ln>
-        </p:spPr>
-        <p:style>
-          <a:lnRef idx="1">
-            <a:schemeClr val="dk1"/>
-          </a:lnRef>
-          <a:fillRef idx="0">
-            <a:schemeClr val="dk1"/>
-          </a:fillRef>
-          <a:effectRef idx="0">
-            <a:schemeClr val="dk1"/>
-          </a:effectRef>
-          <a:fontRef idx="minor">
-            <a:schemeClr val="tx1"/>
-          </a:fontRef>
-        </p:style>
-      </p:cxnSp>
-      <p:cxnSp>
-        <p:nvCxnSpPr>
-          <p:cNvPr id="36" name="Straight Arrow Connector 35"/>
-          <p:cNvCxnSpPr/>
-          <p:nvPr/>
-        </p:nvCxnSpPr>
-        <p:spPr>
-          <a:xfrm flipH="1" flipV="1">
-            <a:off x="7311220" y="1829978"/>
-            <a:ext cx="27296" cy="1609258"/>
-          </a:xfrm>
-          <a:prstGeom prst="straightConnector1">
-            <a:avLst/>
-          </a:prstGeom>
-          <a:ln>
-            <a:tailEnd type="triangle"/>
-          </a:ln>
-        </p:spPr>
-        <p:style>
-          <a:lnRef idx="1">
-            <a:schemeClr val="dk1"/>
-          </a:lnRef>
-          <a:fillRef idx="0">
-            <a:schemeClr val="dk1"/>
-          </a:fillRef>
-          <a:effectRef idx="0">
-            <a:schemeClr val="dk1"/>
-          </a:effectRef>
-          <a:fontRef idx="minor">
-            <a:schemeClr val="tx1"/>
-          </a:fontRef>
-        </p:style>
-      </p:cxnSp>
-      <p:cxnSp>
-        <p:nvCxnSpPr>
-          <p:cNvPr id="38" name="Straight Arrow Connector 37"/>
-          <p:cNvCxnSpPr/>
-          <p:nvPr/>
-        </p:nvCxnSpPr>
-        <p:spPr>
-          <a:xfrm flipV="1">
-            <a:off x="5254385" y="1473030"/>
-            <a:ext cx="0" cy="1966207"/>
-          </a:xfrm>
-          <a:prstGeom prst="straightConnector1">
-            <a:avLst/>
-          </a:prstGeom>
-          <a:ln>
-            <a:tailEnd type="triangle"/>
-          </a:ln>
-        </p:spPr>
-        <p:style>
-          <a:lnRef idx="1">
-            <a:schemeClr val="dk1"/>
-          </a:lnRef>
-          <a:fillRef idx="0">
-            <a:schemeClr val="dk1"/>
-          </a:fillRef>
-          <a:effectRef idx="0">
-            <a:schemeClr val="dk1"/>
-          </a:effectRef>
-          <a:fontRef idx="minor">
-            <a:schemeClr val="tx1"/>
-          </a:fontRef>
-        </p:style>
-      </p:cxnSp>
-      <p:cxnSp>
-        <p:nvCxnSpPr>
-          <p:cNvPr id="40" name="Straight Arrow Connector 39"/>
-          <p:cNvCxnSpPr/>
-          <p:nvPr/>
-        </p:nvCxnSpPr>
-        <p:spPr>
-          <a:xfrm flipH="1" flipV="1">
-            <a:off x="3065058" y="1018862"/>
-            <a:ext cx="5688" cy="2420374"/>
+            <a:off x="9529012" y="2954059"/>
+            <a:ext cx="312822" cy="1"/>
           </a:xfrm>
           <a:prstGeom prst="straightConnector1">
             <a:avLst/>
@@ -14107,7 +14398,7 @@
     </p:spTree>
     <p:extLst>
       <p:ext uri="{BB962C8B-B14F-4D97-AF65-F5344CB8AC3E}">
-        <p14:creationId xmlns:p14="http://schemas.microsoft.com/office/powerpoint/2010/main" val="3801917157"/>
+        <p14:creationId xmlns:p14="http://schemas.microsoft.com/office/powerpoint/2010/main" val="1891223305"/>
       </p:ext>
     </p:extLst>
   </p:cSld>
